--- a/presentazione.pptx
+++ b/presentazione.pptx
@@ -5,24 +5,25 @@
     <p:sldMasterId id="2147483658" r:id="rId4"/>
   </p:sldMasterIdLst>
   <p:notesMasterIdLst>
-    <p:notesMasterId r:id="rId17"/>
+    <p:notesMasterId r:id="rId18"/>
   </p:notesMasterIdLst>
   <p:handoutMasterIdLst>
-    <p:handoutMasterId r:id="rId18"/>
+    <p:handoutMasterId r:id="rId19"/>
   </p:handoutMasterIdLst>
   <p:sldIdLst>
     <p:sldId id="410" r:id="rId5"/>
     <p:sldId id="383" r:id="rId6"/>
     <p:sldId id="413" r:id="rId7"/>
-    <p:sldId id="414" r:id="rId8"/>
-    <p:sldId id="415" r:id="rId9"/>
-    <p:sldId id="416" r:id="rId10"/>
-    <p:sldId id="417" r:id="rId11"/>
-    <p:sldId id="418" r:id="rId12"/>
-    <p:sldId id="419" r:id="rId13"/>
-    <p:sldId id="420" r:id="rId14"/>
-    <p:sldId id="421" r:id="rId15"/>
-    <p:sldId id="398" r:id="rId16"/>
+    <p:sldId id="422" r:id="rId8"/>
+    <p:sldId id="414" r:id="rId9"/>
+    <p:sldId id="415" r:id="rId10"/>
+    <p:sldId id="416" r:id="rId11"/>
+    <p:sldId id="417" r:id="rId12"/>
+    <p:sldId id="418" r:id="rId13"/>
+    <p:sldId id="419" r:id="rId14"/>
+    <p:sldId id="420" r:id="rId15"/>
+    <p:sldId id="421" r:id="rId16"/>
+    <p:sldId id="398" r:id="rId17"/>
   </p:sldIdLst>
   <p:sldSz cx="12192000" cy="6858000"/>
   <p:notesSz cx="6858000" cy="9144000"/>
@@ -202,7 +203,7 @@
             <a:pPr rtl="0"/>
             <a:fld id="{F43FFF67-0A66-4BA5-8D01-D7436A93C5DC}" type="datetime1">
               <a:rPr lang="it-IT" smtClean="0"/>
-              <a:t>23/01/2025</a:t>
+              <a:t>24/01/2025</a:t>
             </a:fld>
             <a:endParaRPr lang="it-IT" dirty="0"/>
           </a:p>
@@ -421,7 +422,7 @@
             <a:fld id="{CCC7B77D-D2C2-452D-80DB-AB1E949B0C69}" type="datetime1">
               <a:rPr lang="it-IT" smtClean="0"/>
               <a:pPr/>
-              <a:t>23/01/2025</a:t>
+              <a:t>24/01/2025</a:t>
             </a:fld>
             <a:endParaRPr lang="it-IT" dirty="0"/>
           </a:p>
@@ -801,6 +802,124 @@
         <p:cNvPr id="1" name="">
           <a:extLst>
             <a:ext uri="{FF2B5EF4-FFF2-40B4-BE49-F238E27FC236}">
+              <a16:creationId xmlns:a16="http://schemas.microsoft.com/office/drawing/2014/main" id="{DC7979CB-9123-9530-D7C7-76E87B288F9C}"/>
+            </a:ext>
+          </a:extLst>
+        </p:cNvPr>
+        <p:cNvGrpSpPr/>
+        <p:nvPr/>
+      </p:nvGrpSpPr>
+      <p:grpSpPr>
+        <a:xfrm>
+          <a:off x="0" y="0"/>
+          <a:ext cx="0" cy="0"/>
+          <a:chOff x="0" y="0"/>
+          <a:chExt cx="0" cy="0"/>
+        </a:xfrm>
+      </p:grpSpPr>
+      <p:sp>
+        <p:nvSpPr>
+          <p:cNvPr id="2" name="Segnaposto immagine diapositiva 1">
+            <a:extLst>
+              <a:ext uri="{FF2B5EF4-FFF2-40B4-BE49-F238E27FC236}">
+                <a16:creationId xmlns:a16="http://schemas.microsoft.com/office/drawing/2014/main" id="{EF42DAF2-FC5E-8138-4168-A95C4DD4A524}"/>
+              </a:ext>
+            </a:extLst>
+          </p:cNvPr>
+          <p:cNvSpPr>
+            <a:spLocks noGrp="1" noRot="1" noChangeAspect="1"/>
+          </p:cNvSpPr>
+          <p:nvPr>
+            <p:ph type="sldImg"/>
+          </p:nvPr>
+        </p:nvSpPr>
+        <p:spPr/>
+      </p:sp>
+      <p:sp>
+        <p:nvSpPr>
+          <p:cNvPr id="3" name="Segnaposto note 2">
+            <a:extLst>
+              <a:ext uri="{FF2B5EF4-FFF2-40B4-BE49-F238E27FC236}">
+                <a16:creationId xmlns:a16="http://schemas.microsoft.com/office/drawing/2014/main" id="{E8C9C226-AD00-9167-3A0B-59B807DC9946}"/>
+              </a:ext>
+            </a:extLst>
+          </p:cNvPr>
+          <p:cNvSpPr>
+            <a:spLocks noGrp="1"/>
+          </p:cNvSpPr>
+          <p:nvPr>
+            <p:ph type="body" idx="1"/>
+          </p:nvPr>
+        </p:nvSpPr>
+        <p:spPr/>
+        <p:txBody>
+          <a:bodyPr rtlCol="0"/>
+          <a:lstStyle>
+            <a:defPPr>
+              <a:defRPr lang="it-IT"/>
+            </a:defPPr>
+          </a:lstStyle>
+          <a:p>
+            <a:pPr rtl="0"/>
+            <a:endParaRPr lang="it-IT" dirty="0"/>
+          </a:p>
+        </p:txBody>
+      </p:sp>
+      <p:sp>
+        <p:nvSpPr>
+          <p:cNvPr id="4" name="Segnaposto numero diapositiva 3">
+            <a:extLst>
+              <a:ext uri="{FF2B5EF4-FFF2-40B4-BE49-F238E27FC236}">
+                <a16:creationId xmlns:a16="http://schemas.microsoft.com/office/drawing/2014/main" id="{B1E1642D-0E8A-F22F-C04B-3F66E872F5DE}"/>
+              </a:ext>
+            </a:extLst>
+          </p:cNvPr>
+          <p:cNvSpPr>
+            <a:spLocks noGrp="1"/>
+          </p:cNvSpPr>
+          <p:nvPr>
+            <p:ph type="sldNum" sz="quarter" idx="5"/>
+          </p:nvPr>
+        </p:nvSpPr>
+        <p:spPr/>
+        <p:txBody>
+          <a:bodyPr rtlCol="0"/>
+          <a:lstStyle>
+            <a:defPPr>
+              <a:defRPr lang="it-IT"/>
+            </a:defPPr>
+          </a:lstStyle>
+          <a:p>
+            <a:pPr rtl="0"/>
+            <a:fld id="{A89C7E07-3C67-C64C-8DA0-0404F6303970}" type="slidenum">
+              <a:rPr lang="it-IT" smtClean="0"/>
+              <a:t>10</a:t>
+            </a:fld>
+            <a:endParaRPr lang="it-IT" dirty="0"/>
+          </a:p>
+        </p:txBody>
+      </p:sp>
+    </p:spTree>
+    <p:extLst>
+      <p:ext uri="{BB962C8B-B14F-4D97-AF65-F5344CB8AC3E}">
+        <p14:creationId xmlns:p14="http://schemas.microsoft.com/office/powerpoint/2010/main" val="1639383663"/>
+      </p:ext>
+    </p:extLst>
+  </p:cSld>
+  <p:clrMapOvr>
+    <a:masterClrMapping/>
+  </p:clrMapOvr>
+</p:notes>
+</file>
+
+<file path=ppt/notesSlides/notesSlide11.xml><?xml version="1.0" encoding="utf-8"?>
+<p:notes xmlns:a="http://schemas.openxmlformats.org/drawingml/2006/main" xmlns:r="http://schemas.openxmlformats.org/officeDocument/2006/relationships" xmlns:p="http://schemas.openxmlformats.org/presentationml/2006/main">
+  <p:cSld>
+    <p:spTree>
+      <p:nvGrpSpPr>
+        <p:cNvPr id="1" name="">
+          <a:extLst>
+            <a:ext uri="{FF2B5EF4-FFF2-40B4-BE49-F238E27FC236}">
               <a16:creationId xmlns:a16="http://schemas.microsoft.com/office/drawing/2014/main" id="{30E5AD7B-9E3B-8A1E-E0E8-FC9C20AD75F8}"/>
             </a:ext>
           </a:extLst>
@@ -892,7 +1011,7 @@
             <a:pPr rtl="0"/>
             <a:fld id="{A89C7E07-3C67-C64C-8DA0-0404F6303970}" type="slidenum">
               <a:rPr lang="it-IT" smtClean="0"/>
-              <a:t>10</a:t>
+              <a:t>11</a:t>
             </a:fld>
             <a:endParaRPr lang="it-IT" dirty="0"/>
           </a:p>
@@ -911,7 +1030,7 @@
 </p:notes>
 </file>
 
-<file path=ppt/notesSlides/notesSlide11.xml><?xml version="1.0" encoding="utf-8"?>
+<file path=ppt/notesSlides/notesSlide12.xml><?xml version="1.0" encoding="utf-8"?>
 <p:notes xmlns:a="http://schemas.openxmlformats.org/drawingml/2006/main" xmlns:r="http://schemas.openxmlformats.org/officeDocument/2006/relationships" xmlns:p="http://schemas.openxmlformats.org/presentationml/2006/main">
   <p:cSld>
     <p:spTree>
@@ -1010,7 +1129,7 @@
             <a:pPr rtl="0"/>
             <a:fld id="{A89C7E07-3C67-C64C-8DA0-0404F6303970}" type="slidenum">
               <a:rPr lang="it-IT" smtClean="0"/>
-              <a:t>11</a:t>
+              <a:t>12</a:t>
             </a:fld>
             <a:endParaRPr lang="it-IT" dirty="0"/>
           </a:p>
@@ -1029,7 +1148,7 @@
 </p:notes>
 </file>
 
-<file path=ppt/notesSlides/notesSlide12.xml><?xml version="1.0" encoding="utf-8"?>
+<file path=ppt/notesSlides/notesSlide13.xml><?xml version="1.0" encoding="utf-8"?>
 <p:notes xmlns:a="http://schemas.openxmlformats.org/drawingml/2006/main" xmlns:r="http://schemas.openxmlformats.org/officeDocument/2006/relationships" xmlns:p="http://schemas.openxmlformats.org/presentationml/2006/main">
   <p:cSld>
     <p:spTree>
@@ -1104,7 +1223,7 @@
             <a:pPr rtl="0"/>
             <a:fld id="{A89C7E07-3C67-C64C-8DA0-0404F6303970}" type="slidenum">
               <a:rPr lang="it-IT" smtClean="0"/>
-              <a:t>12</a:t>
+              <a:t>13</a:t>
             </a:fld>
             <a:endParaRPr lang="it-IT" dirty="0"/>
           </a:p>
@@ -1343,6 +1462,124 @@
         <p:cNvPr id="1" name="">
           <a:extLst>
             <a:ext uri="{FF2B5EF4-FFF2-40B4-BE49-F238E27FC236}">
+              <a16:creationId xmlns:a16="http://schemas.microsoft.com/office/drawing/2014/main" id="{E2A2F6AF-EB73-A91C-058A-C30628D75843}"/>
+            </a:ext>
+          </a:extLst>
+        </p:cNvPr>
+        <p:cNvGrpSpPr/>
+        <p:nvPr/>
+      </p:nvGrpSpPr>
+      <p:grpSpPr>
+        <a:xfrm>
+          <a:off x="0" y="0"/>
+          <a:ext cx="0" cy="0"/>
+          <a:chOff x="0" y="0"/>
+          <a:chExt cx="0" cy="0"/>
+        </a:xfrm>
+      </p:grpSpPr>
+      <p:sp>
+        <p:nvSpPr>
+          <p:cNvPr id="2" name="Segnaposto immagine diapositiva 1">
+            <a:extLst>
+              <a:ext uri="{FF2B5EF4-FFF2-40B4-BE49-F238E27FC236}">
+                <a16:creationId xmlns:a16="http://schemas.microsoft.com/office/drawing/2014/main" id="{2F996B00-506C-FF7D-7096-B45AD073ACA7}"/>
+              </a:ext>
+            </a:extLst>
+          </p:cNvPr>
+          <p:cNvSpPr>
+            <a:spLocks noGrp="1" noRot="1" noChangeAspect="1"/>
+          </p:cNvSpPr>
+          <p:nvPr>
+            <p:ph type="sldImg"/>
+          </p:nvPr>
+        </p:nvSpPr>
+        <p:spPr/>
+      </p:sp>
+      <p:sp>
+        <p:nvSpPr>
+          <p:cNvPr id="3" name="Segnaposto note 2">
+            <a:extLst>
+              <a:ext uri="{FF2B5EF4-FFF2-40B4-BE49-F238E27FC236}">
+                <a16:creationId xmlns:a16="http://schemas.microsoft.com/office/drawing/2014/main" id="{08F6AAE9-A247-19BD-BEDD-E10B40E0F385}"/>
+              </a:ext>
+            </a:extLst>
+          </p:cNvPr>
+          <p:cNvSpPr>
+            <a:spLocks noGrp="1"/>
+          </p:cNvSpPr>
+          <p:nvPr>
+            <p:ph type="body" idx="1"/>
+          </p:nvPr>
+        </p:nvSpPr>
+        <p:spPr/>
+        <p:txBody>
+          <a:bodyPr rtlCol="0"/>
+          <a:lstStyle>
+            <a:defPPr>
+              <a:defRPr lang="it-IT"/>
+            </a:defPPr>
+          </a:lstStyle>
+          <a:p>
+            <a:pPr rtl="0"/>
+            <a:endParaRPr lang="it-IT" dirty="0"/>
+          </a:p>
+        </p:txBody>
+      </p:sp>
+      <p:sp>
+        <p:nvSpPr>
+          <p:cNvPr id="4" name="Segnaposto numero diapositiva 3">
+            <a:extLst>
+              <a:ext uri="{FF2B5EF4-FFF2-40B4-BE49-F238E27FC236}">
+                <a16:creationId xmlns:a16="http://schemas.microsoft.com/office/drawing/2014/main" id="{F8C7F44B-8CF6-DBBC-9D71-8F30D2325016}"/>
+              </a:ext>
+            </a:extLst>
+          </p:cNvPr>
+          <p:cNvSpPr>
+            <a:spLocks noGrp="1"/>
+          </p:cNvSpPr>
+          <p:nvPr>
+            <p:ph type="sldNum" sz="quarter" idx="5"/>
+          </p:nvPr>
+        </p:nvSpPr>
+        <p:spPr/>
+        <p:txBody>
+          <a:bodyPr rtlCol="0"/>
+          <a:lstStyle>
+            <a:defPPr>
+              <a:defRPr lang="it-IT"/>
+            </a:defPPr>
+          </a:lstStyle>
+          <a:p>
+            <a:pPr rtl="0"/>
+            <a:fld id="{A89C7E07-3C67-C64C-8DA0-0404F6303970}" type="slidenum">
+              <a:rPr lang="it-IT" smtClean="0"/>
+              <a:t>4</a:t>
+            </a:fld>
+            <a:endParaRPr lang="it-IT" dirty="0"/>
+          </a:p>
+        </p:txBody>
+      </p:sp>
+    </p:spTree>
+    <p:extLst>
+      <p:ext uri="{BB962C8B-B14F-4D97-AF65-F5344CB8AC3E}">
+        <p14:creationId xmlns:p14="http://schemas.microsoft.com/office/powerpoint/2010/main" val="2013946763"/>
+      </p:ext>
+    </p:extLst>
+  </p:cSld>
+  <p:clrMapOvr>
+    <a:masterClrMapping/>
+  </p:clrMapOvr>
+</p:notes>
+</file>
+
+<file path=ppt/notesSlides/notesSlide5.xml><?xml version="1.0" encoding="utf-8"?>
+<p:notes xmlns:a="http://schemas.openxmlformats.org/drawingml/2006/main" xmlns:r="http://schemas.openxmlformats.org/officeDocument/2006/relationships" xmlns:p="http://schemas.openxmlformats.org/presentationml/2006/main">
+  <p:cSld>
+    <p:spTree>
+      <p:nvGrpSpPr>
+        <p:cNvPr id="1" name="">
+          <a:extLst>
+            <a:ext uri="{FF2B5EF4-FFF2-40B4-BE49-F238E27FC236}">
               <a16:creationId xmlns:a16="http://schemas.microsoft.com/office/drawing/2014/main" id="{6387E253-4143-1C47-8479-1B4639D2ABAF}"/>
             </a:ext>
           </a:extLst>
@@ -1434,7 +1671,7 @@
             <a:pPr rtl="0"/>
             <a:fld id="{A89C7E07-3C67-C64C-8DA0-0404F6303970}" type="slidenum">
               <a:rPr lang="it-IT" smtClean="0"/>
-              <a:t>4</a:t>
+              <a:t>5</a:t>
             </a:fld>
             <a:endParaRPr lang="it-IT" dirty="0"/>
           </a:p>
@@ -1453,7 +1690,7 @@
 </p:notes>
 </file>
 
-<file path=ppt/notesSlides/notesSlide5.xml><?xml version="1.0" encoding="utf-8"?>
+<file path=ppt/notesSlides/notesSlide6.xml><?xml version="1.0" encoding="utf-8"?>
 <p:notes xmlns:a="http://schemas.openxmlformats.org/drawingml/2006/main" xmlns:r="http://schemas.openxmlformats.org/officeDocument/2006/relationships" xmlns:p="http://schemas.openxmlformats.org/presentationml/2006/main">
   <p:cSld>
     <p:spTree>
@@ -1552,7 +1789,7 @@
             <a:pPr rtl="0"/>
             <a:fld id="{A89C7E07-3C67-C64C-8DA0-0404F6303970}" type="slidenum">
               <a:rPr lang="it-IT" smtClean="0"/>
-              <a:t>5</a:t>
+              <a:t>6</a:t>
             </a:fld>
             <a:endParaRPr lang="it-IT" dirty="0"/>
           </a:p>
@@ -1571,7 +1808,7 @@
 </p:notes>
 </file>
 
-<file path=ppt/notesSlides/notesSlide6.xml><?xml version="1.0" encoding="utf-8"?>
+<file path=ppt/notesSlides/notesSlide7.xml><?xml version="1.0" encoding="utf-8"?>
 <p:notes xmlns:a="http://schemas.openxmlformats.org/drawingml/2006/main" xmlns:r="http://schemas.openxmlformats.org/officeDocument/2006/relationships" xmlns:p="http://schemas.openxmlformats.org/presentationml/2006/main">
   <p:cSld>
     <p:spTree>
@@ -1670,7 +1907,7 @@
             <a:pPr rtl="0"/>
             <a:fld id="{A89C7E07-3C67-C64C-8DA0-0404F6303970}" type="slidenum">
               <a:rPr lang="it-IT" smtClean="0"/>
-              <a:t>6</a:t>
+              <a:t>7</a:t>
             </a:fld>
             <a:endParaRPr lang="it-IT" dirty="0"/>
           </a:p>
@@ -1689,7 +1926,7 @@
 </p:notes>
 </file>
 
-<file path=ppt/notesSlides/notesSlide7.xml><?xml version="1.0" encoding="utf-8"?>
+<file path=ppt/notesSlides/notesSlide8.xml><?xml version="1.0" encoding="utf-8"?>
 <p:notes xmlns:a="http://schemas.openxmlformats.org/drawingml/2006/main" xmlns:r="http://schemas.openxmlformats.org/officeDocument/2006/relationships" xmlns:p="http://schemas.openxmlformats.org/presentationml/2006/main">
   <p:cSld>
     <p:spTree>
@@ -1788,7 +2025,7 @@
             <a:pPr rtl="0"/>
             <a:fld id="{A89C7E07-3C67-C64C-8DA0-0404F6303970}" type="slidenum">
               <a:rPr lang="it-IT" smtClean="0"/>
-              <a:t>7</a:t>
+              <a:t>8</a:t>
             </a:fld>
             <a:endParaRPr lang="it-IT" dirty="0"/>
           </a:p>
@@ -1807,7 +2044,7 @@
 </p:notes>
 </file>
 
-<file path=ppt/notesSlides/notesSlide8.xml><?xml version="1.0" encoding="utf-8"?>
+<file path=ppt/notesSlides/notesSlide9.xml><?xml version="1.0" encoding="utf-8"?>
 <p:notes xmlns:a="http://schemas.openxmlformats.org/drawingml/2006/main" xmlns:r="http://schemas.openxmlformats.org/officeDocument/2006/relationships" xmlns:p="http://schemas.openxmlformats.org/presentationml/2006/main">
   <p:cSld>
     <p:spTree>
@@ -1906,7 +2143,7 @@
             <a:pPr rtl="0"/>
             <a:fld id="{A89C7E07-3C67-C64C-8DA0-0404F6303970}" type="slidenum">
               <a:rPr lang="it-IT" smtClean="0"/>
-              <a:t>8</a:t>
+              <a:t>9</a:t>
             </a:fld>
             <a:endParaRPr lang="it-IT" dirty="0"/>
           </a:p>
@@ -1916,124 +2153,6 @@
     <p:extLst>
       <p:ext uri="{BB962C8B-B14F-4D97-AF65-F5344CB8AC3E}">
         <p14:creationId xmlns:p14="http://schemas.microsoft.com/office/powerpoint/2010/main" val="22684094"/>
-      </p:ext>
-    </p:extLst>
-  </p:cSld>
-  <p:clrMapOvr>
-    <a:masterClrMapping/>
-  </p:clrMapOvr>
-</p:notes>
-</file>
-
-<file path=ppt/notesSlides/notesSlide9.xml><?xml version="1.0" encoding="utf-8"?>
-<p:notes xmlns:a="http://schemas.openxmlformats.org/drawingml/2006/main" xmlns:r="http://schemas.openxmlformats.org/officeDocument/2006/relationships" xmlns:p="http://schemas.openxmlformats.org/presentationml/2006/main">
-  <p:cSld>
-    <p:spTree>
-      <p:nvGrpSpPr>
-        <p:cNvPr id="1" name="">
-          <a:extLst>
-            <a:ext uri="{FF2B5EF4-FFF2-40B4-BE49-F238E27FC236}">
-              <a16:creationId xmlns:a16="http://schemas.microsoft.com/office/drawing/2014/main" id="{DC7979CB-9123-9530-D7C7-76E87B288F9C}"/>
-            </a:ext>
-          </a:extLst>
-        </p:cNvPr>
-        <p:cNvGrpSpPr/>
-        <p:nvPr/>
-      </p:nvGrpSpPr>
-      <p:grpSpPr>
-        <a:xfrm>
-          <a:off x="0" y="0"/>
-          <a:ext cx="0" cy="0"/>
-          <a:chOff x="0" y="0"/>
-          <a:chExt cx="0" cy="0"/>
-        </a:xfrm>
-      </p:grpSpPr>
-      <p:sp>
-        <p:nvSpPr>
-          <p:cNvPr id="2" name="Segnaposto immagine diapositiva 1">
-            <a:extLst>
-              <a:ext uri="{FF2B5EF4-FFF2-40B4-BE49-F238E27FC236}">
-                <a16:creationId xmlns:a16="http://schemas.microsoft.com/office/drawing/2014/main" id="{EF42DAF2-FC5E-8138-4168-A95C4DD4A524}"/>
-              </a:ext>
-            </a:extLst>
-          </p:cNvPr>
-          <p:cNvSpPr>
-            <a:spLocks noGrp="1" noRot="1" noChangeAspect="1"/>
-          </p:cNvSpPr>
-          <p:nvPr>
-            <p:ph type="sldImg"/>
-          </p:nvPr>
-        </p:nvSpPr>
-        <p:spPr/>
-      </p:sp>
-      <p:sp>
-        <p:nvSpPr>
-          <p:cNvPr id="3" name="Segnaposto note 2">
-            <a:extLst>
-              <a:ext uri="{FF2B5EF4-FFF2-40B4-BE49-F238E27FC236}">
-                <a16:creationId xmlns:a16="http://schemas.microsoft.com/office/drawing/2014/main" id="{E8C9C226-AD00-9167-3A0B-59B807DC9946}"/>
-              </a:ext>
-            </a:extLst>
-          </p:cNvPr>
-          <p:cNvSpPr>
-            <a:spLocks noGrp="1"/>
-          </p:cNvSpPr>
-          <p:nvPr>
-            <p:ph type="body" idx="1"/>
-          </p:nvPr>
-        </p:nvSpPr>
-        <p:spPr/>
-        <p:txBody>
-          <a:bodyPr rtlCol="0"/>
-          <a:lstStyle>
-            <a:defPPr>
-              <a:defRPr lang="it-IT"/>
-            </a:defPPr>
-          </a:lstStyle>
-          <a:p>
-            <a:pPr rtl="0"/>
-            <a:endParaRPr lang="it-IT" dirty="0"/>
-          </a:p>
-        </p:txBody>
-      </p:sp>
-      <p:sp>
-        <p:nvSpPr>
-          <p:cNvPr id="4" name="Segnaposto numero diapositiva 3">
-            <a:extLst>
-              <a:ext uri="{FF2B5EF4-FFF2-40B4-BE49-F238E27FC236}">
-                <a16:creationId xmlns:a16="http://schemas.microsoft.com/office/drawing/2014/main" id="{B1E1642D-0E8A-F22F-C04B-3F66E872F5DE}"/>
-              </a:ext>
-            </a:extLst>
-          </p:cNvPr>
-          <p:cNvSpPr>
-            <a:spLocks noGrp="1"/>
-          </p:cNvSpPr>
-          <p:nvPr>
-            <p:ph type="sldNum" sz="quarter" idx="5"/>
-          </p:nvPr>
-        </p:nvSpPr>
-        <p:spPr/>
-        <p:txBody>
-          <a:bodyPr rtlCol="0"/>
-          <a:lstStyle>
-            <a:defPPr>
-              <a:defRPr lang="it-IT"/>
-            </a:defPPr>
-          </a:lstStyle>
-          <a:p>
-            <a:pPr rtl="0"/>
-            <a:fld id="{A89C7E07-3C67-C64C-8DA0-0404F6303970}" type="slidenum">
-              <a:rPr lang="it-IT" smtClean="0"/>
-              <a:t>9</a:t>
-            </a:fld>
-            <a:endParaRPr lang="it-IT" dirty="0"/>
-          </a:p>
-        </p:txBody>
-      </p:sp>
-    </p:spTree>
-    <p:extLst>
-      <p:ext uri="{BB962C8B-B14F-4D97-AF65-F5344CB8AC3E}">
-        <p14:creationId xmlns:p14="http://schemas.microsoft.com/office/powerpoint/2010/main" val="1639383663"/>
       </p:ext>
     </p:extLst>
   </p:cSld>
@@ -10813,7 +10932,7 @@
         <p:cNvPr id="1" name="">
           <a:extLst>
             <a:ext uri="{FF2B5EF4-FFF2-40B4-BE49-F238E27FC236}">
-              <a16:creationId xmlns:a16="http://schemas.microsoft.com/office/drawing/2014/main" id="{068AE611-94C5-DCCA-53B0-02CD05165EA0}"/>
+              <a16:creationId xmlns:a16="http://schemas.microsoft.com/office/drawing/2014/main" id="{BAE7F4F3-C423-28A2-D6E5-19C8929F6448}"/>
             </a:ext>
           </a:extLst>
         </p:cNvPr>
@@ -10833,7 +10952,7 @@
           <p:cNvPr id="2" name="Titolo 1">
             <a:extLst>
               <a:ext uri="{FF2B5EF4-FFF2-40B4-BE49-F238E27FC236}">
-                <a16:creationId xmlns:a16="http://schemas.microsoft.com/office/drawing/2014/main" id="{47905310-5C38-1B3B-7511-7D0C37D5D922}"/>
+                <a16:creationId xmlns:a16="http://schemas.microsoft.com/office/drawing/2014/main" id="{D0BC79A9-7ED9-83B5-CB77-DEA45E65824C}"/>
               </a:ext>
             </a:extLst>
           </p:cNvPr>
@@ -10861,7 +10980,7 @@
             <a:pPr rtl="0"/>
             <a:r>
               <a:rPr lang="it-IT" sz="4000" b="0" dirty="0"/>
-              <a:t>Conclusioni</a:t>
+              <a:t>Risultati – Opzioni americane</a:t>
             </a:r>
           </a:p>
         </p:txBody>
@@ -10871,7 +10990,7 @@
           <p:cNvPr id="3" name="Segnaposto contenuto 2">
             <a:extLst>
               <a:ext uri="{FF2B5EF4-FFF2-40B4-BE49-F238E27FC236}">
-                <a16:creationId xmlns:a16="http://schemas.microsoft.com/office/drawing/2014/main" id="{3EBDD153-840F-C3CB-218B-8EDBD25FE2AF}"/>
+                <a16:creationId xmlns:a16="http://schemas.microsoft.com/office/drawing/2014/main" id="{34C90A72-1DEF-E604-1F40-32E0E6C3726F}"/>
               </a:ext>
             </a:extLst>
           </p:cNvPr>
@@ -10933,7 +11052,7 @@
           <p:cNvPr id="6" name="Segnaposto contenuto 5">
             <a:extLst>
               <a:ext uri="{FF2B5EF4-FFF2-40B4-BE49-F238E27FC236}">
-                <a16:creationId xmlns:a16="http://schemas.microsoft.com/office/drawing/2014/main" id="{03CCE4AC-344E-50AA-F6DA-BF9597185A92}"/>
+                <a16:creationId xmlns:a16="http://schemas.microsoft.com/office/drawing/2014/main" id="{EEE22862-E979-321D-1130-8F8938C71AF1}"/>
               </a:ext>
             </a:extLst>
           </p:cNvPr>
@@ -10963,6 +11082,174 @@
     </p:spTree>
     <p:extLst>
       <p:ext uri="{BB962C8B-B14F-4D97-AF65-F5344CB8AC3E}">
+        <p14:creationId xmlns:p14="http://schemas.microsoft.com/office/powerpoint/2010/main" val="4277053863"/>
+      </p:ext>
+    </p:extLst>
+  </p:cSld>
+  <p:clrMapOvr>
+    <a:masterClrMapping/>
+  </p:clrMapOvr>
+</p:sld>
+</file>
+
+<file path=ppt/slides/slide11.xml><?xml version="1.0" encoding="utf-8"?>
+<p:sld xmlns:a="http://schemas.openxmlformats.org/drawingml/2006/main" xmlns:r="http://schemas.openxmlformats.org/officeDocument/2006/relationships" xmlns:p="http://schemas.openxmlformats.org/presentationml/2006/main">
+  <p:cSld>
+    <p:spTree>
+      <p:nvGrpSpPr>
+        <p:cNvPr id="1" name="">
+          <a:extLst>
+            <a:ext uri="{FF2B5EF4-FFF2-40B4-BE49-F238E27FC236}">
+              <a16:creationId xmlns:a16="http://schemas.microsoft.com/office/drawing/2014/main" id="{068AE611-94C5-DCCA-53B0-02CD05165EA0}"/>
+            </a:ext>
+          </a:extLst>
+        </p:cNvPr>
+        <p:cNvGrpSpPr/>
+        <p:nvPr/>
+      </p:nvGrpSpPr>
+      <p:grpSpPr>
+        <a:xfrm>
+          <a:off x="0" y="0"/>
+          <a:ext cx="0" cy="0"/>
+          <a:chOff x="0" y="0"/>
+          <a:chExt cx="0" cy="0"/>
+        </a:xfrm>
+      </p:grpSpPr>
+      <p:sp>
+        <p:nvSpPr>
+          <p:cNvPr id="2" name="Titolo 1">
+            <a:extLst>
+              <a:ext uri="{FF2B5EF4-FFF2-40B4-BE49-F238E27FC236}">
+                <a16:creationId xmlns:a16="http://schemas.microsoft.com/office/drawing/2014/main" id="{47905310-5C38-1B3B-7511-7D0C37D5D922}"/>
+              </a:ext>
+            </a:extLst>
+          </p:cNvPr>
+          <p:cNvSpPr>
+            <a:spLocks noGrp="1"/>
+          </p:cNvSpPr>
+          <p:nvPr>
+            <p:ph type="title"/>
+          </p:nvPr>
+        </p:nvSpPr>
+        <p:spPr>
+          <a:xfrm>
+            <a:off x="594360" y="278129"/>
+            <a:ext cx="9778365" cy="1494596"/>
+          </a:xfrm>
+        </p:spPr>
+        <p:txBody>
+          <a:bodyPr rtlCol="0"/>
+          <a:lstStyle>
+            <a:defPPr>
+              <a:defRPr lang="it-IT"/>
+            </a:defPPr>
+          </a:lstStyle>
+          <a:p>
+            <a:pPr rtl="0"/>
+            <a:r>
+              <a:rPr lang="it-IT" sz="4000" b="0" dirty="0"/>
+              <a:t>Conclusioni</a:t>
+            </a:r>
+          </a:p>
+        </p:txBody>
+      </p:sp>
+      <p:sp>
+        <p:nvSpPr>
+          <p:cNvPr id="3" name="Segnaposto contenuto 2">
+            <a:extLst>
+              <a:ext uri="{FF2B5EF4-FFF2-40B4-BE49-F238E27FC236}">
+                <a16:creationId xmlns:a16="http://schemas.microsoft.com/office/drawing/2014/main" id="{3EBDD153-840F-C3CB-218B-8EDBD25FE2AF}"/>
+              </a:ext>
+            </a:extLst>
+          </p:cNvPr>
+          <p:cNvSpPr>
+            <a:spLocks noGrp="1"/>
+          </p:cNvSpPr>
+          <p:nvPr>
+            <p:ph sz="quarter" idx="15"/>
+          </p:nvPr>
+        </p:nvSpPr>
+        <p:spPr>
+          <a:xfrm>
+            <a:off x="594360" y="2676525"/>
+            <a:ext cx="6474193" cy="3597470"/>
+          </a:xfrm>
+        </p:spPr>
+        <p:txBody>
+          <a:bodyPr rtlCol="0"/>
+          <a:lstStyle>
+            <a:defPPr>
+              <a:defRPr lang="it-IT"/>
+            </a:defPPr>
+          </a:lstStyle>
+          <a:p>
+            <a:pPr rtl="0"/>
+            <a:r>
+              <a:rPr lang="it-IT" dirty="0"/>
+              <a:t>Applicare la put call </a:t>
+            </a:r>
+            <a:r>
+              <a:rPr lang="it-IT" dirty="0" err="1"/>
+              <a:t>parity</a:t>
+            </a:r>
+            <a:r>
+              <a:rPr lang="it-IT" dirty="0"/>
+              <a:t> e tirare fuori la retta di regressione, per farlo ci servono i dati delle opzioni a </a:t>
+            </a:r>
+            <a:r>
+              <a:rPr lang="it-IT" dirty="0" err="1"/>
+              <a:t>paritá</a:t>
+            </a:r>
+            <a:r>
+              <a:rPr lang="it-IT" dirty="0"/>
+              <a:t> di strike, scadenza e last trade, il valore del titolo, il tasso risk free e la </a:t>
+            </a:r>
+            <a:r>
+              <a:rPr lang="it-IT" dirty="0" err="1"/>
+              <a:t>volatilitá</a:t>
+            </a:r>
+            <a:r>
+              <a:rPr lang="it-IT" dirty="0"/>
+              <a:t> del titolo dopo in metodologia spiego come faccio</a:t>
+            </a:r>
+          </a:p>
+        </p:txBody>
+      </p:sp>
+      <p:sp>
+        <p:nvSpPr>
+          <p:cNvPr id="6" name="Segnaposto contenuto 5">
+            <a:extLst>
+              <a:ext uri="{FF2B5EF4-FFF2-40B4-BE49-F238E27FC236}">
+                <a16:creationId xmlns:a16="http://schemas.microsoft.com/office/drawing/2014/main" id="{03CCE4AC-344E-50AA-F6DA-BF9597185A92}"/>
+              </a:ext>
+            </a:extLst>
+          </p:cNvPr>
+          <p:cNvSpPr>
+            <a:spLocks noGrp="1"/>
+          </p:cNvSpPr>
+          <p:nvPr>
+            <p:ph sz="quarter" idx="16"/>
+          </p:nvPr>
+        </p:nvSpPr>
+        <p:spPr>
+          <a:xfrm rot="10800000" flipV="1">
+            <a:off x="11327732" y="667277"/>
+            <a:ext cx="625643" cy="848701"/>
+          </a:xfrm>
+        </p:spPr>
+        <p:txBody>
+          <a:bodyPr>
+            <a:normAutofit/>
+          </a:bodyPr>
+          <a:lstStyle/>
+          <a:p>
+            <a:endParaRPr lang="it-IT" dirty="0"/>
+          </a:p>
+        </p:txBody>
+      </p:sp>
+    </p:spTree>
+    <p:extLst>
+      <p:ext uri="{BB962C8B-B14F-4D97-AF65-F5344CB8AC3E}">
         <p14:creationId xmlns:p14="http://schemas.microsoft.com/office/powerpoint/2010/main" val="1681496619"/>
       </p:ext>
     </p:extLst>
@@ -10973,7 +11260,7 @@
 </p:sld>
 </file>
 
-<file path=ppt/slides/slide11.xml><?xml version="1.0" encoding="utf-8"?>
+<file path=ppt/slides/slide12.xml><?xml version="1.0" encoding="utf-8"?>
 <p:sld xmlns:a="http://schemas.openxmlformats.org/drawingml/2006/main" xmlns:r="http://schemas.openxmlformats.org/officeDocument/2006/relationships" xmlns:p="http://schemas.openxmlformats.org/presentationml/2006/main">
   <p:cSld>
     <p:spTree>
@@ -11141,7 +11428,7 @@
 </p:sld>
 </file>
 
-<file path=ppt/slides/slide12.xml><?xml version="1.0" encoding="utf-8"?>
+<file path=ppt/slides/slide13.xml><?xml version="1.0" encoding="utf-8"?>
 <p:sld xmlns:a="http://schemas.openxmlformats.org/drawingml/2006/main" xmlns:r="http://schemas.openxmlformats.org/officeDocument/2006/relationships" xmlns:p="http://schemas.openxmlformats.org/presentationml/2006/main">
   <p:cSld>
     <p:spTree>
@@ -11882,7 +12169,7 @@
             <a:pPr rtl="0"/>
             <a:r>
               <a:rPr lang="it-IT" sz="4000" b="0" dirty="0"/>
-              <a:t>Introduzione - Contesto</a:t>
+              <a:t>Introduzione – Contesto(1)</a:t>
             </a:r>
           </a:p>
         </p:txBody>
@@ -11906,11 +12193,13 @@
         <p:spPr>
           <a:xfrm>
             <a:off x="594360" y="2676525"/>
-            <a:ext cx="6474193" cy="3597470"/>
+            <a:ext cx="8167503" cy="3597470"/>
           </a:xfrm>
         </p:spPr>
         <p:txBody>
-          <a:bodyPr rtlCol="0"/>
+          <a:bodyPr rtlCol="0">
+            <a:normAutofit/>
+          </a:bodyPr>
           <a:lstStyle>
             <a:defPPr>
               <a:defRPr lang="it-IT"/>
@@ -11919,68 +12208,110 @@
           <a:p>
             <a:pPr rtl="0"/>
             <a:r>
-              <a:rPr lang="it-IT" dirty="0"/>
-              <a:t>Applicare la put call </a:t>
-            </a:r>
-            <a:r>
-              <a:rPr lang="it-IT" dirty="0" err="1"/>
-              <a:t>parity</a:t>
-            </a:r>
-            <a:r>
-              <a:rPr lang="it-IT" dirty="0"/>
-              <a:t> e tirare fuori la retta di regressione, per farlo ci servono i dati delle opzioni a </a:t>
-            </a:r>
-            <a:r>
-              <a:rPr lang="it-IT" dirty="0" err="1"/>
-              <a:t>paritá</a:t>
-            </a:r>
-            <a:r>
-              <a:rPr lang="it-IT" dirty="0"/>
-              <a:t> di strike, scadenza e last trade, il valore del titolo, il tasso risk free e la </a:t>
-            </a:r>
-            <a:r>
-              <a:rPr lang="it-IT" dirty="0" err="1"/>
-              <a:t>volatilitá</a:t>
-            </a:r>
-            <a:r>
-              <a:rPr lang="it-IT" dirty="0"/>
-              <a:t> del titolo dopo in metodologia spiego come faccio</a:t>
+              <a:rPr lang="it-IT" sz="1800" dirty="0"/>
+              <a:t>Nel contesto dei mercati finanziari, l'analisi statistica riveste un ruolo fondamentale nel comprendere e modellare il comportamento dei prezzi degli strumenti finanziari, i quali sono soggetti a fluttuazioni che dipendono da una varietà di fattori:</a:t>
+            </a:r>
+          </a:p>
+          <a:p>
+            <a:pPr marL="342900" indent="-342900" rtl="0">
+              <a:lnSpc>
+                <a:spcPct val="100000"/>
+              </a:lnSpc>
+              <a:buFont typeface="Arial" panose="020B0604020202020204" pitchFamily="34" charset="0"/>
+              <a:buChar char="•"/>
+            </a:pPr>
+            <a:r>
+              <a:rPr lang="it-IT" sz="1800" dirty="0"/>
+              <a:t>Notizie economiche</a:t>
+            </a:r>
+          </a:p>
+          <a:p>
+            <a:pPr marL="342900" indent="-342900" rtl="0">
+              <a:lnSpc>
+                <a:spcPct val="100000"/>
+              </a:lnSpc>
+              <a:buFont typeface="Arial" panose="020B0604020202020204" pitchFamily="34" charset="0"/>
+              <a:buChar char="•"/>
+            </a:pPr>
+            <a:r>
+              <a:rPr lang="it-IT" sz="1800" dirty="0"/>
+              <a:t>Decisioni politiche</a:t>
+            </a:r>
+          </a:p>
+          <a:p>
+            <a:pPr marL="342900" indent="-342900" rtl="0">
+              <a:lnSpc>
+                <a:spcPct val="100000"/>
+              </a:lnSpc>
+              <a:buFont typeface="Arial" panose="020B0604020202020204" pitchFamily="34" charset="0"/>
+              <a:buChar char="•"/>
+            </a:pPr>
+            <a:r>
+              <a:rPr lang="it-IT" sz="1800" dirty="0"/>
+              <a:t>Aspettative </a:t>
+            </a:r>
+          </a:p>
+          <a:p>
+            <a:pPr marL="342900" indent="-342900" rtl="0">
+              <a:lnSpc>
+                <a:spcPct val="100000"/>
+              </a:lnSpc>
+              <a:buFont typeface="Arial" panose="020B0604020202020204" pitchFamily="34" charset="0"/>
+              <a:buChar char="•"/>
+            </a:pPr>
+            <a:r>
+              <a:rPr lang="it-IT" sz="1800" dirty="0"/>
+              <a:t>Domanda e offerta</a:t>
+            </a:r>
+          </a:p>
+          <a:p>
+            <a:pPr rtl="0">
+              <a:lnSpc>
+                <a:spcPct val="100000"/>
+              </a:lnSpc>
+            </a:pPr>
+            <a:r>
+              <a:rPr lang="it-IT" sz="1800" dirty="0"/>
+              <a:t>In questo progetto verranno considerati degli strumenti statistici che ci permetteranno di analizzare il comportamento di alcuni derivati, le opzioni.</a:t>
             </a:r>
           </a:p>
         </p:txBody>
       </p:sp>
-      <p:sp>
-        <p:nvSpPr>
-          <p:cNvPr id="6" name="Segnaposto contenuto 5">
-            <a:extLst>
-              <a:ext uri="{FF2B5EF4-FFF2-40B4-BE49-F238E27FC236}">
-                <a16:creationId xmlns:a16="http://schemas.microsoft.com/office/drawing/2014/main" id="{B7E15717-7246-0033-7A07-4AAF879D2F64}"/>
-              </a:ext>
-            </a:extLst>
-          </p:cNvPr>
-          <p:cNvSpPr>
-            <a:spLocks noGrp="1"/>
-          </p:cNvSpPr>
+      <p:pic>
+        <p:nvPicPr>
+          <p:cNvPr id="10" name="Segnaposto contenuto 9" descr="Immagine che contiene schermata, Elementi grafici, design, pixel&#10;&#10;Descrizione generata automaticamente">
+            <a:extLst>
+              <a:ext uri="{FF2B5EF4-FFF2-40B4-BE49-F238E27FC236}">
+                <a16:creationId xmlns:a16="http://schemas.microsoft.com/office/drawing/2014/main" id="{F4FD45BE-BD05-5747-9346-184DDB933EEC}"/>
+              </a:ext>
+            </a:extLst>
+          </p:cNvPr>
+          <p:cNvPicPr>
+            <a:picLocks noGrp="1" noChangeAspect="1"/>
+          </p:cNvPicPr>
           <p:nvPr>
             <p:ph sz="quarter" idx="16"/>
           </p:nvPr>
-        </p:nvSpPr>
+        </p:nvPicPr>
+        <p:blipFill>
+          <a:blip r:embed="rId3">
+            <a:extLst>
+              <a:ext uri="{28A0092B-C50C-407E-A947-70E740481C1C}">
+                <a14:useLocalDpi xmlns:a14="http://schemas.microsoft.com/office/drawing/2010/main" val="0"/>
+              </a:ext>
+            </a:extLst>
+          </a:blip>
+          <a:stretch>
+            <a:fillRect/>
+          </a:stretch>
+        </p:blipFill>
         <p:spPr>
-          <a:xfrm rot="10800000" flipV="1">
-            <a:off x="11327732" y="667277"/>
-            <a:ext cx="625643" cy="848701"/>
+          <a:xfrm>
+            <a:off x="8993749" y="3367585"/>
+            <a:ext cx="2466833" cy="2466833"/>
           </a:xfrm>
         </p:spPr>
-        <p:txBody>
-          <a:bodyPr>
-            <a:normAutofit/>
-          </a:bodyPr>
-          <a:lstStyle/>
-          <a:p>
-            <a:endParaRPr lang="it-IT" dirty="0"/>
-          </a:p>
-        </p:txBody>
-      </p:sp>
+      </p:pic>
     </p:spTree>
     <p:extLst>
       <p:ext uri="{BB962C8B-B14F-4D97-AF65-F5344CB8AC3E}">
@@ -11995,6 +12326,675 @@
 </file>
 
 <file path=ppt/slides/slide4.xml><?xml version="1.0" encoding="utf-8"?>
+<p:sld xmlns:a="http://schemas.openxmlformats.org/drawingml/2006/main" xmlns:r="http://schemas.openxmlformats.org/officeDocument/2006/relationships" xmlns:p="http://schemas.openxmlformats.org/presentationml/2006/main">
+  <p:cSld>
+    <p:spTree>
+      <p:nvGrpSpPr>
+        <p:cNvPr id="1" name="">
+          <a:extLst>
+            <a:ext uri="{FF2B5EF4-FFF2-40B4-BE49-F238E27FC236}">
+              <a16:creationId xmlns:a16="http://schemas.microsoft.com/office/drawing/2014/main" id="{1585AA32-8039-D014-DDCB-E646E9A3336C}"/>
+            </a:ext>
+          </a:extLst>
+        </p:cNvPr>
+        <p:cNvGrpSpPr/>
+        <p:nvPr/>
+      </p:nvGrpSpPr>
+      <p:grpSpPr>
+        <a:xfrm>
+          <a:off x="0" y="0"/>
+          <a:ext cx="0" cy="0"/>
+          <a:chOff x="0" y="0"/>
+          <a:chExt cx="0" cy="0"/>
+        </a:xfrm>
+      </p:grpSpPr>
+      <p:sp>
+        <p:nvSpPr>
+          <p:cNvPr id="2" name="Titolo 1">
+            <a:extLst>
+              <a:ext uri="{FF2B5EF4-FFF2-40B4-BE49-F238E27FC236}">
+                <a16:creationId xmlns:a16="http://schemas.microsoft.com/office/drawing/2014/main" id="{B54D2098-162F-1ACB-4612-260260C44C9A}"/>
+              </a:ext>
+            </a:extLst>
+          </p:cNvPr>
+          <p:cNvSpPr>
+            <a:spLocks noGrp="1"/>
+          </p:cNvSpPr>
+          <p:nvPr>
+            <p:ph type="title"/>
+          </p:nvPr>
+        </p:nvSpPr>
+        <p:spPr>
+          <a:xfrm>
+            <a:off x="594360" y="278129"/>
+            <a:ext cx="9778365" cy="1494596"/>
+          </a:xfrm>
+        </p:spPr>
+        <p:txBody>
+          <a:bodyPr rtlCol="0"/>
+          <a:lstStyle>
+            <a:defPPr>
+              <a:defRPr lang="it-IT"/>
+            </a:defPPr>
+          </a:lstStyle>
+          <a:p>
+            <a:pPr rtl="0"/>
+            <a:r>
+              <a:rPr lang="it-IT" sz="4000" b="0" dirty="0"/>
+              <a:t>Introduzione – Contesto(2)</a:t>
+            </a:r>
+          </a:p>
+        </p:txBody>
+      </p:sp>
+      <mc:AlternateContent xmlns:mc="http://schemas.openxmlformats.org/markup-compatibility/2006">
+        <mc:Choice xmlns:a14="http://schemas.microsoft.com/office/drawing/2010/main" Requires="a14">
+          <p:sp>
+            <p:nvSpPr>
+              <p:cNvPr id="3" name="Segnaposto contenuto 2">
+                <a:extLst>
+                  <a:ext uri="{FF2B5EF4-FFF2-40B4-BE49-F238E27FC236}">
+                    <a16:creationId xmlns:a16="http://schemas.microsoft.com/office/drawing/2014/main" id="{E746733C-5E3E-9FF1-24D6-F5517510F755}"/>
+                  </a:ext>
+                </a:extLst>
+              </p:cNvPr>
+              <p:cNvSpPr>
+                <a:spLocks noGrp="1"/>
+              </p:cNvSpPr>
+              <p:nvPr>
+                <p:ph sz="quarter" idx="15"/>
+              </p:nvPr>
+            </p:nvSpPr>
+            <p:spPr>
+              <a:xfrm>
+                <a:off x="594359" y="2676525"/>
+                <a:ext cx="8302993" cy="3597470"/>
+              </a:xfrm>
+            </p:spPr>
+            <p:txBody>
+              <a:bodyPr rtlCol="0">
+                <a:noAutofit/>
+              </a:bodyPr>
+              <a:lstStyle>
+                <a:defPPr>
+                  <a:defRPr lang="it-IT"/>
+                </a:defPPr>
+              </a:lstStyle>
+              <a:p>
+                <a:pPr rtl="0"/>
+                <a:r>
+                  <a:rPr lang="it-IT" sz="1800" dirty="0"/>
+                  <a:t>In questo verrà considerato il modello CRR mono periodale il quale modella il processo dei prezzi con un processo stocastico binomiale in cui in ogni istante </a:t>
+                </a:r>
+              </a:p>
+              <a:p>
+                <a:pPr rtl="0"/>
+                <a:endParaRPr lang="it-IT" sz="1800" dirty="0"/>
+              </a:p>
+              <a:p>
+                <a:pPr rtl="0"/>
+                <a14:m>
+                  <m:oMathPara xmlns:m="http://schemas.openxmlformats.org/officeDocument/2006/math">
+                    <m:oMathParaPr>
+                      <m:jc m:val="centerGroup"/>
+                    </m:oMathParaPr>
+                    <m:oMath xmlns:m="http://schemas.openxmlformats.org/officeDocument/2006/math">
+                      <m:sSubSup>
+                        <m:sSubSupPr>
+                          <m:ctrlPr>
+                            <a:rPr lang="it-IT" sz="1800" i="1" smtClean="0">
+                              <a:latin typeface="Cambria Math" panose="02040503050406030204" pitchFamily="18" charset="0"/>
+                            </a:rPr>
+                          </m:ctrlPr>
+                        </m:sSubSupPr>
+                        <m:e>
+                          <m:r>
+                            <a:rPr lang="it-IT" sz="1800" b="0" i="1" smtClean="0">
+                              <a:latin typeface="Cambria Math" panose="02040503050406030204" pitchFamily="18" charset="0"/>
+                            </a:rPr>
+                            <m:t>(</m:t>
+                          </m:r>
+                          <m:sSub>
+                            <m:sSubPr>
+                              <m:ctrlPr>
+                                <a:rPr lang="it-IT" sz="1800" i="1" smtClean="0">
+                                  <a:latin typeface="Cambria Math" panose="02040503050406030204" pitchFamily="18" charset="0"/>
+                                </a:rPr>
+                              </m:ctrlPr>
+                            </m:sSubPr>
+                            <m:e>
+                              <m:r>
+                                <a:rPr lang="it-IT" sz="1800" b="0" i="1" smtClean="0">
+                                  <a:latin typeface="Cambria Math" panose="02040503050406030204" pitchFamily="18" charset="0"/>
+                                </a:rPr>
+                                <m:t>𝑆</m:t>
+                              </m:r>
+                            </m:e>
+                            <m:sub>
+                              <m:r>
+                                <a:rPr lang="it-IT" sz="1800" b="0" i="1" smtClean="0">
+                                  <a:latin typeface="Cambria Math" panose="02040503050406030204" pitchFamily="18" charset="0"/>
+                                </a:rPr>
+                                <m:t>𝑛</m:t>
+                              </m:r>
+                            </m:sub>
+                          </m:sSub>
+                          <m:r>
+                            <a:rPr lang="it-IT" sz="1800" b="0" i="1" smtClean="0">
+                              <a:latin typeface="Cambria Math" panose="02040503050406030204" pitchFamily="18" charset="0"/>
+                            </a:rPr>
+                            <m:t>)</m:t>
+                          </m:r>
+                        </m:e>
+                        <m:sub>
+                          <m:r>
+                            <a:rPr lang="it-IT" sz="1800" b="0" i="1" smtClean="0">
+                              <a:latin typeface="Cambria Math" panose="02040503050406030204" pitchFamily="18" charset="0"/>
+                            </a:rPr>
+                            <m:t>𝑛</m:t>
+                          </m:r>
+                          <m:r>
+                            <a:rPr lang="it-IT" sz="1800" b="0" i="1" smtClean="0">
+                              <a:latin typeface="Cambria Math" panose="02040503050406030204" pitchFamily="18" charset="0"/>
+                            </a:rPr>
+                            <m:t>=1</m:t>
+                          </m:r>
+                        </m:sub>
+                        <m:sup>
+                          <m:r>
+                            <a:rPr lang="it-IT" sz="1800" b="0" i="1" smtClean="0">
+                              <a:latin typeface="Cambria Math" panose="02040503050406030204" pitchFamily="18" charset="0"/>
+                            </a:rPr>
+                            <m:t>𝑁</m:t>
+                          </m:r>
+                        </m:sup>
+                      </m:sSubSup>
+                      <m:r>
+                        <a:rPr lang="it-IT" sz="1800" b="0" i="1" smtClean="0">
+                          <a:latin typeface="Cambria Math" panose="02040503050406030204" pitchFamily="18" charset="0"/>
+                        </a:rPr>
+                        <m:t>   </m:t>
+                      </m:r>
+                      <m:r>
+                        <a:rPr lang="it-IT" sz="1800" b="0" i="1" smtClean="0">
+                          <a:latin typeface="Cambria Math" panose="02040503050406030204" pitchFamily="18" charset="0"/>
+                        </a:rPr>
+                        <m:t>𝑐𝑜𝑛</m:t>
+                      </m:r>
+                      <m:r>
+                        <a:rPr lang="it-IT" sz="1800" b="0" i="1" smtClean="0">
+                          <a:latin typeface="Cambria Math" panose="02040503050406030204" pitchFamily="18" charset="0"/>
+                        </a:rPr>
+                        <m:t>   </m:t>
+                      </m:r>
+                      <m:sSub>
+                        <m:sSubPr>
+                          <m:ctrlPr>
+                            <a:rPr lang="it-IT" sz="1800" i="1" smtClean="0">
+                              <a:latin typeface="Cambria Math" panose="02040503050406030204" pitchFamily="18" charset="0"/>
+                            </a:rPr>
+                          </m:ctrlPr>
+                        </m:sSubPr>
+                        <m:e>
+                          <m:r>
+                            <a:rPr lang="it-IT" sz="1800" b="0" i="1" smtClean="0">
+                              <a:latin typeface="Cambria Math" panose="02040503050406030204" pitchFamily="18" charset="0"/>
+                            </a:rPr>
+                            <m:t>𝑆</m:t>
+                          </m:r>
+                        </m:e>
+                        <m:sub>
+                          <m:r>
+                            <a:rPr lang="it-IT" sz="1800" b="0" i="1" smtClean="0">
+                              <a:latin typeface="Cambria Math" panose="02040503050406030204" pitchFamily="18" charset="0"/>
+                            </a:rPr>
+                            <m:t>𝑛</m:t>
+                          </m:r>
+                        </m:sub>
+                      </m:sSub>
+                      <m:r>
+                        <a:rPr lang="it-IT" sz="1800" b="0" i="1" smtClean="0">
+                          <a:latin typeface="Cambria Math" panose="02040503050406030204" pitchFamily="18" charset="0"/>
+                        </a:rPr>
+                        <m:t>=</m:t>
+                      </m:r>
+                      <m:sSub>
+                        <m:sSubPr>
+                          <m:ctrlPr>
+                            <a:rPr lang="it-IT" sz="1800" b="0" i="1" smtClean="0">
+                              <a:latin typeface="Cambria Math" panose="02040503050406030204" pitchFamily="18" charset="0"/>
+                            </a:rPr>
+                          </m:ctrlPr>
+                        </m:sSubPr>
+                        <m:e>
+                          <m:r>
+                            <a:rPr lang="it-IT" sz="1800" b="0" i="1" smtClean="0">
+                              <a:latin typeface="Cambria Math" panose="02040503050406030204" pitchFamily="18" charset="0"/>
+                              <a:ea typeface="Cambria Math" panose="02040503050406030204" pitchFamily="18" charset="0"/>
+                            </a:rPr>
+                            <m:t>𝛽</m:t>
+                          </m:r>
+                        </m:e>
+                        <m:sub>
+                          <m:r>
+                            <a:rPr lang="it-IT" sz="1800" b="0" i="1" smtClean="0">
+                              <a:latin typeface="Cambria Math" panose="02040503050406030204" pitchFamily="18" charset="0"/>
+                            </a:rPr>
+                            <m:t>𝑛</m:t>
+                          </m:r>
+                        </m:sub>
+                      </m:sSub>
+                      <m:sSub>
+                        <m:sSubPr>
+                          <m:ctrlPr>
+                            <a:rPr lang="it-IT" sz="1800" b="0" i="1" smtClean="0">
+                              <a:latin typeface="Cambria Math" panose="02040503050406030204" pitchFamily="18" charset="0"/>
+                            </a:rPr>
+                          </m:ctrlPr>
+                        </m:sSubPr>
+                        <m:e>
+                          <m:r>
+                            <a:rPr lang="it-IT" sz="1800" b="0" i="1" smtClean="0">
+                              <a:latin typeface="Cambria Math" panose="02040503050406030204" pitchFamily="18" charset="0"/>
+                            </a:rPr>
+                            <m:t>𝑆</m:t>
+                          </m:r>
+                        </m:e>
+                        <m:sub>
+                          <m:r>
+                            <a:rPr lang="it-IT" sz="1800" b="0" i="1" smtClean="0">
+                              <a:latin typeface="Cambria Math" panose="02040503050406030204" pitchFamily="18" charset="0"/>
+                            </a:rPr>
+                            <m:t>𝑛</m:t>
+                          </m:r>
+                          <m:r>
+                            <a:rPr lang="it-IT" sz="1800" b="0" i="1" smtClean="0">
+                              <a:latin typeface="Cambria Math" panose="02040503050406030204" pitchFamily="18" charset="0"/>
+                            </a:rPr>
+                            <m:t>−1</m:t>
+                          </m:r>
+                        </m:sub>
+                      </m:sSub>
+                      <m:r>
+                        <a:rPr lang="it-IT" sz="1800" b="0" i="1" smtClean="0">
+                          <a:latin typeface="Cambria Math" panose="02040503050406030204" pitchFamily="18" charset="0"/>
+                        </a:rPr>
+                        <m:t>   </m:t>
+                      </m:r>
+                      <m:r>
+                        <a:rPr lang="it-IT" sz="1800" b="0" i="1" smtClean="0">
+                          <a:latin typeface="Cambria Math" panose="02040503050406030204" pitchFamily="18" charset="0"/>
+                        </a:rPr>
+                        <m:t>𝑒</m:t>
+                      </m:r>
+                      <m:r>
+                        <a:rPr lang="it-IT" sz="1800" b="0" i="1" smtClean="0">
+                          <a:latin typeface="Cambria Math" panose="02040503050406030204" pitchFamily="18" charset="0"/>
+                        </a:rPr>
+                        <m:t>   </m:t>
+                      </m:r>
+                      <m:sSub>
+                        <m:sSubPr>
+                          <m:ctrlPr>
+                            <a:rPr lang="it-IT" sz="1800" b="0" i="1" smtClean="0">
+                              <a:latin typeface="Cambria Math" panose="02040503050406030204" pitchFamily="18" charset="0"/>
+                            </a:rPr>
+                          </m:ctrlPr>
+                        </m:sSubPr>
+                        <m:e>
+                          <m:r>
+                            <a:rPr lang="it-IT" sz="1800" b="0" i="1" smtClean="0">
+                              <a:latin typeface="Cambria Math" panose="02040503050406030204" pitchFamily="18" charset="0"/>
+                              <a:ea typeface="Cambria Math" panose="02040503050406030204" pitchFamily="18" charset="0"/>
+                            </a:rPr>
+                            <m:t>𝛽</m:t>
+                          </m:r>
+                        </m:e>
+                        <m:sub>
+                          <m:r>
+                            <a:rPr lang="it-IT" sz="1800" b="0" i="1" smtClean="0">
+                              <a:latin typeface="Cambria Math" panose="02040503050406030204" pitchFamily="18" charset="0"/>
+                            </a:rPr>
+                            <m:t>𝑛</m:t>
+                          </m:r>
+                        </m:sub>
+                      </m:sSub>
+                      <m:r>
+                        <a:rPr lang="it-IT" sz="1800" b="0" i="1" smtClean="0">
+                          <a:latin typeface="Cambria Math" panose="02040503050406030204" pitchFamily="18" charset="0"/>
+                        </a:rPr>
+                        <m:t>~</m:t>
+                      </m:r>
+                      <m:r>
+                        <a:rPr lang="it-IT" sz="1800" b="0" i="1" smtClean="0">
+                          <a:latin typeface="Cambria Math" panose="02040503050406030204" pitchFamily="18" charset="0"/>
+                        </a:rPr>
+                        <m:t>𝐵𝑒𝑟</m:t>
+                      </m:r>
+                      <m:d>
+                        <m:dPr>
+                          <m:ctrlPr>
+                            <a:rPr lang="it-IT" sz="1800" b="0" i="1" smtClean="0">
+                              <a:latin typeface="Cambria Math" panose="02040503050406030204" pitchFamily="18" charset="0"/>
+                            </a:rPr>
+                          </m:ctrlPr>
+                        </m:dPr>
+                        <m:e>
+                          <m:r>
+                            <a:rPr lang="it-IT" sz="1800" b="0" i="1" smtClean="0">
+                              <a:latin typeface="Cambria Math" panose="02040503050406030204" pitchFamily="18" charset="0"/>
+                            </a:rPr>
+                            <m:t>𝑝</m:t>
+                          </m:r>
+                        </m:e>
+                      </m:d>
+                    </m:oMath>
+                  </m:oMathPara>
+                </a14:m>
+                <a:endParaRPr lang="it-IT" sz="1800" b="0" dirty="0"/>
+              </a:p>
+              <a:p>
+                <a:pPr rtl="0"/>
+                <a:r>
+                  <a:rPr lang="it-IT" sz="1800" dirty="0"/>
+                  <a:t>In particolare il modello ci servirà per portare la put-call </a:t>
+                </a:r>
+                <a:r>
+                  <a:rPr lang="it-IT" sz="1800" dirty="0" err="1"/>
+                  <a:t>parity</a:t>
+                </a:r>
+                <a:r>
+                  <a:rPr lang="it-IT" sz="1800" dirty="0"/>
+                  <a:t> </a:t>
+                </a:r>
+                <a:r>
+                  <a:rPr lang="it-IT" sz="1800" dirty="0" err="1"/>
+                  <a:t>equation</a:t>
+                </a:r>
+                <a:r>
+                  <a:rPr lang="it-IT" sz="1800" dirty="0"/>
+                  <a:t> in t=0</a:t>
+                </a:r>
+              </a:p>
+              <a:p>
+                <a:pPr rtl="0"/>
+                <a:endParaRPr lang="it-IT" sz="1800" dirty="0"/>
+              </a:p>
+              <a:p>
+                <a:pPr rtl="0"/>
+                <a14:m>
+                  <m:oMathPara xmlns:m="http://schemas.openxmlformats.org/officeDocument/2006/math">
+                    <m:oMathParaPr>
+                      <m:jc m:val="centerGroup"/>
+                    </m:oMathParaPr>
+                    <m:oMath xmlns:m="http://schemas.openxmlformats.org/officeDocument/2006/math">
+                      <m:sSub>
+                        <m:sSubPr>
+                          <m:ctrlPr>
+                            <a:rPr lang="it-IT" sz="1800" i="1" smtClean="0">
+                              <a:latin typeface="Cambria Math" panose="02040503050406030204" pitchFamily="18" charset="0"/>
+                            </a:rPr>
+                          </m:ctrlPr>
+                        </m:sSubPr>
+                        <m:e>
+                          <m:r>
+                            <a:rPr lang="it-IT" sz="1800" b="0" i="1" smtClean="0">
+                              <a:latin typeface="Cambria Math" panose="02040503050406030204" pitchFamily="18" charset="0"/>
+                            </a:rPr>
+                            <m:t>𝐶</m:t>
+                          </m:r>
+                        </m:e>
+                        <m:sub>
+                          <m:r>
+                            <a:rPr lang="it-IT" sz="1800" b="0" i="1" smtClean="0">
+                              <a:latin typeface="Cambria Math" panose="02040503050406030204" pitchFamily="18" charset="0"/>
+                            </a:rPr>
+                            <m:t>0</m:t>
+                          </m:r>
+                        </m:sub>
+                      </m:sSub>
+                      <m:r>
+                        <a:rPr lang="it-IT" sz="1800" b="0" i="1" smtClean="0">
+                          <a:latin typeface="Cambria Math" panose="02040503050406030204" pitchFamily="18" charset="0"/>
+                        </a:rPr>
+                        <m:t>−</m:t>
+                      </m:r>
+                      <m:sSub>
+                        <m:sSubPr>
+                          <m:ctrlPr>
+                            <a:rPr lang="it-IT" sz="1800" b="0" i="1" smtClean="0">
+                              <a:latin typeface="Cambria Math" panose="02040503050406030204" pitchFamily="18" charset="0"/>
+                            </a:rPr>
+                          </m:ctrlPr>
+                        </m:sSubPr>
+                        <m:e>
+                          <m:r>
+                            <a:rPr lang="it-IT" sz="1800" b="0" i="1" smtClean="0">
+                              <a:latin typeface="Cambria Math" panose="02040503050406030204" pitchFamily="18" charset="0"/>
+                            </a:rPr>
+                            <m:t>𝑃</m:t>
+                          </m:r>
+                        </m:e>
+                        <m:sub>
+                          <m:r>
+                            <a:rPr lang="it-IT" sz="1800" b="0" i="1" smtClean="0">
+                              <a:latin typeface="Cambria Math" panose="02040503050406030204" pitchFamily="18" charset="0"/>
+                            </a:rPr>
+                            <m:t>0</m:t>
+                          </m:r>
+                        </m:sub>
+                      </m:sSub>
+                      <m:r>
+                        <a:rPr lang="it-IT" sz="1800" b="0" i="1" smtClean="0">
+                          <a:latin typeface="Cambria Math" panose="02040503050406030204" pitchFamily="18" charset="0"/>
+                        </a:rPr>
+                        <m:t>=</m:t>
+                      </m:r>
+                      <m:sSub>
+                        <m:sSubPr>
+                          <m:ctrlPr>
+                            <a:rPr lang="it-IT" sz="1800" b="0" i="1" smtClean="0">
+                              <a:latin typeface="Cambria Math" panose="02040503050406030204" pitchFamily="18" charset="0"/>
+                            </a:rPr>
+                          </m:ctrlPr>
+                        </m:sSubPr>
+                        <m:e>
+                          <m:r>
+                            <a:rPr lang="it-IT" sz="1800" b="0" i="1" smtClean="0">
+                              <a:latin typeface="Cambria Math" panose="02040503050406030204" pitchFamily="18" charset="0"/>
+                            </a:rPr>
+                            <m:t>𝑆</m:t>
+                          </m:r>
+                        </m:e>
+                        <m:sub>
+                          <m:r>
+                            <a:rPr lang="it-IT" sz="1800" b="0" i="1" smtClean="0">
+                              <a:latin typeface="Cambria Math" panose="02040503050406030204" pitchFamily="18" charset="0"/>
+                            </a:rPr>
+                            <m:t>0</m:t>
+                          </m:r>
+                        </m:sub>
+                      </m:sSub>
+                      <m:r>
+                        <a:rPr lang="it-IT" sz="1800" b="0" i="1" smtClean="0">
+                          <a:latin typeface="Cambria Math" panose="02040503050406030204" pitchFamily="18" charset="0"/>
+                        </a:rPr>
+                        <m:t>−</m:t>
+                      </m:r>
+                      <m:f>
+                        <m:fPr>
+                          <m:ctrlPr>
+                            <a:rPr lang="it-IT" sz="1800" b="0" i="1" smtClean="0">
+                              <a:latin typeface="Cambria Math" panose="02040503050406030204" pitchFamily="18" charset="0"/>
+                            </a:rPr>
+                          </m:ctrlPr>
+                        </m:fPr>
+                        <m:num>
+                          <m:r>
+                            <a:rPr lang="it-IT" sz="1800" b="0" i="1" smtClean="0">
+                              <a:latin typeface="Cambria Math" panose="02040503050406030204" pitchFamily="18" charset="0"/>
+                            </a:rPr>
+                            <m:t>𝐾</m:t>
+                          </m:r>
+                        </m:num>
+                        <m:den>
+                          <m:r>
+                            <a:rPr lang="it-IT" sz="1800" b="0" i="1" smtClean="0">
+                              <a:latin typeface="Cambria Math" panose="02040503050406030204" pitchFamily="18" charset="0"/>
+                            </a:rPr>
+                            <m:t>1+</m:t>
+                          </m:r>
+                          <m:r>
+                            <a:rPr lang="it-IT" sz="1800" b="0" i="1" smtClean="0">
+                              <a:latin typeface="Cambria Math" panose="02040503050406030204" pitchFamily="18" charset="0"/>
+                            </a:rPr>
+                            <m:t>𝑟</m:t>
+                          </m:r>
+                        </m:den>
+                      </m:f>
+                    </m:oMath>
+                  </m:oMathPara>
+                </a14:m>
+                <a:endParaRPr lang="it-IT" sz="1800" dirty="0"/>
+              </a:p>
+              <a:p>
+                <a:pPr rtl="0"/>
+                <a:r>
+                  <a:rPr lang="it-IT" sz="1800" dirty="0"/>
+                  <a:t>Questa relazione verrà utilizzata per tracciare una retta di regressione che ci permette di verificare come i dati di mercato si comportano rispetto al modello teorico</a:t>
+                </a:r>
+              </a:p>
+            </p:txBody>
+          </p:sp>
+        </mc:Choice>
+        <mc:Fallback>
+          <p:sp>
+            <p:nvSpPr>
+              <p:cNvPr id="3" name="Segnaposto contenuto 2">
+                <a:extLst>
+                  <a:ext uri="{FF2B5EF4-FFF2-40B4-BE49-F238E27FC236}">
+                    <a16:creationId xmlns:a16="http://schemas.microsoft.com/office/drawing/2014/main" id="{E746733C-5E3E-9FF1-24D6-F5517510F755}"/>
+                  </a:ext>
+                </a:extLst>
+              </p:cNvPr>
+              <p:cNvSpPr>
+                <a:spLocks noGrp="1" noRot="1" noChangeAspect="1" noMove="1" noResize="1" noEditPoints="1" noAdjustHandles="1" noChangeArrowheads="1" noChangeShapeType="1" noTextEdit="1"/>
+              </p:cNvSpPr>
+              <p:nvPr>
+                <p:ph sz="quarter" idx="15"/>
+              </p:nvPr>
+            </p:nvSpPr>
+            <p:spPr>
+              <a:xfrm>
+                <a:off x="594359" y="2676525"/>
+                <a:ext cx="8302993" cy="3597470"/>
+              </a:xfrm>
+              <a:blipFill>
+                <a:blip r:embed="rId3"/>
+                <a:stretch>
+                  <a:fillRect l="-1687" t="-1525" r="-1834"/>
+                </a:stretch>
+              </a:blipFill>
+            </p:spPr>
+            <p:txBody>
+              <a:bodyPr/>
+              <a:lstStyle/>
+              <a:p>
+                <a:r>
+                  <a:rPr lang="it-IT">
+                    <a:noFill/>
+                  </a:rPr>
+                  <a:t> </a:t>
+                </a:r>
+              </a:p>
+            </p:txBody>
+          </p:sp>
+        </mc:Fallback>
+      </mc:AlternateContent>
+      <p:pic>
+        <p:nvPicPr>
+          <p:cNvPr id="9" name="Segnaposto contenuto 8" descr="Immagine che contiene diagramma, linea, Diagramma, Carattere&#10;&#10;Descrizione generata automaticamente">
+            <a:extLst>
+              <a:ext uri="{FF2B5EF4-FFF2-40B4-BE49-F238E27FC236}">
+                <a16:creationId xmlns:a16="http://schemas.microsoft.com/office/drawing/2014/main" id="{601D0950-B948-7612-CA94-1F44FC8A4FB8}"/>
+              </a:ext>
+            </a:extLst>
+          </p:cNvPr>
+          <p:cNvPicPr>
+            <a:picLocks noGrp="1" noChangeAspect="1"/>
+          </p:cNvPicPr>
+          <p:nvPr>
+            <p:ph sz="quarter" idx="16"/>
+          </p:nvPr>
+        </p:nvPicPr>
+        <p:blipFill>
+          <a:blip r:embed="rId4">
+            <a:extLst>
+              <a:ext uri="{28A0092B-C50C-407E-A947-70E740481C1C}">
+                <a14:useLocalDpi xmlns:a14="http://schemas.microsoft.com/office/drawing/2010/main" val="0"/>
+              </a:ext>
+            </a:extLst>
+          </a:blip>
+          <a:stretch>
+            <a:fillRect/>
+          </a:stretch>
+        </p:blipFill>
+        <p:spPr>
+          <a:xfrm>
+            <a:off x="8245132" y="1706050"/>
+            <a:ext cx="2333766" cy="2244818"/>
+          </a:xfrm>
+        </p:spPr>
+      </p:pic>
+      <p:pic>
+        <p:nvPicPr>
+          <p:cNvPr id="14" name="Immagine 13" descr="Immagine che contiene nero, oscurità&#10;&#10;Descrizione generata automaticamente">
+            <a:extLst>
+              <a:ext uri="{FF2B5EF4-FFF2-40B4-BE49-F238E27FC236}">
+                <a16:creationId xmlns:a16="http://schemas.microsoft.com/office/drawing/2014/main" id="{182692FB-B793-7016-55F4-2B590176D107}"/>
+              </a:ext>
+            </a:extLst>
+          </p:cNvPr>
+          <p:cNvPicPr>
+            <a:picLocks noChangeAspect="1"/>
+          </p:cNvPicPr>
+          <p:nvPr/>
+        </p:nvPicPr>
+        <p:blipFill>
+          <a:blip r:embed="rId5">
+            <a:extLst>
+              <a:ext uri="{28A0092B-C50C-407E-A947-70E740481C1C}">
+                <a14:useLocalDpi xmlns:a14="http://schemas.microsoft.com/office/drawing/2010/main" val="0"/>
+              </a:ext>
+            </a:extLst>
+          </a:blip>
+          <a:stretch>
+            <a:fillRect/>
+          </a:stretch>
+        </p:blipFill>
+        <p:spPr>
+          <a:xfrm>
+            <a:off x="9898495" y="4645705"/>
+            <a:ext cx="1967772" cy="1934166"/>
+          </a:xfrm>
+          <a:prstGeom prst="rect">
+            <a:avLst/>
+          </a:prstGeom>
+        </p:spPr>
+      </p:pic>
+    </p:spTree>
+    <p:extLst>
+      <p:ext uri="{BB962C8B-B14F-4D97-AF65-F5344CB8AC3E}">
+        <p14:creationId xmlns:p14="http://schemas.microsoft.com/office/powerpoint/2010/main" val="1130956602"/>
+      </p:ext>
+    </p:extLst>
+  </p:cSld>
+  <p:clrMapOvr>
+    <a:masterClrMapping/>
+  </p:clrMapOvr>
+</p:sld>
+</file>
+
+<file path=ppt/slides/slide5.xml><?xml version="1.0" encoding="utf-8"?>
 <p:sld xmlns:a="http://schemas.openxmlformats.org/drawingml/2006/main" xmlns:r="http://schemas.openxmlformats.org/officeDocument/2006/relationships" xmlns:p="http://schemas.openxmlformats.org/presentationml/2006/main">
   <p:cSld>
     <p:spTree>
@@ -12162,7 +13162,7 @@
 </p:sld>
 </file>
 
-<file path=ppt/slides/slide5.xml><?xml version="1.0" encoding="utf-8"?>
+<file path=ppt/slides/slide6.xml><?xml version="1.0" encoding="utf-8"?>
 <p:sld xmlns:a="http://schemas.openxmlformats.org/drawingml/2006/main" xmlns:r="http://schemas.openxmlformats.org/officeDocument/2006/relationships" xmlns:p="http://schemas.openxmlformats.org/presentationml/2006/main">
   <p:cSld>
     <p:spTree>
@@ -12330,7 +13330,7 @@
 </p:sld>
 </file>
 
-<file path=ppt/slides/slide6.xml><?xml version="1.0" encoding="utf-8"?>
+<file path=ppt/slides/slide7.xml><?xml version="1.0" encoding="utf-8"?>
 <p:sld xmlns:a="http://schemas.openxmlformats.org/drawingml/2006/main" xmlns:r="http://schemas.openxmlformats.org/officeDocument/2006/relationships" xmlns:p="http://schemas.openxmlformats.org/presentationml/2006/main">
   <p:cSld>
     <p:spTree>
@@ -12498,7 +13498,7 @@
 </p:sld>
 </file>
 
-<file path=ppt/slides/slide7.xml><?xml version="1.0" encoding="utf-8"?>
+<file path=ppt/slides/slide8.xml><?xml version="1.0" encoding="utf-8"?>
 <p:sld xmlns:a="http://schemas.openxmlformats.org/drawingml/2006/main" xmlns:r="http://schemas.openxmlformats.org/officeDocument/2006/relationships" xmlns:p="http://schemas.openxmlformats.org/presentationml/2006/main">
   <p:cSld>
     <p:spTree>
@@ -12666,7 +13666,7 @@
 </p:sld>
 </file>
 
-<file path=ppt/slides/slide8.xml><?xml version="1.0" encoding="utf-8"?>
+<file path=ppt/slides/slide9.xml><?xml version="1.0" encoding="utf-8"?>
 <p:sld xmlns:a="http://schemas.openxmlformats.org/drawingml/2006/main" xmlns:r="http://schemas.openxmlformats.org/officeDocument/2006/relationships" xmlns:p="http://schemas.openxmlformats.org/presentationml/2006/main">
   <p:cSld>
     <p:spTree>
@@ -12825,174 +13825,6 @@
     <p:extLst>
       <p:ext uri="{BB962C8B-B14F-4D97-AF65-F5344CB8AC3E}">
         <p14:creationId xmlns:p14="http://schemas.microsoft.com/office/powerpoint/2010/main" val="1472695670"/>
-      </p:ext>
-    </p:extLst>
-  </p:cSld>
-  <p:clrMapOvr>
-    <a:masterClrMapping/>
-  </p:clrMapOvr>
-</p:sld>
-</file>
-
-<file path=ppt/slides/slide9.xml><?xml version="1.0" encoding="utf-8"?>
-<p:sld xmlns:a="http://schemas.openxmlformats.org/drawingml/2006/main" xmlns:r="http://schemas.openxmlformats.org/officeDocument/2006/relationships" xmlns:p="http://schemas.openxmlformats.org/presentationml/2006/main">
-  <p:cSld>
-    <p:spTree>
-      <p:nvGrpSpPr>
-        <p:cNvPr id="1" name="">
-          <a:extLst>
-            <a:ext uri="{FF2B5EF4-FFF2-40B4-BE49-F238E27FC236}">
-              <a16:creationId xmlns:a16="http://schemas.microsoft.com/office/drawing/2014/main" id="{BAE7F4F3-C423-28A2-D6E5-19C8929F6448}"/>
-            </a:ext>
-          </a:extLst>
-        </p:cNvPr>
-        <p:cNvGrpSpPr/>
-        <p:nvPr/>
-      </p:nvGrpSpPr>
-      <p:grpSpPr>
-        <a:xfrm>
-          <a:off x="0" y="0"/>
-          <a:ext cx="0" cy="0"/>
-          <a:chOff x="0" y="0"/>
-          <a:chExt cx="0" cy="0"/>
-        </a:xfrm>
-      </p:grpSpPr>
-      <p:sp>
-        <p:nvSpPr>
-          <p:cNvPr id="2" name="Titolo 1">
-            <a:extLst>
-              <a:ext uri="{FF2B5EF4-FFF2-40B4-BE49-F238E27FC236}">
-                <a16:creationId xmlns:a16="http://schemas.microsoft.com/office/drawing/2014/main" id="{D0BC79A9-7ED9-83B5-CB77-DEA45E65824C}"/>
-              </a:ext>
-            </a:extLst>
-          </p:cNvPr>
-          <p:cNvSpPr>
-            <a:spLocks noGrp="1"/>
-          </p:cNvSpPr>
-          <p:nvPr>
-            <p:ph type="title"/>
-          </p:nvPr>
-        </p:nvSpPr>
-        <p:spPr>
-          <a:xfrm>
-            <a:off x="594360" y="278129"/>
-            <a:ext cx="9778365" cy="1494596"/>
-          </a:xfrm>
-        </p:spPr>
-        <p:txBody>
-          <a:bodyPr rtlCol="0"/>
-          <a:lstStyle>
-            <a:defPPr>
-              <a:defRPr lang="it-IT"/>
-            </a:defPPr>
-          </a:lstStyle>
-          <a:p>
-            <a:pPr rtl="0"/>
-            <a:r>
-              <a:rPr lang="it-IT" sz="4000" b="0" dirty="0"/>
-              <a:t>Risultati – Opzioni americane</a:t>
-            </a:r>
-          </a:p>
-        </p:txBody>
-      </p:sp>
-      <p:sp>
-        <p:nvSpPr>
-          <p:cNvPr id="3" name="Segnaposto contenuto 2">
-            <a:extLst>
-              <a:ext uri="{FF2B5EF4-FFF2-40B4-BE49-F238E27FC236}">
-                <a16:creationId xmlns:a16="http://schemas.microsoft.com/office/drawing/2014/main" id="{34C90A72-1DEF-E604-1F40-32E0E6C3726F}"/>
-              </a:ext>
-            </a:extLst>
-          </p:cNvPr>
-          <p:cNvSpPr>
-            <a:spLocks noGrp="1"/>
-          </p:cNvSpPr>
-          <p:nvPr>
-            <p:ph sz="quarter" idx="15"/>
-          </p:nvPr>
-        </p:nvSpPr>
-        <p:spPr>
-          <a:xfrm>
-            <a:off x="594360" y="2676525"/>
-            <a:ext cx="6474193" cy="3597470"/>
-          </a:xfrm>
-        </p:spPr>
-        <p:txBody>
-          <a:bodyPr rtlCol="0"/>
-          <a:lstStyle>
-            <a:defPPr>
-              <a:defRPr lang="it-IT"/>
-            </a:defPPr>
-          </a:lstStyle>
-          <a:p>
-            <a:pPr rtl="0"/>
-            <a:r>
-              <a:rPr lang="it-IT" dirty="0"/>
-              <a:t>Applicare la put call </a:t>
-            </a:r>
-            <a:r>
-              <a:rPr lang="it-IT" dirty="0" err="1"/>
-              <a:t>parity</a:t>
-            </a:r>
-            <a:r>
-              <a:rPr lang="it-IT" dirty="0"/>
-              <a:t> e tirare fuori la retta di regressione, per farlo ci servono i dati delle opzioni a </a:t>
-            </a:r>
-            <a:r>
-              <a:rPr lang="it-IT" dirty="0" err="1"/>
-              <a:t>paritá</a:t>
-            </a:r>
-            <a:r>
-              <a:rPr lang="it-IT" dirty="0"/>
-              <a:t> di strike, scadenza e last trade, il valore del titolo, il tasso risk free e la </a:t>
-            </a:r>
-            <a:r>
-              <a:rPr lang="it-IT" dirty="0" err="1"/>
-              <a:t>volatilitá</a:t>
-            </a:r>
-            <a:r>
-              <a:rPr lang="it-IT" dirty="0"/>
-              <a:t> del titolo dopo in metodologia spiego come faccio</a:t>
-            </a:r>
-          </a:p>
-        </p:txBody>
-      </p:sp>
-      <p:sp>
-        <p:nvSpPr>
-          <p:cNvPr id="6" name="Segnaposto contenuto 5">
-            <a:extLst>
-              <a:ext uri="{FF2B5EF4-FFF2-40B4-BE49-F238E27FC236}">
-                <a16:creationId xmlns:a16="http://schemas.microsoft.com/office/drawing/2014/main" id="{EEE22862-E979-321D-1130-8F8938C71AF1}"/>
-              </a:ext>
-            </a:extLst>
-          </p:cNvPr>
-          <p:cNvSpPr>
-            <a:spLocks noGrp="1"/>
-          </p:cNvSpPr>
-          <p:nvPr>
-            <p:ph sz="quarter" idx="16"/>
-          </p:nvPr>
-        </p:nvSpPr>
-        <p:spPr>
-          <a:xfrm rot="10800000" flipV="1">
-            <a:off x="11327732" y="667277"/>
-            <a:ext cx="625643" cy="848701"/>
-          </a:xfrm>
-        </p:spPr>
-        <p:txBody>
-          <a:bodyPr>
-            <a:normAutofit/>
-          </a:bodyPr>
-          <a:lstStyle/>
-          <a:p>
-            <a:endParaRPr lang="it-IT" dirty="0"/>
-          </a:p>
-        </p:txBody>
-      </p:sp>
-    </p:spTree>
-    <p:extLst>
-      <p:ext uri="{BB962C8B-B14F-4D97-AF65-F5344CB8AC3E}">
-        <p14:creationId xmlns:p14="http://schemas.microsoft.com/office/powerpoint/2010/main" val="4277053863"/>
       </p:ext>
     </p:extLst>
   </p:cSld>
@@ -13794,35 +14626,6 @@
 </file>
 
 <file path=customXml/item1.xml><?xml version="1.0" encoding="utf-8"?>
-<p:properties xmlns:p="http://schemas.microsoft.com/office/2006/metadata/properties" xmlns:xsi="http://www.w3.org/2001/XMLSchema-instance" xmlns:pc="http://schemas.microsoft.com/office/infopath/2007/PartnerControls">
-  <documentManagement>
-    <Background xmlns="71af3243-3dd4-4a8d-8c0d-dd76da1f02a5">false</Background>
-    <Status xmlns="71af3243-3dd4-4a8d-8c0d-dd76da1f02a5">Not started</Status>
-    <_ip_UnifiedCompliancePolicyUIAction xmlns="http://schemas.microsoft.com/sharepoint/v3" xsi:nil="true"/>
-    <Image xmlns="71af3243-3dd4-4a8d-8c0d-dd76da1f02a5">
-      <Url xsi:nil="true"/>
-      <Description xsi:nil="true"/>
-    </Image>
-    <_ip_UnifiedCompliancePolicyProperties xmlns="http://schemas.microsoft.com/sharepoint/v3" xsi:nil="true"/>
-    <ImageTagsTaxHTField xmlns="71af3243-3dd4-4a8d-8c0d-dd76da1f02a5">
-      <Terms xmlns="http://schemas.microsoft.com/office/infopath/2007/PartnerControls"/>
-    </ImageTagsTaxHTField>
-    <TaxCatchAll xmlns="230e9df3-be65-4c73-a93b-d1236ebd677e" xsi:nil="true"/>
-    <MediaServiceKeyPoints xmlns="71af3243-3dd4-4a8d-8c0d-dd76da1f02a5" xsi:nil="true"/>
-  </documentManagement>
-</p:properties>
-</file>
-
-<file path=customXml/item2.xml><?xml version="1.0" encoding="utf-8"?>
-<?mso-contentType ?>
-<FormTemplates xmlns="http://schemas.microsoft.com/sharepoint/v3/contenttype/forms">
-  <Display>DocumentLibraryForm</Display>
-  <Edit>DocumentLibraryForm</Edit>
-  <New>DocumentLibraryForm</New>
-</FormTemplates>
-</file>
-
-<file path=customXml/item3.xml><?xml version="1.0" encoding="utf-8"?>
 <ct:contentTypeSchema xmlns:ct="http://schemas.microsoft.com/office/2006/metadata/contentType" xmlns:ma="http://schemas.microsoft.com/office/2006/metadata/properties/metaAttributes" ct:_="" ma:_="" ma:contentTypeName="Document" ma:contentTypeID="0x01010079F111ED35F8CC479449609E8A0923A6" ma:contentTypeVersion="28" ma:contentTypeDescription="Create a new document." ma:contentTypeScope="" ma:versionID="60f5a4f2d2b0abadcf532d48ebf9cb71">
   <xsd:schema xmlns:xsd="http://www.w3.org/2001/XMLSchema" xmlns:xs="http://www.w3.org/2001/XMLSchema" xmlns:p="http://schemas.microsoft.com/office/2006/metadata/properties" xmlns:ns1="http://schemas.microsoft.com/sharepoint/v3" xmlns:ns2="71af3243-3dd4-4a8d-8c0d-dd76da1f02a5" xmlns:ns3="16c05727-aa75-4e4a-9b5f-8a80a1165891" xmlns:ns4="230e9df3-be65-4c73-a93b-d1236ebd677e" targetNamespace="http://schemas.microsoft.com/office/2006/metadata/properties" ma:root="true" ma:fieldsID="7dd78129e6a1811f84807ad11c651531" ns1:_="" ns2:_="" ns3:_="" ns4:_="">
     <xsd:import namespace="http://schemas.microsoft.com/sharepoint/v3"/>
@@ -14134,27 +14937,36 @@
 </ct:contentTypeSchema>
 </file>
 
-<file path=customXml/itemProps1.xml><?xml version="1.0" encoding="utf-8"?>
-<ds:datastoreItem xmlns:ds="http://schemas.openxmlformats.org/officeDocument/2006/customXml" ds:itemID="{4F4B194E-8B30-4377-8C59-ECFB902D2A26}">
-  <ds:schemaRefs>
-    <ds:schemaRef ds:uri="http://schemas.microsoft.com/office/2006/metadata/properties"/>
-    <ds:schemaRef ds:uri="http://schemas.microsoft.com/office/infopath/2007/PartnerControls"/>
-    <ds:schemaRef ds:uri="71af3243-3dd4-4a8d-8c0d-dd76da1f02a5"/>
-    <ds:schemaRef ds:uri="http://schemas.microsoft.com/sharepoint/v3"/>
-    <ds:schemaRef ds:uri="230e9df3-be65-4c73-a93b-d1236ebd677e"/>
-  </ds:schemaRefs>
-</ds:datastoreItem>
+<file path=customXml/item2.xml><?xml version="1.0" encoding="utf-8"?>
+<?mso-contentType ?>
+<FormTemplates xmlns="http://schemas.microsoft.com/sharepoint/v3/contenttype/forms">
+  <Display>DocumentLibraryForm</Display>
+  <Edit>DocumentLibraryForm</Edit>
+  <New>DocumentLibraryForm</New>
+</FormTemplates>
 </file>
 
-<file path=customXml/itemProps2.xml><?xml version="1.0" encoding="utf-8"?>
-<ds:datastoreItem xmlns:ds="http://schemas.openxmlformats.org/officeDocument/2006/customXml" ds:itemID="{C21FFAC0-05A2-416A-B06C-C248395482CF}">
-  <ds:schemaRefs>
-    <ds:schemaRef ds:uri="http://schemas.microsoft.com/sharepoint/v3/contenttype/forms"/>
-  </ds:schemaRefs>
-</ds:datastoreItem>
+<file path=customXml/item3.xml><?xml version="1.0" encoding="utf-8"?>
+<p:properties xmlns:p="http://schemas.microsoft.com/office/2006/metadata/properties" xmlns:xsi="http://www.w3.org/2001/XMLSchema-instance" xmlns:pc="http://schemas.microsoft.com/office/infopath/2007/PartnerControls">
+  <documentManagement>
+    <Background xmlns="71af3243-3dd4-4a8d-8c0d-dd76da1f02a5">false</Background>
+    <Status xmlns="71af3243-3dd4-4a8d-8c0d-dd76da1f02a5">Not started</Status>
+    <_ip_UnifiedCompliancePolicyUIAction xmlns="http://schemas.microsoft.com/sharepoint/v3" xsi:nil="true"/>
+    <Image xmlns="71af3243-3dd4-4a8d-8c0d-dd76da1f02a5">
+      <Url xsi:nil="true"/>
+      <Description xsi:nil="true"/>
+    </Image>
+    <_ip_UnifiedCompliancePolicyProperties xmlns="http://schemas.microsoft.com/sharepoint/v3" xsi:nil="true"/>
+    <ImageTagsTaxHTField xmlns="71af3243-3dd4-4a8d-8c0d-dd76da1f02a5">
+      <Terms xmlns="http://schemas.microsoft.com/office/infopath/2007/PartnerControls"/>
+    </ImageTagsTaxHTField>
+    <TaxCatchAll xmlns="230e9df3-be65-4c73-a93b-d1236ebd677e" xsi:nil="true"/>
+    <MediaServiceKeyPoints xmlns="71af3243-3dd4-4a8d-8c0d-dd76da1f02a5" xsi:nil="true"/>
+  </documentManagement>
+</p:properties>
 </file>
 
-<file path=customXml/itemProps3.xml><?xml version="1.0" encoding="utf-8"?>
+<file path=customXml/itemProps1.xml><?xml version="1.0" encoding="utf-8"?>
 <ds:datastoreItem xmlns:ds="http://schemas.openxmlformats.org/officeDocument/2006/customXml" ds:itemID="{92DB9E12-8AC3-4138-BF4D-720A5525AB10}">
   <ds:schemaRefs>
     <ds:schemaRef ds:uri="http://schemas.microsoft.com/office/2006/metadata/contentType"/>
@@ -14175,6 +14987,26 @@
 </ds:datastoreItem>
 </file>
 
+<file path=customXml/itemProps2.xml><?xml version="1.0" encoding="utf-8"?>
+<ds:datastoreItem xmlns:ds="http://schemas.openxmlformats.org/officeDocument/2006/customXml" ds:itemID="{C21FFAC0-05A2-416A-B06C-C248395482CF}">
+  <ds:schemaRefs>
+    <ds:schemaRef ds:uri="http://schemas.microsoft.com/sharepoint/v3/contenttype/forms"/>
+  </ds:schemaRefs>
+</ds:datastoreItem>
+</file>
+
+<file path=customXml/itemProps3.xml><?xml version="1.0" encoding="utf-8"?>
+<ds:datastoreItem xmlns:ds="http://schemas.openxmlformats.org/officeDocument/2006/customXml" ds:itemID="{4F4B194E-8B30-4377-8C59-ECFB902D2A26}">
+  <ds:schemaRefs>
+    <ds:schemaRef ds:uri="http://schemas.microsoft.com/office/2006/metadata/properties"/>
+    <ds:schemaRef ds:uri="http://schemas.microsoft.com/office/infopath/2007/PartnerControls"/>
+    <ds:schemaRef ds:uri="71af3243-3dd4-4a8d-8c0d-dd76da1f02a5"/>
+    <ds:schemaRef ds:uri="http://schemas.microsoft.com/sharepoint/v3"/>
+    <ds:schemaRef ds:uri="230e9df3-be65-4c73-a93b-d1236ebd677e"/>
+  </ds:schemaRefs>
+</ds:datastoreItem>
+</file>
+
 <file path=docMetadata/LabelInfo.xml><?xml version="1.0" encoding="utf-8"?>
 <clbl:labelList xmlns:clbl="http://schemas.microsoft.com/office/2020/mipLabelMetadata"/>
 </file>
--- a/presentazione.pptx
+++ b/presentazione.pptx
@@ -5,25 +5,26 @@
     <p:sldMasterId id="2147483658" r:id="rId4"/>
   </p:sldMasterIdLst>
   <p:notesMasterIdLst>
-    <p:notesMasterId r:id="rId18"/>
+    <p:notesMasterId r:id="rId19"/>
   </p:notesMasterIdLst>
   <p:handoutMasterIdLst>
-    <p:handoutMasterId r:id="rId19"/>
+    <p:handoutMasterId r:id="rId20"/>
   </p:handoutMasterIdLst>
   <p:sldIdLst>
     <p:sldId id="410" r:id="rId5"/>
     <p:sldId id="383" r:id="rId6"/>
     <p:sldId id="413" r:id="rId7"/>
-    <p:sldId id="422" r:id="rId8"/>
-    <p:sldId id="414" r:id="rId9"/>
-    <p:sldId id="415" r:id="rId10"/>
-    <p:sldId id="416" r:id="rId11"/>
-    <p:sldId id="417" r:id="rId12"/>
-    <p:sldId id="418" r:id="rId13"/>
-    <p:sldId id="419" r:id="rId14"/>
-    <p:sldId id="420" r:id="rId15"/>
-    <p:sldId id="421" r:id="rId16"/>
-    <p:sldId id="398" r:id="rId17"/>
+    <p:sldId id="423" r:id="rId8"/>
+    <p:sldId id="422" r:id="rId9"/>
+    <p:sldId id="414" r:id="rId10"/>
+    <p:sldId id="415" r:id="rId11"/>
+    <p:sldId id="416" r:id="rId12"/>
+    <p:sldId id="417" r:id="rId13"/>
+    <p:sldId id="418" r:id="rId14"/>
+    <p:sldId id="419" r:id="rId15"/>
+    <p:sldId id="420" r:id="rId16"/>
+    <p:sldId id="421" r:id="rId17"/>
+    <p:sldId id="398" r:id="rId18"/>
   </p:sldIdLst>
   <p:sldSz cx="12192000" cy="6858000"/>
   <p:notesSz cx="6858000" cy="9144000"/>
@@ -203,7 +204,7 @@
             <a:pPr rtl="0"/>
             <a:fld id="{F43FFF67-0A66-4BA5-8D01-D7436A93C5DC}" type="datetime1">
               <a:rPr lang="it-IT" smtClean="0"/>
-              <a:t>24/01/2025</a:t>
+              <a:t>26/01/2025</a:t>
             </a:fld>
             <a:endParaRPr lang="it-IT" dirty="0"/>
           </a:p>
@@ -422,7 +423,7 @@
             <a:fld id="{CCC7B77D-D2C2-452D-80DB-AB1E949B0C69}" type="datetime1">
               <a:rPr lang="it-IT" smtClean="0"/>
               <a:pPr/>
-              <a:t>24/01/2025</a:t>
+              <a:t>26/01/2025</a:t>
             </a:fld>
             <a:endParaRPr lang="it-IT" dirty="0"/>
           </a:p>
@@ -802,6 +803,124 @@
         <p:cNvPr id="1" name="">
           <a:extLst>
             <a:ext uri="{FF2B5EF4-FFF2-40B4-BE49-F238E27FC236}">
+              <a16:creationId xmlns:a16="http://schemas.microsoft.com/office/drawing/2014/main" id="{CF2A5073-D91D-8952-C266-47A6B19ADCC2}"/>
+            </a:ext>
+          </a:extLst>
+        </p:cNvPr>
+        <p:cNvGrpSpPr/>
+        <p:nvPr/>
+      </p:nvGrpSpPr>
+      <p:grpSpPr>
+        <a:xfrm>
+          <a:off x="0" y="0"/>
+          <a:ext cx="0" cy="0"/>
+          <a:chOff x="0" y="0"/>
+          <a:chExt cx="0" cy="0"/>
+        </a:xfrm>
+      </p:grpSpPr>
+      <p:sp>
+        <p:nvSpPr>
+          <p:cNvPr id="2" name="Segnaposto immagine diapositiva 1">
+            <a:extLst>
+              <a:ext uri="{FF2B5EF4-FFF2-40B4-BE49-F238E27FC236}">
+                <a16:creationId xmlns:a16="http://schemas.microsoft.com/office/drawing/2014/main" id="{6B38A9C6-1DAD-6271-4DFA-363FCE53DF5E}"/>
+              </a:ext>
+            </a:extLst>
+          </p:cNvPr>
+          <p:cNvSpPr>
+            <a:spLocks noGrp="1" noRot="1" noChangeAspect="1"/>
+          </p:cNvSpPr>
+          <p:nvPr>
+            <p:ph type="sldImg"/>
+          </p:nvPr>
+        </p:nvSpPr>
+        <p:spPr/>
+      </p:sp>
+      <p:sp>
+        <p:nvSpPr>
+          <p:cNvPr id="3" name="Segnaposto note 2">
+            <a:extLst>
+              <a:ext uri="{FF2B5EF4-FFF2-40B4-BE49-F238E27FC236}">
+                <a16:creationId xmlns:a16="http://schemas.microsoft.com/office/drawing/2014/main" id="{2C7F567B-7056-77C4-CDFB-746F119CA2E1}"/>
+              </a:ext>
+            </a:extLst>
+          </p:cNvPr>
+          <p:cNvSpPr>
+            <a:spLocks noGrp="1"/>
+          </p:cNvSpPr>
+          <p:nvPr>
+            <p:ph type="body" idx="1"/>
+          </p:nvPr>
+        </p:nvSpPr>
+        <p:spPr/>
+        <p:txBody>
+          <a:bodyPr rtlCol="0"/>
+          <a:lstStyle>
+            <a:defPPr>
+              <a:defRPr lang="it-IT"/>
+            </a:defPPr>
+          </a:lstStyle>
+          <a:p>
+            <a:pPr rtl="0"/>
+            <a:endParaRPr lang="it-IT" dirty="0"/>
+          </a:p>
+        </p:txBody>
+      </p:sp>
+      <p:sp>
+        <p:nvSpPr>
+          <p:cNvPr id="4" name="Segnaposto numero diapositiva 3">
+            <a:extLst>
+              <a:ext uri="{FF2B5EF4-FFF2-40B4-BE49-F238E27FC236}">
+                <a16:creationId xmlns:a16="http://schemas.microsoft.com/office/drawing/2014/main" id="{15A8E731-9AAB-AB82-AF40-54DB89CF5AA2}"/>
+              </a:ext>
+            </a:extLst>
+          </p:cNvPr>
+          <p:cNvSpPr>
+            <a:spLocks noGrp="1"/>
+          </p:cNvSpPr>
+          <p:nvPr>
+            <p:ph type="sldNum" sz="quarter" idx="5"/>
+          </p:nvPr>
+        </p:nvSpPr>
+        <p:spPr/>
+        <p:txBody>
+          <a:bodyPr rtlCol="0"/>
+          <a:lstStyle>
+            <a:defPPr>
+              <a:defRPr lang="it-IT"/>
+            </a:defPPr>
+          </a:lstStyle>
+          <a:p>
+            <a:pPr rtl="0"/>
+            <a:fld id="{A89C7E07-3C67-C64C-8DA0-0404F6303970}" type="slidenum">
+              <a:rPr lang="it-IT" smtClean="0"/>
+              <a:t>10</a:t>
+            </a:fld>
+            <a:endParaRPr lang="it-IT" dirty="0"/>
+          </a:p>
+        </p:txBody>
+      </p:sp>
+    </p:spTree>
+    <p:extLst>
+      <p:ext uri="{BB962C8B-B14F-4D97-AF65-F5344CB8AC3E}">
+        <p14:creationId xmlns:p14="http://schemas.microsoft.com/office/powerpoint/2010/main" val="22684094"/>
+      </p:ext>
+    </p:extLst>
+  </p:cSld>
+  <p:clrMapOvr>
+    <a:masterClrMapping/>
+  </p:clrMapOvr>
+</p:notes>
+</file>
+
+<file path=ppt/notesSlides/notesSlide11.xml><?xml version="1.0" encoding="utf-8"?>
+<p:notes xmlns:a="http://schemas.openxmlformats.org/drawingml/2006/main" xmlns:r="http://schemas.openxmlformats.org/officeDocument/2006/relationships" xmlns:p="http://schemas.openxmlformats.org/presentationml/2006/main">
+  <p:cSld>
+    <p:spTree>
+      <p:nvGrpSpPr>
+        <p:cNvPr id="1" name="">
+          <a:extLst>
+            <a:ext uri="{FF2B5EF4-FFF2-40B4-BE49-F238E27FC236}">
               <a16:creationId xmlns:a16="http://schemas.microsoft.com/office/drawing/2014/main" id="{DC7979CB-9123-9530-D7C7-76E87B288F9C}"/>
             </a:ext>
           </a:extLst>
@@ -893,7 +1012,7 @@
             <a:pPr rtl="0"/>
             <a:fld id="{A89C7E07-3C67-C64C-8DA0-0404F6303970}" type="slidenum">
               <a:rPr lang="it-IT" smtClean="0"/>
-              <a:t>10</a:t>
+              <a:t>11</a:t>
             </a:fld>
             <a:endParaRPr lang="it-IT" dirty="0"/>
           </a:p>
@@ -912,7 +1031,7 @@
 </p:notes>
 </file>
 
-<file path=ppt/notesSlides/notesSlide11.xml><?xml version="1.0" encoding="utf-8"?>
+<file path=ppt/notesSlides/notesSlide12.xml><?xml version="1.0" encoding="utf-8"?>
 <p:notes xmlns:a="http://schemas.openxmlformats.org/drawingml/2006/main" xmlns:r="http://schemas.openxmlformats.org/officeDocument/2006/relationships" xmlns:p="http://schemas.openxmlformats.org/presentationml/2006/main">
   <p:cSld>
     <p:spTree>
@@ -1011,7 +1130,7 @@
             <a:pPr rtl="0"/>
             <a:fld id="{A89C7E07-3C67-C64C-8DA0-0404F6303970}" type="slidenum">
               <a:rPr lang="it-IT" smtClean="0"/>
-              <a:t>11</a:t>
+              <a:t>12</a:t>
             </a:fld>
             <a:endParaRPr lang="it-IT" dirty="0"/>
           </a:p>
@@ -1030,7 +1149,7 @@
 </p:notes>
 </file>
 
-<file path=ppt/notesSlides/notesSlide12.xml><?xml version="1.0" encoding="utf-8"?>
+<file path=ppt/notesSlides/notesSlide13.xml><?xml version="1.0" encoding="utf-8"?>
 <p:notes xmlns:a="http://schemas.openxmlformats.org/drawingml/2006/main" xmlns:r="http://schemas.openxmlformats.org/officeDocument/2006/relationships" xmlns:p="http://schemas.openxmlformats.org/presentationml/2006/main">
   <p:cSld>
     <p:spTree>
@@ -1129,7 +1248,7 @@
             <a:pPr rtl="0"/>
             <a:fld id="{A89C7E07-3C67-C64C-8DA0-0404F6303970}" type="slidenum">
               <a:rPr lang="it-IT" smtClean="0"/>
-              <a:t>12</a:t>
+              <a:t>13</a:t>
             </a:fld>
             <a:endParaRPr lang="it-IT" dirty="0"/>
           </a:p>
@@ -1148,7 +1267,7 @@
 </p:notes>
 </file>
 
-<file path=ppt/notesSlides/notesSlide13.xml><?xml version="1.0" encoding="utf-8"?>
+<file path=ppt/notesSlides/notesSlide14.xml><?xml version="1.0" encoding="utf-8"?>
 <p:notes xmlns:a="http://schemas.openxmlformats.org/drawingml/2006/main" xmlns:r="http://schemas.openxmlformats.org/officeDocument/2006/relationships" xmlns:p="http://schemas.openxmlformats.org/presentationml/2006/main">
   <p:cSld>
     <p:spTree>
@@ -1223,7 +1342,7 @@
             <a:pPr rtl="0"/>
             <a:fld id="{A89C7E07-3C67-C64C-8DA0-0404F6303970}" type="slidenum">
               <a:rPr lang="it-IT" smtClean="0"/>
-              <a:t>13</a:t>
+              <a:t>14</a:t>
             </a:fld>
             <a:endParaRPr lang="it-IT" dirty="0"/>
           </a:p>
@@ -1462,6 +1581,124 @@
         <p:cNvPr id="1" name="">
           <a:extLst>
             <a:ext uri="{FF2B5EF4-FFF2-40B4-BE49-F238E27FC236}">
+              <a16:creationId xmlns:a16="http://schemas.microsoft.com/office/drawing/2014/main" id="{F8183D96-FC8E-E34E-47D0-377EB78112B0}"/>
+            </a:ext>
+          </a:extLst>
+        </p:cNvPr>
+        <p:cNvGrpSpPr/>
+        <p:nvPr/>
+      </p:nvGrpSpPr>
+      <p:grpSpPr>
+        <a:xfrm>
+          <a:off x="0" y="0"/>
+          <a:ext cx="0" cy="0"/>
+          <a:chOff x="0" y="0"/>
+          <a:chExt cx="0" cy="0"/>
+        </a:xfrm>
+      </p:grpSpPr>
+      <p:sp>
+        <p:nvSpPr>
+          <p:cNvPr id="2" name="Segnaposto immagine diapositiva 1">
+            <a:extLst>
+              <a:ext uri="{FF2B5EF4-FFF2-40B4-BE49-F238E27FC236}">
+                <a16:creationId xmlns:a16="http://schemas.microsoft.com/office/drawing/2014/main" id="{23380659-C447-C8ED-FCE1-8E0BDF99356A}"/>
+              </a:ext>
+            </a:extLst>
+          </p:cNvPr>
+          <p:cNvSpPr>
+            <a:spLocks noGrp="1" noRot="1" noChangeAspect="1"/>
+          </p:cNvSpPr>
+          <p:nvPr>
+            <p:ph type="sldImg"/>
+          </p:nvPr>
+        </p:nvSpPr>
+        <p:spPr/>
+      </p:sp>
+      <p:sp>
+        <p:nvSpPr>
+          <p:cNvPr id="3" name="Segnaposto note 2">
+            <a:extLst>
+              <a:ext uri="{FF2B5EF4-FFF2-40B4-BE49-F238E27FC236}">
+                <a16:creationId xmlns:a16="http://schemas.microsoft.com/office/drawing/2014/main" id="{BB555AEE-C62F-854E-3D10-B096A3161A64}"/>
+              </a:ext>
+            </a:extLst>
+          </p:cNvPr>
+          <p:cNvSpPr>
+            <a:spLocks noGrp="1"/>
+          </p:cNvSpPr>
+          <p:nvPr>
+            <p:ph type="body" idx="1"/>
+          </p:nvPr>
+        </p:nvSpPr>
+        <p:spPr/>
+        <p:txBody>
+          <a:bodyPr rtlCol="0"/>
+          <a:lstStyle>
+            <a:defPPr>
+              <a:defRPr lang="it-IT"/>
+            </a:defPPr>
+          </a:lstStyle>
+          <a:p>
+            <a:pPr rtl="0"/>
+            <a:endParaRPr lang="it-IT" dirty="0"/>
+          </a:p>
+        </p:txBody>
+      </p:sp>
+      <p:sp>
+        <p:nvSpPr>
+          <p:cNvPr id="4" name="Segnaposto numero diapositiva 3">
+            <a:extLst>
+              <a:ext uri="{FF2B5EF4-FFF2-40B4-BE49-F238E27FC236}">
+                <a16:creationId xmlns:a16="http://schemas.microsoft.com/office/drawing/2014/main" id="{E67378BA-5893-6770-C4D3-D3C07A29B7E6}"/>
+              </a:ext>
+            </a:extLst>
+          </p:cNvPr>
+          <p:cNvSpPr>
+            <a:spLocks noGrp="1"/>
+          </p:cNvSpPr>
+          <p:nvPr>
+            <p:ph type="sldNum" sz="quarter" idx="5"/>
+          </p:nvPr>
+        </p:nvSpPr>
+        <p:spPr/>
+        <p:txBody>
+          <a:bodyPr rtlCol="0"/>
+          <a:lstStyle>
+            <a:defPPr>
+              <a:defRPr lang="it-IT"/>
+            </a:defPPr>
+          </a:lstStyle>
+          <a:p>
+            <a:pPr rtl="0"/>
+            <a:fld id="{A89C7E07-3C67-C64C-8DA0-0404F6303970}" type="slidenum">
+              <a:rPr lang="it-IT" smtClean="0"/>
+              <a:t>4</a:t>
+            </a:fld>
+            <a:endParaRPr lang="it-IT" dirty="0"/>
+          </a:p>
+        </p:txBody>
+      </p:sp>
+    </p:spTree>
+    <p:extLst>
+      <p:ext uri="{BB962C8B-B14F-4D97-AF65-F5344CB8AC3E}">
+        <p14:creationId xmlns:p14="http://schemas.microsoft.com/office/powerpoint/2010/main" val="3554226176"/>
+      </p:ext>
+    </p:extLst>
+  </p:cSld>
+  <p:clrMapOvr>
+    <a:masterClrMapping/>
+  </p:clrMapOvr>
+</p:notes>
+</file>
+
+<file path=ppt/notesSlides/notesSlide5.xml><?xml version="1.0" encoding="utf-8"?>
+<p:notes xmlns:a="http://schemas.openxmlformats.org/drawingml/2006/main" xmlns:r="http://schemas.openxmlformats.org/officeDocument/2006/relationships" xmlns:p="http://schemas.openxmlformats.org/presentationml/2006/main">
+  <p:cSld>
+    <p:spTree>
+      <p:nvGrpSpPr>
+        <p:cNvPr id="1" name="">
+          <a:extLst>
+            <a:ext uri="{FF2B5EF4-FFF2-40B4-BE49-F238E27FC236}">
               <a16:creationId xmlns:a16="http://schemas.microsoft.com/office/drawing/2014/main" id="{E2A2F6AF-EB73-A91C-058A-C30628D75843}"/>
             </a:ext>
           </a:extLst>
@@ -1553,7 +1790,7 @@
             <a:pPr rtl="0"/>
             <a:fld id="{A89C7E07-3C67-C64C-8DA0-0404F6303970}" type="slidenum">
               <a:rPr lang="it-IT" smtClean="0"/>
-              <a:t>4</a:t>
+              <a:t>5</a:t>
             </a:fld>
             <a:endParaRPr lang="it-IT" dirty="0"/>
           </a:p>
@@ -1572,7 +1809,7 @@
 </p:notes>
 </file>
 
-<file path=ppt/notesSlides/notesSlide5.xml><?xml version="1.0" encoding="utf-8"?>
+<file path=ppt/notesSlides/notesSlide6.xml><?xml version="1.0" encoding="utf-8"?>
 <p:notes xmlns:a="http://schemas.openxmlformats.org/drawingml/2006/main" xmlns:r="http://schemas.openxmlformats.org/officeDocument/2006/relationships" xmlns:p="http://schemas.openxmlformats.org/presentationml/2006/main">
   <p:cSld>
     <p:spTree>
@@ -1671,7 +1908,7 @@
             <a:pPr rtl="0"/>
             <a:fld id="{A89C7E07-3C67-C64C-8DA0-0404F6303970}" type="slidenum">
               <a:rPr lang="it-IT" smtClean="0"/>
-              <a:t>5</a:t>
+              <a:t>6</a:t>
             </a:fld>
             <a:endParaRPr lang="it-IT" dirty="0"/>
           </a:p>
@@ -1690,7 +1927,7 @@
 </p:notes>
 </file>
 
-<file path=ppt/notesSlides/notesSlide6.xml><?xml version="1.0" encoding="utf-8"?>
+<file path=ppt/notesSlides/notesSlide7.xml><?xml version="1.0" encoding="utf-8"?>
 <p:notes xmlns:a="http://schemas.openxmlformats.org/drawingml/2006/main" xmlns:r="http://schemas.openxmlformats.org/officeDocument/2006/relationships" xmlns:p="http://schemas.openxmlformats.org/presentationml/2006/main">
   <p:cSld>
     <p:spTree>
@@ -1789,7 +2026,7 @@
             <a:pPr rtl="0"/>
             <a:fld id="{A89C7E07-3C67-C64C-8DA0-0404F6303970}" type="slidenum">
               <a:rPr lang="it-IT" smtClean="0"/>
-              <a:t>6</a:t>
+              <a:t>7</a:t>
             </a:fld>
             <a:endParaRPr lang="it-IT" dirty="0"/>
           </a:p>
@@ -1808,7 +2045,7 @@
 </p:notes>
 </file>
 
-<file path=ppt/notesSlides/notesSlide7.xml><?xml version="1.0" encoding="utf-8"?>
+<file path=ppt/notesSlides/notesSlide8.xml><?xml version="1.0" encoding="utf-8"?>
 <p:notes xmlns:a="http://schemas.openxmlformats.org/drawingml/2006/main" xmlns:r="http://schemas.openxmlformats.org/officeDocument/2006/relationships" xmlns:p="http://schemas.openxmlformats.org/presentationml/2006/main">
   <p:cSld>
     <p:spTree>
@@ -1907,7 +2144,7 @@
             <a:pPr rtl="0"/>
             <a:fld id="{A89C7E07-3C67-C64C-8DA0-0404F6303970}" type="slidenum">
               <a:rPr lang="it-IT" smtClean="0"/>
-              <a:t>7</a:t>
+              <a:t>8</a:t>
             </a:fld>
             <a:endParaRPr lang="it-IT" dirty="0"/>
           </a:p>
@@ -1926,7 +2163,7 @@
 </p:notes>
 </file>
 
-<file path=ppt/notesSlides/notesSlide8.xml><?xml version="1.0" encoding="utf-8"?>
+<file path=ppt/notesSlides/notesSlide9.xml><?xml version="1.0" encoding="utf-8"?>
 <p:notes xmlns:a="http://schemas.openxmlformats.org/drawingml/2006/main" xmlns:r="http://schemas.openxmlformats.org/officeDocument/2006/relationships" xmlns:p="http://schemas.openxmlformats.org/presentationml/2006/main">
   <p:cSld>
     <p:spTree>
@@ -2025,7 +2262,7 @@
             <a:pPr rtl="0"/>
             <a:fld id="{A89C7E07-3C67-C64C-8DA0-0404F6303970}" type="slidenum">
               <a:rPr lang="it-IT" smtClean="0"/>
-              <a:t>8</a:t>
+              <a:t>9</a:t>
             </a:fld>
             <a:endParaRPr lang="it-IT" dirty="0"/>
           </a:p>
@@ -2035,124 +2272,6 @@
     <p:extLst>
       <p:ext uri="{BB962C8B-B14F-4D97-AF65-F5344CB8AC3E}">
         <p14:creationId xmlns:p14="http://schemas.microsoft.com/office/powerpoint/2010/main" val="2764545704"/>
-      </p:ext>
-    </p:extLst>
-  </p:cSld>
-  <p:clrMapOvr>
-    <a:masterClrMapping/>
-  </p:clrMapOvr>
-</p:notes>
-</file>
-
-<file path=ppt/notesSlides/notesSlide9.xml><?xml version="1.0" encoding="utf-8"?>
-<p:notes xmlns:a="http://schemas.openxmlformats.org/drawingml/2006/main" xmlns:r="http://schemas.openxmlformats.org/officeDocument/2006/relationships" xmlns:p="http://schemas.openxmlformats.org/presentationml/2006/main">
-  <p:cSld>
-    <p:spTree>
-      <p:nvGrpSpPr>
-        <p:cNvPr id="1" name="">
-          <a:extLst>
-            <a:ext uri="{FF2B5EF4-FFF2-40B4-BE49-F238E27FC236}">
-              <a16:creationId xmlns:a16="http://schemas.microsoft.com/office/drawing/2014/main" id="{CF2A5073-D91D-8952-C266-47A6B19ADCC2}"/>
-            </a:ext>
-          </a:extLst>
-        </p:cNvPr>
-        <p:cNvGrpSpPr/>
-        <p:nvPr/>
-      </p:nvGrpSpPr>
-      <p:grpSpPr>
-        <a:xfrm>
-          <a:off x="0" y="0"/>
-          <a:ext cx="0" cy="0"/>
-          <a:chOff x="0" y="0"/>
-          <a:chExt cx="0" cy="0"/>
-        </a:xfrm>
-      </p:grpSpPr>
-      <p:sp>
-        <p:nvSpPr>
-          <p:cNvPr id="2" name="Segnaposto immagine diapositiva 1">
-            <a:extLst>
-              <a:ext uri="{FF2B5EF4-FFF2-40B4-BE49-F238E27FC236}">
-                <a16:creationId xmlns:a16="http://schemas.microsoft.com/office/drawing/2014/main" id="{6B38A9C6-1DAD-6271-4DFA-363FCE53DF5E}"/>
-              </a:ext>
-            </a:extLst>
-          </p:cNvPr>
-          <p:cNvSpPr>
-            <a:spLocks noGrp="1" noRot="1" noChangeAspect="1"/>
-          </p:cNvSpPr>
-          <p:nvPr>
-            <p:ph type="sldImg"/>
-          </p:nvPr>
-        </p:nvSpPr>
-        <p:spPr/>
-      </p:sp>
-      <p:sp>
-        <p:nvSpPr>
-          <p:cNvPr id="3" name="Segnaposto note 2">
-            <a:extLst>
-              <a:ext uri="{FF2B5EF4-FFF2-40B4-BE49-F238E27FC236}">
-                <a16:creationId xmlns:a16="http://schemas.microsoft.com/office/drawing/2014/main" id="{2C7F567B-7056-77C4-CDFB-746F119CA2E1}"/>
-              </a:ext>
-            </a:extLst>
-          </p:cNvPr>
-          <p:cNvSpPr>
-            <a:spLocks noGrp="1"/>
-          </p:cNvSpPr>
-          <p:nvPr>
-            <p:ph type="body" idx="1"/>
-          </p:nvPr>
-        </p:nvSpPr>
-        <p:spPr/>
-        <p:txBody>
-          <a:bodyPr rtlCol="0"/>
-          <a:lstStyle>
-            <a:defPPr>
-              <a:defRPr lang="it-IT"/>
-            </a:defPPr>
-          </a:lstStyle>
-          <a:p>
-            <a:pPr rtl="0"/>
-            <a:endParaRPr lang="it-IT" dirty="0"/>
-          </a:p>
-        </p:txBody>
-      </p:sp>
-      <p:sp>
-        <p:nvSpPr>
-          <p:cNvPr id="4" name="Segnaposto numero diapositiva 3">
-            <a:extLst>
-              <a:ext uri="{FF2B5EF4-FFF2-40B4-BE49-F238E27FC236}">
-                <a16:creationId xmlns:a16="http://schemas.microsoft.com/office/drawing/2014/main" id="{15A8E731-9AAB-AB82-AF40-54DB89CF5AA2}"/>
-              </a:ext>
-            </a:extLst>
-          </p:cNvPr>
-          <p:cNvSpPr>
-            <a:spLocks noGrp="1"/>
-          </p:cNvSpPr>
-          <p:nvPr>
-            <p:ph type="sldNum" sz="quarter" idx="5"/>
-          </p:nvPr>
-        </p:nvSpPr>
-        <p:spPr/>
-        <p:txBody>
-          <a:bodyPr rtlCol="0"/>
-          <a:lstStyle>
-            <a:defPPr>
-              <a:defRPr lang="it-IT"/>
-            </a:defPPr>
-          </a:lstStyle>
-          <a:p>
-            <a:pPr rtl="0"/>
-            <a:fld id="{A89C7E07-3C67-C64C-8DA0-0404F6303970}" type="slidenum">
-              <a:rPr lang="it-IT" smtClean="0"/>
-              <a:t>9</a:t>
-            </a:fld>
-            <a:endParaRPr lang="it-IT" dirty="0"/>
-          </a:p>
-        </p:txBody>
-      </p:sp>
-    </p:spTree>
-    <p:extLst>
-      <p:ext uri="{BB962C8B-B14F-4D97-AF65-F5344CB8AC3E}">
-        <p14:creationId xmlns:p14="http://schemas.microsoft.com/office/powerpoint/2010/main" val="22684094"/>
       </p:ext>
     </p:extLst>
   </p:cSld>
@@ -10932,7 +11051,7 @@
         <p:cNvPr id="1" name="">
           <a:extLst>
             <a:ext uri="{FF2B5EF4-FFF2-40B4-BE49-F238E27FC236}">
-              <a16:creationId xmlns:a16="http://schemas.microsoft.com/office/drawing/2014/main" id="{BAE7F4F3-C423-28A2-D6E5-19C8929F6448}"/>
+              <a16:creationId xmlns:a16="http://schemas.microsoft.com/office/drawing/2014/main" id="{E426A2CE-F3A0-1D6D-BB05-4410DC558995}"/>
             </a:ext>
           </a:extLst>
         </p:cNvPr>
@@ -10952,7 +11071,7 @@
           <p:cNvPr id="2" name="Titolo 1">
             <a:extLst>
               <a:ext uri="{FF2B5EF4-FFF2-40B4-BE49-F238E27FC236}">
-                <a16:creationId xmlns:a16="http://schemas.microsoft.com/office/drawing/2014/main" id="{D0BC79A9-7ED9-83B5-CB77-DEA45E65824C}"/>
+                <a16:creationId xmlns:a16="http://schemas.microsoft.com/office/drawing/2014/main" id="{B1EB7A48-0908-F603-2FD6-D9E07F91F37B}"/>
               </a:ext>
             </a:extLst>
           </p:cNvPr>
@@ -10980,7 +11099,7 @@
             <a:pPr rtl="0"/>
             <a:r>
               <a:rPr lang="it-IT" sz="4000" b="0" dirty="0"/>
-              <a:t>Risultati – Opzioni americane</a:t>
+              <a:t>Risultati – Opzioni europee</a:t>
             </a:r>
           </a:p>
         </p:txBody>
@@ -10990,7 +11109,7 @@
           <p:cNvPr id="3" name="Segnaposto contenuto 2">
             <a:extLst>
               <a:ext uri="{FF2B5EF4-FFF2-40B4-BE49-F238E27FC236}">
-                <a16:creationId xmlns:a16="http://schemas.microsoft.com/office/drawing/2014/main" id="{34C90A72-1DEF-E604-1F40-32E0E6C3726F}"/>
+                <a16:creationId xmlns:a16="http://schemas.microsoft.com/office/drawing/2014/main" id="{05531509-4226-62F3-1099-F9C04BCF277B}"/>
               </a:ext>
             </a:extLst>
           </p:cNvPr>
@@ -11052,7 +11171,7 @@
           <p:cNvPr id="6" name="Segnaposto contenuto 5">
             <a:extLst>
               <a:ext uri="{FF2B5EF4-FFF2-40B4-BE49-F238E27FC236}">
-                <a16:creationId xmlns:a16="http://schemas.microsoft.com/office/drawing/2014/main" id="{EEE22862-E979-321D-1130-8F8938C71AF1}"/>
+                <a16:creationId xmlns:a16="http://schemas.microsoft.com/office/drawing/2014/main" id="{7B7E7A71-E585-445E-7E44-527D25CB9BC5}"/>
               </a:ext>
             </a:extLst>
           </p:cNvPr>
@@ -11082,6 +11201,174 @@
     </p:spTree>
     <p:extLst>
       <p:ext uri="{BB962C8B-B14F-4D97-AF65-F5344CB8AC3E}">
+        <p14:creationId xmlns:p14="http://schemas.microsoft.com/office/powerpoint/2010/main" val="1472695670"/>
+      </p:ext>
+    </p:extLst>
+  </p:cSld>
+  <p:clrMapOvr>
+    <a:masterClrMapping/>
+  </p:clrMapOvr>
+</p:sld>
+</file>
+
+<file path=ppt/slides/slide11.xml><?xml version="1.0" encoding="utf-8"?>
+<p:sld xmlns:a="http://schemas.openxmlformats.org/drawingml/2006/main" xmlns:r="http://schemas.openxmlformats.org/officeDocument/2006/relationships" xmlns:p="http://schemas.openxmlformats.org/presentationml/2006/main">
+  <p:cSld>
+    <p:spTree>
+      <p:nvGrpSpPr>
+        <p:cNvPr id="1" name="">
+          <a:extLst>
+            <a:ext uri="{FF2B5EF4-FFF2-40B4-BE49-F238E27FC236}">
+              <a16:creationId xmlns:a16="http://schemas.microsoft.com/office/drawing/2014/main" id="{BAE7F4F3-C423-28A2-D6E5-19C8929F6448}"/>
+            </a:ext>
+          </a:extLst>
+        </p:cNvPr>
+        <p:cNvGrpSpPr/>
+        <p:nvPr/>
+      </p:nvGrpSpPr>
+      <p:grpSpPr>
+        <a:xfrm>
+          <a:off x="0" y="0"/>
+          <a:ext cx="0" cy="0"/>
+          <a:chOff x="0" y="0"/>
+          <a:chExt cx="0" cy="0"/>
+        </a:xfrm>
+      </p:grpSpPr>
+      <p:sp>
+        <p:nvSpPr>
+          <p:cNvPr id="2" name="Titolo 1">
+            <a:extLst>
+              <a:ext uri="{FF2B5EF4-FFF2-40B4-BE49-F238E27FC236}">
+                <a16:creationId xmlns:a16="http://schemas.microsoft.com/office/drawing/2014/main" id="{D0BC79A9-7ED9-83B5-CB77-DEA45E65824C}"/>
+              </a:ext>
+            </a:extLst>
+          </p:cNvPr>
+          <p:cNvSpPr>
+            <a:spLocks noGrp="1"/>
+          </p:cNvSpPr>
+          <p:nvPr>
+            <p:ph type="title"/>
+          </p:nvPr>
+        </p:nvSpPr>
+        <p:spPr>
+          <a:xfrm>
+            <a:off x="594360" y="278129"/>
+            <a:ext cx="9778365" cy="1494596"/>
+          </a:xfrm>
+        </p:spPr>
+        <p:txBody>
+          <a:bodyPr rtlCol="0"/>
+          <a:lstStyle>
+            <a:defPPr>
+              <a:defRPr lang="it-IT"/>
+            </a:defPPr>
+          </a:lstStyle>
+          <a:p>
+            <a:pPr rtl="0"/>
+            <a:r>
+              <a:rPr lang="it-IT" sz="4000" b="0" dirty="0"/>
+              <a:t>Risultati – Opzioni americane</a:t>
+            </a:r>
+          </a:p>
+        </p:txBody>
+      </p:sp>
+      <p:sp>
+        <p:nvSpPr>
+          <p:cNvPr id="3" name="Segnaposto contenuto 2">
+            <a:extLst>
+              <a:ext uri="{FF2B5EF4-FFF2-40B4-BE49-F238E27FC236}">
+                <a16:creationId xmlns:a16="http://schemas.microsoft.com/office/drawing/2014/main" id="{34C90A72-1DEF-E604-1F40-32E0E6C3726F}"/>
+              </a:ext>
+            </a:extLst>
+          </p:cNvPr>
+          <p:cNvSpPr>
+            <a:spLocks noGrp="1"/>
+          </p:cNvSpPr>
+          <p:nvPr>
+            <p:ph sz="quarter" idx="15"/>
+          </p:nvPr>
+        </p:nvSpPr>
+        <p:spPr>
+          <a:xfrm>
+            <a:off x="594360" y="2676525"/>
+            <a:ext cx="6474193" cy="3597470"/>
+          </a:xfrm>
+        </p:spPr>
+        <p:txBody>
+          <a:bodyPr rtlCol="0"/>
+          <a:lstStyle>
+            <a:defPPr>
+              <a:defRPr lang="it-IT"/>
+            </a:defPPr>
+          </a:lstStyle>
+          <a:p>
+            <a:pPr rtl="0"/>
+            <a:r>
+              <a:rPr lang="it-IT" dirty="0"/>
+              <a:t>Applicare la put call </a:t>
+            </a:r>
+            <a:r>
+              <a:rPr lang="it-IT" dirty="0" err="1"/>
+              <a:t>parity</a:t>
+            </a:r>
+            <a:r>
+              <a:rPr lang="it-IT" dirty="0"/>
+              <a:t> e tirare fuori la retta di regressione, per farlo ci servono i dati delle opzioni a </a:t>
+            </a:r>
+            <a:r>
+              <a:rPr lang="it-IT" dirty="0" err="1"/>
+              <a:t>paritá</a:t>
+            </a:r>
+            <a:r>
+              <a:rPr lang="it-IT" dirty="0"/>
+              <a:t> di strike, scadenza e last trade, il valore del titolo, il tasso risk free e la </a:t>
+            </a:r>
+            <a:r>
+              <a:rPr lang="it-IT" dirty="0" err="1"/>
+              <a:t>volatilitá</a:t>
+            </a:r>
+            <a:r>
+              <a:rPr lang="it-IT" dirty="0"/>
+              <a:t> del titolo dopo in metodologia spiego come faccio</a:t>
+            </a:r>
+          </a:p>
+        </p:txBody>
+      </p:sp>
+      <p:sp>
+        <p:nvSpPr>
+          <p:cNvPr id="6" name="Segnaposto contenuto 5">
+            <a:extLst>
+              <a:ext uri="{FF2B5EF4-FFF2-40B4-BE49-F238E27FC236}">
+                <a16:creationId xmlns:a16="http://schemas.microsoft.com/office/drawing/2014/main" id="{EEE22862-E979-321D-1130-8F8938C71AF1}"/>
+              </a:ext>
+            </a:extLst>
+          </p:cNvPr>
+          <p:cNvSpPr>
+            <a:spLocks noGrp="1"/>
+          </p:cNvSpPr>
+          <p:nvPr>
+            <p:ph sz="quarter" idx="16"/>
+          </p:nvPr>
+        </p:nvSpPr>
+        <p:spPr>
+          <a:xfrm rot="10800000" flipV="1">
+            <a:off x="11327732" y="667277"/>
+            <a:ext cx="625643" cy="848701"/>
+          </a:xfrm>
+        </p:spPr>
+        <p:txBody>
+          <a:bodyPr>
+            <a:normAutofit/>
+          </a:bodyPr>
+          <a:lstStyle/>
+          <a:p>
+            <a:endParaRPr lang="it-IT" dirty="0"/>
+          </a:p>
+        </p:txBody>
+      </p:sp>
+    </p:spTree>
+    <p:extLst>
+      <p:ext uri="{BB962C8B-B14F-4D97-AF65-F5344CB8AC3E}">
         <p14:creationId xmlns:p14="http://schemas.microsoft.com/office/powerpoint/2010/main" val="4277053863"/>
       </p:ext>
     </p:extLst>
@@ -11092,7 +11379,7 @@
 </p:sld>
 </file>
 
-<file path=ppt/slides/slide11.xml><?xml version="1.0" encoding="utf-8"?>
+<file path=ppt/slides/slide12.xml><?xml version="1.0" encoding="utf-8"?>
 <p:sld xmlns:a="http://schemas.openxmlformats.org/drawingml/2006/main" xmlns:r="http://schemas.openxmlformats.org/officeDocument/2006/relationships" xmlns:p="http://schemas.openxmlformats.org/presentationml/2006/main">
   <p:cSld>
     <p:spTree>
@@ -11260,7 +11547,7 @@
 </p:sld>
 </file>
 
-<file path=ppt/slides/slide12.xml><?xml version="1.0" encoding="utf-8"?>
+<file path=ppt/slides/slide13.xml><?xml version="1.0" encoding="utf-8"?>
 <p:sld xmlns:a="http://schemas.openxmlformats.org/drawingml/2006/main" xmlns:r="http://schemas.openxmlformats.org/officeDocument/2006/relationships" xmlns:p="http://schemas.openxmlformats.org/presentationml/2006/main">
   <p:cSld>
     <p:spTree>
@@ -11428,7 +11715,7 @@
 </p:sld>
 </file>
 
-<file path=ppt/slides/slide13.xml><?xml version="1.0" encoding="utf-8"?>
+<file path=ppt/slides/slide14.xml><?xml version="1.0" encoding="utf-8"?>
 <p:sld xmlns:a="http://schemas.openxmlformats.org/drawingml/2006/main" xmlns:r="http://schemas.openxmlformats.org/officeDocument/2006/relationships" xmlns:p="http://schemas.openxmlformats.org/presentationml/2006/main">
   <p:cSld>
     <p:spTree>
@@ -11640,7 +11927,7 @@
               <a:buNone/>
             </a:pPr>
             <a:r>
-              <a:rPr lang="it-IT" sz="2000" b="0" dirty="0">
+              <a:rPr lang="it-IT" sz="1800" b="0" dirty="0">
                 <a:solidFill>
                   <a:schemeClr val="bg1"/>
                 </a:solidFill>
@@ -11654,7 +11941,7 @@
           <a:p>
             <a:pPr lvl="1"/>
             <a:r>
-              <a:rPr lang="it-IT" sz="1800" dirty="0">
+              <a:rPr lang="it-IT" sz="1600" dirty="0">
                 <a:latin typeface="Calibri" panose="020F0502020204030204" pitchFamily="34" charset="0"/>
                 <a:ea typeface="Calibri" panose="020F0502020204030204" pitchFamily="34" charset="0"/>
                 <a:cs typeface="Calibri" panose="020F0502020204030204" pitchFamily="34" charset="0"/>
@@ -11665,13 +11952,13 @@
           <a:p>
             <a:pPr lvl="1"/>
             <a:r>
-              <a:rPr lang="it-IT" sz="1800" dirty="0">
+              <a:rPr lang="it-IT" sz="1600" dirty="0">
                 <a:ea typeface="Calibri" panose="020F0502020204030204" pitchFamily="34" charset="0"/>
                 <a:cs typeface="Calibri" panose="020F0502020204030204" pitchFamily="34" charset="0"/>
               </a:rPr>
               <a:t>Obbiettivi</a:t>
             </a:r>
-            <a:endParaRPr lang="it-IT" sz="1800" dirty="0">
+            <a:endParaRPr lang="it-IT" sz="1600" dirty="0">
               <a:solidFill>
                 <a:schemeClr val="bg1"/>
               </a:solidFill>
@@ -11846,7 +12133,7 @@
         <p:spPr>
           <a:xfrm>
             <a:off x="3573379" y="2566302"/>
-            <a:ext cx="3031599" cy="1508105"/>
+            <a:ext cx="2754280" cy="1384995"/>
           </a:xfrm>
           <a:prstGeom prst="rect">
             <a:avLst/>
@@ -11860,7 +12147,7 @@
           <a:lstStyle/>
           <a:p>
             <a:r>
-              <a:rPr lang="it-IT" sz="2000" dirty="0">
+              <a:rPr lang="it-IT" dirty="0">
                 <a:solidFill>
                   <a:schemeClr val="bg1"/>
                 </a:solidFill>
@@ -11870,6 +12157,14 @@
               </a:rPr>
               <a:t>02. Metodologia</a:t>
             </a:r>
+            <a:endParaRPr lang="it-IT" sz="2000" dirty="0">
+              <a:solidFill>
+                <a:schemeClr val="bg1"/>
+              </a:solidFill>
+              <a:latin typeface="+mj-lt"/>
+              <a:ea typeface="Calibri" panose="020F0502020204030204" pitchFamily="34" charset="0"/>
+              <a:cs typeface="Calibri" panose="020F0502020204030204" pitchFamily="34" charset="0"/>
+            </a:endParaRPr>
           </a:p>
           <a:p>
             <a:pPr marL="342900" indent="-342900">
@@ -11877,7 +12172,7 @@
               <a:buChar char="•"/>
             </a:pPr>
             <a:r>
-              <a:rPr lang="it-IT" dirty="0">
+              <a:rPr lang="it-IT" sz="1600" dirty="0">
                 <a:solidFill>
                   <a:schemeClr val="bg1"/>
                 </a:solidFill>
@@ -11893,7 +12188,7 @@
               <a:buChar char="•"/>
             </a:pPr>
             <a:r>
-              <a:rPr lang="it-IT" dirty="0">
+              <a:rPr lang="it-IT" sz="1600" dirty="0">
                 <a:solidFill>
                   <a:schemeClr val="bg1"/>
                 </a:solidFill>
@@ -11909,7 +12204,7 @@
               <a:buChar char="•"/>
             </a:pPr>
             <a:r>
-              <a:rPr lang="it-IT" dirty="0">
+              <a:rPr lang="it-IT" sz="1600" dirty="0">
                 <a:solidFill>
                   <a:schemeClr val="bg1"/>
                 </a:solidFill>
@@ -11950,7 +12245,7 @@
         <p:spPr>
           <a:xfrm>
             <a:off x="594359" y="4740008"/>
-            <a:ext cx="2281394" cy="954107"/>
+            <a:ext cx="2081019" cy="861774"/>
           </a:xfrm>
           <a:prstGeom prst="rect">
             <a:avLst/>
@@ -11964,7 +12259,7 @@
           <a:lstStyle/>
           <a:p>
             <a:r>
-              <a:rPr lang="it-IT" sz="2000" dirty="0">
+              <a:rPr lang="it-IT" dirty="0">
                 <a:solidFill>
                   <a:schemeClr val="bg1"/>
                 </a:solidFill>
@@ -11981,7 +12276,7 @@
               <a:buChar char="•"/>
             </a:pPr>
             <a:r>
-              <a:rPr lang="it-IT" dirty="0">
+              <a:rPr lang="it-IT" sz="1600" dirty="0">
                 <a:solidFill>
                   <a:schemeClr val="bg1"/>
                 </a:solidFill>
@@ -11997,7 +12292,7 @@
               <a:buChar char="•"/>
             </a:pPr>
             <a:r>
-              <a:rPr lang="it-IT" dirty="0">
+              <a:rPr lang="it-IT" sz="1600" dirty="0">
                 <a:solidFill>
                   <a:schemeClr val="bg1"/>
                 </a:solidFill>
@@ -12006,7 +12301,7 @@
               </a:rPr>
               <a:t>Opzioni americane</a:t>
             </a:r>
-            <a:endParaRPr lang="it-IT" sz="1600" dirty="0">
+            <a:endParaRPr lang="it-IT" sz="1400" dirty="0">
               <a:solidFill>
                 <a:schemeClr val="bg1"/>
               </a:solidFill>
@@ -12031,7 +12326,7 @@
         <p:spPr>
           <a:xfrm>
             <a:off x="3621026" y="4740008"/>
-            <a:ext cx="1934825" cy="400110"/>
+            <a:ext cx="1751954" cy="369332"/>
           </a:xfrm>
           <a:prstGeom prst="rect">
             <a:avLst/>
@@ -12045,7 +12340,7 @@
           <a:lstStyle/>
           <a:p>
             <a:r>
-              <a:rPr lang="it-IT" sz="2000" dirty="0">
+              <a:rPr lang="it-IT" dirty="0">
                 <a:solidFill>
                   <a:schemeClr val="bg1"/>
                 </a:solidFill>
@@ -12073,7 +12368,7 @@
         <p:spPr>
           <a:xfrm>
             <a:off x="6578076" y="4740008"/>
-            <a:ext cx="1879682" cy="400110"/>
+            <a:ext cx="1705019" cy="369332"/>
           </a:xfrm>
           <a:prstGeom prst="rect">
             <a:avLst/>
@@ -12087,7 +12382,7 @@
           <a:lstStyle/>
           <a:p>
             <a:r>
-              <a:rPr lang="it-IT" sz="2000" dirty="0">
+              <a:rPr lang="it-IT" dirty="0">
                 <a:solidFill>
                   <a:schemeClr val="bg1"/>
                 </a:solidFill>
@@ -12192,7 +12487,7 @@
         </p:nvSpPr>
         <p:spPr>
           <a:xfrm>
-            <a:off x="594360" y="2676525"/>
+            <a:off x="594360" y="2393783"/>
             <a:ext cx="8167503" cy="3597470"/>
           </a:xfrm>
         </p:spPr>
@@ -12208,7 +12503,7 @@
           <a:p>
             <a:pPr rtl="0"/>
             <a:r>
-              <a:rPr lang="it-IT" sz="1800" dirty="0"/>
+              <a:rPr lang="it-IT" sz="1600" dirty="0"/>
               <a:t>Nel contesto dei mercati finanziari, l'analisi statistica riveste un ruolo fondamentale nel comprendere e modellare il comportamento dei prezzi degli strumenti finanziari, i quali sono soggetti a fluttuazioni che dipendono da una varietà di fattori:</a:t>
             </a:r>
           </a:p>
@@ -12221,7 +12516,7 @@
               <a:buChar char="•"/>
             </a:pPr>
             <a:r>
-              <a:rPr lang="it-IT" sz="1800" dirty="0"/>
+              <a:rPr lang="it-IT" sz="1600" dirty="0"/>
               <a:t>Notizie economiche</a:t>
             </a:r>
           </a:p>
@@ -12234,7 +12529,7 @@
               <a:buChar char="•"/>
             </a:pPr>
             <a:r>
-              <a:rPr lang="it-IT" sz="1800" dirty="0"/>
+              <a:rPr lang="it-IT" sz="1600" dirty="0"/>
               <a:t>Decisioni politiche</a:t>
             </a:r>
           </a:p>
@@ -12247,7 +12542,7 @@
               <a:buChar char="•"/>
             </a:pPr>
             <a:r>
-              <a:rPr lang="it-IT" sz="1800" dirty="0"/>
+              <a:rPr lang="it-IT" sz="1600" dirty="0"/>
               <a:t>Aspettative </a:t>
             </a:r>
           </a:p>
@@ -12260,7 +12555,7 @@
               <a:buChar char="•"/>
             </a:pPr>
             <a:r>
-              <a:rPr lang="it-IT" sz="1800" dirty="0"/>
+              <a:rPr lang="it-IT" sz="1600" dirty="0"/>
               <a:t>Domanda e offerta</a:t>
             </a:r>
           </a:p>
@@ -12271,8 +12566,16 @@
               </a:lnSpc>
             </a:pPr>
             <a:r>
-              <a:rPr lang="it-IT" sz="1800" dirty="0"/>
-              <a:t>In questo progetto verranno considerati degli strumenti statistici che ci permetteranno di analizzare il comportamento di alcuni derivati, le opzioni.</a:t>
+              <a:rPr lang="it-IT" sz="1600" dirty="0"/>
+              <a:t>In questo progetto verranno considerati degli strumenti statistici che ci permetteranno di analizzare il comportamento di alcuni derivati, le </a:t>
+            </a:r>
+            <a:r>
+              <a:rPr lang="it-IT" sz="1600" b="1" dirty="0"/>
+              <a:t>opzioni</a:t>
+            </a:r>
+            <a:r>
+              <a:rPr lang="it-IT" sz="1600" dirty="0"/>
+              <a:t>.</a:t>
             </a:r>
           </a:p>
         </p:txBody>
@@ -12307,7 +12610,7 @@
         </p:blipFill>
         <p:spPr>
           <a:xfrm>
-            <a:off x="8993749" y="3367585"/>
+            <a:off x="8999765" y="2959101"/>
             <a:ext cx="2466833" cy="2466833"/>
           </a:xfrm>
         </p:spPr>
@@ -12333,7 +12636,7 @@
         <p:cNvPr id="1" name="">
           <a:extLst>
             <a:ext uri="{FF2B5EF4-FFF2-40B4-BE49-F238E27FC236}">
-              <a16:creationId xmlns:a16="http://schemas.microsoft.com/office/drawing/2014/main" id="{1585AA32-8039-D014-DDCB-E646E9A3336C}"/>
+              <a16:creationId xmlns:a16="http://schemas.microsoft.com/office/drawing/2014/main" id="{454EAB9B-2272-3991-3A46-D093464578DF}"/>
             </a:ext>
           </a:extLst>
         </p:cNvPr>
@@ -12353,7 +12656,7 @@
           <p:cNvPr id="2" name="Titolo 1">
             <a:extLst>
               <a:ext uri="{FF2B5EF4-FFF2-40B4-BE49-F238E27FC236}">
-                <a16:creationId xmlns:a16="http://schemas.microsoft.com/office/drawing/2014/main" id="{B54D2098-162F-1ACB-4612-260260C44C9A}"/>
+                <a16:creationId xmlns:a16="http://schemas.microsoft.com/office/drawing/2014/main" id="{36B8B4EB-D44B-2265-9B74-06391EC5F3B8}"/>
               </a:ext>
             </a:extLst>
           </p:cNvPr>
@@ -12382,6 +12685,775 @@
             <a:r>
               <a:rPr lang="it-IT" sz="4000" b="0" dirty="0"/>
               <a:t>Introduzione – Contesto(2)</a:t>
+            </a:r>
+          </a:p>
+        </p:txBody>
+      </p:sp>
+      <mc:AlternateContent xmlns:mc="http://schemas.openxmlformats.org/markup-compatibility/2006">
+        <mc:Choice xmlns:a14="http://schemas.microsoft.com/office/drawing/2010/main" Requires="a14">
+          <p:sp>
+            <p:nvSpPr>
+              <p:cNvPr id="3" name="Segnaposto contenuto 2">
+                <a:extLst>
+                  <a:ext uri="{FF2B5EF4-FFF2-40B4-BE49-F238E27FC236}">
+                    <a16:creationId xmlns:a16="http://schemas.microsoft.com/office/drawing/2014/main" id="{04CC6D74-1C95-2D33-8688-FB3B1FA5D2F3}"/>
+                  </a:ext>
+                </a:extLst>
+              </p:cNvPr>
+              <p:cNvSpPr>
+                <a:spLocks noGrp="1"/>
+              </p:cNvSpPr>
+              <p:nvPr>
+                <p:ph sz="quarter" idx="15"/>
+              </p:nvPr>
+            </p:nvSpPr>
+            <p:spPr>
+              <a:xfrm>
+                <a:off x="594360" y="2417846"/>
+                <a:ext cx="8167503" cy="3597470"/>
+              </a:xfrm>
+            </p:spPr>
+            <p:txBody>
+              <a:bodyPr rtlCol="0">
+                <a:normAutofit/>
+              </a:bodyPr>
+              <a:lstStyle>
+                <a:defPPr>
+                  <a:defRPr lang="it-IT"/>
+                </a:defPPr>
+              </a:lstStyle>
+              <a:p>
+                <a:pPr rtl="0"/>
+                <a:r>
+                  <a:rPr lang="it-IT" sz="1600" dirty="0"/>
+                  <a:t>Nel progetto verranno considerate due tipi di azioni:</a:t>
+                </a:r>
+              </a:p>
+              <a:p>
+                <a:pPr marL="285750" indent="-285750" rtl="0">
+                  <a:buFont typeface="Arial" panose="020B0604020202020204" pitchFamily="34" charset="0"/>
+                  <a:buChar char="•"/>
+                </a:pPr>
+                <a:r>
+                  <a:rPr lang="it-IT" sz="1600" b="1" dirty="0"/>
+                  <a:t>Opzioni europee</a:t>
+                </a:r>
+                <a:r>
+                  <a:rPr lang="it-IT" sz="1600" dirty="0"/>
+                  <a:t>, che possono essere esercitate solo a scadenza</a:t>
+                </a:r>
+              </a:p>
+              <a:p>
+                <a:pPr>
+                  <a:lnSpc>
+                    <a:spcPct val="250000"/>
+                  </a:lnSpc>
+                </a:pPr>
+                <a14:m>
+                  <m:oMathPara xmlns:m="http://schemas.openxmlformats.org/officeDocument/2006/math">
+                    <m:oMathParaPr>
+                      <m:jc m:val="centerGroup"/>
+                    </m:oMathParaPr>
+                    <m:oMath xmlns:m="http://schemas.openxmlformats.org/officeDocument/2006/math">
+                      <m:sSub>
+                        <m:sSubPr>
+                          <m:ctrlPr>
+                            <a:rPr lang="it-IT" sz="1600" i="1" smtClean="0">
+                              <a:latin typeface="Cambria Math" panose="02040503050406030204" pitchFamily="18" charset="0"/>
+                            </a:rPr>
+                          </m:ctrlPr>
+                        </m:sSubPr>
+                        <m:e>
+                          <m:r>
+                            <a:rPr lang="it-IT" sz="1600" b="0" i="1" smtClean="0">
+                              <a:latin typeface="Cambria Math" panose="02040503050406030204" pitchFamily="18" charset="0"/>
+                            </a:rPr>
+                            <m:t>𝐶</m:t>
+                          </m:r>
+                        </m:e>
+                        <m:sub>
+                          <m:r>
+                            <a:rPr lang="it-IT" sz="1600" b="0" i="1" smtClean="0">
+                              <a:latin typeface="Cambria Math" panose="02040503050406030204" pitchFamily="18" charset="0"/>
+                            </a:rPr>
+                            <m:t>𝑇</m:t>
+                          </m:r>
+                        </m:sub>
+                      </m:sSub>
+                      <m:r>
+                        <a:rPr lang="it-IT" sz="1600" b="0" i="1" smtClean="0">
+                          <a:latin typeface="Cambria Math" panose="02040503050406030204" pitchFamily="18" charset="0"/>
+                        </a:rPr>
+                        <m:t>=</m:t>
+                      </m:r>
+                      <m:func>
+                        <m:funcPr>
+                          <m:ctrlPr>
+                            <a:rPr lang="it-IT" sz="1600" b="0" i="1" smtClean="0">
+                              <a:latin typeface="Cambria Math" panose="02040503050406030204" pitchFamily="18" charset="0"/>
+                            </a:rPr>
+                          </m:ctrlPr>
+                        </m:funcPr>
+                        <m:fName>
+                          <m:r>
+                            <m:rPr>
+                              <m:sty m:val="p"/>
+                            </m:rPr>
+                            <a:rPr lang="it-IT" sz="1600" b="0" i="0" smtClean="0">
+                              <a:latin typeface="Cambria Math" panose="02040503050406030204" pitchFamily="18" charset="0"/>
+                            </a:rPr>
+                            <m:t>max</m:t>
+                          </m:r>
+                        </m:fName>
+                        <m:e>
+                          <m:d>
+                            <m:dPr>
+                              <m:ctrlPr>
+                                <a:rPr lang="it-IT" sz="1600" b="0" i="1" smtClean="0">
+                                  <a:latin typeface="Cambria Math" panose="02040503050406030204" pitchFamily="18" charset="0"/>
+                                </a:rPr>
+                              </m:ctrlPr>
+                            </m:dPr>
+                            <m:e>
+                              <m:sSub>
+                                <m:sSubPr>
+                                  <m:ctrlPr>
+                                    <a:rPr lang="it-IT" sz="1600" b="0" i="1" smtClean="0">
+                                      <a:latin typeface="Cambria Math" panose="02040503050406030204" pitchFamily="18" charset="0"/>
+                                    </a:rPr>
+                                  </m:ctrlPr>
+                                </m:sSubPr>
+                                <m:e>
+                                  <m:r>
+                                    <a:rPr lang="it-IT" sz="1600" b="0" i="1" smtClean="0">
+                                      <a:latin typeface="Cambria Math" panose="02040503050406030204" pitchFamily="18" charset="0"/>
+                                    </a:rPr>
+                                    <m:t>𝑆</m:t>
+                                  </m:r>
+                                </m:e>
+                                <m:sub>
+                                  <m:r>
+                                    <a:rPr lang="it-IT" sz="1600" b="0" i="1" smtClean="0">
+                                      <a:latin typeface="Cambria Math" panose="02040503050406030204" pitchFamily="18" charset="0"/>
+                                    </a:rPr>
+                                    <m:t>𝑇</m:t>
+                                  </m:r>
+                                </m:sub>
+                              </m:sSub>
+                              <m:r>
+                                <a:rPr lang="it-IT" sz="1600" b="0" i="1" smtClean="0">
+                                  <a:latin typeface="Cambria Math" panose="02040503050406030204" pitchFamily="18" charset="0"/>
+                                </a:rPr>
+                                <m:t>−</m:t>
+                              </m:r>
+                              <m:r>
+                                <a:rPr lang="it-IT" sz="1600" b="0" i="1" smtClean="0">
+                                  <a:latin typeface="Cambria Math" panose="02040503050406030204" pitchFamily="18" charset="0"/>
+                                </a:rPr>
+                                <m:t>𝐾</m:t>
+                              </m:r>
+                              <m:r>
+                                <a:rPr lang="it-IT" sz="1600" b="0" i="1" smtClean="0">
+                                  <a:latin typeface="Cambria Math" panose="02040503050406030204" pitchFamily="18" charset="0"/>
+                                </a:rPr>
+                                <m:t>, 0</m:t>
+                              </m:r>
+                            </m:e>
+                          </m:d>
+                        </m:e>
+                      </m:func>
+                      <m:r>
+                        <a:rPr lang="it-IT" sz="1600" b="0" i="1" smtClean="0">
+                          <a:latin typeface="Cambria Math" panose="02040503050406030204" pitchFamily="18" charset="0"/>
+                        </a:rPr>
+                        <m:t>    </m:t>
+                      </m:r>
+                      <m:r>
+                        <a:rPr lang="it-IT" sz="1600" b="0" i="1" smtClean="0">
+                          <a:latin typeface="Cambria Math" panose="02040503050406030204" pitchFamily="18" charset="0"/>
+                        </a:rPr>
+                        <m:t>𝑒</m:t>
+                      </m:r>
+                      <m:r>
+                        <a:rPr lang="it-IT" sz="1600" b="0" i="1" smtClean="0">
+                          <a:latin typeface="Cambria Math" panose="02040503050406030204" pitchFamily="18" charset="0"/>
+                        </a:rPr>
+                        <m:t>     </m:t>
+                      </m:r>
+                      <m:sSub>
+                        <m:sSubPr>
+                          <m:ctrlPr>
+                            <a:rPr lang="it-IT" sz="1600" b="0" i="1" smtClean="0">
+                              <a:latin typeface="Cambria Math" panose="02040503050406030204" pitchFamily="18" charset="0"/>
+                            </a:rPr>
+                          </m:ctrlPr>
+                        </m:sSubPr>
+                        <m:e>
+                          <m:r>
+                            <a:rPr lang="it-IT" sz="1600" b="0" i="1" smtClean="0">
+                              <a:latin typeface="Cambria Math" panose="02040503050406030204" pitchFamily="18" charset="0"/>
+                            </a:rPr>
+                            <m:t>𝑃</m:t>
+                          </m:r>
+                        </m:e>
+                        <m:sub>
+                          <m:r>
+                            <a:rPr lang="it-IT" sz="1600" b="0" i="1" smtClean="0">
+                              <a:latin typeface="Cambria Math" panose="02040503050406030204" pitchFamily="18" charset="0"/>
+                            </a:rPr>
+                            <m:t>𝑇</m:t>
+                          </m:r>
+                        </m:sub>
+                      </m:sSub>
+                      <m:r>
+                        <a:rPr lang="it-IT" sz="1600" b="0" i="1" smtClean="0">
+                          <a:latin typeface="Cambria Math" panose="02040503050406030204" pitchFamily="18" charset="0"/>
+                        </a:rPr>
+                        <m:t>=</m:t>
+                      </m:r>
+                      <m:r>
+                        <m:rPr>
+                          <m:sty m:val="p"/>
+                        </m:rPr>
+                        <a:rPr lang="it-IT" sz="1600" b="0" i="0" smtClean="0">
+                          <a:latin typeface="Cambria Math" panose="02040503050406030204" pitchFamily="18" charset="0"/>
+                        </a:rPr>
+                        <m:t>max</m:t>
+                      </m:r>
+                      <m:r>
+                        <a:rPr lang="it-IT" sz="1600" b="0" i="1" smtClean="0">
+                          <a:latin typeface="Cambria Math" panose="02040503050406030204" pitchFamily="18" charset="0"/>
+                        </a:rPr>
+                        <m:t>⁡(</m:t>
+                      </m:r>
+                      <m:r>
+                        <a:rPr lang="it-IT" sz="1600" b="0" i="1" smtClean="0">
+                          <a:latin typeface="Cambria Math" panose="02040503050406030204" pitchFamily="18" charset="0"/>
+                        </a:rPr>
+                        <m:t>𝐾</m:t>
+                      </m:r>
+                      <m:r>
+                        <a:rPr lang="it-IT" sz="1600" b="0" i="1" smtClean="0">
+                          <a:latin typeface="Cambria Math" panose="02040503050406030204" pitchFamily="18" charset="0"/>
+                        </a:rPr>
+                        <m:t>−</m:t>
+                      </m:r>
+                      <m:sSub>
+                        <m:sSubPr>
+                          <m:ctrlPr>
+                            <a:rPr lang="it-IT" sz="1600" b="0" i="1" smtClean="0">
+                              <a:latin typeface="Cambria Math" panose="02040503050406030204" pitchFamily="18" charset="0"/>
+                            </a:rPr>
+                          </m:ctrlPr>
+                        </m:sSubPr>
+                        <m:e>
+                          <m:r>
+                            <a:rPr lang="it-IT" sz="1600" b="0" i="1" smtClean="0">
+                              <a:latin typeface="Cambria Math" panose="02040503050406030204" pitchFamily="18" charset="0"/>
+                            </a:rPr>
+                            <m:t>𝑆</m:t>
+                          </m:r>
+                        </m:e>
+                        <m:sub>
+                          <m:r>
+                            <a:rPr lang="it-IT" sz="1600" b="0" i="1" smtClean="0">
+                              <a:latin typeface="Cambria Math" panose="02040503050406030204" pitchFamily="18" charset="0"/>
+                            </a:rPr>
+                            <m:t>𝑇</m:t>
+                          </m:r>
+                        </m:sub>
+                      </m:sSub>
+                      <m:r>
+                        <a:rPr lang="it-IT" sz="1600" b="0" i="1" smtClean="0">
+                          <a:latin typeface="Cambria Math" panose="02040503050406030204" pitchFamily="18" charset="0"/>
+                        </a:rPr>
+                        <m:t>,0)</m:t>
+                      </m:r>
+                    </m:oMath>
+                  </m:oMathPara>
+                </a14:m>
+                <a:endParaRPr lang="it-IT" sz="1600" dirty="0"/>
+              </a:p>
+              <a:p>
+                <a:pPr marL="285750" indent="-285750" rtl="0">
+                  <a:buFont typeface="Arial" panose="020B0604020202020204" pitchFamily="34" charset="0"/>
+                  <a:buChar char="•"/>
+                </a:pPr>
+                <a:r>
+                  <a:rPr lang="it-IT" sz="1600" b="1" dirty="0"/>
+                  <a:t>Opzioni americane</a:t>
+                </a:r>
+                <a:r>
+                  <a:rPr lang="it-IT" sz="1600" dirty="0"/>
+                  <a:t>, che possono essere esercitate anche prima della scadenza</a:t>
+                </a:r>
+              </a:p>
+              <a:p>
+                <a:pPr marL="0" lvl="1" indent="0">
+                  <a:lnSpc>
+                    <a:spcPct val="250000"/>
+                  </a:lnSpc>
+                  <a:buNone/>
+                </a:pPr>
+                <a14:m>
+                  <m:oMathPara xmlns:m="http://schemas.openxmlformats.org/officeDocument/2006/math">
+                    <m:oMathParaPr>
+                      <m:jc m:val="centerGroup"/>
+                    </m:oMathParaPr>
+                    <m:oMath xmlns:m="http://schemas.openxmlformats.org/officeDocument/2006/math">
+                      <m:sSub>
+                        <m:sSubPr>
+                          <m:ctrlPr>
+                            <a:rPr lang="it-IT" sz="1600" i="1" smtClean="0">
+                              <a:latin typeface="Cambria Math" panose="02040503050406030204" pitchFamily="18" charset="0"/>
+                            </a:rPr>
+                          </m:ctrlPr>
+                        </m:sSubPr>
+                        <m:e>
+                          <m:r>
+                            <a:rPr lang="it-IT" sz="1600" b="0" i="1" smtClean="0">
+                              <a:latin typeface="Cambria Math" panose="02040503050406030204" pitchFamily="18" charset="0"/>
+                            </a:rPr>
+                            <m:t>𝐶</m:t>
+                          </m:r>
+                        </m:e>
+                        <m:sub>
+                          <m:r>
+                            <a:rPr lang="it-IT" sz="1600" b="0" i="1" smtClean="0">
+                              <a:latin typeface="Cambria Math" panose="02040503050406030204" pitchFamily="18" charset="0"/>
+                            </a:rPr>
+                            <m:t>𝑡</m:t>
+                          </m:r>
+                        </m:sub>
+                      </m:sSub>
+                      <m:func>
+                        <m:funcPr>
+                          <m:ctrlPr>
+                            <a:rPr lang="it-IT" sz="1600" b="0" i="1" smtClean="0">
+                              <a:latin typeface="Cambria Math" panose="02040503050406030204" pitchFamily="18" charset="0"/>
+                            </a:rPr>
+                          </m:ctrlPr>
+                        </m:funcPr>
+                        <m:fName>
+                          <m:r>
+                            <a:rPr lang="it-IT" sz="1600" b="0" i="1" smtClean="0">
+                              <a:latin typeface="Cambria Math" panose="02040503050406030204" pitchFamily="18" charset="0"/>
+                              <a:ea typeface="Cambria Math" panose="02040503050406030204" pitchFamily="18" charset="0"/>
+                            </a:rPr>
+                            <m:t>≥</m:t>
+                          </m:r>
+                          <m:r>
+                            <m:rPr>
+                              <m:sty m:val="p"/>
+                            </m:rPr>
+                            <a:rPr lang="it-IT" sz="1600" b="0" i="0" smtClean="0">
+                              <a:latin typeface="Cambria Math" panose="02040503050406030204" pitchFamily="18" charset="0"/>
+                            </a:rPr>
+                            <m:t>max</m:t>
+                          </m:r>
+                        </m:fName>
+                        <m:e>
+                          <m:d>
+                            <m:dPr>
+                              <m:ctrlPr>
+                                <a:rPr lang="it-IT" sz="1600" b="0" i="1" smtClean="0">
+                                  <a:latin typeface="Cambria Math" panose="02040503050406030204" pitchFamily="18" charset="0"/>
+                                </a:rPr>
+                              </m:ctrlPr>
+                            </m:dPr>
+                            <m:e>
+                              <m:sSub>
+                                <m:sSubPr>
+                                  <m:ctrlPr>
+                                    <a:rPr lang="it-IT" sz="1600" b="0" i="1" smtClean="0">
+                                      <a:latin typeface="Cambria Math" panose="02040503050406030204" pitchFamily="18" charset="0"/>
+                                    </a:rPr>
+                                  </m:ctrlPr>
+                                </m:sSubPr>
+                                <m:e>
+                                  <m:r>
+                                    <a:rPr lang="it-IT" sz="1600" b="0" i="1" smtClean="0">
+                                      <a:latin typeface="Cambria Math" panose="02040503050406030204" pitchFamily="18" charset="0"/>
+                                    </a:rPr>
+                                    <m:t>𝑆</m:t>
+                                  </m:r>
+                                </m:e>
+                                <m:sub>
+                                  <m:r>
+                                    <a:rPr lang="it-IT" sz="1600" b="0" i="1" smtClean="0">
+                                      <a:latin typeface="Cambria Math" panose="02040503050406030204" pitchFamily="18" charset="0"/>
+                                    </a:rPr>
+                                    <m:t>𝑡</m:t>
+                                  </m:r>
+                                </m:sub>
+                              </m:sSub>
+                              <m:r>
+                                <a:rPr lang="it-IT" sz="1600" b="0" i="1" smtClean="0">
+                                  <a:latin typeface="Cambria Math" panose="02040503050406030204" pitchFamily="18" charset="0"/>
+                                </a:rPr>
+                                <m:t>−,</m:t>
+                              </m:r>
+                              <m:f>
+                                <m:fPr>
+                                  <m:ctrlPr>
+                                    <a:rPr lang="it-IT" sz="1600" b="0" i="1" smtClean="0">
+                                      <a:latin typeface="Cambria Math" panose="02040503050406030204" pitchFamily="18" charset="0"/>
+                                    </a:rPr>
+                                  </m:ctrlPr>
+                                </m:fPr>
+                                <m:num>
+                                  <m:r>
+                                    <a:rPr lang="it-IT" sz="1600" b="0" i="1" smtClean="0">
+                                      <a:latin typeface="Cambria Math" panose="02040503050406030204" pitchFamily="18" charset="0"/>
+                                    </a:rPr>
+                                    <m:t>𝐾</m:t>
+                                  </m:r>
+                                </m:num>
+                                <m:den>
+                                  <m:sSup>
+                                    <m:sSupPr>
+                                      <m:ctrlPr>
+                                        <a:rPr lang="it-IT" sz="1600" b="0" i="1" smtClean="0">
+                                          <a:latin typeface="Cambria Math" panose="02040503050406030204" pitchFamily="18" charset="0"/>
+                                        </a:rPr>
+                                      </m:ctrlPr>
+                                    </m:sSupPr>
+                                    <m:e>
+                                      <m:d>
+                                        <m:dPr>
+                                          <m:ctrlPr>
+                                            <a:rPr lang="it-IT" sz="1600" i="1">
+                                              <a:latin typeface="Cambria Math" panose="02040503050406030204" pitchFamily="18" charset="0"/>
+                                            </a:rPr>
+                                          </m:ctrlPr>
+                                        </m:dPr>
+                                        <m:e>
+                                          <m:r>
+                                            <a:rPr lang="it-IT" sz="1600" i="1">
+                                              <a:latin typeface="Cambria Math" panose="02040503050406030204" pitchFamily="18" charset="0"/>
+                                            </a:rPr>
+                                            <m:t>1+</m:t>
+                                          </m:r>
+                                          <m:r>
+                                            <a:rPr lang="it-IT" sz="1600" i="1">
+                                              <a:latin typeface="Cambria Math" panose="02040503050406030204" pitchFamily="18" charset="0"/>
+                                            </a:rPr>
+                                            <m:t>𝑟</m:t>
+                                          </m:r>
+                                        </m:e>
+                                      </m:d>
+                                    </m:e>
+                                    <m:sup>
+                                      <m:r>
+                                        <a:rPr lang="it-IT" sz="1600" b="0" i="1" smtClean="0">
+                                          <a:latin typeface="Cambria Math" panose="02040503050406030204" pitchFamily="18" charset="0"/>
+                                        </a:rPr>
+                                        <m:t>𝑇</m:t>
+                                      </m:r>
+                                      <m:r>
+                                        <a:rPr lang="it-IT" sz="1600" b="0" i="1" smtClean="0">
+                                          <a:latin typeface="Cambria Math" panose="02040503050406030204" pitchFamily="18" charset="0"/>
+                                        </a:rPr>
+                                        <m:t>−</m:t>
+                                      </m:r>
+                                      <m:r>
+                                        <a:rPr lang="it-IT" sz="1600" b="0" i="1" smtClean="0">
+                                          <a:latin typeface="Cambria Math" panose="02040503050406030204" pitchFamily="18" charset="0"/>
+                                        </a:rPr>
+                                        <m:t>𝑡</m:t>
+                                      </m:r>
+                                    </m:sup>
+                                  </m:sSup>
+                                </m:den>
+                              </m:f>
+                              <m:r>
+                                <a:rPr lang="it-IT" sz="1600" b="0" i="1" smtClean="0">
+                                  <a:latin typeface="Cambria Math" panose="02040503050406030204" pitchFamily="18" charset="0"/>
+                                </a:rPr>
+                                <m:t>, </m:t>
+                              </m:r>
+                              <m:r>
+                                <a:rPr lang="it-IT" sz="1600" b="0" i="1" smtClean="0">
+                                  <a:latin typeface="Cambria Math" panose="02040503050406030204" pitchFamily="18" charset="0"/>
+                                </a:rPr>
+                                <m:t>0</m:t>
+                              </m:r>
+                            </m:e>
+                          </m:d>
+                        </m:e>
+                      </m:func>
+                      <m:r>
+                        <a:rPr lang="it-IT" sz="1600" b="0" i="1" smtClean="0">
+                          <a:latin typeface="Cambria Math" panose="02040503050406030204" pitchFamily="18" charset="0"/>
+                        </a:rPr>
+                        <m:t>    </m:t>
+                      </m:r>
+                      <m:r>
+                        <a:rPr lang="it-IT" sz="1600" b="0" i="1" smtClean="0">
+                          <a:latin typeface="Cambria Math" panose="02040503050406030204" pitchFamily="18" charset="0"/>
+                        </a:rPr>
+                        <m:t>𝑒</m:t>
+                      </m:r>
+                      <m:r>
+                        <a:rPr lang="it-IT" sz="1600" b="0" i="1" smtClean="0">
+                          <a:latin typeface="Cambria Math" panose="02040503050406030204" pitchFamily="18" charset="0"/>
+                        </a:rPr>
+                        <m:t>     </m:t>
+                      </m:r>
+                      <m:sSub>
+                        <m:sSubPr>
+                          <m:ctrlPr>
+                            <a:rPr lang="it-IT" sz="1600" b="0" i="1" smtClean="0">
+                              <a:latin typeface="Cambria Math" panose="02040503050406030204" pitchFamily="18" charset="0"/>
+                            </a:rPr>
+                          </m:ctrlPr>
+                        </m:sSubPr>
+                        <m:e>
+                          <m:r>
+                            <a:rPr lang="it-IT" sz="1600" b="0" i="1" smtClean="0">
+                              <a:latin typeface="Cambria Math" panose="02040503050406030204" pitchFamily="18" charset="0"/>
+                            </a:rPr>
+                            <m:t>𝑃</m:t>
+                          </m:r>
+                        </m:e>
+                        <m:sub>
+                          <m:r>
+                            <a:rPr lang="it-IT" sz="1600" b="0" i="1" smtClean="0">
+                              <a:latin typeface="Cambria Math" panose="02040503050406030204" pitchFamily="18" charset="0"/>
+                            </a:rPr>
+                            <m:t>𝑛</m:t>
+                          </m:r>
+                        </m:sub>
+                      </m:sSub>
+                      <m:r>
+                        <a:rPr lang="it-IT" sz="1600" i="1">
+                          <a:latin typeface="Cambria Math" panose="02040503050406030204" pitchFamily="18" charset="0"/>
+                          <a:ea typeface="Cambria Math" panose="02040503050406030204" pitchFamily="18" charset="0"/>
+                        </a:rPr>
+                        <m:t>≥</m:t>
+                      </m:r>
+                      <m:r>
+                        <m:rPr>
+                          <m:sty m:val="p"/>
+                        </m:rPr>
+                        <a:rPr lang="it-IT" sz="1600" b="0" i="0" smtClean="0">
+                          <a:latin typeface="Cambria Math" panose="02040503050406030204" pitchFamily="18" charset="0"/>
+                        </a:rPr>
+                        <m:t>max</m:t>
+                      </m:r>
+                      <m:r>
+                        <a:rPr lang="it-IT" sz="1600" b="0" i="1" smtClean="0">
+                          <a:latin typeface="Cambria Math" panose="02040503050406030204" pitchFamily="18" charset="0"/>
+                        </a:rPr>
+                        <m:t>⁡(</m:t>
+                      </m:r>
+                      <m:r>
+                        <a:rPr lang="it-IT" sz="1600" b="0" i="1" smtClean="0">
+                          <a:latin typeface="Cambria Math" panose="02040503050406030204" pitchFamily="18" charset="0"/>
+                        </a:rPr>
+                        <m:t>𝐾</m:t>
+                      </m:r>
+                      <m:r>
+                        <a:rPr lang="it-IT" sz="1600" b="0" i="1" smtClean="0">
+                          <a:latin typeface="Cambria Math" panose="02040503050406030204" pitchFamily="18" charset="0"/>
+                        </a:rPr>
+                        <m:t>−</m:t>
+                      </m:r>
+                      <m:sSub>
+                        <m:sSubPr>
+                          <m:ctrlPr>
+                            <a:rPr lang="it-IT" sz="1600" b="0" i="1" smtClean="0">
+                              <a:latin typeface="Cambria Math" panose="02040503050406030204" pitchFamily="18" charset="0"/>
+                            </a:rPr>
+                          </m:ctrlPr>
+                        </m:sSubPr>
+                        <m:e>
+                          <m:r>
+                            <a:rPr lang="it-IT" sz="1600" b="0" i="1" smtClean="0">
+                              <a:latin typeface="Cambria Math" panose="02040503050406030204" pitchFamily="18" charset="0"/>
+                            </a:rPr>
+                            <m:t>𝑆</m:t>
+                          </m:r>
+                        </m:e>
+                        <m:sub>
+                          <m:r>
+                            <a:rPr lang="it-IT" sz="1600" b="0" i="1" smtClean="0">
+                              <a:latin typeface="Cambria Math" panose="02040503050406030204" pitchFamily="18" charset="0"/>
+                            </a:rPr>
+                            <m:t>𝑛</m:t>
+                          </m:r>
+                        </m:sub>
+                      </m:sSub>
+                      <m:r>
+                        <a:rPr lang="it-IT" sz="1600" b="0" i="1" smtClean="0">
+                          <a:latin typeface="Cambria Math" panose="02040503050406030204" pitchFamily="18" charset="0"/>
+                        </a:rPr>
+                        <m:t>,0)</m:t>
+                      </m:r>
+                    </m:oMath>
+                  </m:oMathPara>
+                </a14:m>
+                <a:endParaRPr lang="it-IT" sz="1600" dirty="0"/>
+              </a:p>
+              <a:p>
+                <a:pPr marL="285750" indent="-285750" rtl="0">
+                  <a:buFont typeface="Arial" panose="020B0604020202020204" pitchFamily="34" charset="0"/>
+                  <a:buChar char="•"/>
+                </a:pPr>
+                <a:endParaRPr lang="it-IT" sz="1600" dirty="0"/>
+              </a:p>
+            </p:txBody>
+          </p:sp>
+        </mc:Choice>
+        <mc:Fallback>
+          <p:sp>
+            <p:nvSpPr>
+              <p:cNvPr id="3" name="Segnaposto contenuto 2">
+                <a:extLst>
+                  <a:ext uri="{FF2B5EF4-FFF2-40B4-BE49-F238E27FC236}">
+                    <a16:creationId xmlns:a16="http://schemas.microsoft.com/office/drawing/2014/main" id="{04CC6D74-1C95-2D33-8688-FB3B1FA5D2F3}"/>
+                  </a:ext>
+                </a:extLst>
+              </p:cNvPr>
+              <p:cNvSpPr>
+                <a:spLocks noGrp="1" noRot="1" noChangeAspect="1" noMove="1" noResize="1" noEditPoints="1" noAdjustHandles="1" noChangeArrowheads="1" noChangeShapeType="1" noTextEdit="1"/>
+              </p:cNvSpPr>
+              <p:nvPr>
+                <p:ph sz="quarter" idx="15"/>
+              </p:nvPr>
+            </p:nvSpPr>
+            <p:spPr>
+              <a:xfrm>
+                <a:off x="594360" y="2417846"/>
+                <a:ext cx="8167503" cy="3597470"/>
+              </a:xfrm>
+              <a:blipFill>
+                <a:blip r:embed="rId3"/>
+                <a:stretch>
+                  <a:fillRect l="-1568" t="-1186"/>
+                </a:stretch>
+              </a:blipFill>
+            </p:spPr>
+            <p:txBody>
+              <a:bodyPr/>
+              <a:lstStyle/>
+              <a:p>
+                <a:r>
+                  <a:rPr lang="it-IT">
+                    <a:noFill/>
+                  </a:rPr>
+                  <a:t> </a:t>
+                </a:r>
+              </a:p>
+            </p:txBody>
+          </p:sp>
+        </mc:Fallback>
+      </mc:AlternateContent>
+      <p:pic>
+        <p:nvPicPr>
+          <p:cNvPr id="7" name="Segnaposto contenuto 6" descr="Immagine che contiene simbolo, logo, Elementi grafici, clipart&#10;&#10;Descrizione generata automaticamente">
+            <a:extLst>
+              <a:ext uri="{FF2B5EF4-FFF2-40B4-BE49-F238E27FC236}">
+                <a16:creationId xmlns:a16="http://schemas.microsoft.com/office/drawing/2014/main" id="{CD065CE1-B6B0-5A31-5BE3-FAE06707197B}"/>
+              </a:ext>
+            </a:extLst>
+          </p:cNvPr>
+          <p:cNvPicPr>
+            <a:picLocks noGrp="1" noChangeAspect="1"/>
+          </p:cNvPicPr>
+          <p:nvPr>
+            <p:ph sz="quarter" idx="16"/>
+          </p:nvPr>
+        </p:nvPicPr>
+        <p:blipFill>
+          <a:blip r:embed="rId4">
+            <a:extLst>
+              <a:ext uri="{28A0092B-C50C-407E-A947-70E740481C1C}">
+                <a14:useLocalDpi xmlns:a14="http://schemas.microsoft.com/office/drawing/2010/main" val="0"/>
+              </a:ext>
+            </a:extLst>
+          </a:blip>
+          <a:stretch>
+            <a:fillRect/>
+          </a:stretch>
+        </p:blipFill>
+        <p:spPr>
+          <a:xfrm>
+            <a:off x="8761863" y="2519446"/>
+            <a:ext cx="2425533" cy="2425533"/>
+          </a:xfrm>
+        </p:spPr>
+      </p:pic>
+    </p:spTree>
+    <p:extLst>
+      <p:ext uri="{BB962C8B-B14F-4D97-AF65-F5344CB8AC3E}">
+        <p14:creationId xmlns:p14="http://schemas.microsoft.com/office/powerpoint/2010/main" val="4054819227"/>
+      </p:ext>
+    </p:extLst>
+  </p:cSld>
+  <p:clrMapOvr>
+    <a:masterClrMapping/>
+  </p:clrMapOvr>
+</p:sld>
+</file>
+
+<file path=ppt/slides/slide5.xml><?xml version="1.0" encoding="utf-8"?>
+<p:sld xmlns:a="http://schemas.openxmlformats.org/drawingml/2006/main" xmlns:r="http://schemas.openxmlformats.org/officeDocument/2006/relationships" xmlns:p="http://schemas.openxmlformats.org/presentationml/2006/main">
+  <p:cSld>
+    <p:spTree>
+      <p:nvGrpSpPr>
+        <p:cNvPr id="1" name="">
+          <a:extLst>
+            <a:ext uri="{FF2B5EF4-FFF2-40B4-BE49-F238E27FC236}">
+              <a16:creationId xmlns:a16="http://schemas.microsoft.com/office/drawing/2014/main" id="{1585AA32-8039-D014-DDCB-E646E9A3336C}"/>
+            </a:ext>
+          </a:extLst>
+        </p:cNvPr>
+        <p:cNvGrpSpPr/>
+        <p:nvPr/>
+      </p:nvGrpSpPr>
+      <p:grpSpPr>
+        <a:xfrm>
+          <a:off x="0" y="0"/>
+          <a:ext cx="0" cy="0"/>
+          <a:chOff x="0" y="0"/>
+          <a:chExt cx="0" cy="0"/>
+        </a:xfrm>
+      </p:grpSpPr>
+      <p:sp>
+        <p:nvSpPr>
+          <p:cNvPr id="2" name="Titolo 1">
+            <a:extLst>
+              <a:ext uri="{FF2B5EF4-FFF2-40B4-BE49-F238E27FC236}">
+                <a16:creationId xmlns:a16="http://schemas.microsoft.com/office/drawing/2014/main" id="{B54D2098-162F-1ACB-4612-260260C44C9A}"/>
+              </a:ext>
+            </a:extLst>
+          </p:cNvPr>
+          <p:cNvSpPr>
+            <a:spLocks noGrp="1"/>
+          </p:cNvSpPr>
+          <p:nvPr>
+            <p:ph type="title"/>
+          </p:nvPr>
+        </p:nvSpPr>
+        <p:spPr>
+          <a:xfrm>
+            <a:off x="594360" y="278129"/>
+            <a:ext cx="9778365" cy="1494596"/>
+          </a:xfrm>
+        </p:spPr>
+        <p:txBody>
+          <a:bodyPr rtlCol="0"/>
+          <a:lstStyle>
+            <a:defPPr>
+              <a:defRPr lang="it-IT"/>
+            </a:defPPr>
+          </a:lstStyle>
+          <a:p>
+            <a:pPr rtl="0"/>
+            <a:r>
+              <a:rPr lang="it-IT" sz="4000" b="0" dirty="0"/>
+              <a:t>Introduzione – Contesto(3)</a:t>
             </a:r>
           </a:p>
         </p:txBody>
@@ -12422,13 +13494,21 @@
               <a:p>
                 <a:pPr rtl="0"/>
                 <a:r>
-                  <a:rPr lang="it-IT" sz="1800" dirty="0"/>
-                  <a:t>In questo verrà considerato il modello CRR mono periodale il quale modella il processo dei prezzi con un processo stocastico binomiale in cui in ogni istante </a:t>
+                  <a:rPr lang="it-IT" sz="1600" dirty="0"/>
+                  <a:t>In questo verrà considerato il modello </a:t>
+                </a:r>
+                <a:r>
+                  <a:rPr lang="it-IT" sz="1600" b="1" dirty="0"/>
+                  <a:t>CRR mono periodale </a:t>
+                </a:r>
+                <a:r>
+                  <a:rPr lang="it-IT" sz="1600" dirty="0"/>
+                  <a:t>il quale ci permette di definire un portafoglio statico nel tempo e modella il processo dei prezzi con un processo stocastico binomiale in cui in ogni istante </a:t>
                 </a:r>
               </a:p>
               <a:p>
                 <a:pPr rtl="0"/>
-                <a:endParaRPr lang="it-IT" sz="1800" dirty="0"/>
+                <a:endParaRPr lang="it-IT" sz="1600" dirty="0"/>
               </a:p>
               <a:p>
                 <a:pPr rtl="0"/>
@@ -12441,14 +13521,14 @@
                       <m:sSubSup>
                         <m:sSubSupPr>
                           <m:ctrlPr>
-                            <a:rPr lang="it-IT" sz="1800" i="1" smtClean="0">
+                            <a:rPr lang="it-IT" sz="1600" i="1" smtClean="0">
                               <a:latin typeface="Cambria Math" panose="02040503050406030204" pitchFamily="18" charset="0"/>
                             </a:rPr>
                           </m:ctrlPr>
                         </m:sSubSupPr>
                         <m:e>
                           <m:r>
-                            <a:rPr lang="it-IT" sz="1800" b="0" i="1" smtClean="0">
+                            <a:rPr lang="it-IT" sz="1600" b="0" i="1" smtClean="0">
                               <a:latin typeface="Cambria Math" panose="02040503050406030204" pitchFamily="18" charset="0"/>
                             </a:rPr>
                             <m:t>(</m:t>
@@ -12456,14 +13536,14 @@
                           <m:sSub>
                             <m:sSubPr>
                               <m:ctrlPr>
-                                <a:rPr lang="it-IT" sz="1800" i="1" smtClean="0">
+                                <a:rPr lang="it-IT" sz="1600" i="1" smtClean="0">
                                   <a:latin typeface="Cambria Math" panose="02040503050406030204" pitchFamily="18" charset="0"/>
                                 </a:rPr>
                               </m:ctrlPr>
                             </m:sSubPr>
                             <m:e>
                               <m:r>
-                                <a:rPr lang="it-IT" sz="1800" b="0" i="1" smtClean="0">
+                                <a:rPr lang="it-IT" sz="1600" b="0" i="1" smtClean="0">
                                   <a:latin typeface="Cambria Math" panose="02040503050406030204" pitchFamily="18" charset="0"/>
                                 </a:rPr>
                                 <m:t>𝑆</m:t>
@@ -12471,7 +13551,7 @@
                             </m:e>
                             <m:sub>
                               <m:r>
-                                <a:rPr lang="it-IT" sz="1800" b="0" i="1" smtClean="0">
+                                <a:rPr lang="it-IT" sz="1600" b="0" i="1" smtClean="0">
                                   <a:latin typeface="Cambria Math" panose="02040503050406030204" pitchFamily="18" charset="0"/>
                                 </a:rPr>
                                 <m:t>𝑛</m:t>
@@ -12479,7 +13559,7 @@
                             </m:sub>
                           </m:sSub>
                           <m:r>
-                            <a:rPr lang="it-IT" sz="1800" b="0" i="1" smtClean="0">
+                            <a:rPr lang="it-IT" sz="1600" b="0" i="1" smtClean="0">
                               <a:latin typeface="Cambria Math" panose="02040503050406030204" pitchFamily="18" charset="0"/>
                             </a:rPr>
                             <m:t>)</m:t>
@@ -12487,13 +13567,13 @@
                         </m:e>
                         <m:sub>
                           <m:r>
-                            <a:rPr lang="it-IT" sz="1800" b="0" i="1" smtClean="0">
+                            <a:rPr lang="it-IT" sz="1600" b="0" i="1" smtClean="0">
                               <a:latin typeface="Cambria Math" panose="02040503050406030204" pitchFamily="18" charset="0"/>
                             </a:rPr>
                             <m:t>𝑛</m:t>
                           </m:r>
                           <m:r>
-                            <a:rPr lang="it-IT" sz="1800" b="0" i="1" smtClean="0">
+                            <a:rPr lang="it-IT" sz="1600" b="0" i="1" smtClean="0">
                               <a:latin typeface="Cambria Math" panose="02040503050406030204" pitchFamily="18" charset="0"/>
                             </a:rPr>
                             <m:t>=1</m:t>
@@ -12501,7 +13581,7 @@
                         </m:sub>
                         <m:sup>
                           <m:r>
-                            <a:rPr lang="it-IT" sz="1800" b="0" i="1" smtClean="0">
+                            <a:rPr lang="it-IT" sz="1600" b="0" i="1" smtClean="0">
                               <a:latin typeface="Cambria Math" panose="02040503050406030204" pitchFamily="18" charset="0"/>
                             </a:rPr>
                             <m:t>𝑁</m:t>
@@ -12509,19 +13589,19 @@
                         </m:sup>
                       </m:sSubSup>
                       <m:r>
-                        <a:rPr lang="it-IT" sz="1800" b="0" i="1" smtClean="0">
+                        <a:rPr lang="it-IT" sz="1600" b="0" i="1" smtClean="0">
                           <a:latin typeface="Cambria Math" panose="02040503050406030204" pitchFamily="18" charset="0"/>
                         </a:rPr>
                         <m:t>   </m:t>
                       </m:r>
                       <m:r>
-                        <a:rPr lang="it-IT" sz="1800" b="0" i="1" smtClean="0">
+                        <a:rPr lang="it-IT" sz="1600" b="0" i="1" smtClean="0">
                           <a:latin typeface="Cambria Math" panose="02040503050406030204" pitchFamily="18" charset="0"/>
                         </a:rPr>
                         <m:t>𝑐𝑜𝑛</m:t>
                       </m:r>
                       <m:r>
-                        <a:rPr lang="it-IT" sz="1800" b="0" i="1" smtClean="0">
+                        <a:rPr lang="it-IT" sz="1600" b="0" i="1" smtClean="0">
                           <a:latin typeface="Cambria Math" panose="02040503050406030204" pitchFamily="18" charset="0"/>
                         </a:rPr>
                         <m:t>   </m:t>
@@ -12529,14 +13609,14 @@
                       <m:sSub>
                         <m:sSubPr>
                           <m:ctrlPr>
-                            <a:rPr lang="it-IT" sz="1800" i="1" smtClean="0">
+                            <a:rPr lang="it-IT" sz="1600" i="1" smtClean="0">
                               <a:latin typeface="Cambria Math" panose="02040503050406030204" pitchFamily="18" charset="0"/>
                             </a:rPr>
                           </m:ctrlPr>
                         </m:sSubPr>
                         <m:e>
                           <m:r>
-                            <a:rPr lang="it-IT" sz="1800" b="0" i="1" smtClean="0">
+                            <a:rPr lang="it-IT" sz="1600" b="0" i="1" smtClean="0">
                               <a:latin typeface="Cambria Math" panose="02040503050406030204" pitchFamily="18" charset="0"/>
                             </a:rPr>
                             <m:t>𝑆</m:t>
@@ -12544,7 +13624,7 @@
                         </m:e>
                         <m:sub>
                           <m:r>
-                            <a:rPr lang="it-IT" sz="1800" b="0" i="1" smtClean="0">
+                            <a:rPr lang="it-IT" sz="1600" b="0" i="1" smtClean="0">
                               <a:latin typeface="Cambria Math" panose="02040503050406030204" pitchFamily="18" charset="0"/>
                             </a:rPr>
                             <m:t>𝑛</m:t>
@@ -12552,7 +13632,7 @@
                         </m:sub>
                       </m:sSub>
                       <m:r>
-                        <a:rPr lang="it-IT" sz="1800" b="0" i="1" smtClean="0">
+                        <a:rPr lang="it-IT" sz="1600" b="0" i="1" smtClean="0">
                           <a:latin typeface="Cambria Math" panose="02040503050406030204" pitchFamily="18" charset="0"/>
                         </a:rPr>
                         <m:t>=</m:t>
@@ -12560,14 +13640,14 @@
                       <m:sSub>
                         <m:sSubPr>
                           <m:ctrlPr>
-                            <a:rPr lang="it-IT" sz="1800" b="0" i="1" smtClean="0">
+                            <a:rPr lang="it-IT" sz="1600" b="0" i="1" smtClean="0">
                               <a:latin typeface="Cambria Math" panose="02040503050406030204" pitchFamily="18" charset="0"/>
                             </a:rPr>
                           </m:ctrlPr>
                         </m:sSubPr>
                         <m:e>
                           <m:r>
-                            <a:rPr lang="it-IT" sz="1800" b="0" i="1" smtClean="0">
+                            <a:rPr lang="it-IT" sz="1600" b="0" i="1" smtClean="0">
                               <a:latin typeface="Cambria Math" panose="02040503050406030204" pitchFamily="18" charset="0"/>
                               <a:ea typeface="Cambria Math" panose="02040503050406030204" pitchFamily="18" charset="0"/>
                             </a:rPr>
@@ -12576,7 +13656,7 @@
                         </m:e>
                         <m:sub>
                           <m:r>
-                            <a:rPr lang="it-IT" sz="1800" b="0" i="1" smtClean="0">
+                            <a:rPr lang="it-IT" sz="1600" b="0" i="1" smtClean="0">
                               <a:latin typeface="Cambria Math" panose="02040503050406030204" pitchFamily="18" charset="0"/>
                             </a:rPr>
                             <m:t>𝑛</m:t>
@@ -12586,14 +13666,14 @@
                       <m:sSub>
                         <m:sSubPr>
                           <m:ctrlPr>
-                            <a:rPr lang="it-IT" sz="1800" b="0" i="1" smtClean="0">
+                            <a:rPr lang="it-IT" sz="1600" b="0" i="1" smtClean="0">
                               <a:latin typeface="Cambria Math" panose="02040503050406030204" pitchFamily="18" charset="0"/>
                             </a:rPr>
                           </m:ctrlPr>
                         </m:sSubPr>
                         <m:e>
                           <m:r>
-                            <a:rPr lang="it-IT" sz="1800" b="0" i="1" smtClean="0">
+                            <a:rPr lang="it-IT" sz="1600" b="0" i="1" smtClean="0">
                               <a:latin typeface="Cambria Math" panose="02040503050406030204" pitchFamily="18" charset="0"/>
                             </a:rPr>
                             <m:t>𝑆</m:t>
@@ -12601,13 +13681,13 @@
                         </m:e>
                         <m:sub>
                           <m:r>
-                            <a:rPr lang="it-IT" sz="1800" b="0" i="1" smtClean="0">
+                            <a:rPr lang="it-IT" sz="1600" b="0" i="1" smtClean="0">
                               <a:latin typeface="Cambria Math" panose="02040503050406030204" pitchFamily="18" charset="0"/>
                             </a:rPr>
                             <m:t>𝑛</m:t>
                           </m:r>
                           <m:r>
-                            <a:rPr lang="it-IT" sz="1800" b="0" i="1" smtClean="0">
+                            <a:rPr lang="it-IT" sz="1600" b="0" i="1" smtClean="0">
                               <a:latin typeface="Cambria Math" panose="02040503050406030204" pitchFamily="18" charset="0"/>
                             </a:rPr>
                             <m:t>−1</m:t>
@@ -12615,19 +13695,19 @@
                         </m:sub>
                       </m:sSub>
                       <m:r>
-                        <a:rPr lang="it-IT" sz="1800" b="0" i="1" smtClean="0">
+                        <a:rPr lang="it-IT" sz="1600" b="0" i="1" smtClean="0">
                           <a:latin typeface="Cambria Math" panose="02040503050406030204" pitchFamily="18" charset="0"/>
                         </a:rPr>
                         <m:t>   </m:t>
                       </m:r>
                       <m:r>
-                        <a:rPr lang="it-IT" sz="1800" b="0" i="1" smtClean="0">
+                        <a:rPr lang="it-IT" sz="1600" b="0" i="1" smtClean="0">
                           <a:latin typeface="Cambria Math" panose="02040503050406030204" pitchFamily="18" charset="0"/>
                         </a:rPr>
                         <m:t>𝑒</m:t>
                       </m:r>
                       <m:r>
-                        <a:rPr lang="it-IT" sz="1800" b="0" i="1" smtClean="0">
+                        <a:rPr lang="it-IT" sz="1600" b="0" i="1" smtClean="0">
                           <a:latin typeface="Cambria Math" panose="02040503050406030204" pitchFamily="18" charset="0"/>
                         </a:rPr>
                         <m:t>   </m:t>
@@ -12635,14 +13715,14 @@
                       <m:sSub>
                         <m:sSubPr>
                           <m:ctrlPr>
-                            <a:rPr lang="it-IT" sz="1800" b="0" i="1" smtClean="0">
+                            <a:rPr lang="it-IT" sz="1600" b="0" i="1" smtClean="0">
                               <a:latin typeface="Cambria Math" panose="02040503050406030204" pitchFamily="18" charset="0"/>
                             </a:rPr>
                           </m:ctrlPr>
                         </m:sSubPr>
                         <m:e>
                           <m:r>
-                            <a:rPr lang="it-IT" sz="1800" b="0" i="1" smtClean="0">
+                            <a:rPr lang="it-IT" sz="1600" b="0" i="1" smtClean="0">
                               <a:latin typeface="Cambria Math" panose="02040503050406030204" pitchFamily="18" charset="0"/>
                               <a:ea typeface="Cambria Math" panose="02040503050406030204" pitchFamily="18" charset="0"/>
                             </a:rPr>
@@ -12651,7 +13731,7 @@
                         </m:e>
                         <m:sub>
                           <m:r>
-                            <a:rPr lang="it-IT" sz="1800" b="0" i="1" smtClean="0">
+                            <a:rPr lang="it-IT" sz="1600" b="0" i="1" smtClean="0">
                               <a:latin typeface="Cambria Math" panose="02040503050406030204" pitchFamily="18" charset="0"/>
                             </a:rPr>
                             <m:t>𝑛</m:t>
@@ -12659,13 +13739,13 @@
                         </m:sub>
                       </m:sSub>
                       <m:r>
-                        <a:rPr lang="it-IT" sz="1800" b="0" i="1" smtClean="0">
+                        <a:rPr lang="it-IT" sz="1600" b="0" i="1" smtClean="0">
                           <a:latin typeface="Cambria Math" panose="02040503050406030204" pitchFamily="18" charset="0"/>
                         </a:rPr>
                         <m:t>~</m:t>
                       </m:r>
                       <m:r>
-                        <a:rPr lang="it-IT" sz="1800" b="0" i="1" smtClean="0">
+                        <a:rPr lang="it-IT" sz="1600" b="0" i="1" smtClean="0">
                           <a:latin typeface="Cambria Math" panose="02040503050406030204" pitchFamily="18" charset="0"/>
                         </a:rPr>
                         <m:t>𝐵𝑒𝑟</m:t>
@@ -12673,14 +13753,14 @@
                       <m:d>
                         <m:dPr>
                           <m:ctrlPr>
-                            <a:rPr lang="it-IT" sz="1800" b="0" i="1" smtClean="0">
+                            <a:rPr lang="it-IT" sz="1600" b="0" i="1" smtClean="0">
                               <a:latin typeface="Cambria Math" panose="02040503050406030204" pitchFamily="18" charset="0"/>
                             </a:rPr>
                           </m:ctrlPr>
                         </m:dPr>
                         <m:e>
                           <m:r>
-                            <a:rPr lang="it-IT" sz="1800" b="0" i="1" smtClean="0">
+                            <a:rPr lang="it-IT" sz="1600" b="0" i="1" smtClean="0">
                               <a:latin typeface="Cambria Math" panose="02040503050406030204" pitchFamily="18" charset="0"/>
                             </a:rPr>
                             <m:t>𝑝</m:t>
@@ -12690,34 +13770,42 @@
                     </m:oMath>
                   </m:oMathPara>
                 </a14:m>
-                <a:endParaRPr lang="it-IT" sz="1800" b="0" dirty="0"/>
+                <a:endParaRPr lang="it-IT" sz="1600" b="0" dirty="0"/>
               </a:p>
               <a:p>
                 <a:pPr rtl="0"/>
                 <a:r>
-                  <a:rPr lang="it-IT" sz="1800" dirty="0"/>
-                  <a:t>In particolare il modello ci servirà per portare la put-call </a:t>
+                  <a:rPr lang="it-IT" sz="1600" dirty="0"/>
+                  <a:t>In particolare il modello ci servirà per portare la </a:t>
                 </a:r>
                 <a:r>
-                  <a:rPr lang="it-IT" sz="1800" dirty="0" err="1"/>
+                  <a:rPr lang="it-IT" sz="1600" b="1" dirty="0"/>
+                  <a:t>put-call </a:t>
+                </a:r>
+                <a:r>
+                  <a:rPr lang="it-IT" sz="1600" b="1" dirty="0" err="1"/>
                   <a:t>parity</a:t>
                 </a:r>
                 <a:r>
-                  <a:rPr lang="it-IT" sz="1800" dirty="0"/>
+                  <a:rPr lang="it-IT" sz="1600" b="1" dirty="0"/>
                   <a:t> </a:t>
                 </a:r>
                 <a:r>
-                  <a:rPr lang="it-IT" sz="1800" dirty="0" err="1"/>
+                  <a:rPr lang="it-IT" sz="1600" b="1" dirty="0" err="1"/>
                   <a:t>equation</a:t>
                 </a:r>
                 <a:r>
-                  <a:rPr lang="it-IT" sz="1800" dirty="0"/>
-                  <a:t> in t=0</a:t>
+                  <a:rPr lang="it-IT" sz="1600" b="1" dirty="0"/>
+                  <a:t> </a:t>
+                </a:r>
+                <a:r>
+                  <a:rPr lang="it-IT" sz="1600" dirty="0"/>
+                  <a:t>in t=0</a:t>
                 </a:r>
               </a:p>
               <a:p>
                 <a:pPr rtl="0"/>
-                <a:endParaRPr lang="it-IT" sz="1800" dirty="0"/>
+                <a:endParaRPr lang="it-IT" sz="1600" dirty="0"/>
               </a:p>
               <a:p>
                 <a:pPr rtl="0"/>
@@ -12730,14 +13818,14 @@
                       <m:sSub>
                         <m:sSubPr>
                           <m:ctrlPr>
-                            <a:rPr lang="it-IT" sz="1800" i="1" smtClean="0">
+                            <a:rPr lang="it-IT" sz="1600" i="1" smtClean="0">
                               <a:latin typeface="Cambria Math" panose="02040503050406030204" pitchFamily="18" charset="0"/>
                             </a:rPr>
                           </m:ctrlPr>
                         </m:sSubPr>
                         <m:e>
                           <m:r>
-                            <a:rPr lang="it-IT" sz="1800" b="0" i="1" smtClean="0">
+                            <a:rPr lang="it-IT" sz="1600" b="0" i="1" smtClean="0">
                               <a:latin typeface="Cambria Math" panose="02040503050406030204" pitchFamily="18" charset="0"/>
                             </a:rPr>
                             <m:t>𝐶</m:t>
@@ -12745,7 +13833,7 @@
                         </m:e>
                         <m:sub>
                           <m:r>
-                            <a:rPr lang="it-IT" sz="1800" b="0" i="1" smtClean="0">
+                            <a:rPr lang="it-IT" sz="1600" b="0" i="1" smtClean="0">
                               <a:latin typeface="Cambria Math" panose="02040503050406030204" pitchFamily="18" charset="0"/>
                             </a:rPr>
                             <m:t>0</m:t>
@@ -12753,7 +13841,7 @@
                         </m:sub>
                       </m:sSub>
                       <m:r>
-                        <a:rPr lang="it-IT" sz="1800" b="0" i="1" smtClean="0">
+                        <a:rPr lang="it-IT" sz="1600" b="0" i="1" smtClean="0">
                           <a:latin typeface="Cambria Math" panose="02040503050406030204" pitchFamily="18" charset="0"/>
                         </a:rPr>
                         <m:t>−</m:t>
@@ -12761,14 +13849,14 @@
                       <m:sSub>
                         <m:sSubPr>
                           <m:ctrlPr>
-                            <a:rPr lang="it-IT" sz="1800" b="0" i="1" smtClean="0">
+                            <a:rPr lang="it-IT" sz="1600" b="0" i="1" smtClean="0">
                               <a:latin typeface="Cambria Math" panose="02040503050406030204" pitchFamily="18" charset="0"/>
                             </a:rPr>
                           </m:ctrlPr>
                         </m:sSubPr>
                         <m:e>
                           <m:r>
-                            <a:rPr lang="it-IT" sz="1800" b="0" i="1" smtClean="0">
+                            <a:rPr lang="it-IT" sz="1600" b="0" i="1" smtClean="0">
                               <a:latin typeface="Cambria Math" panose="02040503050406030204" pitchFamily="18" charset="0"/>
                             </a:rPr>
                             <m:t>𝑃</m:t>
@@ -12776,7 +13864,7 @@
                         </m:e>
                         <m:sub>
                           <m:r>
-                            <a:rPr lang="it-IT" sz="1800" b="0" i="1" smtClean="0">
+                            <a:rPr lang="it-IT" sz="1600" b="0" i="1" smtClean="0">
                               <a:latin typeface="Cambria Math" panose="02040503050406030204" pitchFamily="18" charset="0"/>
                             </a:rPr>
                             <m:t>0</m:t>
@@ -12784,7 +13872,7 @@
                         </m:sub>
                       </m:sSub>
                       <m:r>
-                        <a:rPr lang="it-IT" sz="1800" b="0" i="1" smtClean="0">
+                        <a:rPr lang="it-IT" sz="1600" b="0" i="1" smtClean="0">
                           <a:latin typeface="Cambria Math" panose="02040503050406030204" pitchFamily="18" charset="0"/>
                         </a:rPr>
                         <m:t>=</m:t>
@@ -12792,14 +13880,14 @@
                       <m:sSub>
                         <m:sSubPr>
                           <m:ctrlPr>
-                            <a:rPr lang="it-IT" sz="1800" b="0" i="1" smtClean="0">
+                            <a:rPr lang="it-IT" sz="1600" b="0" i="1" smtClean="0">
                               <a:latin typeface="Cambria Math" panose="02040503050406030204" pitchFamily="18" charset="0"/>
                             </a:rPr>
                           </m:ctrlPr>
                         </m:sSubPr>
                         <m:e>
                           <m:r>
-                            <a:rPr lang="it-IT" sz="1800" b="0" i="1" smtClean="0">
+                            <a:rPr lang="it-IT" sz="1600" b="0" i="1" smtClean="0">
                               <a:latin typeface="Cambria Math" panose="02040503050406030204" pitchFamily="18" charset="0"/>
                             </a:rPr>
                             <m:t>𝑆</m:t>
@@ -12807,7 +13895,7 @@
                         </m:e>
                         <m:sub>
                           <m:r>
-                            <a:rPr lang="it-IT" sz="1800" b="0" i="1" smtClean="0">
+                            <a:rPr lang="it-IT" sz="1600" b="0" i="1" smtClean="0">
                               <a:latin typeface="Cambria Math" panose="02040503050406030204" pitchFamily="18" charset="0"/>
                             </a:rPr>
                             <m:t>0</m:t>
@@ -12815,7 +13903,7 @@
                         </m:sub>
                       </m:sSub>
                       <m:r>
-                        <a:rPr lang="it-IT" sz="1800" b="0" i="1" smtClean="0">
+                        <a:rPr lang="it-IT" sz="1600" b="0" i="1" smtClean="0">
                           <a:latin typeface="Cambria Math" panose="02040503050406030204" pitchFamily="18" charset="0"/>
                         </a:rPr>
                         <m:t>−</m:t>
@@ -12823,14 +13911,14 @@
                       <m:f>
                         <m:fPr>
                           <m:ctrlPr>
-                            <a:rPr lang="it-IT" sz="1800" b="0" i="1" smtClean="0">
+                            <a:rPr lang="it-IT" sz="1600" b="0" i="1" smtClean="0">
                               <a:latin typeface="Cambria Math" panose="02040503050406030204" pitchFamily="18" charset="0"/>
                             </a:rPr>
                           </m:ctrlPr>
                         </m:fPr>
                         <m:num>
                           <m:r>
-                            <a:rPr lang="it-IT" sz="1800" b="0" i="1" smtClean="0">
+                            <a:rPr lang="it-IT" sz="1600" b="0" i="1" smtClean="0">
                               <a:latin typeface="Cambria Math" panose="02040503050406030204" pitchFamily="18" charset="0"/>
                             </a:rPr>
                             <m:t>𝐾</m:t>
@@ -12838,13 +13926,13 @@
                         </m:num>
                         <m:den>
                           <m:r>
-                            <a:rPr lang="it-IT" sz="1800" b="0" i="1" smtClean="0">
+                            <a:rPr lang="it-IT" sz="1600" b="0" i="1" smtClean="0">
                               <a:latin typeface="Cambria Math" panose="02040503050406030204" pitchFamily="18" charset="0"/>
                             </a:rPr>
                             <m:t>1+</m:t>
                           </m:r>
                           <m:r>
-                            <a:rPr lang="it-IT" sz="1800" b="0" i="1" smtClean="0">
+                            <a:rPr lang="it-IT" sz="1600" b="0" i="1" smtClean="0">
                               <a:latin typeface="Cambria Math" panose="02040503050406030204" pitchFamily="18" charset="0"/>
                             </a:rPr>
                             <m:t>𝑟</m:t>
@@ -12854,12 +13942,12 @@
                     </m:oMath>
                   </m:oMathPara>
                 </a14:m>
-                <a:endParaRPr lang="it-IT" sz="1800" dirty="0"/>
+                <a:endParaRPr lang="it-IT" sz="1600" dirty="0"/>
               </a:p>
               <a:p>
                 <a:pPr rtl="0"/>
                 <a:r>
-                  <a:rPr lang="it-IT" sz="1800" dirty="0"/>
+                  <a:rPr lang="it-IT" sz="1600" dirty="0"/>
                   <a:t>Questa relazione verrà utilizzata per tracciare una retta di regressione che ci permette di verificare come i dati di mercato si comportano rispetto al modello teorico</a:t>
                 </a:r>
               </a:p>
@@ -12891,7 +13979,7 @@
               <a:blipFill>
                 <a:blip r:embed="rId3"/>
                 <a:stretch>
-                  <a:fillRect l="-1687" t="-1525" r="-1834"/>
+                  <a:fillRect l="-1467" t="-1186"/>
                 </a:stretch>
               </a:blipFill>
             </p:spPr>
@@ -12940,8 +14028,8 @@
         </p:blipFill>
         <p:spPr>
           <a:xfrm>
-            <a:off x="8245132" y="1706050"/>
-            <a:ext cx="2333766" cy="2244818"/>
+            <a:off x="8636158" y="1908416"/>
+            <a:ext cx="2010806" cy="1934167"/>
           </a:xfrm>
         </p:spPr>
       </p:pic>
@@ -12973,8 +14061,8 @@
         </p:blipFill>
         <p:spPr>
           <a:xfrm>
-            <a:off x="9898495" y="4645705"/>
-            <a:ext cx="1967772" cy="1934166"/>
+            <a:off x="10024827" y="4464645"/>
+            <a:ext cx="1840787" cy="1809350"/>
           </a:xfrm>
           <a:prstGeom prst="rect">
             <a:avLst/>
@@ -12994,7 +14082,7 @@
 </p:sld>
 </file>
 
-<file path=ppt/slides/slide5.xml><?xml version="1.0" encoding="utf-8"?>
+<file path=ppt/slides/slide6.xml><?xml version="1.0" encoding="utf-8"?>
 <p:sld xmlns:a="http://schemas.openxmlformats.org/drawingml/2006/main" xmlns:r="http://schemas.openxmlformats.org/officeDocument/2006/relationships" xmlns:p="http://schemas.openxmlformats.org/presentationml/2006/main">
   <p:cSld>
     <p:spTree>
@@ -13073,12 +14161,14 @@
         </p:nvSpPr>
         <p:spPr>
           <a:xfrm>
-            <a:off x="594360" y="2676525"/>
-            <a:ext cx="6474193" cy="3597470"/>
+            <a:off x="594360" y="2363704"/>
+            <a:ext cx="9861082" cy="3597470"/>
           </a:xfrm>
         </p:spPr>
         <p:txBody>
-          <a:bodyPr rtlCol="0"/>
+          <a:bodyPr rtlCol="0">
+            <a:noAutofit/>
+          </a:bodyPr>
           <a:lstStyle>
             <a:defPPr>
               <a:defRPr lang="it-IT"/>
@@ -13087,68 +14177,241 @@
           <a:p>
             <a:pPr rtl="0"/>
             <a:r>
-              <a:rPr lang="it-IT" dirty="0"/>
-              <a:t>Applicare la put call </a:t>
-            </a:r>
-            <a:r>
-              <a:rPr lang="it-IT" dirty="0" err="1"/>
-              <a:t>parity</a:t>
-            </a:r>
-            <a:r>
-              <a:rPr lang="it-IT" dirty="0"/>
-              <a:t> e tirare fuori la retta di regressione, per farlo ci servono i dati delle opzioni a </a:t>
-            </a:r>
-            <a:r>
-              <a:rPr lang="it-IT" dirty="0" err="1"/>
-              <a:t>paritá</a:t>
-            </a:r>
-            <a:r>
-              <a:rPr lang="it-IT" dirty="0"/>
-              <a:t> di strike, scadenza e last trade, il valore del titolo, il tasso risk free e la </a:t>
-            </a:r>
-            <a:r>
-              <a:rPr lang="it-IT" dirty="0" err="1"/>
-              <a:t>volatilitá</a:t>
-            </a:r>
-            <a:r>
-              <a:rPr lang="it-IT" dirty="0"/>
-              <a:t> del titolo dopo in metodologia spiego come faccio</a:t>
-            </a:r>
+              <a:rPr lang="it-IT" sz="1600" dirty="0"/>
+              <a:t>In questo progetto si vuole verificare la bontà del modello quando applicato ad opzioni europee ed americane.    Per fare questo sono stati considerati sei titoli, in particolare per le opzioni europee:</a:t>
+            </a:r>
+          </a:p>
+          <a:p>
+            <a:pPr marL="285750" indent="-285750" rtl="0">
+              <a:buFont typeface="Arial" panose="020B0604020202020204" pitchFamily="34" charset="0"/>
+              <a:buChar char="•"/>
+            </a:pPr>
+            <a:r>
+              <a:rPr lang="it-IT" sz="1600" b="1" dirty="0"/>
+              <a:t>SPX</a:t>
+            </a:r>
+            <a:r>
+              <a:rPr lang="it-IT" sz="1600" dirty="0"/>
+              <a:t>, indice che segue le 500 aziende con maggiore capitalizzazione nel mercato statunitense</a:t>
+            </a:r>
+          </a:p>
+          <a:p>
+            <a:pPr marL="285750" indent="-285750" rtl="0">
+              <a:buFont typeface="Arial" panose="020B0604020202020204" pitchFamily="34" charset="0"/>
+              <a:buChar char="•"/>
+            </a:pPr>
+            <a:r>
+              <a:rPr lang="it-IT" sz="1600" b="1" dirty="0"/>
+              <a:t>RUT</a:t>
+            </a:r>
+            <a:r>
+              <a:rPr lang="it-IT" sz="1600" dirty="0"/>
+              <a:t>, indice che segue le 2000 aziende con minore capitalizzazione tra le 3000 a </a:t>
+            </a:r>
+            <a:r>
+              <a:rPr lang="it-IT" sz="1600" dirty="0" err="1"/>
+              <a:t>piú</a:t>
+            </a:r>
+            <a:r>
+              <a:rPr lang="it-IT" sz="1600" dirty="0"/>
+              <a:t> alta capitalizzazione nel mercato statunitense</a:t>
+            </a:r>
+          </a:p>
+          <a:p>
+            <a:pPr marL="285750" indent="-285750" rtl="0">
+              <a:buFont typeface="Arial" panose="020B0604020202020204" pitchFamily="34" charset="0"/>
+              <a:buChar char="•"/>
+            </a:pPr>
+            <a:r>
+              <a:rPr lang="it-IT" sz="1600" b="1" dirty="0"/>
+              <a:t>NDX</a:t>
+            </a:r>
+            <a:r>
+              <a:rPr lang="it-IT" sz="1600" dirty="0"/>
+              <a:t>, indice che segue le 100 aziende non finanziare con maggiore capitalizzazione nel NASDAQ</a:t>
+            </a:r>
+          </a:p>
+          <a:p>
+            <a:pPr rtl="0"/>
+            <a:r>
+              <a:rPr lang="it-IT" sz="1600" dirty="0"/>
+              <a:t>Mentre per le opzioni americane:</a:t>
+            </a:r>
+          </a:p>
+          <a:p>
+            <a:pPr marL="285750" indent="-285750" rtl="0">
+              <a:buFont typeface="Arial" panose="020B0604020202020204" pitchFamily="34" charset="0"/>
+              <a:buChar char="•"/>
+            </a:pPr>
+            <a:r>
+              <a:rPr lang="it-IT" sz="1600" b="1" dirty="0"/>
+              <a:t>NVDA</a:t>
+            </a:r>
+            <a:r>
+              <a:rPr lang="it-IT" sz="1600" dirty="0"/>
+              <a:t>, cioè le azioni di Nvidia, azienda nel campo tecnologico</a:t>
+            </a:r>
+          </a:p>
+          <a:p>
+            <a:pPr marL="285750" indent="-285750" rtl="0">
+              <a:buFont typeface="Arial" panose="020B0604020202020204" pitchFamily="34" charset="0"/>
+              <a:buChar char="•"/>
+            </a:pPr>
+            <a:r>
+              <a:rPr lang="it-IT" sz="1600" b="1" dirty="0"/>
+              <a:t>XOM</a:t>
+            </a:r>
+            <a:r>
+              <a:rPr lang="it-IT" sz="1600" dirty="0"/>
+              <a:t>, cioè le azioni di Exxon Mobil </a:t>
+            </a:r>
+            <a:r>
+              <a:rPr lang="it-IT" sz="1600" dirty="0" err="1"/>
+              <a:t>Corp</a:t>
+            </a:r>
+            <a:r>
+              <a:rPr lang="it-IT" sz="1600" dirty="0"/>
+              <a:t>, azienda nel campo energia</a:t>
+            </a:r>
+          </a:p>
+          <a:p>
+            <a:pPr marL="285750" indent="-285750" rtl="0">
+              <a:buFont typeface="Arial" panose="020B0604020202020204" pitchFamily="34" charset="0"/>
+              <a:buChar char="•"/>
+            </a:pPr>
+            <a:r>
+              <a:rPr lang="it-IT" sz="1600" b="1" dirty="0"/>
+              <a:t>JNJ</a:t>
+            </a:r>
+            <a:r>
+              <a:rPr lang="it-IT" sz="1600" dirty="0"/>
+              <a:t>, cioè le azioni di Johnson &amp; Johnson, azienda nel campo </a:t>
+            </a:r>
+            <a:r>
+              <a:rPr lang="it-IT" sz="1600" dirty="0" err="1"/>
+              <a:t>sanitá</a:t>
+            </a:r>
+            <a:r>
+              <a:rPr lang="it-IT" sz="1600" dirty="0"/>
+              <a:t> </a:t>
+            </a:r>
+          </a:p>
+          <a:p>
+            <a:pPr marL="285750" indent="-285750" rtl="0">
+              <a:buFont typeface="Arial" panose="020B0604020202020204" pitchFamily="34" charset="0"/>
+              <a:buChar char="•"/>
+            </a:pPr>
+            <a:endParaRPr lang="it-IT" sz="1600" dirty="0"/>
           </a:p>
         </p:txBody>
       </p:sp>
-      <p:sp>
-        <p:nvSpPr>
-          <p:cNvPr id="6" name="Segnaposto contenuto 5">
+      <p:pic>
+        <p:nvPicPr>
+          <p:cNvPr id="10" name="Segnaposto contenuto 9" descr="Immagine che contiene Carattere, Elementi grafici, tipografia, design&#10;&#10;Descrizione generata automaticamente">
             <a:extLst>
               <a:ext uri="{FF2B5EF4-FFF2-40B4-BE49-F238E27FC236}">
-                <a16:creationId xmlns:a16="http://schemas.microsoft.com/office/drawing/2014/main" id="{261F0A86-DF85-AC75-D3C3-EE5157E7C64E}"/>
+                <a16:creationId xmlns:a16="http://schemas.microsoft.com/office/drawing/2014/main" id="{D639A9D6-B438-26AC-E00D-6A45FBBA447C}"/>
               </a:ext>
             </a:extLst>
           </p:cNvPr>
-          <p:cNvSpPr>
-            <a:spLocks noGrp="1"/>
-          </p:cNvSpPr>
+          <p:cNvPicPr>
+            <a:picLocks noGrp="1" noChangeAspect="1"/>
+          </p:cNvPicPr>
           <p:nvPr>
             <p:ph sz="quarter" idx="16"/>
           </p:nvPr>
-        </p:nvSpPr>
+        </p:nvPicPr>
+        <p:blipFill>
+          <a:blip r:embed="rId3">
+            <a:extLst>
+              <a:ext uri="{28A0092B-C50C-407E-A947-70E740481C1C}">
+                <a14:useLocalDpi xmlns:a14="http://schemas.microsoft.com/office/drawing/2010/main" val="0"/>
+              </a:ext>
+            </a:extLst>
+          </a:blip>
+          <a:stretch>
+            <a:fillRect/>
+          </a:stretch>
+        </p:blipFill>
         <p:spPr>
-          <a:xfrm rot="10800000" flipV="1">
-            <a:off x="11327732" y="667277"/>
-            <a:ext cx="625643" cy="848701"/>
+          <a:xfrm>
+            <a:off x="9976514" y="4166696"/>
+            <a:ext cx="2054990" cy="1155931"/>
           </a:xfrm>
         </p:spPr>
-        <p:txBody>
-          <a:bodyPr>
-            <a:normAutofit/>
-          </a:bodyPr>
-          <a:lstStyle/>
-          <a:p>
-            <a:endParaRPr lang="it-IT" dirty="0"/>
-          </a:p>
-        </p:txBody>
-      </p:sp>
+      </p:pic>
+      <p:pic>
+        <p:nvPicPr>
+          <p:cNvPr id="12" name="Immagine 11" descr="Immagine che contiene Carattere, Elementi grafici, grafica, testo&#10;&#10;Descrizione generata automaticamente">
+            <a:extLst>
+              <a:ext uri="{FF2B5EF4-FFF2-40B4-BE49-F238E27FC236}">
+                <a16:creationId xmlns:a16="http://schemas.microsoft.com/office/drawing/2014/main" id="{1B23DB68-2DAF-4115-2623-3D87673C5576}"/>
+              </a:ext>
+            </a:extLst>
+          </p:cNvPr>
+          <p:cNvPicPr>
+            <a:picLocks noChangeAspect="1"/>
+          </p:cNvPicPr>
+          <p:nvPr/>
+        </p:nvPicPr>
+        <p:blipFill>
+          <a:blip r:embed="rId4">
+            <a:extLst>
+              <a:ext uri="{28A0092B-C50C-407E-A947-70E740481C1C}">
+                <a14:useLocalDpi xmlns:a14="http://schemas.microsoft.com/office/drawing/2010/main" val="0"/>
+              </a:ext>
+            </a:extLst>
+          </a:blip>
+          <a:stretch>
+            <a:fillRect/>
+          </a:stretch>
+        </p:blipFill>
+        <p:spPr>
+          <a:xfrm>
+            <a:off x="7727294" y="5403386"/>
+            <a:ext cx="1676013" cy="315649"/>
+          </a:xfrm>
+          <a:prstGeom prst="rect">
+            <a:avLst/>
+          </a:prstGeom>
+        </p:spPr>
+      </p:pic>
+      <p:pic>
+        <p:nvPicPr>
+          <p:cNvPr id="14" name="Immagine 13" descr="Immagine che contiene simbolo, Elementi grafici, logo, design&#10;&#10;Descrizione generata automaticamente">
+            <a:extLst>
+              <a:ext uri="{FF2B5EF4-FFF2-40B4-BE49-F238E27FC236}">
+                <a16:creationId xmlns:a16="http://schemas.microsoft.com/office/drawing/2014/main" id="{D579C528-0162-45B1-55F2-823918783E5D}"/>
+              </a:ext>
+            </a:extLst>
+          </p:cNvPr>
+          <p:cNvPicPr>
+            <a:picLocks noChangeAspect="1"/>
+          </p:cNvPicPr>
+          <p:nvPr/>
+        </p:nvPicPr>
+        <p:blipFill>
+          <a:blip r:embed="rId5">
+            <a:extLst>
+              <a:ext uri="{28A0092B-C50C-407E-A947-70E740481C1C}">
+                <a14:useLocalDpi xmlns:a14="http://schemas.microsoft.com/office/drawing/2010/main" val="0"/>
+              </a:ext>
+            </a:extLst>
+          </a:blip>
+          <a:stretch>
+            <a:fillRect/>
+          </a:stretch>
+        </p:blipFill>
+        <p:spPr>
+          <a:xfrm>
+            <a:off x="10306261" y="5601274"/>
+            <a:ext cx="1291379" cy="950879"/>
+          </a:xfrm>
+          <a:prstGeom prst="rect">
+            <a:avLst/>
+          </a:prstGeom>
+        </p:spPr>
+      </p:pic>
     </p:spTree>
     <p:extLst>
       <p:ext uri="{BB962C8B-B14F-4D97-AF65-F5344CB8AC3E}">
@@ -13162,7 +14425,7 @@
 </p:sld>
 </file>
 
-<file path=ppt/slides/slide6.xml><?xml version="1.0" encoding="utf-8"?>
+<file path=ppt/slides/slide7.xml><?xml version="1.0" encoding="utf-8"?>
 <p:sld xmlns:a="http://schemas.openxmlformats.org/drawingml/2006/main" xmlns:r="http://schemas.openxmlformats.org/officeDocument/2006/relationships" xmlns:p="http://schemas.openxmlformats.org/presentationml/2006/main">
   <p:cSld>
     <p:spTree>
@@ -13330,7 +14593,7 @@
 </p:sld>
 </file>
 
-<file path=ppt/slides/slide7.xml><?xml version="1.0" encoding="utf-8"?>
+<file path=ppt/slides/slide8.xml><?xml version="1.0" encoding="utf-8"?>
 <p:sld xmlns:a="http://schemas.openxmlformats.org/drawingml/2006/main" xmlns:r="http://schemas.openxmlformats.org/officeDocument/2006/relationships" xmlns:p="http://schemas.openxmlformats.org/presentationml/2006/main">
   <p:cSld>
     <p:spTree>
@@ -13498,7 +14761,7 @@
 </p:sld>
 </file>
 
-<file path=ppt/slides/slide8.xml><?xml version="1.0" encoding="utf-8"?>
+<file path=ppt/slides/slide9.xml><?xml version="1.0" encoding="utf-8"?>
 <p:sld xmlns:a="http://schemas.openxmlformats.org/drawingml/2006/main" xmlns:r="http://schemas.openxmlformats.org/officeDocument/2006/relationships" xmlns:p="http://schemas.openxmlformats.org/presentationml/2006/main">
   <p:cSld>
     <p:spTree>
@@ -13657,174 +14920,6 @@
     <p:extLst>
       <p:ext uri="{BB962C8B-B14F-4D97-AF65-F5344CB8AC3E}">
         <p14:creationId xmlns:p14="http://schemas.microsoft.com/office/powerpoint/2010/main" val="1391301046"/>
-      </p:ext>
-    </p:extLst>
-  </p:cSld>
-  <p:clrMapOvr>
-    <a:masterClrMapping/>
-  </p:clrMapOvr>
-</p:sld>
-</file>
-
-<file path=ppt/slides/slide9.xml><?xml version="1.0" encoding="utf-8"?>
-<p:sld xmlns:a="http://schemas.openxmlformats.org/drawingml/2006/main" xmlns:r="http://schemas.openxmlformats.org/officeDocument/2006/relationships" xmlns:p="http://schemas.openxmlformats.org/presentationml/2006/main">
-  <p:cSld>
-    <p:spTree>
-      <p:nvGrpSpPr>
-        <p:cNvPr id="1" name="">
-          <a:extLst>
-            <a:ext uri="{FF2B5EF4-FFF2-40B4-BE49-F238E27FC236}">
-              <a16:creationId xmlns:a16="http://schemas.microsoft.com/office/drawing/2014/main" id="{E426A2CE-F3A0-1D6D-BB05-4410DC558995}"/>
-            </a:ext>
-          </a:extLst>
-        </p:cNvPr>
-        <p:cNvGrpSpPr/>
-        <p:nvPr/>
-      </p:nvGrpSpPr>
-      <p:grpSpPr>
-        <a:xfrm>
-          <a:off x="0" y="0"/>
-          <a:ext cx="0" cy="0"/>
-          <a:chOff x="0" y="0"/>
-          <a:chExt cx="0" cy="0"/>
-        </a:xfrm>
-      </p:grpSpPr>
-      <p:sp>
-        <p:nvSpPr>
-          <p:cNvPr id="2" name="Titolo 1">
-            <a:extLst>
-              <a:ext uri="{FF2B5EF4-FFF2-40B4-BE49-F238E27FC236}">
-                <a16:creationId xmlns:a16="http://schemas.microsoft.com/office/drawing/2014/main" id="{B1EB7A48-0908-F603-2FD6-D9E07F91F37B}"/>
-              </a:ext>
-            </a:extLst>
-          </p:cNvPr>
-          <p:cNvSpPr>
-            <a:spLocks noGrp="1"/>
-          </p:cNvSpPr>
-          <p:nvPr>
-            <p:ph type="title"/>
-          </p:nvPr>
-        </p:nvSpPr>
-        <p:spPr>
-          <a:xfrm>
-            <a:off x="594360" y="278129"/>
-            <a:ext cx="9778365" cy="1494596"/>
-          </a:xfrm>
-        </p:spPr>
-        <p:txBody>
-          <a:bodyPr rtlCol="0"/>
-          <a:lstStyle>
-            <a:defPPr>
-              <a:defRPr lang="it-IT"/>
-            </a:defPPr>
-          </a:lstStyle>
-          <a:p>
-            <a:pPr rtl="0"/>
-            <a:r>
-              <a:rPr lang="it-IT" sz="4000" b="0" dirty="0"/>
-              <a:t>Risultati – Opzioni europee</a:t>
-            </a:r>
-          </a:p>
-        </p:txBody>
-      </p:sp>
-      <p:sp>
-        <p:nvSpPr>
-          <p:cNvPr id="3" name="Segnaposto contenuto 2">
-            <a:extLst>
-              <a:ext uri="{FF2B5EF4-FFF2-40B4-BE49-F238E27FC236}">
-                <a16:creationId xmlns:a16="http://schemas.microsoft.com/office/drawing/2014/main" id="{05531509-4226-62F3-1099-F9C04BCF277B}"/>
-              </a:ext>
-            </a:extLst>
-          </p:cNvPr>
-          <p:cNvSpPr>
-            <a:spLocks noGrp="1"/>
-          </p:cNvSpPr>
-          <p:nvPr>
-            <p:ph sz="quarter" idx="15"/>
-          </p:nvPr>
-        </p:nvSpPr>
-        <p:spPr>
-          <a:xfrm>
-            <a:off x="594360" y="2676525"/>
-            <a:ext cx="6474193" cy="3597470"/>
-          </a:xfrm>
-        </p:spPr>
-        <p:txBody>
-          <a:bodyPr rtlCol="0"/>
-          <a:lstStyle>
-            <a:defPPr>
-              <a:defRPr lang="it-IT"/>
-            </a:defPPr>
-          </a:lstStyle>
-          <a:p>
-            <a:pPr rtl="0"/>
-            <a:r>
-              <a:rPr lang="it-IT" dirty="0"/>
-              <a:t>Applicare la put call </a:t>
-            </a:r>
-            <a:r>
-              <a:rPr lang="it-IT" dirty="0" err="1"/>
-              <a:t>parity</a:t>
-            </a:r>
-            <a:r>
-              <a:rPr lang="it-IT" dirty="0"/>
-              <a:t> e tirare fuori la retta di regressione, per farlo ci servono i dati delle opzioni a </a:t>
-            </a:r>
-            <a:r>
-              <a:rPr lang="it-IT" dirty="0" err="1"/>
-              <a:t>paritá</a:t>
-            </a:r>
-            <a:r>
-              <a:rPr lang="it-IT" dirty="0"/>
-              <a:t> di strike, scadenza e last trade, il valore del titolo, il tasso risk free e la </a:t>
-            </a:r>
-            <a:r>
-              <a:rPr lang="it-IT" dirty="0" err="1"/>
-              <a:t>volatilitá</a:t>
-            </a:r>
-            <a:r>
-              <a:rPr lang="it-IT" dirty="0"/>
-              <a:t> del titolo dopo in metodologia spiego come faccio</a:t>
-            </a:r>
-          </a:p>
-        </p:txBody>
-      </p:sp>
-      <p:sp>
-        <p:nvSpPr>
-          <p:cNvPr id="6" name="Segnaposto contenuto 5">
-            <a:extLst>
-              <a:ext uri="{FF2B5EF4-FFF2-40B4-BE49-F238E27FC236}">
-                <a16:creationId xmlns:a16="http://schemas.microsoft.com/office/drawing/2014/main" id="{7B7E7A71-E585-445E-7E44-527D25CB9BC5}"/>
-              </a:ext>
-            </a:extLst>
-          </p:cNvPr>
-          <p:cNvSpPr>
-            <a:spLocks noGrp="1"/>
-          </p:cNvSpPr>
-          <p:nvPr>
-            <p:ph sz="quarter" idx="16"/>
-          </p:nvPr>
-        </p:nvSpPr>
-        <p:spPr>
-          <a:xfrm rot="10800000" flipV="1">
-            <a:off x="11327732" y="667277"/>
-            <a:ext cx="625643" cy="848701"/>
-          </a:xfrm>
-        </p:spPr>
-        <p:txBody>
-          <a:bodyPr>
-            <a:normAutofit/>
-          </a:bodyPr>
-          <a:lstStyle/>
-          <a:p>
-            <a:endParaRPr lang="it-IT" dirty="0"/>
-          </a:p>
-        </p:txBody>
-      </p:sp>
-    </p:spTree>
-    <p:extLst>
-      <p:ext uri="{BB962C8B-B14F-4D97-AF65-F5344CB8AC3E}">
-        <p14:creationId xmlns:p14="http://schemas.microsoft.com/office/powerpoint/2010/main" val="1472695670"/>
       </p:ext>
     </p:extLst>
   </p:cSld>
@@ -14626,6 +15721,35 @@
 </file>
 
 <file path=customXml/item1.xml><?xml version="1.0" encoding="utf-8"?>
+<p:properties xmlns:p="http://schemas.microsoft.com/office/2006/metadata/properties" xmlns:xsi="http://www.w3.org/2001/XMLSchema-instance" xmlns:pc="http://schemas.microsoft.com/office/infopath/2007/PartnerControls">
+  <documentManagement>
+    <Background xmlns="71af3243-3dd4-4a8d-8c0d-dd76da1f02a5">false</Background>
+    <Status xmlns="71af3243-3dd4-4a8d-8c0d-dd76da1f02a5">Not started</Status>
+    <_ip_UnifiedCompliancePolicyUIAction xmlns="http://schemas.microsoft.com/sharepoint/v3" xsi:nil="true"/>
+    <Image xmlns="71af3243-3dd4-4a8d-8c0d-dd76da1f02a5">
+      <Url xsi:nil="true"/>
+      <Description xsi:nil="true"/>
+    </Image>
+    <_ip_UnifiedCompliancePolicyProperties xmlns="http://schemas.microsoft.com/sharepoint/v3" xsi:nil="true"/>
+    <ImageTagsTaxHTField xmlns="71af3243-3dd4-4a8d-8c0d-dd76da1f02a5">
+      <Terms xmlns="http://schemas.microsoft.com/office/infopath/2007/PartnerControls"/>
+    </ImageTagsTaxHTField>
+    <TaxCatchAll xmlns="230e9df3-be65-4c73-a93b-d1236ebd677e" xsi:nil="true"/>
+    <MediaServiceKeyPoints xmlns="71af3243-3dd4-4a8d-8c0d-dd76da1f02a5" xsi:nil="true"/>
+  </documentManagement>
+</p:properties>
+</file>
+
+<file path=customXml/item2.xml><?xml version="1.0" encoding="utf-8"?>
+<?mso-contentType ?>
+<FormTemplates xmlns="http://schemas.microsoft.com/sharepoint/v3/contenttype/forms">
+  <Display>DocumentLibraryForm</Display>
+  <Edit>DocumentLibraryForm</Edit>
+  <New>DocumentLibraryForm</New>
+</FormTemplates>
+</file>
+
+<file path=customXml/item3.xml><?xml version="1.0" encoding="utf-8"?>
 <ct:contentTypeSchema xmlns:ct="http://schemas.microsoft.com/office/2006/metadata/contentType" xmlns:ma="http://schemas.microsoft.com/office/2006/metadata/properties/metaAttributes" ct:_="" ma:_="" ma:contentTypeName="Document" ma:contentTypeID="0x01010079F111ED35F8CC479449609E8A0923A6" ma:contentTypeVersion="28" ma:contentTypeDescription="Create a new document." ma:contentTypeScope="" ma:versionID="60f5a4f2d2b0abadcf532d48ebf9cb71">
   <xsd:schema xmlns:xsd="http://www.w3.org/2001/XMLSchema" xmlns:xs="http://www.w3.org/2001/XMLSchema" xmlns:p="http://schemas.microsoft.com/office/2006/metadata/properties" xmlns:ns1="http://schemas.microsoft.com/sharepoint/v3" xmlns:ns2="71af3243-3dd4-4a8d-8c0d-dd76da1f02a5" xmlns:ns3="16c05727-aa75-4e4a-9b5f-8a80a1165891" xmlns:ns4="230e9df3-be65-4c73-a93b-d1236ebd677e" targetNamespace="http://schemas.microsoft.com/office/2006/metadata/properties" ma:root="true" ma:fieldsID="7dd78129e6a1811f84807ad11c651531" ns1:_="" ns2:_="" ns3:_="" ns4:_="">
     <xsd:import namespace="http://schemas.microsoft.com/sharepoint/v3"/>
@@ -14937,36 +16061,27 @@
 </ct:contentTypeSchema>
 </file>
 
-<file path=customXml/item2.xml><?xml version="1.0" encoding="utf-8"?>
-<?mso-contentType ?>
-<FormTemplates xmlns="http://schemas.microsoft.com/sharepoint/v3/contenttype/forms">
-  <Display>DocumentLibraryForm</Display>
-  <Edit>DocumentLibraryForm</Edit>
-  <New>DocumentLibraryForm</New>
-</FormTemplates>
+<file path=customXml/itemProps1.xml><?xml version="1.0" encoding="utf-8"?>
+<ds:datastoreItem xmlns:ds="http://schemas.openxmlformats.org/officeDocument/2006/customXml" ds:itemID="{4F4B194E-8B30-4377-8C59-ECFB902D2A26}">
+  <ds:schemaRefs>
+    <ds:schemaRef ds:uri="http://schemas.microsoft.com/office/2006/metadata/properties"/>
+    <ds:schemaRef ds:uri="http://schemas.microsoft.com/office/infopath/2007/PartnerControls"/>
+    <ds:schemaRef ds:uri="71af3243-3dd4-4a8d-8c0d-dd76da1f02a5"/>
+    <ds:schemaRef ds:uri="http://schemas.microsoft.com/sharepoint/v3"/>
+    <ds:schemaRef ds:uri="230e9df3-be65-4c73-a93b-d1236ebd677e"/>
+  </ds:schemaRefs>
+</ds:datastoreItem>
 </file>
 
-<file path=customXml/item3.xml><?xml version="1.0" encoding="utf-8"?>
-<p:properties xmlns:p="http://schemas.microsoft.com/office/2006/metadata/properties" xmlns:xsi="http://www.w3.org/2001/XMLSchema-instance" xmlns:pc="http://schemas.microsoft.com/office/infopath/2007/PartnerControls">
-  <documentManagement>
-    <Background xmlns="71af3243-3dd4-4a8d-8c0d-dd76da1f02a5">false</Background>
-    <Status xmlns="71af3243-3dd4-4a8d-8c0d-dd76da1f02a5">Not started</Status>
-    <_ip_UnifiedCompliancePolicyUIAction xmlns="http://schemas.microsoft.com/sharepoint/v3" xsi:nil="true"/>
-    <Image xmlns="71af3243-3dd4-4a8d-8c0d-dd76da1f02a5">
-      <Url xsi:nil="true"/>
-      <Description xsi:nil="true"/>
-    </Image>
-    <_ip_UnifiedCompliancePolicyProperties xmlns="http://schemas.microsoft.com/sharepoint/v3" xsi:nil="true"/>
-    <ImageTagsTaxHTField xmlns="71af3243-3dd4-4a8d-8c0d-dd76da1f02a5">
-      <Terms xmlns="http://schemas.microsoft.com/office/infopath/2007/PartnerControls"/>
-    </ImageTagsTaxHTField>
-    <TaxCatchAll xmlns="230e9df3-be65-4c73-a93b-d1236ebd677e" xsi:nil="true"/>
-    <MediaServiceKeyPoints xmlns="71af3243-3dd4-4a8d-8c0d-dd76da1f02a5" xsi:nil="true"/>
-  </documentManagement>
-</p:properties>
+<file path=customXml/itemProps2.xml><?xml version="1.0" encoding="utf-8"?>
+<ds:datastoreItem xmlns:ds="http://schemas.openxmlformats.org/officeDocument/2006/customXml" ds:itemID="{C21FFAC0-05A2-416A-B06C-C248395482CF}">
+  <ds:schemaRefs>
+    <ds:schemaRef ds:uri="http://schemas.microsoft.com/sharepoint/v3/contenttype/forms"/>
+  </ds:schemaRefs>
+</ds:datastoreItem>
 </file>
 
-<file path=customXml/itemProps1.xml><?xml version="1.0" encoding="utf-8"?>
+<file path=customXml/itemProps3.xml><?xml version="1.0" encoding="utf-8"?>
 <ds:datastoreItem xmlns:ds="http://schemas.openxmlformats.org/officeDocument/2006/customXml" ds:itemID="{92DB9E12-8AC3-4138-BF4D-720A5525AB10}">
   <ds:schemaRefs>
     <ds:schemaRef ds:uri="http://schemas.microsoft.com/office/2006/metadata/contentType"/>
@@ -14987,26 +16102,6 @@
 </ds:datastoreItem>
 </file>
 
-<file path=customXml/itemProps2.xml><?xml version="1.0" encoding="utf-8"?>
-<ds:datastoreItem xmlns:ds="http://schemas.openxmlformats.org/officeDocument/2006/customXml" ds:itemID="{C21FFAC0-05A2-416A-B06C-C248395482CF}">
-  <ds:schemaRefs>
-    <ds:schemaRef ds:uri="http://schemas.microsoft.com/sharepoint/v3/contenttype/forms"/>
-  </ds:schemaRefs>
-</ds:datastoreItem>
-</file>
-
-<file path=customXml/itemProps3.xml><?xml version="1.0" encoding="utf-8"?>
-<ds:datastoreItem xmlns:ds="http://schemas.openxmlformats.org/officeDocument/2006/customXml" ds:itemID="{4F4B194E-8B30-4377-8C59-ECFB902D2A26}">
-  <ds:schemaRefs>
-    <ds:schemaRef ds:uri="http://schemas.microsoft.com/office/2006/metadata/properties"/>
-    <ds:schemaRef ds:uri="http://schemas.microsoft.com/office/infopath/2007/PartnerControls"/>
-    <ds:schemaRef ds:uri="71af3243-3dd4-4a8d-8c0d-dd76da1f02a5"/>
-    <ds:schemaRef ds:uri="http://schemas.microsoft.com/sharepoint/v3"/>
-    <ds:schemaRef ds:uri="230e9df3-be65-4c73-a93b-d1236ebd677e"/>
-  </ds:schemaRefs>
-</ds:datastoreItem>
-</file>
-
 <file path=docMetadata/LabelInfo.xml><?xml version="1.0" encoding="utf-8"?>
 <clbl:labelList xmlns:clbl="http://schemas.microsoft.com/office/2020/mipLabelMetadata"/>
 </file>
--- a/presentazione.pptx
+++ b/presentazione.pptx
@@ -15,9 +15,9 @@
     <p:sldId id="383" r:id="rId6"/>
     <p:sldId id="413" r:id="rId7"/>
     <p:sldId id="423" r:id="rId8"/>
-    <p:sldId id="422" r:id="rId9"/>
-    <p:sldId id="414" r:id="rId10"/>
-    <p:sldId id="415" r:id="rId11"/>
+    <p:sldId id="414" r:id="rId9"/>
+    <p:sldId id="422" r:id="rId10"/>
+    <p:sldId id="424" r:id="rId11"/>
     <p:sldId id="416" r:id="rId12"/>
     <p:sldId id="417" r:id="rId13"/>
     <p:sldId id="418" r:id="rId14"/>
@@ -204,7 +204,7 @@
             <a:pPr rtl="0"/>
             <a:fld id="{F43FFF67-0A66-4BA5-8D01-D7436A93C5DC}" type="datetime1">
               <a:rPr lang="it-IT" smtClean="0"/>
-              <a:t>26/01/2025</a:t>
+              <a:t>01/02/2025</a:t>
             </a:fld>
             <a:endParaRPr lang="it-IT" dirty="0"/>
           </a:p>
@@ -423,7 +423,7 @@
             <a:fld id="{CCC7B77D-D2C2-452D-80DB-AB1E949B0C69}" type="datetime1">
               <a:rPr lang="it-IT" smtClean="0"/>
               <a:pPr/>
-              <a:t>26/01/2025</a:t>
+              <a:t>01/02/2025</a:t>
             </a:fld>
             <a:endParaRPr lang="it-IT" dirty="0"/>
           </a:p>
@@ -1699,6 +1699,124 @@
         <p:cNvPr id="1" name="">
           <a:extLst>
             <a:ext uri="{FF2B5EF4-FFF2-40B4-BE49-F238E27FC236}">
+              <a16:creationId xmlns:a16="http://schemas.microsoft.com/office/drawing/2014/main" id="{6387E253-4143-1C47-8479-1B4639D2ABAF}"/>
+            </a:ext>
+          </a:extLst>
+        </p:cNvPr>
+        <p:cNvGrpSpPr/>
+        <p:nvPr/>
+      </p:nvGrpSpPr>
+      <p:grpSpPr>
+        <a:xfrm>
+          <a:off x="0" y="0"/>
+          <a:ext cx="0" cy="0"/>
+          <a:chOff x="0" y="0"/>
+          <a:chExt cx="0" cy="0"/>
+        </a:xfrm>
+      </p:grpSpPr>
+      <p:sp>
+        <p:nvSpPr>
+          <p:cNvPr id="2" name="Segnaposto immagine diapositiva 1">
+            <a:extLst>
+              <a:ext uri="{FF2B5EF4-FFF2-40B4-BE49-F238E27FC236}">
+                <a16:creationId xmlns:a16="http://schemas.microsoft.com/office/drawing/2014/main" id="{EA423001-3A7B-1D4F-C0AF-26183A46C58E}"/>
+              </a:ext>
+            </a:extLst>
+          </p:cNvPr>
+          <p:cNvSpPr>
+            <a:spLocks noGrp="1" noRot="1" noChangeAspect="1"/>
+          </p:cNvSpPr>
+          <p:nvPr>
+            <p:ph type="sldImg"/>
+          </p:nvPr>
+        </p:nvSpPr>
+        <p:spPr/>
+      </p:sp>
+      <p:sp>
+        <p:nvSpPr>
+          <p:cNvPr id="3" name="Segnaposto note 2">
+            <a:extLst>
+              <a:ext uri="{FF2B5EF4-FFF2-40B4-BE49-F238E27FC236}">
+                <a16:creationId xmlns:a16="http://schemas.microsoft.com/office/drawing/2014/main" id="{A947C12E-DFB7-1E9C-F89C-16AB4030350B}"/>
+              </a:ext>
+            </a:extLst>
+          </p:cNvPr>
+          <p:cNvSpPr>
+            <a:spLocks noGrp="1"/>
+          </p:cNvSpPr>
+          <p:nvPr>
+            <p:ph type="body" idx="1"/>
+          </p:nvPr>
+        </p:nvSpPr>
+        <p:spPr/>
+        <p:txBody>
+          <a:bodyPr rtlCol="0"/>
+          <a:lstStyle>
+            <a:defPPr>
+              <a:defRPr lang="it-IT"/>
+            </a:defPPr>
+          </a:lstStyle>
+          <a:p>
+            <a:pPr rtl="0"/>
+            <a:endParaRPr lang="it-IT" dirty="0"/>
+          </a:p>
+        </p:txBody>
+      </p:sp>
+      <p:sp>
+        <p:nvSpPr>
+          <p:cNvPr id="4" name="Segnaposto numero diapositiva 3">
+            <a:extLst>
+              <a:ext uri="{FF2B5EF4-FFF2-40B4-BE49-F238E27FC236}">
+                <a16:creationId xmlns:a16="http://schemas.microsoft.com/office/drawing/2014/main" id="{37209F0F-34F7-969C-C581-93CD1962E0BF}"/>
+              </a:ext>
+            </a:extLst>
+          </p:cNvPr>
+          <p:cNvSpPr>
+            <a:spLocks noGrp="1"/>
+          </p:cNvSpPr>
+          <p:nvPr>
+            <p:ph type="sldNum" sz="quarter" idx="5"/>
+          </p:nvPr>
+        </p:nvSpPr>
+        <p:spPr/>
+        <p:txBody>
+          <a:bodyPr rtlCol="0"/>
+          <a:lstStyle>
+            <a:defPPr>
+              <a:defRPr lang="it-IT"/>
+            </a:defPPr>
+          </a:lstStyle>
+          <a:p>
+            <a:pPr rtl="0"/>
+            <a:fld id="{A89C7E07-3C67-C64C-8DA0-0404F6303970}" type="slidenum">
+              <a:rPr lang="it-IT" smtClean="0"/>
+              <a:t>5</a:t>
+            </a:fld>
+            <a:endParaRPr lang="it-IT" dirty="0"/>
+          </a:p>
+        </p:txBody>
+      </p:sp>
+    </p:spTree>
+    <p:extLst>
+      <p:ext uri="{BB962C8B-B14F-4D97-AF65-F5344CB8AC3E}">
+        <p14:creationId xmlns:p14="http://schemas.microsoft.com/office/powerpoint/2010/main" val="3492252271"/>
+      </p:ext>
+    </p:extLst>
+  </p:cSld>
+  <p:clrMapOvr>
+    <a:masterClrMapping/>
+  </p:clrMapOvr>
+</p:notes>
+</file>
+
+<file path=ppt/notesSlides/notesSlide6.xml><?xml version="1.0" encoding="utf-8"?>
+<p:notes xmlns:a="http://schemas.openxmlformats.org/drawingml/2006/main" xmlns:r="http://schemas.openxmlformats.org/officeDocument/2006/relationships" xmlns:p="http://schemas.openxmlformats.org/presentationml/2006/main">
+  <p:cSld>
+    <p:spTree>
+      <p:nvGrpSpPr>
+        <p:cNvPr id="1" name="">
+          <a:extLst>
+            <a:ext uri="{FF2B5EF4-FFF2-40B4-BE49-F238E27FC236}">
               <a16:creationId xmlns:a16="http://schemas.microsoft.com/office/drawing/2014/main" id="{E2A2F6AF-EB73-A91C-058A-C30628D75843}"/>
             </a:ext>
           </a:extLst>
@@ -1790,7 +1908,7 @@
             <a:pPr rtl="0"/>
             <a:fld id="{A89C7E07-3C67-C64C-8DA0-0404F6303970}" type="slidenum">
               <a:rPr lang="it-IT" smtClean="0"/>
-              <a:t>5</a:t>
+              <a:t>6</a:t>
             </a:fld>
             <a:endParaRPr lang="it-IT" dirty="0"/>
           </a:p>
@@ -1809,7 +1927,7 @@
 </p:notes>
 </file>
 
-<file path=ppt/notesSlides/notesSlide6.xml><?xml version="1.0" encoding="utf-8"?>
+<file path=ppt/notesSlides/notesSlide7.xml><?xml version="1.0" encoding="utf-8"?>
 <p:notes xmlns:a="http://schemas.openxmlformats.org/drawingml/2006/main" xmlns:r="http://schemas.openxmlformats.org/officeDocument/2006/relationships" xmlns:p="http://schemas.openxmlformats.org/presentationml/2006/main">
   <p:cSld>
     <p:spTree>
@@ -1817,7 +1935,7 @@
         <p:cNvPr id="1" name="">
           <a:extLst>
             <a:ext uri="{FF2B5EF4-FFF2-40B4-BE49-F238E27FC236}">
-              <a16:creationId xmlns:a16="http://schemas.microsoft.com/office/drawing/2014/main" id="{6387E253-4143-1C47-8479-1B4639D2ABAF}"/>
+              <a16:creationId xmlns:a16="http://schemas.microsoft.com/office/drawing/2014/main" id="{848CB157-EA9F-53B6-8FE3-6ACF5D175403}"/>
             </a:ext>
           </a:extLst>
         </p:cNvPr>
@@ -1837,7 +1955,7 @@
           <p:cNvPr id="2" name="Segnaposto immagine diapositiva 1">
             <a:extLst>
               <a:ext uri="{FF2B5EF4-FFF2-40B4-BE49-F238E27FC236}">
-                <a16:creationId xmlns:a16="http://schemas.microsoft.com/office/drawing/2014/main" id="{EA423001-3A7B-1D4F-C0AF-26183A46C58E}"/>
+                <a16:creationId xmlns:a16="http://schemas.microsoft.com/office/drawing/2014/main" id="{ADDDF93A-354F-1D15-90EB-2E1ACAB1856D}"/>
               </a:ext>
             </a:extLst>
           </p:cNvPr>
@@ -1855,7 +1973,7 @@
           <p:cNvPr id="3" name="Segnaposto note 2">
             <a:extLst>
               <a:ext uri="{FF2B5EF4-FFF2-40B4-BE49-F238E27FC236}">
-                <a16:creationId xmlns:a16="http://schemas.microsoft.com/office/drawing/2014/main" id="{A947C12E-DFB7-1E9C-F89C-16AB4030350B}"/>
+                <a16:creationId xmlns:a16="http://schemas.microsoft.com/office/drawing/2014/main" id="{0504AACD-8393-CCA6-515F-4E580F9AF57E}"/>
               </a:ext>
             </a:extLst>
           </p:cNvPr>
@@ -1885,7 +2003,7 @@
           <p:cNvPr id="4" name="Segnaposto numero diapositiva 3">
             <a:extLst>
               <a:ext uri="{FF2B5EF4-FFF2-40B4-BE49-F238E27FC236}">
-                <a16:creationId xmlns:a16="http://schemas.microsoft.com/office/drawing/2014/main" id="{37209F0F-34F7-969C-C581-93CD1962E0BF}"/>
+                <a16:creationId xmlns:a16="http://schemas.microsoft.com/office/drawing/2014/main" id="{06ECAEA5-0928-A275-77FE-658BB7B0733B}"/>
               </a:ext>
             </a:extLst>
           </p:cNvPr>
@@ -1908,7 +2026,7 @@
             <a:pPr rtl="0"/>
             <a:fld id="{A89C7E07-3C67-C64C-8DA0-0404F6303970}" type="slidenum">
               <a:rPr lang="it-IT" smtClean="0"/>
-              <a:t>6</a:t>
+              <a:t>7</a:t>
             </a:fld>
             <a:endParaRPr lang="it-IT" dirty="0"/>
           </a:p>
@@ -1917,125 +2035,7 @@
     </p:spTree>
     <p:extLst>
       <p:ext uri="{BB962C8B-B14F-4D97-AF65-F5344CB8AC3E}">
-        <p14:creationId xmlns:p14="http://schemas.microsoft.com/office/powerpoint/2010/main" val="3492252271"/>
-      </p:ext>
-    </p:extLst>
-  </p:cSld>
-  <p:clrMapOvr>
-    <a:masterClrMapping/>
-  </p:clrMapOvr>
-</p:notes>
-</file>
-
-<file path=ppt/notesSlides/notesSlide7.xml><?xml version="1.0" encoding="utf-8"?>
-<p:notes xmlns:a="http://schemas.openxmlformats.org/drawingml/2006/main" xmlns:r="http://schemas.openxmlformats.org/officeDocument/2006/relationships" xmlns:p="http://schemas.openxmlformats.org/presentationml/2006/main">
-  <p:cSld>
-    <p:spTree>
-      <p:nvGrpSpPr>
-        <p:cNvPr id="1" name="">
-          <a:extLst>
-            <a:ext uri="{FF2B5EF4-FFF2-40B4-BE49-F238E27FC236}">
-              <a16:creationId xmlns:a16="http://schemas.microsoft.com/office/drawing/2014/main" id="{20BB20AF-5C5C-E520-7B45-4F854544B169}"/>
-            </a:ext>
-          </a:extLst>
-        </p:cNvPr>
-        <p:cNvGrpSpPr/>
-        <p:nvPr/>
-      </p:nvGrpSpPr>
-      <p:grpSpPr>
-        <a:xfrm>
-          <a:off x="0" y="0"/>
-          <a:ext cx="0" cy="0"/>
-          <a:chOff x="0" y="0"/>
-          <a:chExt cx="0" cy="0"/>
-        </a:xfrm>
-      </p:grpSpPr>
-      <p:sp>
-        <p:nvSpPr>
-          <p:cNvPr id="2" name="Segnaposto immagine diapositiva 1">
-            <a:extLst>
-              <a:ext uri="{FF2B5EF4-FFF2-40B4-BE49-F238E27FC236}">
-                <a16:creationId xmlns:a16="http://schemas.microsoft.com/office/drawing/2014/main" id="{FC7801A2-8233-A385-EFBB-BC29B88BD336}"/>
-              </a:ext>
-            </a:extLst>
-          </p:cNvPr>
-          <p:cNvSpPr>
-            <a:spLocks noGrp="1" noRot="1" noChangeAspect="1"/>
-          </p:cNvSpPr>
-          <p:nvPr>
-            <p:ph type="sldImg"/>
-          </p:nvPr>
-        </p:nvSpPr>
-        <p:spPr/>
-      </p:sp>
-      <p:sp>
-        <p:nvSpPr>
-          <p:cNvPr id="3" name="Segnaposto note 2">
-            <a:extLst>
-              <a:ext uri="{FF2B5EF4-FFF2-40B4-BE49-F238E27FC236}">
-                <a16:creationId xmlns:a16="http://schemas.microsoft.com/office/drawing/2014/main" id="{6966C481-01FC-F8D9-DAF7-D07B1A3F7601}"/>
-              </a:ext>
-            </a:extLst>
-          </p:cNvPr>
-          <p:cNvSpPr>
-            <a:spLocks noGrp="1"/>
-          </p:cNvSpPr>
-          <p:nvPr>
-            <p:ph type="body" idx="1"/>
-          </p:nvPr>
-        </p:nvSpPr>
-        <p:spPr/>
-        <p:txBody>
-          <a:bodyPr rtlCol="0"/>
-          <a:lstStyle>
-            <a:defPPr>
-              <a:defRPr lang="it-IT"/>
-            </a:defPPr>
-          </a:lstStyle>
-          <a:p>
-            <a:pPr rtl="0"/>
-            <a:endParaRPr lang="it-IT" dirty="0"/>
-          </a:p>
-        </p:txBody>
-      </p:sp>
-      <p:sp>
-        <p:nvSpPr>
-          <p:cNvPr id="4" name="Segnaposto numero diapositiva 3">
-            <a:extLst>
-              <a:ext uri="{FF2B5EF4-FFF2-40B4-BE49-F238E27FC236}">
-                <a16:creationId xmlns:a16="http://schemas.microsoft.com/office/drawing/2014/main" id="{B3B9200F-5846-77EE-8C62-3F62DC7E7087}"/>
-              </a:ext>
-            </a:extLst>
-          </p:cNvPr>
-          <p:cNvSpPr>
-            <a:spLocks noGrp="1"/>
-          </p:cNvSpPr>
-          <p:nvPr>
-            <p:ph type="sldNum" sz="quarter" idx="5"/>
-          </p:nvPr>
-        </p:nvSpPr>
-        <p:spPr/>
-        <p:txBody>
-          <a:bodyPr rtlCol="0"/>
-          <a:lstStyle>
-            <a:defPPr>
-              <a:defRPr lang="it-IT"/>
-            </a:defPPr>
-          </a:lstStyle>
-          <a:p>
-            <a:pPr rtl="0"/>
-            <a:fld id="{A89C7E07-3C67-C64C-8DA0-0404F6303970}" type="slidenum">
-              <a:rPr lang="it-IT" smtClean="0"/>
-              <a:t>7</a:t>
-            </a:fld>
-            <a:endParaRPr lang="it-IT" dirty="0"/>
-          </a:p>
-        </p:txBody>
-      </p:sp>
-    </p:spTree>
-    <p:extLst>
-      <p:ext uri="{BB962C8B-B14F-4D97-AF65-F5344CB8AC3E}">
-        <p14:creationId xmlns:p14="http://schemas.microsoft.com/office/powerpoint/2010/main" val="779971559"/>
+        <p14:creationId xmlns:p14="http://schemas.microsoft.com/office/powerpoint/2010/main" val="2906444877"/>
       </p:ext>
     </p:extLst>
   </p:cSld>
@@ -11942,7 +11942,6 @@
             <a:pPr lvl="1"/>
             <a:r>
               <a:rPr lang="it-IT" sz="1600" dirty="0">
-                <a:latin typeface="Calibri" panose="020F0502020204030204" pitchFamily="34" charset="0"/>
                 <a:ea typeface="Calibri" panose="020F0502020204030204" pitchFamily="34" charset="0"/>
                 <a:cs typeface="Calibri" panose="020F0502020204030204" pitchFamily="34" charset="0"/>
               </a:rPr>
@@ -12133,7 +12132,7 @@
         <p:spPr>
           <a:xfrm>
             <a:off x="3573379" y="2566302"/>
-            <a:ext cx="2754280" cy="1384995"/>
+            <a:ext cx="2754280" cy="1692771"/>
           </a:xfrm>
           <a:prstGeom prst="rect">
             <a:avLst/>
@@ -12157,14 +12156,6 @@
               </a:rPr>
               <a:t>02. Metodologia</a:t>
             </a:r>
-            <a:endParaRPr lang="it-IT" sz="2000" dirty="0">
-              <a:solidFill>
-                <a:schemeClr val="bg1"/>
-              </a:solidFill>
-              <a:latin typeface="+mj-lt"/>
-              <a:ea typeface="Calibri" panose="020F0502020204030204" pitchFamily="34" charset="0"/>
-              <a:cs typeface="Calibri" panose="020F0502020204030204" pitchFamily="34" charset="0"/>
-            </a:endParaRPr>
           </a:p>
           <a:p>
             <a:pPr marL="342900" indent="-342900">
@@ -12179,8 +12170,15 @@
                 <a:ea typeface="Calibri" panose="020F0502020204030204" pitchFamily="34" charset="0"/>
                 <a:cs typeface="Calibri" panose="020F0502020204030204" pitchFamily="34" charset="0"/>
               </a:rPr>
-              <a:t>Costruzione del dataset</a:t>
-            </a:r>
+              <a:t>Modello</a:t>
+            </a:r>
+            <a:endParaRPr lang="it-IT" dirty="0">
+              <a:solidFill>
+                <a:schemeClr val="bg1"/>
+              </a:solidFill>
+              <a:ea typeface="Calibri" panose="020F0502020204030204" pitchFamily="34" charset="0"/>
+              <a:cs typeface="Calibri" panose="020F0502020204030204" pitchFamily="34" charset="0"/>
+            </a:endParaRPr>
           </a:p>
           <a:p>
             <a:pPr marL="342900" indent="-342900">
@@ -12213,6 +12211,19 @@
               </a:rPr>
               <a:t>Calcolo della volatilità</a:t>
             </a:r>
+          </a:p>
+          <a:p>
+            <a:pPr marL="342900" indent="-342900">
+              <a:buFont typeface="Arial" panose="020B0604020202020204" pitchFamily="34" charset="0"/>
+              <a:buChar char="•"/>
+            </a:pPr>
+            <a:endParaRPr lang="it-IT" sz="1600" dirty="0">
+              <a:solidFill>
+                <a:schemeClr val="bg1"/>
+              </a:solidFill>
+              <a:ea typeface="Calibri" panose="020F0502020204030204" pitchFamily="34" charset="0"/>
+              <a:cs typeface="Calibri" panose="020F0502020204030204" pitchFamily="34" charset="0"/>
+            </a:endParaRPr>
           </a:p>
           <a:p>
             <a:pPr marL="342900" indent="-342900">
@@ -12245,7 +12256,7 @@
         <p:spPr>
           <a:xfrm>
             <a:off x="594359" y="4740008"/>
-            <a:ext cx="2081019" cy="861774"/>
+            <a:ext cx="2081019" cy="1138773"/>
           </a:xfrm>
           <a:prstGeom prst="rect">
             <a:avLst/>
@@ -12269,6 +12280,29 @@
               </a:rPr>
               <a:t>03. Risultati</a:t>
             </a:r>
+          </a:p>
+          <a:p>
+            <a:pPr marL="285750" indent="-285750">
+              <a:buFont typeface="Arial" panose="020B0604020202020204" pitchFamily="34" charset="0"/>
+              <a:buChar char="•"/>
+            </a:pPr>
+            <a:r>
+              <a:rPr lang="it-IT" sz="1600" dirty="0">
+                <a:solidFill>
+                  <a:schemeClr val="bg1"/>
+                </a:solidFill>
+                <a:ea typeface="Calibri" panose="020F0502020204030204" pitchFamily="34" charset="0"/>
+                <a:cs typeface="Calibri" panose="020F0502020204030204" pitchFamily="34" charset="0"/>
+              </a:rPr>
+              <a:t>Stock</a:t>
+            </a:r>
+            <a:endParaRPr lang="it-IT" dirty="0">
+              <a:solidFill>
+                <a:schemeClr val="bg1"/>
+              </a:solidFill>
+              <a:ea typeface="Calibri" panose="020F0502020204030204" pitchFamily="34" charset="0"/>
+              <a:cs typeface="Calibri" panose="020F0502020204030204" pitchFamily="34" charset="0"/>
+            </a:endParaRPr>
           </a:p>
           <a:p>
             <a:pPr marL="285750" indent="-285750">
@@ -12689,8 +12723,8 @@
           </a:p>
         </p:txBody>
       </p:sp>
-      <mc:AlternateContent xmlns:mc="http://schemas.openxmlformats.org/markup-compatibility/2006">
-        <mc:Choice xmlns:a14="http://schemas.microsoft.com/office/drawing/2010/main" Requires="a14">
+      <mc:AlternateContent xmlns:mc="http://schemas.openxmlformats.org/markup-compatibility/2006" xmlns:a14="http://schemas.microsoft.com/office/drawing/2010/main">
+        <mc:Choice Requires="a14">
           <p:sp>
             <p:nvSpPr>
               <p:cNvPr id="3" name="Segnaposto contenuto 2">
@@ -13170,13 +13204,7 @@
                                 <a:rPr lang="it-IT" sz="1600" b="0" i="1" smtClean="0">
                                   <a:latin typeface="Cambria Math" panose="02040503050406030204" pitchFamily="18" charset="0"/>
                                 </a:rPr>
-                                <m:t>, </m:t>
-                              </m:r>
-                              <m:r>
-                                <a:rPr lang="it-IT" sz="1600" b="0" i="1" smtClean="0">
-                                  <a:latin typeface="Cambria Math" panose="02040503050406030204" pitchFamily="18" charset="0"/>
-                                </a:rPr>
-                                <m:t>0</m:t>
+                                <m:t>, 0</m:t>
                               </m:r>
                             </m:e>
                           </m:d>
@@ -13305,7 +13333,7 @@
             </p:txBody>
           </p:sp>
         </mc:Choice>
-        <mc:Fallback>
+        <mc:Fallback xmlns="">
           <p:sp>
             <p:nvSpPr>
               <p:cNvPr id="3" name="Segnaposto contenuto 2">
@@ -13405,7 +13433,7 @@
         <p:cNvPr id="1" name="">
           <a:extLst>
             <a:ext uri="{FF2B5EF4-FFF2-40B4-BE49-F238E27FC236}">
-              <a16:creationId xmlns:a16="http://schemas.microsoft.com/office/drawing/2014/main" id="{1585AA32-8039-D014-DDCB-E646E9A3336C}"/>
+              <a16:creationId xmlns:a16="http://schemas.microsoft.com/office/drawing/2014/main" id="{AF287C2E-E6FA-6560-6972-40B4D144F9EA}"/>
             </a:ext>
           </a:extLst>
         </p:cNvPr>
@@ -13425,7 +13453,7 @@
           <p:cNvPr id="2" name="Titolo 1">
             <a:extLst>
               <a:ext uri="{FF2B5EF4-FFF2-40B4-BE49-F238E27FC236}">
-                <a16:creationId xmlns:a16="http://schemas.microsoft.com/office/drawing/2014/main" id="{B54D2098-162F-1ACB-4612-260260C44C9A}"/>
+                <a16:creationId xmlns:a16="http://schemas.microsoft.com/office/drawing/2014/main" id="{BD2C5834-28BD-29EF-A74A-A3888BF51595}"/>
               </a:ext>
             </a:extLst>
           </p:cNvPr>
@@ -13453,7 +13481,358 @@
             <a:pPr rtl="0"/>
             <a:r>
               <a:rPr lang="it-IT" sz="4000" b="0" dirty="0"/>
-              <a:t>Introduzione – Contesto(3)</a:t>
+              <a:t>Introduzione - Obbiettivi</a:t>
+            </a:r>
+          </a:p>
+        </p:txBody>
+      </p:sp>
+      <p:sp>
+        <p:nvSpPr>
+          <p:cNvPr id="3" name="Segnaposto contenuto 2">
+            <a:extLst>
+              <a:ext uri="{FF2B5EF4-FFF2-40B4-BE49-F238E27FC236}">
+                <a16:creationId xmlns:a16="http://schemas.microsoft.com/office/drawing/2014/main" id="{6D98A448-36AF-52D4-D4A8-DFB4C6BED249}"/>
+              </a:ext>
+            </a:extLst>
+          </p:cNvPr>
+          <p:cNvSpPr>
+            <a:spLocks noGrp="1"/>
+          </p:cNvSpPr>
+          <p:nvPr>
+            <p:ph sz="quarter" idx="15"/>
+          </p:nvPr>
+        </p:nvSpPr>
+        <p:spPr>
+          <a:xfrm>
+            <a:off x="594360" y="2363704"/>
+            <a:ext cx="9861082" cy="3597470"/>
+          </a:xfrm>
+        </p:spPr>
+        <p:txBody>
+          <a:bodyPr rtlCol="0">
+            <a:noAutofit/>
+          </a:bodyPr>
+          <a:lstStyle>
+            <a:defPPr>
+              <a:defRPr lang="it-IT"/>
+            </a:defPPr>
+          </a:lstStyle>
+          <a:p>
+            <a:pPr rtl="0"/>
+            <a:r>
+              <a:rPr lang="it-IT" sz="1600" dirty="0"/>
+              <a:t>In questo progetto si vuole utilizzare il modello </a:t>
+            </a:r>
+            <a:r>
+              <a:rPr lang="it-IT" sz="1600" b="1" dirty="0"/>
+              <a:t>CRR</a:t>
+            </a:r>
+            <a:r>
+              <a:rPr lang="it-IT" sz="1600" dirty="0"/>
+              <a:t> nelle sue varianti mono periodale e multi periodale per predire i prezzi delle opzioni europee ed americane, nel dettaglio verranno analizzati i seguenti titoli:</a:t>
+            </a:r>
+          </a:p>
+          <a:p>
+            <a:pPr marL="285750" indent="-285750" rtl="0">
+              <a:buFont typeface="Arial" panose="020B0604020202020204" pitchFamily="34" charset="0"/>
+              <a:buChar char="•"/>
+            </a:pPr>
+            <a:r>
+              <a:rPr lang="it-IT" sz="1600" b="1" dirty="0"/>
+              <a:t>SPX</a:t>
+            </a:r>
+            <a:r>
+              <a:rPr lang="it-IT" sz="1600" dirty="0"/>
+              <a:t>, indice che segue le 500 aziende con maggiore capitalizzazione nel mercato statunitense</a:t>
+            </a:r>
+          </a:p>
+          <a:p>
+            <a:pPr marL="285750" indent="-285750" rtl="0">
+              <a:buFont typeface="Arial" panose="020B0604020202020204" pitchFamily="34" charset="0"/>
+              <a:buChar char="•"/>
+            </a:pPr>
+            <a:r>
+              <a:rPr lang="it-IT" sz="1600" b="1" dirty="0"/>
+              <a:t>RUT</a:t>
+            </a:r>
+            <a:r>
+              <a:rPr lang="it-IT" sz="1600" dirty="0"/>
+              <a:t>, indice che segue le 2000 aziende con minore capitalizzazione tra le 3000 a </a:t>
+            </a:r>
+            <a:r>
+              <a:rPr lang="it-IT" sz="1600" dirty="0" err="1"/>
+              <a:t>piú</a:t>
+            </a:r>
+            <a:r>
+              <a:rPr lang="it-IT" sz="1600" dirty="0"/>
+              <a:t> alta capitalizzazione nel mercato statunitense</a:t>
+            </a:r>
+          </a:p>
+          <a:p>
+            <a:pPr marL="285750" indent="-285750" rtl="0">
+              <a:buFont typeface="Arial" panose="020B0604020202020204" pitchFamily="34" charset="0"/>
+              <a:buChar char="•"/>
+            </a:pPr>
+            <a:r>
+              <a:rPr lang="it-IT" sz="1600" b="1" dirty="0"/>
+              <a:t>NDX</a:t>
+            </a:r>
+            <a:r>
+              <a:rPr lang="it-IT" sz="1600" dirty="0"/>
+              <a:t>, indice che segue le 100 aziende non finanziare con maggiore capitalizzazione nel NASDAQ</a:t>
+            </a:r>
+          </a:p>
+          <a:p>
+            <a:pPr rtl="0"/>
+            <a:r>
+              <a:rPr lang="it-IT" sz="1600" dirty="0"/>
+              <a:t>Mentre per le opzioni americane:</a:t>
+            </a:r>
+          </a:p>
+          <a:p>
+            <a:pPr marL="285750" indent="-285750" rtl="0">
+              <a:buFont typeface="Arial" panose="020B0604020202020204" pitchFamily="34" charset="0"/>
+              <a:buChar char="•"/>
+            </a:pPr>
+            <a:r>
+              <a:rPr lang="it-IT" sz="1600" b="1" dirty="0"/>
+              <a:t>NVDA</a:t>
+            </a:r>
+            <a:r>
+              <a:rPr lang="it-IT" sz="1600" dirty="0"/>
+              <a:t>, cioè le azioni di Nvidia, azienda nel campo tecnologico</a:t>
+            </a:r>
+          </a:p>
+          <a:p>
+            <a:pPr marL="285750" indent="-285750" rtl="0">
+              <a:buFont typeface="Arial" panose="020B0604020202020204" pitchFamily="34" charset="0"/>
+              <a:buChar char="•"/>
+            </a:pPr>
+            <a:r>
+              <a:rPr lang="it-IT" sz="1600" b="1" dirty="0"/>
+              <a:t>XOM</a:t>
+            </a:r>
+            <a:r>
+              <a:rPr lang="it-IT" sz="1600" dirty="0"/>
+              <a:t>, cioè le azioni di Exxon Mobil </a:t>
+            </a:r>
+            <a:r>
+              <a:rPr lang="it-IT" sz="1600" dirty="0" err="1"/>
+              <a:t>Corp</a:t>
+            </a:r>
+            <a:r>
+              <a:rPr lang="it-IT" sz="1600" dirty="0"/>
+              <a:t>, azienda nel campo energia</a:t>
+            </a:r>
+          </a:p>
+          <a:p>
+            <a:pPr marL="285750" indent="-285750" rtl="0">
+              <a:buFont typeface="Arial" panose="020B0604020202020204" pitchFamily="34" charset="0"/>
+              <a:buChar char="•"/>
+            </a:pPr>
+            <a:r>
+              <a:rPr lang="it-IT" sz="1600" b="1" dirty="0"/>
+              <a:t>JNJ</a:t>
+            </a:r>
+            <a:r>
+              <a:rPr lang="it-IT" sz="1600" dirty="0"/>
+              <a:t>, cioè le azioni di Johnson &amp; Johnson, azienda nel campo </a:t>
+            </a:r>
+            <a:r>
+              <a:rPr lang="it-IT" sz="1600" dirty="0" err="1"/>
+              <a:t>sanitá</a:t>
+            </a:r>
+            <a:r>
+              <a:rPr lang="it-IT" sz="1600" dirty="0"/>
+              <a:t> </a:t>
+            </a:r>
+          </a:p>
+          <a:p>
+            <a:pPr marL="285750" indent="-285750" rtl="0">
+              <a:buFont typeface="Arial" panose="020B0604020202020204" pitchFamily="34" charset="0"/>
+              <a:buChar char="•"/>
+            </a:pPr>
+            <a:endParaRPr lang="it-IT" sz="1600" dirty="0"/>
+          </a:p>
+        </p:txBody>
+      </p:sp>
+      <p:pic>
+        <p:nvPicPr>
+          <p:cNvPr id="10" name="Segnaposto contenuto 9" descr="Immagine che contiene Carattere, Elementi grafici, tipografia, design&#10;&#10;Descrizione generata automaticamente">
+            <a:extLst>
+              <a:ext uri="{FF2B5EF4-FFF2-40B4-BE49-F238E27FC236}">
+                <a16:creationId xmlns:a16="http://schemas.microsoft.com/office/drawing/2014/main" id="{D639A9D6-B438-26AC-E00D-6A45FBBA447C}"/>
+              </a:ext>
+            </a:extLst>
+          </p:cNvPr>
+          <p:cNvPicPr>
+            <a:picLocks noGrp="1" noChangeAspect="1"/>
+          </p:cNvPicPr>
+          <p:nvPr>
+            <p:ph sz="quarter" idx="16"/>
+          </p:nvPr>
+        </p:nvPicPr>
+        <p:blipFill>
+          <a:blip r:embed="rId3">
+            <a:extLst>
+              <a:ext uri="{28A0092B-C50C-407E-A947-70E740481C1C}">
+                <a14:useLocalDpi xmlns:a14="http://schemas.microsoft.com/office/drawing/2010/main" val="0"/>
+              </a:ext>
+            </a:extLst>
+          </a:blip>
+          <a:stretch>
+            <a:fillRect/>
+          </a:stretch>
+        </p:blipFill>
+        <p:spPr>
+          <a:xfrm>
+            <a:off x="9976514" y="4166696"/>
+            <a:ext cx="2054990" cy="1155931"/>
+          </a:xfrm>
+        </p:spPr>
+      </p:pic>
+      <p:pic>
+        <p:nvPicPr>
+          <p:cNvPr id="12" name="Immagine 11" descr="Immagine che contiene Carattere, Elementi grafici, grafica, testo&#10;&#10;Descrizione generata automaticamente">
+            <a:extLst>
+              <a:ext uri="{FF2B5EF4-FFF2-40B4-BE49-F238E27FC236}">
+                <a16:creationId xmlns:a16="http://schemas.microsoft.com/office/drawing/2014/main" id="{1B23DB68-2DAF-4115-2623-3D87673C5576}"/>
+              </a:ext>
+            </a:extLst>
+          </p:cNvPr>
+          <p:cNvPicPr>
+            <a:picLocks noChangeAspect="1"/>
+          </p:cNvPicPr>
+          <p:nvPr/>
+        </p:nvPicPr>
+        <p:blipFill>
+          <a:blip r:embed="rId4">
+            <a:extLst>
+              <a:ext uri="{28A0092B-C50C-407E-A947-70E740481C1C}">
+                <a14:useLocalDpi xmlns:a14="http://schemas.microsoft.com/office/drawing/2010/main" val="0"/>
+              </a:ext>
+            </a:extLst>
+          </a:blip>
+          <a:stretch>
+            <a:fillRect/>
+          </a:stretch>
+        </p:blipFill>
+        <p:spPr>
+          <a:xfrm>
+            <a:off x="7727294" y="5403386"/>
+            <a:ext cx="1676013" cy="315649"/>
+          </a:xfrm>
+          <a:prstGeom prst="rect">
+            <a:avLst/>
+          </a:prstGeom>
+        </p:spPr>
+      </p:pic>
+      <p:pic>
+        <p:nvPicPr>
+          <p:cNvPr id="14" name="Immagine 13" descr="Immagine che contiene simbolo, Elementi grafici, logo, design&#10;&#10;Descrizione generata automaticamente">
+            <a:extLst>
+              <a:ext uri="{FF2B5EF4-FFF2-40B4-BE49-F238E27FC236}">
+                <a16:creationId xmlns:a16="http://schemas.microsoft.com/office/drawing/2014/main" id="{D579C528-0162-45B1-55F2-823918783E5D}"/>
+              </a:ext>
+            </a:extLst>
+          </p:cNvPr>
+          <p:cNvPicPr>
+            <a:picLocks noChangeAspect="1"/>
+          </p:cNvPicPr>
+          <p:nvPr/>
+        </p:nvPicPr>
+        <p:blipFill>
+          <a:blip r:embed="rId5">
+            <a:extLst>
+              <a:ext uri="{28A0092B-C50C-407E-A947-70E740481C1C}">
+                <a14:useLocalDpi xmlns:a14="http://schemas.microsoft.com/office/drawing/2010/main" val="0"/>
+              </a:ext>
+            </a:extLst>
+          </a:blip>
+          <a:stretch>
+            <a:fillRect/>
+          </a:stretch>
+        </p:blipFill>
+        <p:spPr>
+          <a:xfrm>
+            <a:off x="10306261" y="5601274"/>
+            <a:ext cx="1291379" cy="950879"/>
+          </a:xfrm>
+          <a:prstGeom prst="rect">
+            <a:avLst/>
+          </a:prstGeom>
+        </p:spPr>
+      </p:pic>
+    </p:spTree>
+    <p:extLst>
+      <p:ext uri="{BB962C8B-B14F-4D97-AF65-F5344CB8AC3E}">
+        <p14:creationId xmlns:p14="http://schemas.microsoft.com/office/powerpoint/2010/main" val="3183363411"/>
+      </p:ext>
+    </p:extLst>
+  </p:cSld>
+  <p:clrMapOvr>
+    <a:masterClrMapping/>
+  </p:clrMapOvr>
+</p:sld>
+</file>
+
+<file path=ppt/slides/slide6.xml><?xml version="1.0" encoding="utf-8"?>
+<p:sld xmlns:a="http://schemas.openxmlformats.org/drawingml/2006/main" xmlns:r="http://schemas.openxmlformats.org/officeDocument/2006/relationships" xmlns:p="http://schemas.openxmlformats.org/presentationml/2006/main">
+  <p:cSld>
+    <p:spTree>
+      <p:nvGrpSpPr>
+        <p:cNvPr id="1" name="">
+          <a:extLst>
+            <a:ext uri="{FF2B5EF4-FFF2-40B4-BE49-F238E27FC236}">
+              <a16:creationId xmlns:a16="http://schemas.microsoft.com/office/drawing/2014/main" id="{1585AA32-8039-D014-DDCB-E646E9A3336C}"/>
+            </a:ext>
+          </a:extLst>
+        </p:cNvPr>
+        <p:cNvGrpSpPr/>
+        <p:nvPr/>
+      </p:nvGrpSpPr>
+      <p:grpSpPr>
+        <a:xfrm>
+          <a:off x="0" y="0"/>
+          <a:ext cx="0" cy="0"/>
+          <a:chOff x="0" y="0"/>
+          <a:chExt cx="0" cy="0"/>
+        </a:xfrm>
+      </p:grpSpPr>
+      <p:sp>
+        <p:nvSpPr>
+          <p:cNvPr id="2" name="Titolo 1">
+            <a:extLst>
+              <a:ext uri="{FF2B5EF4-FFF2-40B4-BE49-F238E27FC236}">
+                <a16:creationId xmlns:a16="http://schemas.microsoft.com/office/drawing/2014/main" id="{B54D2098-162F-1ACB-4612-260260C44C9A}"/>
+              </a:ext>
+            </a:extLst>
+          </p:cNvPr>
+          <p:cNvSpPr>
+            <a:spLocks noGrp="1"/>
+          </p:cNvSpPr>
+          <p:nvPr>
+            <p:ph type="title"/>
+          </p:nvPr>
+        </p:nvSpPr>
+        <p:spPr>
+          <a:xfrm>
+            <a:off x="594360" y="278129"/>
+            <a:ext cx="9778365" cy="1494596"/>
+          </a:xfrm>
+        </p:spPr>
+        <p:txBody>
+          <a:bodyPr rtlCol="0"/>
+          <a:lstStyle>
+            <a:defPPr>
+              <a:defRPr lang="it-IT"/>
+            </a:defPPr>
+          </a:lstStyle>
+          <a:p>
+            <a:pPr rtl="0"/>
+            <a:r>
+              <a:rPr lang="it-IT" sz="4000" b="0" dirty="0"/>
+              <a:t>Metodologia – Modello (1)</a:t>
             </a:r>
           </a:p>
         </p:txBody>
@@ -13495,23 +13874,23 @@
                 <a:pPr rtl="0"/>
                 <a:r>
                   <a:rPr lang="it-IT" sz="1600" dirty="0"/>
-                  <a:t>In questo verrà considerato il modello </a:t>
+                  <a:t>L’andamento del prezzo di un titolo, data la sua natura, può essere modellato come un processo stocastico, per caratterizzare tale processo possono essere utilizzati diversi approcci.                              Nel nostro caso consideriamo il modello </a:t>
                 </a:r>
                 <a:r>
                   <a:rPr lang="it-IT" sz="1600" b="1" dirty="0"/>
-                  <a:t>CRR mono periodale </a:t>
+                  <a:t>CRR </a:t>
                 </a:r>
                 <a:r>
                   <a:rPr lang="it-IT" sz="1600" dirty="0"/>
-                  <a:t>il quale ci permette di definire un portafoglio statico nel tempo e modella il processo dei prezzi con un processo stocastico binomiale in cui in ogni istante </a:t>
+                  <a:t>il quale descrive l’andamento del prezzo di un titolo attraverso un processo binomiale in cui in ogni istante:</a:t>
                 </a:r>
               </a:p>
               <a:p>
-                <a:pPr rtl="0"/>
-                <a:endParaRPr lang="it-IT" sz="1600" dirty="0"/>
-              </a:p>
-              <a:p>
-                <a:pPr rtl="0"/>
+                <a:pPr>
+                  <a:lnSpc>
+                    <a:spcPct val="150000"/>
+                  </a:lnSpc>
+                </a:pPr>
                 <a14:m>
                   <m:oMathPara xmlns:m="http://schemas.openxmlformats.org/officeDocument/2006/math">
                     <m:oMathParaPr>
@@ -13521,144 +13900,105 @@
                       <m:sSubSup>
                         <m:sSubSupPr>
                           <m:ctrlPr>
-                            <a:rPr lang="it-IT" sz="1600" i="1" smtClean="0">
-                              <a:latin typeface="Cambria Math" panose="02040503050406030204" pitchFamily="18" charset="0"/>
-                            </a:rPr>
+                            <a:rPr lang="it-IT" i="1"/>
                           </m:ctrlPr>
                         </m:sSubSupPr>
                         <m:e>
                           <m:r>
-                            <a:rPr lang="it-IT" sz="1600" b="0" i="1" smtClean="0">
-                              <a:latin typeface="Cambria Math" panose="02040503050406030204" pitchFamily="18" charset="0"/>
-                            </a:rPr>
+                            <a:rPr lang="it-IT" i="1"/>
                             <m:t>(</m:t>
                           </m:r>
                           <m:sSub>
                             <m:sSubPr>
                               <m:ctrlPr>
-                                <a:rPr lang="it-IT" sz="1600" i="1" smtClean="0">
-                                  <a:latin typeface="Cambria Math" panose="02040503050406030204" pitchFamily="18" charset="0"/>
-                                </a:rPr>
+                                <a:rPr lang="it-IT" i="1"/>
                               </m:ctrlPr>
                             </m:sSubPr>
                             <m:e>
                               <m:r>
-                                <a:rPr lang="it-IT" sz="1600" b="0" i="1" smtClean="0">
-                                  <a:latin typeface="Cambria Math" panose="02040503050406030204" pitchFamily="18" charset="0"/>
-                                </a:rPr>
+                                <a:rPr lang="it-IT" i="1"/>
                                 <m:t>𝑆</m:t>
                               </m:r>
                             </m:e>
                             <m:sub>
                               <m:r>
-                                <a:rPr lang="it-IT" sz="1600" b="0" i="1" smtClean="0">
-                                  <a:latin typeface="Cambria Math" panose="02040503050406030204" pitchFamily="18" charset="0"/>
-                                </a:rPr>
+                                <a:rPr lang="it-IT" i="1"/>
                                 <m:t>𝑛</m:t>
                               </m:r>
                             </m:sub>
                           </m:sSub>
                           <m:r>
-                            <a:rPr lang="it-IT" sz="1600" b="0" i="1" smtClean="0">
-                              <a:latin typeface="Cambria Math" panose="02040503050406030204" pitchFamily="18" charset="0"/>
-                            </a:rPr>
+                            <a:rPr lang="it-IT" i="1"/>
                             <m:t>)</m:t>
                           </m:r>
                         </m:e>
                         <m:sub>
                           <m:r>
-                            <a:rPr lang="it-IT" sz="1600" b="0" i="1" smtClean="0">
-                              <a:latin typeface="Cambria Math" panose="02040503050406030204" pitchFamily="18" charset="0"/>
-                            </a:rPr>
+                            <a:rPr lang="it-IT" i="1"/>
                             <m:t>𝑛</m:t>
                           </m:r>
                           <m:r>
-                            <a:rPr lang="it-IT" sz="1600" b="0" i="1" smtClean="0">
-                              <a:latin typeface="Cambria Math" panose="02040503050406030204" pitchFamily="18" charset="0"/>
-                            </a:rPr>
+                            <a:rPr lang="it-IT" i="1"/>
                             <m:t>=1</m:t>
                           </m:r>
                         </m:sub>
                         <m:sup>
                           <m:r>
-                            <a:rPr lang="it-IT" sz="1600" b="0" i="1" smtClean="0">
-                              <a:latin typeface="Cambria Math" panose="02040503050406030204" pitchFamily="18" charset="0"/>
-                            </a:rPr>
+                            <a:rPr lang="it-IT" i="1"/>
                             <m:t>𝑁</m:t>
                           </m:r>
                         </m:sup>
                       </m:sSubSup>
                       <m:r>
-                        <a:rPr lang="it-IT" sz="1600" b="0" i="1" smtClean="0">
-                          <a:latin typeface="Cambria Math" panose="02040503050406030204" pitchFamily="18" charset="0"/>
-                        </a:rPr>
+                        <a:rPr lang="it-IT" i="1"/>
                         <m:t>   </m:t>
                       </m:r>
                       <m:r>
-                        <a:rPr lang="it-IT" sz="1600" b="0" i="1" smtClean="0">
-                          <a:latin typeface="Cambria Math" panose="02040503050406030204" pitchFamily="18" charset="0"/>
-                        </a:rPr>
+                        <a:rPr lang="it-IT" i="1"/>
                         <m:t>𝑐𝑜𝑛</m:t>
                       </m:r>
                       <m:r>
-                        <a:rPr lang="it-IT" sz="1600" b="0" i="1" smtClean="0">
-                          <a:latin typeface="Cambria Math" panose="02040503050406030204" pitchFamily="18" charset="0"/>
-                        </a:rPr>
+                        <a:rPr lang="it-IT" i="1"/>
                         <m:t>   </m:t>
                       </m:r>
                       <m:sSub>
                         <m:sSubPr>
                           <m:ctrlPr>
-                            <a:rPr lang="it-IT" sz="1600" i="1" smtClean="0">
-                              <a:latin typeface="Cambria Math" panose="02040503050406030204" pitchFamily="18" charset="0"/>
-                            </a:rPr>
+                            <a:rPr lang="it-IT" i="1"/>
                           </m:ctrlPr>
                         </m:sSubPr>
                         <m:e>
                           <m:r>
-                            <a:rPr lang="it-IT" sz="1600" b="0" i="1" smtClean="0">
-                              <a:latin typeface="Cambria Math" panose="02040503050406030204" pitchFamily="18" charset="0"/>
-                            </a:rPr>
+                            <a:rPr lang="it-IT" i="1"/>
                             <m:t>𝑆</m:t>
                           </m:r>
                         </m:e>
                         <m:sub>
                           <m:r>
-                            <a:rPr lang="it-IT" sz="1600" b="0" i="1" smtClean="0">
-                              <a:latin typeface="Cambria Math" panose="02040503050406030204" pitchFamily="18" charset="0"/>
-                            </a:rPr>
+                            <a:rPr lang="it-IT" i="1"/>
                             <m:t>𝑛</m:t>
                           </m:r>
                         </m:sub>
                       </m:sSub>
                       <m:r>
-                        <a:rPr lang="it-IT" sz="1600" b="0" i="1" smtClean="0">
-                          <a:latin typeface="Cambria Math" panose="02040503050406030204" pitchFamily="18" charset="0"/>
-                        </a:rPr>
+                        <a:rPr lang="it-IT" i="1"/>
                         <m:t>=</m:t>
                       </m:r>
                       <m:sSub>
                         <m:sSubPr>
                           <m:ctrlPr>
-                            <a:rPr lang="it-IT" sz="1600" b="0" i="1" smtClean="0">
-                              <a:latin typeface="Cambria Math" panose="02040503050406030204" pitchFamily="18" charset="0"/>
-                            </a:rPr>
+                            <a:rPr lang="it-IT" i="1"/>
                           </m:ctrlPr>
                         </m:sSubPr>
                         <m:e>
                           <m:r>
-                            <a:rPr lang="it-IT" sz="1600" b="0" i="1" smtClean="0">
-                              <a:latin typeface="Cambria Math" panose="02040503050406030204" pitchFamily="18" charset="0"/>
-                              <a:ea typeface="Cambria Math" panose="02040503050406030204" pitchFamily="18" charset="0"/>
-                            </a:rPr>
+                            <a:rPr lang="it-IT" i="1"/>
                             <m:t>𝛽</m:t>
                           </m:r>
                         </m:e>
                         <m:sub>
                           <m:r>
-                            <a:rPr lang="it-IT" sz="1600" b="0" i="1" smtClean="0">
-                              <a:latin typeface="Cambria Math" panose="02040503050406030204" pitchFamily="18" charset="0"/>
-                            </a:rPr>
+                            <a:rPr lang="it-IT" i="1"/>
                             <m:t>𝑛</m:t>
                           </m:r>
                         </m:sub>
@@ -13666,103 +14006,198 @@
                       <m:sSub>
                         <m:sSubPr>
                           <m:ctrlPr>
-                            <a:rPr lang="it-IT" sz="1600" b="0" i="1" smtClean="0">
-                              <a:latin typeface="Cambria Math" panose="02040503050406030204" pitchFamily="18" charset="0"/>
-                            </a:rPr>
+                            <a:rPr lang="it-IT" i="1"/>
                           </m:ctrlPr>
                         </m:sSubPr>
                         <m:e>
                           <m:r>
-                            <a:rPr lang="it-IT" sz="1600" b="0" i="1" smtClean="0">
-                              <a:latin typeface="Cambria Math" panose="02040503050406030204" pitchFamily="18" charset="0"/>
-                            </a:rPr>
+                            <a:rPr lang="it-IT" i="1"/>
                             <m:t>𝑆</m:t>
                           </m:r>
                         </m:e>
                         <m:sub>
                           <m:r>
-                            <a:rPr lang="it-IT" sz="1600" b="0" i="1" smtClean="0">
-                              <a:latin typeface="Cambria Math" panose="02040503050406030204" pitchFamily="18" charset="0"/>
-                            </a:rPr>
+                            <a:rPr lang="it-IT" i="1"/>
                             <m:t>𝑛</m:t>
                           </m:r>
                           <m:r>
-                            <a:rPr lang="it-IT" sz="1600" b="0" i="1" smtClean="0">
-                              <a:latin typeface="Cambria Math" panose="02040503050406030204" pitchFamily="18" charset="0"/>
-                            </a:rPr>
+                            <a:rPr lang="it-IT" i="1"/>
                             <m:t>−1</m:t>
                           </m:r>
                         </m:sub>
                       </m:sSub>
                       <m:r>
-                        <a:rPr lang="it-IT" sz="1600" b="0" i="1" smtClean="0">
+                        <a:rPr lang="it-IT" b="0" i="1" smtClean="0">
                           <a:latin typeface="Cambria Math" panose="02040503050406030204" pitchFamily="18" charset="0"/>
                         </a:rPr>
-                        <m:t>   </m:t>
+                        <m:t>=</m:t>
+                      </m:r>
+                      <m:d>
+                        <m:dPr>
+                          <m:begChr m:val="{"/>
+                          <m:endChr m:val=""/>
+                          <m:ctrlPr>
+                            <a:rPr lang="it-IT" i="1"/>
+                          </m:ctrlPr>
+                        </m:dPr>
+                        <m:e>
+                          <m:eqArr>
+                            <m:eqArrPr>
+                              <m:ctrlPr>
+                                <a:rPr lang="it-IT" i="1"/>
+                              </m:ctrlPr>
+                            </m:eqArrPr>
+                            <m:e>
+                              <m:r>
+                                <a:rPr lang="it-IT" i="1"/>
+                                <m:t>𝑢</m:t>
+                              </m:r>
+                              <m:sSub>
+                                <m:sSubPr>
+                                  <m:ctrlPr>
+                                    <a:rPr lang="it-IT" i="1"/>
+                                  </m:ctrlPr>
+                                </m:sSubPr>
+                                <m:e>
+                                  <m:r>
+                                    <a:rPr lang="it-IT" i="1"/>
+                                    <m:t>𝑆</m:t>
+                                  </m:r>
+                                </m:e>
+                                <m:sub>
+                                  <m:r>
+                                    <a:rPr lang="it-IT" i="1"/>
+                                    <m:t>𝑛</m:t>
+                                  </m:r>
+                                  <m:r>
+                                    <a:rPr lang="it-IT" i="1"/>
+                                    <m:t>−1</m:t>
+                                  </m:r>
+                                </m:sub>
+                              </m:sSub>
+                              <m:r>
+                                <a:rPr lang="it-IT" i="1"/>
+                                <m:t>   </m:t>
+                              </m:r>
+                              <m:r>
+                                <a:rPr lang="it-IT" i="1"/>
+                                <m:t>𝑐𝑜𝑛</m:t>
+                              </m:r>
+                              <m:r>
+                                <a:rPr lang="it-IT" i="1"/>
+                                <m:t>   </m:t>
+                              </m:r>
+                              <m:r>
+                                <a:rPr lang="it-IT" i="1"/>
+                                <m:t>𝑝</m:t>
+                              </m:r>
+                            </m:e>
+                            <m:e>
+                              <m:r>
+                                <a:rPr lang="it-IT" i="1"/>
+                                <m:t>𝑑</m:t>
+                              </m:r>
+                              <m:sSub>
+                                <m:sSubPr>
+                                  <m:ctrlPr>
+                                    <a:rPr lang="it-IT" i="1"/>
+                                  </m:ctrlPr>
+                                </m:sSubPr>
+                                <m:e>
+                                  <m:r>
+                                    <a:rPr lang="it-IT" i="1"/>
+                                    <m:t>𝑆</m:t>
+                                  </m:r>
+                                </m:e>
+                                <m:sub>
+                                  <m:r>
+                                    <a:rPr lang="it-IT" i="1"/>
+                                    <m:t>𝑛</m:t>
+                                  </m:r>
+                                  <m:r>
+                                    <a:rPr lang="it-IT" i="1"/>
+                                    <m:t>−1</m:t>
+                                  </m:r>
+                                </m:sub>
+                              </m:sSub>
+                              <m:r>
+                                <a:rPr lang="it-IT" i="1"/>
+                                <m:t>   </m:t>
+                              </m:r>
+                              <m:r>
+                                <a:rPr lang="it-IT" i="1"/>
+                                <m:t>𝑐𝑜𝑛</m:t>
+                              </m:r>
+                              <m:r>
+                                <a:rPr lang="it-IT" i="1"/>
+                                <m:t> </m:t>
+                              </m:r>
+                              <m:r>
+                                <a:rPr lang="it-IT" i="1"/>
+                                <m:t>𝑞</m:t>
+                              </m:r>
+                            </m:e>
+                          </m:eqArr>
+                        </m:e>
+                      </m:d>
+                      <m:r>
+                        <a:rPr lang="it-IT" b="0" i="1" smtClean="0">
+                          <a:latin typeface="Cambria Math" panose="02040503050406030204" pitchFamily="18" charset="0"/>
+                        </a:rPr>
+                        <m:t>  </m:t>
                       </m:r>
                       <m:r>
-                        <a:rPr lang="it-IT" sz="1600" b="0" i="1" smtClean="0">
+                        <a:rPr lang="it-IT" b="0" i="1" smtClean="0">
                           <a:latin typeface="Cambria Math" panose="02040503050406030204" pitchFamily="18" charset="0"/>
                         </a:rPr>
-                        <m:t>𝑒</m:t>
+                        <m:t>𝑐𝑖𝑜</m:t>
                       </m:r>
                       <m:r>
-                        <a:rPr lang="it-IT" sz="1600" b="0" i="1" smtClean="0">
+                        <a:rPr lang="it-IT" b="0" i="1" smtClean="0">
                           <a:latin typeface="Cambria Math" panose="02040503050406030204" pitchFamily="18" charset="0"/>
                         </a:rPr>
+                        <m:t>è</m:t>
+                      </m:r>
+                      <m:r>
+                        <a:rPr lang="it-IT" i="1"/>
                         <m:t>   </m:t>
                       </m:r>
                       <m:sSub>
                         <m:sSubPr>
                           <m:ctrlPr>
-                            <a:rPr lang="it-IT" sz="1600" b="0" i="1" smtClean="0">
-                              <a:latin typeface="Cambria Math" panose="02040503050406030204" pitchFamily="18" charset="0"/>
-                            </a:rPr>
+                            <a:rPr lang="it-IT" i="1"/>
                           </m:ctrlPr>
                         </m:sSubPr>
                         <m:e>
                           <m:r>
-                            <a:rPr lang="it-IT" sz="1600" b="0" i="1" smtClean="0">
-                              <a:latin typeface="Cambria Math" panose="02040503050406030204" pitchFamily="18" charset="0"/>
-                              <a:ea typeface="Cambria Math" panose="02040503050406030204" pitchFamily="18" charset="0"/>
-                            </a:rPr>
+                            <a:rPr lang="it-IT" i="1"/>
                             <m:t>𝛽</m:t>
                           </m:r>
                         </m:e>
                         <m:sub>
                           <m:r>
-                            <a:rPr lang="it-IT" sz="1600" b="0" i="1" smtClean="0">
-                              <a:latin typeface="Cambria Math" panose="02040503050406030204" pitchFamily="18" charset="0"/>
-                            </a:rPr>
+                            <a:rPr lang="it-IT" i="1"/>
                             <m:t>𝑛</m:t>
                           </m:r>
                         </m:sub>
                       </m:sSub>
                       <m:r>
-                        <a:rPr lang="it-IT" sz="1600" b="0" i="1" smtClean="0">
-                          <a:latin typeface="Cambria Math" panose="02040503050406030204" pitchFamily="18" charset="0"/>
-                        </a:rPr>
+                        <a:rPr lang="it-IT" i="1"/>
                         <m:t>~</m:t>
                       </m:r>
                       <m:r>
-                        <a:rPr lang="it-IT" sz="1600" b="0" i="1" smtClean="0">
-                          <a:latin typeface="Cambria Math" panose="02040503050406030204" pitchFamily="18" charset="0"/>
-                        </a:rPr>
+                        <a:rPr lang="it-IT" i="1"/>
                         <m:t>𝐵𝑒𝑟</m:t>
                       </m:r>
                       <m:d>
                         <m:dPr>
                           <m:ctrlPr>
-                            <a:rPr lang="it-IT" sz="1600" b="0" i="1" smtClean="0">
-                              <a:latin typeface="Cambria Math" panose="02040503050406030204" pitchFamily="18" charset="0"/>
-                            </a:rPr>
+                            <a:rPr lang="it-IT" i="1"/>
                           </m:ctrlPr>
                         </m:dPr>
                         <m:e>
                           <m:r>
-                            <a:rPr lang="it-IT" sz="1600" b="0" i="1" smtClean="0">
-                              <a:latin typeface="Cambria Math" panose="02040503050406030204" pitchFamily="18" charset="0"/>
-                            </a:rPr>
+                            <a:rPr lang="it-IT" i="1"/>
                             <m:t>𝑝</m:t>
                           </m:r>
                         </m:e>
@@ -13770,185 +14205,21 @@
                     </m:oMath>
                   </m:oMathPara>
                 </a14:m>
-                <a:endParaRPr lang="it-IT" sz="1600" b="0" dirty="0"/>
+                <a:endParaRPr lang="it-IT" sz="1600" dirty="0"/>
               </a:p>
               <a:p>
-                <a:pPr rtl="0"/>
+                <a:pPr>
+                  <a:lnSpc>
+                    <a:spcPct val="100000"/>
+                  </a:lnSpc>
+                </a:pPr>
                 <a:r>
                   <a:rPr lang="it-IT" sz="1600" dirty="0"/>
-                  <a:t>In particolare il modello ci servirà per portare la </a:t>
+                  <a:t>Questo significa che in ogni stante il prezzo può scendere [o salire] con probabilità p [o q=1-p], dove p è la </a:t>
                 </a:r>
                 <a:r>
                   <a:rPr lang="it-IT" sz="1600" b="1" dirty="0"/>
-                  <a:t>put-call </a:t>
-                </a:r>
-                <a:r>
-                  <a:rPr lang="it-IT" sz="1600" b="1" dirty="0" err="1"/>
-                  <a:t>parity</a:t>
-                </a:r>
-                <a:r>
-                  <a:rPr lang="it-IT" sz="1600" b="1" dirty="0"/>
-                  <a:t> </a:t>
-                </a:r>
-                <a:r>
-                  <a:rPr lang="it-IT" sz="1600" b="1" dirty="0" err="1"/>
-                  <a:t>equation</a:t>
-                </a:r>
-                <a:r>
-                  <a:rPr lang="it-IT" sz="1600" b="1" dirty="0"/>
-                  <a:t> </a:t>
-                </a:r>
-                <a:r>
-                  <a:rPr lang="it-IT" sz="1600" dirty="0"/>
-                  <a:t>in t=0</a:t>
-                </a:r>
-              </a:p>
-              <a:p>
-                <a:pPr rtl="0"/>
-                <a:endParaRPr lang="it-IT" sz="1600" dirty="0"/>
-              </a:p>
-              <a:p>
-                <a:pPr rtl="0"/>
-                <a14:m>
-                  <m:oMathPara xmlns:m="http://schemas.openxmlformats.org/officeDocument/2006/math">
-                    <m:oMathParaPr>
-                      <m:jc m:val="centerGroup"/>
-                    </m:oMathParaPr>
-                    <m:oMath xmlns:m="http://schemas.openxmlformats.org/officeDocument/2006/math">
-                      <m:sSub>
-                        <m:sSubPr>
-                          <m:ctrlPr>
-                            <a:rPr lang="it-IT" sz="1600" i="1" smtClean="0">
-                              <a:latin typeface="Cambria Math" panose="02040503050406030204" pitchFamily="18" charset="0"/>
-                            </a:rPr>
-                          </m:ctrlPr>
-                        </m:sSubPr>
-                        <m:e>
-                          <m:r>
-                            <a:rPr lang="it-IT" sz="1600" b="0" i="1" smtClean="0">
-                              <a:latin typeface="Cambria Math" panose="02040503050406030204" pitchFamily="18" charset="0"/>
-                            </a:rPr>
-                            <m:t>𝐶</m:t>
-                          </m:r>
-                        </m:e>
-                        <m:sub>
-                          <m:r>
-                            <a:rPr lang="it-IT" sz="1600" b="0" i="1" smtClean="0">
-                              <a:latin typeface="Cambria Math" panose="02040503050406030204" pitchFamily="18" charset="0"/>
-                            </a:rPr>
-                            <m:t>0</m:t>
-                          </m:r>
-                        </m:sub>
-                      </m:sSub>
-                      <m:r>
-                        <a:rPr lang="it-IT" sz="1600" b="0" i="1" smtClean="0">
-                          <a:latin typeface="Cambria Math" panose="02040503050406030204" pitchFamily="18" charset="0"/>
-                        </a:rPr>
-                        <m:t>−</m:t>
-                      </m:r>
-                      <m:sSub>
-                        <m:sSubPr>
-                          <m:ctrlPr>
-                            <a:rPr lang="it-IT" sz="1600" b="0" i="1" smtClean="0">
-                              <a:latin typeface="Cambria Math" panose="02040503050406030204" pitchFamily="18" charset="0"/>
-                            </a:rPr>
-                          </m:ctrlPr>
-                        </m:sSubPr>
-                        <m:e>
-                          <m:r>
-                            <a:rPr lang="it-IT" sz="1600" b="0" i="1" smtClean="0">
-                              <a:latin typeface="Cambria Math" panose="02040503050406030204" pitchFamily="18" charset="0"/>
-                            </a:rPr>
-                            <m:t>𝑃</m:t>
-                          </m:r>
-                        </m:e>
-                        <m:sub>
-                          <m:r>
-                            <a:rPr lang="it-IT" sz="1600" b="0" i="1" smtClean="0">
-                              <a:latin typeface="Cambria Math" panose="02040503050406030204" pitchFamily="18" charset="0"/>
-                            </a:rPr>
-                            <m:t>0</m:t>
-                          </m:r>
-                        </m:sub>
-                      </m:sSub>
-                      <m:r>
-                        <a:rPr lang="it-IT" sz="1600" b="0" i="1" smtClean="0">
-                          <a:latin typeface="Cambria Math" panose="02040503050406030204" pitchFamily="18" charset="0"/>
-                        </a:rPr>
-                        <m:t>=</m:t>
-                      </m:r>
-                      <m:sSub>
-                        <m:sSubPr>
-                          <m:ctrlPr>
-                            <a:rPr lang="it-IT" sz="1600" b="0" i="1" smtClean="0">
-                              <a:latin typeface="Cambria Math" panose="02040503050406030204" pitchFamily="18" charset="0"/>
-                            </a:rPr>
-                          </m:ctrlPr>
-                        </m:sSubPr>
-                        <m:e>
-                          <m:r>
-                            <a:rPr lang="it-IT" sz="1600" b="0" i="1" smtClean="0">
-                              <a:latin typeface="Cambria Math" panose="02040503050406030204" pitchFamily="18" charset="0"/>
-                            </a:rPr>
-                            <m:t>𝑆</m:t>
-                          </m:r>
-                        </m:e>
-                        <m:sub>
-                          <m:r>
-                            <a:rPr lang="it-IT" sz="1600" b="0" i="1" smtClean="0">
-                              <a:latin typeface="Cambria Math" panose="02040503050406030204" pitchFamily="18" charset="0"/>
-                            </a:rPr>
-                            <m:t>0</m:t>
-                          </m:r>
-                        </m:sub>
-                      </m:sSub>
-                      <m:r>
-                        <a:rPr lang="it-IT" sz="1600" b="0" i="1" smtClean="0">
-                          <a:latin typeface="Cambria Math" panose="02040503050406030204" pitchFamily="18" charset="0"/>
-                        </a:rPr>
-                        <m:t>−</m:t>
-                      </m:r>
-                      <m:f>
-                        <m:fPr>
-                          <m:ctrlPr>
-                            <a:rPr lang="it-IT" sz="1600" b="0" i="1" smtClean="0">
-                              <a:latin typeface="Cambria Math" panose="02040503050406030204" pitchFamily="18" charset="0"/>
-                            </a:rPr>
-                          </m:ctrlPr>
-                        </m:fPr>
-                        <m:num>
-                          <m:r>
-                            <a:rPr lang="it-IT" sz="1600" b="0" i="1" smtClean="0">
-                              <a:latin typeface="Cambria Math" panose="02040503050406030204" pitchFamily="18" charset="0"/>
-                            </a:rPr>
-                            <m:t>𝐾</m:t>
-                          </m:r>
-                        </m:num>
-                        <m:den>
-                          <m:r>
-                            <a:rPr lang="it-IT" sz="1600" b="0" i="1" smtClean="0">
-                              <a:latin typeface="Cambria Math" panose="02040503050406030204" pitchFamily="18" charset="0"/>
-                            </a:rPr>
-                            <m:t>1+</m:t>
-                          </m:r>
-                          <m:r>
-                            <a:rPr lang="it-IT" sz="1600" b="0" i="1" smtClean="0">
-                              <a:latin typeface="Cambria Math" panose="02040503050406030204" pitchFamily="18" charset="0"/>
-                            </a:rPr>
-                            <m:t>𝑟</m:t>
-                          </m:r>
-                        </m:den>
-                      </m:f>
-                    </m:oMath>
-                  </m:oMathPara>
-                </a14:m>
-                <a:endParaRPr lang="it-IT" sz="1600" dirty="0"/>
-              </a:p>
-              <a:p>
-                <a:pPr rtl="0"/>
-                <a:r>
-                  <a:rPr lang="it-IT" sz="1600" dirty="0"/>
-                  <a:t>Questa relazione verrà utilizzata per tracciare una retta di regressione che ci permette di verificare come i dati di mercato si comportano rispetto al modello teorico</a:t>
+                  <a:t>probabilità neutrale al rischio.</a:t>
                 </a:r>
               </a:p>
             </p:txBody>
@@ -13979,7 +14250,7 @@
               <a:blipFill>
                 <a:blip r:embed="rId3"/>
                 <a:stretch>
-                  <a:fillRect l="-1467" t="-1186"/>
+                  <a:fillRect l="-1467" t="-1186" r="-7190"/>
                 </a:stretch>
               </a:blipFill>
             </p:spPr>
@@ -14028,45 +14299,9 @@
         </p:blipFill>
         <p:spPr>
           <a:xfrm>
-            <a:off x="8636158" y="1908416"/>
-            <a:ext cx="2010806" cy="1934167"/>
+            <a:off x="9031261" y="3376575"/>
+            <a:ext cx="2682928" cy="2580672"/>
           </a:xfrm>
-        </p:spPr>
-      </p:pic>
-      <p:pic>
-        <p:nvPicPr>
-          <p:cNvPr id="14" name="Immagine 13" descr="Immagine che contiene nero, oscurità&#10;&#10;Descrizione generata automaticamente">
-            <a:extLst>
-              <a:ext uri="{FF2B5EF4-FFF2-40B4-BE49-F238E27FC236}">
-                <a16:creationId xmlns:a16="http://schemas.microsoft.com/office/drawing/2014/main" id="{182692FB-B793-7016-55F4-2B590176D107}"/>
-              </a:ext>
-            </a:extLst>
-          </p:cNvPr>
-          <p:cNvPicPr>
-            <a:picLocks noChangeAspect="1"/>
-          </p:cNvPicPr>
-          <p:nvPr/>
-        </p:nvPicPr>
-        <p:blipFill>
-          <a:blip r:embed="rId5">
-            <a:extLst>
-              <a:ext uri="{28A0092B-C50C-407E-A947-70E740481C1C}">
-                <a14:useLocalDpi xmlns:a14="http://schemas.microsoft.com/office/drawing/2010/main" val="0"/>
-              </a:ext>
-            </a:extLst>
-          </a:blip>
-          <a:stretch>
-            <a:fillRect/>
-          </a:stretch>
-        </p:blipFill>
-        <p:spPr>
-          <a:xfrm>
-            <a:off x="10024827" y="4464645"/>
-            <a:ext cx="1840787" cy="1809350"/>
-          </a:xfrm>
-          <a:prstGeom prst="rect">
-            <a:avLst/>
-          </a:prstGeom>
         </p:spPr>
       </p:pic>
     </p:spTree>
@@ -14082,7 +14317,7 @@
 </p:sld>
 </file>
 
-<file path=ppt/slides/slide6.xml><?xml version="1.0" encoding="utf-8"?>
+<file path=ppt/slides/slide7.xml><?xml version="1.0" encoding="utf-8"?>
 <p:sld xmlns:a="http://schemas.openxmlformats.org/drawingml/2006/main" xmlns:r="http://schemas.openxmlformats.org/officeDocument/2006/relationships" xmlns:p="http://schemas.openxmlformats.org/presentationml/2006/main">
   <p:cSld>
     <p:spTree>
@@ -14090,7 +14325,7 @@
         <p:cNvPr id="1" name="">
           <a:extLst>
             <a:ext uri="{FF2B5EF4-FFF2-40B4-BE49-F238E27FC236}">
-              <a16:creationId xmlns:a16="http://schemas.microsoft.com/office/drawing/2014/main" id="{AF287C2E-E6FA-6560-6972-40B4D144F9EA}"/>
+              <a16:creationId xmlns:a16="http://schemas.microsoft.com/office/drawing/2014/main" id="{1C69059D-3BAE-A671-2FB9-D540EE79EF78}"/>
             </a:ext>
           </a:extLst>
         </p:cNvPr>
@@ -14110,7 +14345,7 @@
           <p:cNvPr id="2" name="Titolo 1">
             <a:extLst>
               <a:ext uri="{FF2B5EF4-FFF2-40B4-BE49-F238E27FC236}">
-                <a16:creationId xmlns:a16="http://schemas.microsoft.com/office/drawing/2014/main" id="{BD2C5834-28BD-29EF-A74A-A3888BF51595}"/>
+                <a16:creationId xmlns:a16="http://schemas.microsoft.com/office/drawing/2014/main" id="{8F438BE1-3A51-9BBF-3096-F25CC7FB90B5}"/>
               </a:ext>
             </a:extLst>
           </p:cNvPr>
@@ -14138,179 +14373,542 @@
             <a:pPr rtl="0"/>
             <a:r>
               <a:rPr lang="it-IT" sz="4000" b="0" dirty="0"/>
-              <a:t>Introduzione - Obbiettivi</a:t>
+              <a:t>Metodologia – Modello (2)</a:t>
             </a:r>
           </a:p>
         </p:txBody>
       </p:sp>
-      <p:sp>
-        <p:nvSpPr>
-          <p:cNvPr id="3" name="Segnaposto contenuto 2">
-            <a:extLst>
-              <a:ext uri="{FF2B5EF4-FFF2-40B4-BE49-F238E27FC236}">
-                <a16:creationId xmlns:a16="http://schemas.microsoft.com/office/drawing/2014/main" id="{6D98A448-36AF-52D4-D4A8-DFB4C6BED249}"/>
-              </a:ext>
-            </a:extLst>
-          </p:cNvPr>
-          <p:cNvSpPr>
-            <a:spLocks noGrp="1"/>
-          </p:cNvSpPr>
-          <p:nvPr>
-            <p:ph sz="quarter" idx="15"/>
-          </p:nvPr>
-        </p:nvSpPr>
-        <p:spPr>
-          <a:xfrm>
-            <a:off x="594360" y="2363704"/>
-            <a:ext cx="9861082" cy="3597470"/>
-          </a:xfrm>
-        </p:spPr>
-        <p:txBody>
-          <a:bodyPr rtlCol="0">
-            <a:noAutofit/>
-          </a:bodyPr>
-          <a:lstStyle>
-            <a:defPPr>
-              <a:defRPr lang="it-IT"/>
-            </a:defPPr>
-          </a:lstStyle>
-          <a:p>
-            <a:pPr rtl="0"/>
-            <a:r>
-              <a:rPr lang="it-IT" sz="1600" dirty="0"/>
-              <a:t>In questo progetto si vuole verificare la bontà del modello quando applicato ad opzioni europee ed americane.    Per fare questo sono stati considerati sei titoli, in particolare per le opzioni europee:</a:t>
-            </a:r>
-          </a:p>
-          <a:p>
-            <a:pPr marL="285750" indent="-285750" rtl="0">
-              <a:buFont typeface="Arial" panose="020B0604020202020204" pitchFamily="34" charset="0"/>
-              <a:buChar char="•"/>
-            </a:pPr>
-            <a:r>
-              <a:rPr lang="it-IT" sz="1600" b="1" dirty="0"/>
-              <a:t>SPX</a:t>
-            </a:r>
-            <a:r>
-              <a:rPr lang="it-IT" sz="1600" dirty="0"/>
-              <a:t>, indice che segue le 500 aziende con maggiore capitalizzazione nel mercato statunitense</a:t>
-            </a:r>
-          </a:p>
-          <a:p>
-            <a:pPr marL="285750" indent="-285750" rtl="0">
-              <a:buFont typeface="Arial" panose="020B0604020202020204" pitchFamily="34" charset="0"/>
-              <a:buChar char="•"/>
-            </a:pPr>
-            <a:r>
-              <a:rPr lang="it-IT" sz="1600" b="1" dirty="0"/>
-              <a:t>RUT</a:t>
-            </a:r>
-            <a:r>
-              <a:rPr lang="it-IT" sz="1600" dirty="0"/>
-              <a:t>, indice che segue le 2000 aziende con minore capitalizzazione tra le 3000 a </a:t>
-            </a:r>
-            <a:r>
-              <a:rPr lang="it-IT" sz="1600" dirty="0" err="1"/>
-              <a:t>piú</a:t>
-            </a:r>
-            <a:r>
-              <a:rPr lang="it-IT" sz="1600" dirty="0"/>
-              <a:t> alta capitalizzazione nel mercato statunitense</a:t>
-            </a:r>
-          </a:p>
-          <a:p>
-            <a:pPr marL="285750" indent="-285750" rtl="0">
-              <a:buFont typeface="Arial" panose="020B0604020202020204" pitchFamily="34" charset="0"/>
-              <a:buChar char="•"/>
-            </a:pPr>
-            <a:r>
-              <a:rPr lang="it-IT" sz="1600" b="1" dirty="0"/>
-              <a:t>NDX</a:t>
-            </a:r>
-            <a:r>
-              <a:rPr lang="it-IT" sz="1600" dirty="0"/>
-              <a:t>, indice che segue le 100 aziende non finanziare con maggiore capitalizzazione nel NASDAQ</a:t>
-            </a:r>
-          </a:p>
-          <a:p>
-            <a:pPr rtl="0"/>
-            <a:r>
-              <a:rPr lang="it-IT" sz="1600" dirty="0"/>
-              <a:t>Mentre per le opzioni americane:</a:t>
-            </a:r>
-          </a:p>
-          <a:p>
-            <a:pPr marL="285750" indent="-285750" rtl="0">
-              <a:buFont typeface="Arial" panose="020B0604020202020204" pitchFamily="34" charset="0"/>
-              <a:buChar char="•"/>
-            </a:pPr>
-            <a:r>
-              <a:rPr lang="it-IT" sz="1600" b="1" dirty="0"/>
-              <a:t>NVDA</a:t>
-            </a:r>
-            <a:r>
-              <a:rPr lang="it-IT" sz="1600" dirty="0"/>
-              <a:t>, cioè le azioni di Nvidia, azienda nel campo tecnologico</a:t>
-            </a:r>
-          </a:p>
-          <a:p>
-            <a:pPr marL="285750" indent="-285750" rtl="0">
-              <a:buFont typeface="Arial" panose="020B0604020202020204" pitchFamily="34" charset="0"/>
-              <a:buChar char="•"/>
-            </a:pPr>
-            <a:r>
-              <a:rPr lang="it-IT" sz="1600" b="1" dirty="0"/>
-              <a:t>XOM</a:t>
-            </a:r>
-            <a:r>
-              <a:rPr lang="it-IT" sz="1600" dirty="0"/>
-              <a:t>, cioè le azioni di Exxon Mobil </a:t>
-            </a:r>
-            <a:r>
-              <a:rPr lang="it-IT" sz="1600" dirty="0" err="1"/>
-              <a:t>Corp</a:t>
-            </a:r>
-            <a:r>
-              <a:rPr lang="it-IT" sz="1600" dirty="0"/>
-              <a:t>, azienda nel campo energia</a:t>
-            </a:r>
-          </a:p>
-          <a:p>
-            <a:pPr marL="285750" indent="-285750" rtl="0">
-              <a:buFont typeface="Arial" panose="020B0604020202020204" pitchFamily="34" charset="0"/>
-              <a:buChar char="•"/>
-            </a:pPr>
-            <a:r>
-              <a:rPr lang="it-IT" sz="1600" b="1" dirty="0"/>
-              <a:t>JNJ</a:t>
-            </a:r>
-            <a:r>
-              <a:rPr lang="it-IT" sz="1600" dirty="0"/>
-              <a:t>, cioè le azioni di Johnson &amp; Johnson, azienda nel campo </a:t>
-            </a:r>
-            <a:r>
-              <a:rPr lang="it-IT" sz="1600" dirty="0" err="1"/>
-              <a:t>sanitá</a:t>
-            </a:r>
-            <a:r>
-              <a:rPr lang="it-IT" sz="1600" dirty="0"/>
-              <a:t> </a:t>
-            </a:r>
-          </a:p>
-          <a:p>
-            <a:pPr marL="285750" indent="-285750" rtl="0">
-              <a:buFont typeface="Arial" panose="020B0604020202020204" pitchFamily="34" charset="0"/>
-              <a:buChar char="•"/>
-            </a:pPr>
-            <a:endParaRPr lang="it-IT" sz="1600" dirty="0"/>
-          </a:p>
-        </p:txBody>
-      </p:sp>
+      <mc:AlternateContent xmlns:mc="http://schemas.openxmlformats.org/markup-compatibility/2006">
+        <mc:Choice xmlns:a14="http://schemas.microsoft.com/office/drawing/2010/main" Requires="a14">
+          <p:sp>
+            <p:nvSpPr>
+              <p:cNvPr id="3" name="Segnaposto contenuto 2">
+                <a:extLst>
+                  <a:ext uri="{FF2B5EF4-FFF2-40B4-BE49-F238E27FC236}">
+                    <a16:creationId xmlns:a16="http://schemas.microsoft.com/office/drawing/2014/main" id="{113572B4-FF01-3146-12AD-6C56FE30CF5C}"/>
+                  </a:ext>
+                </a:extLst>
+              </p:cNvPr>
+              <p:cNvSpPr>
+                <a:spLocks noGrp="1"/>
+              </p:cNvSpPr>
+              <p:nvPr>
+                <p:ph sz="quarter" idx="15"/>
+              </p:nvPr>
+            </p:nvSpPr>
+            <p:spPr>
+              <a:xfrm>
+                <a:off x="594359" y="2676525"/>
+                <a:ext cx="8302993" cy="3597470"/>
+              </a:xfrm>
+            </p:spPr>
+            <p:txBody>
+              <a:bodyPr rtlCol="0">
+                <a:noAutofit/>
+              </a:bodyPr>
+              <a:lstStyle>
+                <a:defPPr>
+                  <a:defRPr lang="it-IT"/>
+                </a:defPPr>
+              </a:lstStyle>
+              <a:p>
+                <a:pPr rtl="0"/>
+                <a:r>
+                  <a:rPr lang="it-IT" sz="1600" b="0" dirty="0"/>
+                  <a:t>Per poter utilizzare il modello è necessario calibrarlo, cioè calcolarne i parametri u, d, p e q i quali sono definiti come:</a:t>
+                </a:r>
+              </a:p>
+              <a:p>
+                <a:pPr marL="285750" indent="-285750" rtl="0">
+                  <a:buFont typeface="Arial" panose="020B0604020202020204" pitchFamily="34" charset="0"/>
+                  <a:buChar char="•"/>
+                </a:pPr>
+                <a14:m>
+                  <m:oMath xmlns:m="http://schemas.openxmlformats.org/officeDocument/2006/math">
+                    <m:r>
+                      <a:rPr lang="it-IT" sz="1600" b="1" i="1" smtClean="0">
+                        <a:latin typeface="Cambria Math" panose="02040503050406030204" pitchFamily="18" charset="0"/>
+                      </a:rPr>
+                      <m:t>𝒖</m:t>
+                    </m:r>
+                    <m:r>
+                      <a:rPr lang="it-IT" sz="1600" b="0" i="1" smtClean="0">
+                        <a:latin typeface="Cambria Math" panose="02040503050406030204" pitchFamily="18" charset="0"/>
+                      </a:rPr>
+                      <m:t>=</m:t>
+                    </m:r>
+                    <m:sSup>
+                      <m:sSupPr>
+                        <m:ctrlPr>
+                          <a:rPr lang="it-IT" sz="1600" b="0" i="1" smtClean="0">
+                            <a:latin typeface="Cambria Math" panose="02040503050406030204" pitchFamily="18" charset="0"/>
+                          </a:rPr>
+                        </m:ctrlPr>
+                      </m:sSupPr>
+                      <m:e>
+                        <m:r>
+                          <a:rPr lang="it-IT" sz="1600" b="0" i="1" smtClean="0">
+                            <a:latin typeface="Cambria Math" panose="02040503050406030204" pitchFamily="18" charset="0"/>
+                          </a:rPr>
+                          <m:t>𝑒</m:t>
+                        </m:r>
+                      </m:e>
+                      <m:sup>
+                        <m:r>
+                          <a:rPr lang="it-IT" sz="1600" b="0" i="1" smtClean="0">
+                            <a:latin typeface="Cambria Math" panose="02040503050406030204" pitchFamily="18" charset="0"/>
+                            <a:ea typeface="Cambria Math" panose="02040503050406030204" pitchFamily="18" charset="0"/>
+                          </a:rPr>
+                          <m:t>𝜎</m:t>
+                        </m:r>
+                        <m:rad>
+                          <m:radPr>
+                            <m:degHide m:val="on"/>
+                            <m:ctrlPr>
+                              <a:rPr lang="it-IT" sz="1600" b="0" i="1" smtClean="0">
+                                <a:latin typeface="Cambria Math" panose="02040503050406030204" pitchFamily="18" charset="0"/>
+                              </a:rPr>
+                            </m:ctrlPr>
+                          </m:radPr>
+                          <m:deg/>
+                          <m:e>
+                            <m:r>
+                              <a:rPr lang="it-IT" sz="1600" b="0" i="1" smtClean="0">
+                                <a:latin typeface="Cambria Math" panose="02040503050406030204" pitchFamily="18" charset="0"/>
+                                <a:ea typeface="Cambria Math" panose="02040503050406030204" pitchFamily="18" charset="0"/>
+                              </a:rPr>
+                              <m:t>∆</m:t>
+                            </m:r>
+                            <m:r>
+                              <a:rPr lang="it-IT" sz="1600" b="0" i="1" smtClean="0">
+                                <a:latin typeface="Cambria Math" panose="02040503050406030204" pitchFamily="18" charset="0"/>
+                                <a:ea typeface="Cambria Math" panose="02040503050406030204" pitchFamily="18" charset="0"/>
+                              </a:rPr>
+                              <m:t>𝑡</m:t>
+                            </m:r>
+                          </m:e>
+                        </m:rad>
+                      </m:sup>
+                    </m:sSup>
+                  </m:oMath>
+                </a14:m>
+                <a:endParaRPr lang="it-IT" sz="1600" b="0" dirty="0"/>
+              </a:p>
+              <a:p>
+                <a:pPr marL="285750" indent="-285750" rtl="0">
+                  <a:buFont typeface="Arial" panose="020B0604020202020204" pitchFamily="34" charset="0"/>
+                  <a:buChar char="•"/>
+                </a:pPr>
+                <a14:m>
+                  <m:oMath xmlns:m="http://schemas.openxmlformats.org/officeDocument/2006/math">
+                    <m:r>
+                      <a:rPr lang="it-IT" sz="1600" b="1" i="1" smtClean="0">
+                        <a:latin typeface="Cambria Math" panose="02040503050406030204" pitchFamily="18" charset="0"/>
+                      </a:rPr>
+                      <m:t>𝒅</m:t>
+                    </m:r>
+                    <m:r>
+                      <a:rPr lang="it-IT" sz="1600" b="0" i="1" smtClean="0">
+                        <a:latin typeface="Cambria Math" panose="02040503050406030204" pitchFamily="18" charset="0"/>
+                      </a:rPr>
+                      <m:t>=</m:t>
+                    </m:r>
+                    <m:f>
+                      <m:fPr>
+                        <m:ctrlPr>
+                          <a:rPr lang="it-IT" sz="1600" b="0" i="1" smtClean="0">
+                            <a:latin typeface="Cambria Math" panose="02040503050406030204" pitchFamily="18" charset="0"/>
+                          </a:rPr>
+                        </m:ctrlPr>
+                      </m:fPr>
+                      <m:num>
+                        <m:r>
+                          <a:rPr lang="it-IT" sz="1600" b="0" i="1" smtClean="0">
+                            <a:latin typeface="Cambria Math" panose="02040503050406030204" pitchFamily="18" charset="0"/>
+                          </a:rPr>
+                          <m:t>1</m:t>
+                        </m:r>
+                      </m:num>
+                      <m:den>
+                        <m:r>
+                          <a:rPr lang="it-IT" sz="1600" b="0" i="1" smtClean="0">
+                            <a:latin typeface="Cambria Math" panose="02040503050406030204" pitchFamily="18" charset="0"/>
+                          </a:rPr>
+                          <m:t>𝑢</m:t>
+                        </m:r>
+                      </m:den>
+                    </m:f>
+                    <m:r>
+                      <a:rPr lang="it-IT" sz="1600" b="0" i="1" smtClean="0">
+                        <a:latin typeface="Cambria Math" panose="02040503050406030204" pitchFamily="18" charset="0"/>
+                      </a:rPr>
+                      <m:t>=</m:t>
+                    </m:r>
+                    <m:sSup>
+                      <m:sSupPr>
+                        <m:ctrlPr>
+                          <a:rPr lang="it-IT" sz="1600" b="0" i="1" smtClean="0">
+                            <a:latin typeface="Cambria Math" panose="02040503050406030204" pitchFamily="18" charset="0"/>
+                          </a:rPr>
+                        </m:ctrlPr>
+                      </m:sSupPr>
+                      <m:e>
+                        <m:r>
+                          <a:rPr lang="it-IT" sz="1600" b="0" i="1" smtClean="0">
+                            <a:latin typeface="Cambria Math" panose="02040503050406030204" pitchFamily="18" charset="0"/>
+                          </a:rPr>
+                          <m:t>𝑒</m:t>
+                        </m:r>
+                      </m:e>
+                      <m:sup>
+                        <m:r>
+                          <a:rPr lang="it-IT" sz="1600" b="0" i="1" smtClean="0">
+                            <a:latin typeface="Cambria Math" panose="02040503050406030204" pitchFamily="18" charset="0"/>
+                          </a:rPr>
+                          <m:t>−</m:t>
+                        </m:r>
+                        <m:r>
+                          <a:rPr lang="it-IT" sz="1600" b="0" i="1" smtClean="0">
+                            <a:latin typeface="Cambria Math" panose="02040503050406030204" pitchFamily="18" charset="0"/>
+                            <a:ea typeface="Cambria Math" panose="02040503050406030204" pitchFamily="18" charset="0"/>
+                          </a:rPr>
+                          <m:t>𝜎</m:t>
+                        </m:r>
+                        <m:rad>
+                          <m:radPr>
+                            <m:degHide m:val="on"/>
+                            <m:ctrlPr>
+                              <a:rPr lang="it-IT" sz="1600" b="0" i="1" smtClean="0">
+                                <a:latin typeface="Cambria Math" panose="02040503050406030204" pitchFamily="18" charset="0"/>
+                                <a:ea typeface="Cambria Math" panose="02040503050406030204" pitchFamily="18" charset="0"/>
+                              </a:rPr>
+                            </m:ctrlPr>
+                          </m:radPr>
+                          <m:deg/>
+                          <m:e>
+                            <m:r>
+                              <a:rPr lang="it-IT" sz="1600" b="0" i="1" smtClean="0">
+                                <a:latin typeface="Cambria Math" panose="02040503050406030204" pitchFamily="18" charset="0"/>
+                                <a:ea typeface="Cambria Math" panose="02040503050406030204" pitchFamily="18" charset="0"/>
+                              </a:rPr>
+                              <m:t>∆</m:t>
+                            </m:r>
+                            <m:r>
+                              <a:rPr lang="it-IT" sz="1600" b="0" i="1" smtClean="0">
+                                <a:latin typeface="Cambria Math" panose="02040503050406030204" pitchFamily="18" charset="0"/>
+                                <a:ea typeface="Cambria Math" panose="02040503050406030204" pitchFamily="18" charset="0"/>
+                              </a:rPr>
+                              <m:t>𝑡</m:t>
+                            </m:r>
+                          </m:e>
+                        </m:rad>
+                      </m:sup>
+                    </m:sSup>
+                  </m:oMath>
+                </a14:m>
+                <a:endParaRPr lang="it-IT" sz="1600" b="0" dirty="0"/>
+              </a:p>
+              <a:p>
+                <a:pPr marL="285750" indent="-285750">
+                  <a:buFont typeface="Arial" panose="020B0604020202020204" pitchFamily="34" charset="0"/>
+                  <a:buChar char="•"/>
+                </a:pPr>
+                <a14:m>
+                  <m:oMath xmlns:m="http://schemas.openxmlformats.org/officeDocument/2006/math">
+                    <m:r>
+                      <a:rPr lang="it-IT" sz="1600" b="1" i="1" smtClean="0">
+                        <a:latin typeface="Cambria Math" panose="02040503050406030204" pitchFamily="18" charset="0"/>
+                      </a:rPr>
+                      <m:t>𝒑</m:t>
+                    </m:r>
+                    <m:r>
+                      <a:rPr lang="it-IT" sz="1600" b="0" i="1" smtClean="0">
+                        <a:latin typeface="Cambria Math" panose="02040503050406030204" pitchFamily="18" charset="0"/>
+                      </a:rPr>
+                      <m:t>=</m:t>
+                    </m:r>
+                    <m:f>
+                      <m:fPr>
+                        <m:ctrlPr>
+                          <a:rPr lang="it-IT" sz="1600" b="0" i="1" smtClean="0">
+                            <a:latin typeface="Cambria Math" panose="02040503050406030204" pitchFamily="18" charset="0"/>
+                          </a:rPr>
+                        </m:ctrlPr>
+                      </m:fPr>
+                      <m:num>
+                        <m:sSup>
+                          <m:sSupPr>
+                            <m:ctrlPr>
+                              <a:rPr lang="it-IT" sz="1600" i="1">
+                                <a:latin typeface="Cambria Math" panose="02040503050406030204" pitchFamily="18" charset="0"/>
+                              </a:rPr>
+                            </m:ctrlPr>
+                          </m:sSupPr>
+                          <m:e>
+                            <m:r>
+                              <a:rPr lang="it-IT" sz="1600" i="1">
+                                <a:latin typeface="Cambria Math" panose="02040503050406030204" pitchFamily="18" charset="0"/>
+                              </a:rPr>
+                              <m:t>𝑒</m:t>
+                            </m:r>
+                          </m:e>
+                          <m:sup>
+                            <m:r>
+                              <a:rPr lang="it-IT" sz="1600" i="1">
+                                <a:latin typeface="Cambria Math" panose="02040503050406030204" pitchFamily="18" charset="0"/>
+                              </a:rPr>
+                              <m:t>𝑟</m:t>
+                            </m:r>
+                            <m:r>
+                              <a:rPr lang="it-IT" sz="1600" i="1">
+                                <a:latin typeface="Cambria Math" panose="02040503050406030204" pitchFamily="18" charset="0"/>
+                                <a:ea typeface="Cambria Math" panose="02040503050406030204" pitchFamily="18" charset="0"/>
+                              </a:rPr>
+                              <m:t>∆</m:t>
+                            </m:r>
+                            <m:r>
+                              <a:rPr lang="it-IT" sz="1600" i="1">
+                                <a:latin typeface="Cambria Math" panose="02040503050406030204" pitchFamily="18" charset="0"/>
+                                <a:ea typeface="Cambria Math" panose="02040503050406030204" pitchFamily="18" charset="0"/>
+                              </a:rPr>
+                              <m:t>𝑡</m:t>
+                            </m:r>
+                          </m:sup>
+                        </m:sSup>
+                        <m:r>
+                          <a:rPr lang="it-IT" sz="1600" i="1">
+                            <a:latin typeface="Cambria Math" panose="02040503050406030204" pitchFamily="18" charset="0"/>
+                          </a:rPr>
+                          <m:t>−</m:t>
+                        </m:r>
+                        <m:r>
+                          <a:rPr lang="it-IT" sz="1600" i="1">
+                            <a:latin typeface="Cambria Math" panose="02040503050406030204" pitchFamily="18" charset="0"/>
+                          </a:rPr>
+                          <m:t>𝑑</m:t>
+                        </m:r>
+                      </m:num>
+                      <m:den>
+                        <m:r>
+                          <a:rPr lang="it-IT" sz="1600" b="0" i="1" smtClean="0">
+                            <a:latin typeface="Cambria Math" panose="02040503050406030204" pitchFamily="18" charset="0"/>
+                          </a:rPr>
+                          <m:t>𝑢</m:t>
+                        </m:r>
+                        <m:r>
+                          <a:rPr lang="it-IT" sz="1600" b="0" i="1" smtClean="0">
+                            <a:latin typeface="Cambria Math" panose="02040503050406030204" pitchFamily="18" charset="0"/>
+                          </a:rPr>
+                          <m:t>−</m:t>
+                        </m:r>
+                        <m:r>
+                          <a:rPr lang="it-IT" sz="1600" b="0" i="1" smtClean="0">
+                            <a:latin typeface="Cambria Math" panose="02040503050406030204" pitchFamily="18" charset="0"/>
+                          </a:rPr>
+                          <m:t>𝑑</m:t>
+                        </m:r>
+                      </m:den>
+                    </m:f>
+                  </m:oMath>
+                </a14:m>
+                <a:endParaRPr lang="it-IT" sz="1600" b="0" dirty="0"/>
+              </a:p>
+              <a:p>
+                <a:pPr marL="285750" indent="-285750">
+                  <a:buFont typeface="Arial" panose="020B0604020202020204" pitchFamily="34" charset="0"/>
+                  <a:buChar char="•"/>
+                </a:pPr>
+                <a14:m>
+                  <m:oMath xmlns:m="http://schemas.openxmlformats.org/officeDocument/2006/math">
+                    <m:r>
+                      <a:rPr lang="it-IT" sz="1600" b="1" i="1" smtClean="0">
+                        <a:latin typeface="Cambria Math" panose="02040503050406030204" pitchFamily="18" charset="0"/>
+                      </a:rPr>
+                      <m:t>𝒒</m:t>
+                    </m:r>
+                    <m:r>
+                      <a:rPr lang="it-IT" sz="1600" b="0" i="1" smtClean="0">
+                        <a:latin typeface="Cambria Math" panose="02040503050406030204" pitchFamily="18" charset="0"/>
+                      </a:rPr>
+                      <m:t>=1−</m:t>
+                    </m:r>
+                    <m:r>
+                      <a:rPr lang="it-IT" sz="1600" b="0" i="1" smtClean="0">
+                        <a:latin typeface="Cambria Math" panose="02040503050406030204" pitchFamily="18" charset="0"/>
+                      </a:rPr>
+                      <m:t>𝑝</m:t>
+                    </m:r>
+                    <m:r>
+                      <a:rPr lang="it-IT" sz="1600" b="0" i="1" smtClean="0">
+                        <a:latin typeface="Cambria Math" panose="02040503050406030204" pitchFamily="18" charset="0"/>
+                      </a:rPr>
+                      <m:t>=</m:t>
+                    </m:r>
+                    <m:f>
+                      <m:fPr>
+                        <m:ctrlPr>
+                          <a:rPr lang="it-IT" sz="1600" i="1">
+                            <a:latin typeface="Cambria Math" panose="02040503050406030204" pitchFamily="18" charset="0"/>
+                          </a:rPr>
+                        </m:ctrlPr>
+                      </m:fPr>
+                      <m:num>
+                        <m:sSup>
+                          <m:sSupPr>
+                            <m:ctrlPr>
+                              <a:rPr lang="it-IT" sz="1600" i="1">
+                                <a:latin typeface="Cambria Math" panose="02040503050406030204" pitchFamily="18" charset="0"/>
+                              </a:rPr>
+                            </m:ctrlPr>
+                          </m:sSupPr>
+                          <m:e>
+                            <m:r>
+                              <a:rPr lang="it-IT" sz="1600" b="0" i="1" smtClean="0">
+                                <a:latin typeface="Cambria Math" panose="02040503050406030204" pitchFamily="18" charset="0"/>
+                              </a:rPr>
+                              <m:t>𝑢</m:t>
+                            </m:r>
+                            <m:r>
+                              <a:rPr lang="it-IT" sz="1600" b="0" i="1" smtClean="0">
+                                <a:latin typeface="Cambria Math" panose="02040503050406030204" pitchFamily="18" charset="0"/>
+                              </a:rPr>
+                              <m:t>−</m:t>
+                            </m:r>
+                            <m:r>
+                              <a:rPr lang="it-IT" sz="1600" i="1">
+                                <a:latin typeface="Cambria Math" panose="02040503050406030204" pitchFamily="18" charset="0"/>
+                              </a:rPr>
+                              <m:t>𝑒</m:t>
+                            </m:r>
+                          </m:e>
+                          <m:sup>
+                            <m:r>
+                              <a:rPr lang="it-IT" sz="1600" i="1">
+                                <a:latin typeface="Cambria Math" panose="02040503050406030204" pitchFamily="18" charset="0"/>
+                              </a:rPr>
+                              <m:t>𝑟</m:t>
+                            </m:r>
+                            <m:r>
+                              <a:rPr lang="it-IT" sz="1600" i="1">
+                                <a:latin typeface="Cambria Math" panose="02040503050406030204" pitchFamily="18" charset="0"/>
+                                <a:ea typeface="Cambria Math" panose="02040503050406030204" pitchFamily="18" charset="0"/>
+                              </a:rPr>
+                              <m:t>∆</m:t>
+                            </m:r>
+                            <m:r>
+                              <a:rPr lang="it-IT" sz="1600" i="1">
+                                <a:latin typeface="Cambria Math" panose="02040503050406030204" pitchFamily="18" charset="0"/>
+                                <a:ea typeface="Cambria Math" panose="02040503050406030204" pitchFamily="18" charset="0"/>
+                              </a:rPr>
+                              <m:t>𝑡</m:t>
+                            </m:r>
+                          </m:sup>
+                        </m:sSup>
+                      </m:num>
+                      <m:den>
+                        <m:r>
+                          <a:rPr lang="it-IT" sz="1600" i="1">
+                            <a:latin typeface="Cambria Math" panose="02040503050406030204" pitchFamily="18" charset="0"/>
+                          </a:rPr>
+                          <m:t>𝑢</m:t>
+                        </m:r>
+                        <m:r>
+                          <a:rPr lang="it-IT" sz="1600" i="1">
+                            <a:latin typeface="Cambria Math" panose="02040503050406030204" pitchFamily="18" charset="0"/>
+                          </a:rPr>
+                          <m:t>−</m:t>
+                        </m:r>
+                        <m:r>
+                          <a:rPr lang="it-IT" sz="1600" i="1">
+                            <a:latin typeface="Cambria Math" panose="02040503050406030204" pitchFamily="18" charset="0"/>
+                          </a:rPr>
+                          <m:t>𝑑</m:t>
+                        </m:r>
+                      </m:den>
+                    </m:f>
+                  </m:oMath>
+                </a14:m>
+                <a:endParaRPr lang="it-IT" sz="1600" b="0" dirty="0"/>
+              </a:p>
+              <a:p>
+                <a:r>
+                  <a:rPr lang="it-IT" sz="1600" b="0" dirty="0"/>
+                  <a:t>Nella definizione dei parametri compaiono il </a:t>
+                </a:r>
+                <a:r>
+                  <a:rPr lang="it-IT" sz="1600" b="1" dirty="0"/>
+                  <a:t>tasso privo di rischio r</a:t>
+                </a:r>
+                <a:r>
+                  <a:rPr lang="it-IT" sz="1600" b="0" dirty="0"/>
+                  <a:t> e la </a:t>
+                </a:r>
+                <a:r>
+                  <a:rPr lang="it-IT" sz="1600" b="1" dirty="0"/>
+                  <a:t>volatilità </a:t>
+                </a:r>
+                <a:r>
+                  <a:rPr lang="el-GR" sz="1600" b="1" dirty="0"/>
+                  <a:t>σ</a:t>
+                </a:r>
+                <a:r>
+                  <a:rPr lang="it-IT" sz="1600" b="0" dirty="0"/>
+                  <a:t> del rendimento del titolo, che rappresenta la rischiosità dello stesso.</a:t>
+                </a:r>
+              </a:p>
+            </p:txBody>
+          </p:sp>
+        </mc:Choice>
+        <mc:Fallback>
+          <p:sp>
+            <p:nvSpPr>
+              <p:cNvPr id="3" name="Segnaposto contenuto 2">
+                <a:extLst>
+                  <a:ext uri="{FF2B5EF4-FFF2-40B4-BE49-F238E27FC236}">
+                    <a16:creationId xmlns:a16="http://schemas.microsoft.com/office/drawing/2014/main" id="{113572B4-FF01-3146-12AD-6C56FE30CF5C}"/>
+                  </a:ext>
+                </a:extLst>
+              </p:cNvPr>
+              <p:cNvSpPr>
+                <a:spLocks noGrp="1" noRot="1" noChangeAspect="1" noMove="1" noResize="1" noEditPoints="1" noAdjustHandles="1" noChangeArrowheads="1" noChangeShapeType="1" noTextEdit="1"/>
+              </p:cNvSpPr>
+              <p:nvPr>
+                <p:ph sz="quarter" idx="15"/>
+              </p:nvPr>
+            </p:nvSpPr>
+            <p:spPr>
+              <a:xfrm>
+                <a:off x="594359" y="2676525"/>
+                <a:ext cx="8302993" cy="3597470"/>
+              </a:xfrm>
+              <a:blipFill>
+                <a:blip r:embed="rId3"/>
+                <a:stretch>
+                  <a:fillRect l="-1467" t="-1186" r="-2054"/>
+                </a:stretch>
+              </a:blipFill>
+            </p:spPr>
+            <p:txBody>
+              <a:bodyPr/>
+              <a:lstStyle/>
+              <a:p>
+                <a:r>
+                  <a:rPr lang="it-IT">
+                    <a:noFill/>
+                  </a:rPr>
+                  <a:t> </a:t>
+                </a:r>
+              </a:p>
+            </p:txBody>
+          </p:sp>
+        </mc:Fallback>
+      </mc:AlternateContent>
       <p:pic>
         <p:nvPicPr>
-          <p:cNvPr id="10" name="Segnaposto contenuto 9" descr="Immagine che contiene Carattere, Elementi grafici, tipografia, design&#10;&#10;Descrizione generata automaticamente">
+          <p:cNvPr id="12" name="Segnaposto contenuto 11" descr="Immagine che contiene schermata, linea, Policromia, design&#10;&#10;Descrizione generata automaticamente">
             <a:extLst>
               <a:ext uri="{FF2B5EF4-FFF2-40B4-BE49-F238E27FC236}">
-                <a16:creationId xmlns:a16="http://schemas.microsoft.com/office/drawing/2014/main" id="{D639A9D6-B438-26AC-E00D-6A45FBBA447C}"/>
+                <a16:creationId xmlns:a16="http://schemas.microsoft.com/office/drawing/2014/main" id="{DE259938-A9E6-2BA1-90BB-C660DC44EA55}"/>
               </a:ext>
             </a:extLst>
           </p:cNvPr>
@@ -14322,7 +14920,7 @@
           </p:nvPr>
         </p:nvPicPr>
         <p:blipFill>
-          <a:blip r:embed="rId3">
+          <a:blip r:embed="rId4">
             <a:extLst>
               <a:ext uri="{28A0092B-C50C-407E-A947-70E740481C1C}">
                 <a14:useLocalDpi xmlns:a14="http://schemas.microsoft.com/office/drawing/2010/main" val="0"/>
@@ -14335,255 +14933,15 @@
         </p:blipFill>
         <p:spPr>
           <a:xfrm>
-            <a:off x="9976514" y="4166696"/>
-            <a:ext cx="2054990" cy="1155931"/>
+            <a:off x="9096172" y="3321537"/>
+            <a:ext cx="2170967" cy="2170967"/>
           </a:xfrm>
-        </p:spPr>
-      </p:pic>
-      <p:pic>
-        <p:nvPicPr>
-          <p:cNvPr id="12" name="Immagine 11" descr="Immagine che contiene Carattere, Elementi grafici, grafica, testo&#10;&#10;Descrizione generata automaticamente">
-            <a:extLst>
-              <a:ext uri="{FF2B5EF4-FFF2-40B4-BE49-F238E27FC236}">
-                <a16:creationId xmlns:a16="http://schemas.microsoft.com/office/drawing/2014/main" id="{1B23DB68-2DAF-4115-2623-3D87673C5576}"/>
-              </a:ext>
-            </a:extLst>
-          </p:cNvPr>
-          <p:cNvPicPr>
-            <a:picLocks noChangeAspect="1"/>
-          </p:cNvPicPr>
-          <p:nvPr/>
-        </p:nvPicPr>
-        <p:blipFill>
-          <a:blip r:embed="rId4">
-            <a:extLst>
-              <a:ext uri="{28A0092B-C50C-407E-A947-70E740481C1C}">
-                <a14:useLocalDpi xmlns:a14="http://schemas.microsoft.com/office/drawing/2010/main" val="0"/>
-              </a:ext>
-            </a:extLst>
-          </a:blip>
-          <a:stretch>
-            <a:fillRect/>
-          </a:stretch>
-        </p:blipFill>
-        <p:spPr>
-          <a:xfrm>
-            <a:off x="7727294" y="5403386"/>
-            <a:ext cx="1676013" cy="315649"/>
-          </a:xfrm>
-          <a:prstGeom prst="rect">
-            <a:avLst/>
-          </a:prstGeom>
-        </p:spPr>
-      </p:pic>
-      <p:pic>
-        <p:nvPicPr>
-          <p:cNvPr id="14" name="Immagine 13" descr="Immagine che contiene simbolo, Elementi grafici, logo, design&#10;&#10;Descrizione generata automaticamente">
-            <a:extLst>
-              <a:ext uri="{FF2B5EF4-FFF2-40B4-BE49-F238E27FC236}">
-                <a16:creationId xmlns:a16="http://schemas.microsoft.com/office/drawing/2014/main" id="{D579C528-0162-45B1-55F2-823918783E5D}"/>
-              </a:ext>
-            </a:extLst>
-          </p:cNvPr>
-          <p:cNvPicPr>
-            <a:picLocks noChangeAspect="1"/>
-          </p:cNvPicPr>
-          <p:nvPr/>
-        </p:nvPicPr>
-        <p:blipFill>
-          <a:blip r:embed="rId5">
-            <a:extLst>
-              <a:ext uri="{28A0092B-C50C-407E-A947-70E740481C1C}">
-                <a14:useLocalDpi xmlns:a14="http://schemas.microsoft.com/office/drawing/2010/main" val="0"/>
-              </a:ext>
-            </a:extLst>
-          </a:blip>
-          <a:stretch>
-            <a:fillRect/>
-          </a:stretch>
-        </p:blipFill>
-        <p:spPr>
-          <a:xfrm>
-            <a:off x="10306261" y="5601274"/>
-            <a:ext cx="1291379" cy="950879"/>
-          </a:xfrm>
-          <a:prstGeom prst="rect">
-            <a:avLst/>
-          </a:prstGeom>
         </p:spPr>
       </p:pic>
     </p:spTree>
     <p:extLst>
       <p:ext uri="{BB962C8B-B14F-4D97-AF65-F5344CB8AC3E}">
-        <p14:creationId xmlns:p14="http://schemas.microsoft.com/office/powerpoint/2010/main" val="3183363411"/>
-      </p:ext>
-    </p:extLst>
-  </p:cSld>
-  <p:clrMapOvr>
-    <a:masterClrMapping/>
-  </p:clrMapOvr>
-</p:sld>
-</file>
-
-<file path=ppt/slides/slide7.xml><?xml version="1.0" encoding="utf-8"?>
-<p:sld xmlns:a="http://schemas.openxmlformats.org/drawingml/2006/main" xmlns:r="http://schemas.openxmlformats.org/officeDocument/2006/relationships" xmlns:p="http://schemas.openxmlformats.org/presentationml/2006/main">
-  <p:cSld>
-    <p:spTree>
-      <p:nvGrpSpPr>
-        <p:cNvPr id="1" name="">
-          <a:extLst>
-            <a:ext uri="{FF2B5EF4-FFF2-40B4-BE49-F238E27FC236}">
-              <a16:creationId xmlns:a16="http://schemas.microsoft.com/office/drawing/2014/main" id="{BD837984-50E4-47E0-7945-88373E8ED8F0}"/>
-            </a:ext>
-          </a:extLst>
-        </p:cNvPr>
-        <p:cNvGrpSpPr/>
-        <p:nvPr/>
-      </p:nvGrpSpPr>
-      <p:grpSpPr>
-        <a:xfrm>
-          <a:off x="0" y="0"/>
-          <a:ext cx="0" cy="0"/>
-          <a:chOff x="0" y="0"/>
-          <a:chExt cx="0" cy="0"/>
-        </a:xfrm>
-      </p:grpSpPr>
-      <p:sp>
-        <p:nvSpPr>
-          <p:cNvPr id="2" name="Titolo 1">
-            <a:extLst>
-              <a:ext uri="{FF2B5EF4-FFF2-40B4-BE49-F238E27FC236}">
-                <a16:creationId xmlns:a16="http://schemas.microsoft.com/office/drawing/2014/main" id="{B7304789-BE76-953C-52D5-8549E0F8FEC5}"/>
-              </a:ext>
-            </a:extLst>
-          </p:cNvPr>
-          <p:cNvSpPr>
-            <a:spLocks noGrp="1"/>
-          </p:cNvSpPr>
-          <p:nvPr>
-            <p:ph type="title"/>
-          </p:nvPr>
-        </p:nvSpPr>
-        <p:spPr>
-          <a:xfrm>
-            <a:off x="594360" y="278129"/>
-            <a:ext cx="9778365" cy="1494596"/>
-          </a:xfrm>
-        </p:spPr>
-        <p:txBody>
-          <a:bodyPr rtlCol="0"/>
-          <a:lstStyle>
-            <a:defPPr>
-              <a:defRPr lang="it-IT"/>
-            </a:defPPr>
-          </a:lstStyle>
-          <a:p>
-            <a:pPr rtl="0"/>
-            <a:r>
-              <a:rPr lang="it-IT" sz="4000" b="0" dirty="0"/>
-              <a:t>Metodologia – Costruzione del dataset</a:t>
-            </a:r>
-          </a:p>
-        </p:txBody>
-      </p:sp>
-      <p:sp>
-        <p:nvSpPr>
-          <p:cNvPr id="3" name="Segnaposto contenuto 2">
-            <a:extLst>
-              <a:ext uri="{FF2B5EF4-FFF2-40B4-BE49-F238E27FC236}">
-                <a16:creationId xmlns:a16="http://schemas.microsoft.com/office/drawing/2014/main" id="{24332FE8-E7D6-8D0C-464F-D48136882F48}"/>
-              </a:ext>
-            </a:extLst>
-          </p:cNvPr>
-          <p:cNvSpPr>
-            <a:spLocks noGrp="1"/>
-          </p:cNvSpPr>
-          <p:nvPr>
-            <p:ph sz="quarter" idx="15"/>
-          </p:nvPr>
-        </p:nvSpPr>
-        <p:spPr>
-          <a:xfrm>
-            <a:off x="594360" y="2676525"/>
-            <a:ext cx="6474193" cy="3597470"/>
-          </a:xfrm>
-        </p:spPr>
-        <p:txBody>
-          <a:bodyPr rtlCol="0"/>
-          <a:lstStyle>
-            <a:defPPr>
-              <a:defRPr lang="it-IT"/>
-            </a:defPPr>
-          </a:lstStyle>
-          <a:p>
-            <a:pPr rtl="0"/>
-            <a:r>
-              <a:rPr lang="it-IT" dirty="0"/>
-              <a:t>Applicare la put call </a:t>
-            </a:r>
-            <a:r>
-              <a:rPr lang="it-IT" dirty="0" err="1"/>
-              <a:t>parity</a:t>
-            </a:r>
-            <a:r>
-              <a:rPr lang="it-IT" dirty="0"/>
-              <a:t> e tirare fuori la retta di regressione, per farlo ci servono i dati delle opzioni a </a:t>
-            </a:r>
-            <a:r>
-              <a:rPr lang="it-IT" dirty="0" err="1"/>
-              <a:t>paritá</a:t>
-            </a:r>
-            <a:r>
-              <a:rPr lang="it-IT" dirty="0"/>
-              <a:t> di strike, scadenza e last trade, il valore del titolo, il tasso risk free e la </a:t>
-            </a:r>
-            <a:r>
-              <a:rPr lang="it-IT" dirty="0" err="1"/>
-              <a:t>volatilitá</a:t>
-            </a:r>
-            <a:r>
-              <a:rPr lang="it-IT" dirty="0"/>
-              <a:t> del titolo dopo in metodologia spiego come faccio</a:t>
-            </a:r>
-          </a:p>
-        </p:txBody>
-      </p:sp>
-      <p:sp>
-        <p:nvSpPr>
-          <p:cNvPr id="6" name="Segnaposto contenuto 5">
-            <a:extLst>
-              <a:ext uri="{FF2B5EF4-FFF2-40B4-BE49-F238E27FC236}">
-                <a16:creationId xmlns:a16="http://schemas.microsoft.com/office/drawing/2014/main" id="{5881CC1B-63DA-A05E-B3EA-B06582D550F9}"/>
-              </a:ext>
-            </a:extLst>
-          </p:cNvPr>
-          <p:cNvSpPr>
-            <a:spLocks noGrp="1"/>
-          </p:cNvSpPr>
-          <p:nvPr>
-            <p:ph sz="quarter" idx="16"/>
-          </p:nvPr>
-        </p:nvSpPr>
-        <p:spPr>
-          <a:xfrm rot="10800000" flipV="1">
-            <a:off x="11327732" y="667277"/>
-            <a:ext cx="625643" cy="848701"/>
-          </a:xfrm>
-        </p:spPr>
-        <p:txBody>
-          <a:bodyPr>
-            <a:normAutofit/>
-          </a:bodyPr>
-          <a:lstStyle/>
-          <a:p>
-            <a:endParaRPr lang="it-IT" dirty="0"/>
-          </a:p>
-        </p:txBody>
-      </p:sp>
-    </p:spTree>
-    <p:extLst>
-      <p:ext uri="{BB962C8B-B14F-4D97-AF65-F5344CB8AC3E}">
-        <p14:creationId xmlns:p14="http://schemas.microsoft.com/office/powerpoint/2010/main" val="4047996817"/>
+        <p14:creationId xmlns:p14="http://schemas.microsoft.com/office/powerpoint/2010/main" val="1534869329"/>
       </p:ext>
     </p:extLst>
   </p:cSld>
@@ -15721,35 +16079,6 @@
 </file>
 
 <file path=customXml/item1.xml><?xml version="1.0" encoding="utf-8"?>
-<p:properties xmlns:p="http://schemas.microsoft.com/office/2006/metadata/properties" xmlns:xsi="http://www.w3.org/2001/XMLSchema-instance" xmlns:pc="http://schemas.microsoft.com/office/infopath/2007/PartnerControls">
-  <documentManagement>
-    <Background xmlns="71af3243-3dd4-4a8d-8c0d-dd76da1f02a5">false</Background>
-    <Status xmlns="71af3243-3dd4-4a8d-8c0d-dd76da1f02a5">Not started</Status>
-    <_ip_UnifiedCompliancePolicyUIAction xmlns="http://schemas.microsoft.com/sharepoint/v3" xsi:nil="true"/>
-    <Image xmlns="71af3243-3dd4-4a8d-8c0d-dd76da1f02a5">
-      <Url xsi:nil="true"/>
-      <Description xsi:nil="true"/>
-    </Image>
-    <_ip_UnifiedCompliancePolicyProperties xmlns="http://schemas.microsoft.com/sharepoint/v3" xsi:nil="true"/>
-    <ImageTagsTaxHTField xmlns="71af3243-3dd4-4a8d-8c0d-dd76da1f02a5">
-      <Terms xmlns="http://schemas.microsoft.com/office/infopath/2007/PartnerControls"/>
-    </ImageTagsTaxHTField>
-    <TaxCatchAll xmlns="230e9df3-be65-4c73-a93b-d1236ebd677e" xsi:nil="true"/>
-    <MediaServiceKeyPoints xmlns="71af3243-3dd4-4a8d-8c0d-dd76da1f02a5" xsi:nil="true"/>
-  </documentManagement>
-</p:properties>
-</file>
-
-<file path=customXml/item2.xml><?xml version="1.0" encoding="utf-8"?>
-<?mso-contentType ?>
-<FormTemplates xmlns="http://schemas.microsoft.com/sharepoint/v3/contenttype/forms">
-  <Display>DocumentLibraryForm</Display>
-  <Edit>DocumentLibraryForm</Edit>
-  <New>DocumentLibraryForm</New>
-</FormTemplates>
-</file>
-
-<file path=customXml/item3.xml><?xml version="1.0" encoding="utf-8"?>
 <ct:contentTypeSchema xmlns:ct="http://schemas.microsoft.com/office/2006/metadata/contentType" xmlns:ma="http://schemas.microsoft.com/office/2006/metadata/properties/metaAttributes" ct:_="" ma:_="" ma:contentTypeName="Document" ma:contentTypeID="0x01010079F111ED35F8CC479449609E8A0923A6" ma:contentTypeVersion="28" ma:contentTypeDescription="Create a new document." ma:contentTypeScope="" ma:versionID="60f5a4f2d2b0abadcf532d48ebf9cb71">
   <xsd:schema xmlns:xsd="http://www.w3.org/2001/XMLSchema" xmlns:xs="http://www.w3.org/2001/XMLSchema" xmlns:p="http://schemas.microsoft.com/office/2006/metadata/properties" xmlns:ns1="http://schemas.microsoft.com/sharepoint/v3" xmlns:ns2="71af3243-3dd4-4a8d-8c0d-dd76da1f02a5" xmlns:ns3="16c05727-aa75-4e4a-9b5f-8a80a1165891" xmlns:ns4="230e9df3-be65-4c73-a93b-d1236ebd677e" targetNamespace="http://schemas.microsoft.com/office/2006/metadata/properties" ma:root="true" ma:fieldsID="7dd78129e6a1811f84807ad11c651531" ns1:_="" ns2:_="" ns3:_="" ns4:_="">
     <xsd:import namespace="http://schemas.microsoft.com/sharepoint/v3"/>
@@ -16061,27 +16390,36 @@
 </ct:contentTypeSchema>
 </file>
 
-<file path=customXml/itemProps1.xml><?xml version="1.0" encoding="utf-8"?>
-<ds:datastoreItem xmlns:ds="http://schemas.openxmlformats.org/officeDocument/2006/customXml" ds:itemID="{4F4B194E-8B30-4377-8C59-ECFB902D2A26}">
-  <ds:schemaRefs>
-    <ds:schemaRef ds:uri="http://schemas.microsoft.com/office/2006/metadata/properties"/>
-    <ds:schemaRef ds:uri="http://schemas.microsoft.com/office/infopath/2007/PartnerControls"/>
-    <ds:schemaRef ds:uri="71af3243-3dd4-4a8d-8c0d-dd76da1f02a5"/>
-    <ds:schemaRef ds:uri="http://schemas.microsoft.com/sharepoint/v3"/>
-    <ds:schemaRef ds:uri="230e9df3-be65-4c73-a93b-d1236ebd677e"/>
-  </ds:schemaRefs>
-</ds:datastoreItem>
+<file path=customXml/item2.xml><?xml version="1.0" encoding="utf-8"?>
+<?mso-contentType ?>
+<FormTemplates xmlns="http://schemas.microsoft.com/sharepoint/v3/contenttype/forms">
+  <Display>DocumentLibraryForm</Display>
+  <Edit>DocumentLibraryForm</Edit>
+  <New>DocumentLibraryForm</New>
+</FormTemplates>
 </file>
 
-<file path=customXml/itemProps2.xml><?xml version="1.0" encoding="utf-8"?>
-<ds:datastoreItem xmlns:ds="http://schemas.openxmlformats.org/officeDocument/2006/customXml" ds:itemID="{C21FFAC0-05A2-416A-B06C-C248395482CF}">
-  <ds:schemaRefs>
-    <ds:schemaRef ds:uri="http://schemas.microsoft.com/sharepoint/v3/contenttype/forms"/>
-  </ds:schemaRefs>
-</ds:datastoreItem>
+<file path=customXml/item3.xml><?xml version="1.0" encoding="utf-8"?>
+<p:properties xmlns:p="http://schemas.microsoft.com/office/2006/metadata/properties" xmlns:xsi="http://www.w3.org/2001/XMLSchema-instance" xmlns:pc="http://schemas.microsoft.com/office/infopath/2007/PartnerControls">
+  <documentManagement>
+    <Background xmlns="71af3243-3dd4-4a8d-8c0d-dd76da1f02a5">false</Background>
+    <Status xmlns="71af3243-3dd4-4a8d-8c0d-dd76da1f02a5">Not started</Status>
+    <_ip_UnifiedCompliancePolicyUIAction xmlns="http://schemas.microsoft.com/sharepoint/v3" xsi:nil="true"/>
+    <Image xmlns="71af3243-3dd4-4a8d-8c0d-dd76da1f02a5">
+      <Url xsi:nil="true"/>
+      <Description xsi:nil="true"/>
+    </Image>
+    <_ip_UnifiedCompliancePolicyProperties xmlns="http://schemas.microsoft.com/sharepoint/v3" xsi:nil="true"/>
+    <ImageTagsTaxHTField xmlns="71af3243-3dd4-4a8d-8c0d-dd76da1f02a5">
+      <Terms xmlns="http://schemas.microsoft.com/office/infopath/2007/PartnerControls"/>
+    </ImageTagsTaxHTField>
+    <TaxCatchAll xmlns="230e9df3-be65-4c73-a93b-d1236ebd677e" xsi:nil="true"/>
+    <MediaServiceKeyPoints xmlns="71af3243-3dd4-4a8d-8c0d-dd76da1f02a5" xsi:nil="true"/>
+  </documentManagement>
+</p:properties>
 </file>
 
-<file path=customXml/itemProps3.xml><?xml version="1.0" encoding="utf-8"?>
+<file path=customXml/itemProps1.xml><?xml version="1.0" encoding="utf-8"?>
 <ds:datastoreItem xmlns:ds="http://schemas.openxmlformats.org/officeDocument/2006/customXml" ds:itemID="{92DB9E12-8AC3-4138-BF4D-720A5525AB10}">
   <ds:schemaRefs>
     <ds:schemaRef ds:uri="http://schemas.microsoft.com/office/2006/metadata/contentType"/>
@@ -16102,6 +16440,26 @@
 </ds:datastoreItem>
 </file>
 
+<file path=customXml/itemProps2.xml><?xml version="1.0" encoding="utf-8"?>
+<ds:datastoreItem xmlns:ds="http://schemas.openxmlformats.org/officeDocument/2006/customXml" ds:itemID="{C21FFAC0-05A2-416A-B06C-C248395482CF}">
+  <ds:schemaRefs>
+    <ds:schemaRef ds:uri="http://schemas.microsoft.com/sharepoint/v3/contenttype/forms"/>
+  </ds:schemaRefs>
+</ds:datastoreItem>
+</file>
+
+<file path=customXml/itemProps3.xml><?xml version="1.0" encoding="utf-8"?>
+<ds:datastoreItem xmlns:ds="http://schemas.openxmlformats.org/officeDocument/2006/customXml" ds:itemID="{4F4B194E-8B30-4377-8C59-ECFB902D2A26}">
+  <ds:schemaRefs>
+    <ds:schemaRef ds:uri="http://schemas.microsoft.com/office/2006/metadata/properties"/>
+    <ds:schemaRef ds:uri="http://schemas.microsoft.com/office/infopath/2007/PartnerControls"/>
+    <ds:schemaRef ds:uri="71af3243-3dd4-4a8d-8c0d-dd76da1f02a5"/>
+    <ds:schemaRef ds:uri="http://schemas.microsoft.com/sharepoint/v3"/>
+    <ds:schemaRef ds:uri="230e9df3-be65-4c73-a93b-d1236ebd677e"/>
+  </ds:schemaRefs>
+</ds:datastoreItem>
+</file>
+
 <file path=docMetadata/LabelInfo.xml><?xml version="1.0" encoding="utf-8"?>
 <clbl:labelList xmlns:clbl="http://schemas.microsoft.com/office/2020/mipLabelMetadata"/>
 </file>
--- a/presentazione.pptx
+++ b/presentazione.pptx
@@ -204,7 +204,7 @@
             <a:pPr rtl="0"/>
             <a:fld id="{F43FFF67-0A66-4BA5-8D01-D7436A93C5DC}" type="datetime1">
               <a:rPr lang="it-IT" smtClean="0"/>
-              <a:t>01/02/2025</a:t>
+              <a:t>02/02/2025</a:t>
             </a:fld>
             <a:endParaRPr lang="it-IT" dirty="0"/>
           </a:p>
@@ -423,7 +423,7 @@
             <a:fld id="{CCC7B77D-D2C2-452D-80DB-AB1E949B0C69}" type="datetime1">
               <a:rPr lang="it-IT" smtClean="0"/>
               <a:pPr/>
-              <a:t>01/02/2025</a:t>
+              <a:t>02/02/2025</a:t>
             </a:fld>
             <a:endParaRPr lang="it-IT" dirty="0"/>
           </a:p>
@@ -13529,7 +13529,7 @@
             </a:r>
             <a:r>
               <a:rPr lang="it-IT" sz="1600" dirty="0"/>
-              <a:t> nelle sue varianti mono periodale e multi periodale per predire i prezzi delle opzioni europee ed americane, nel dettaglio verranno analizzati i seguenti titoli:</a:t>
+              <a:t> per predire i prezzi delle opzioni europee ed americane, nel dettaglio verranno analizzati i seguenti titoli, utilizzando dati del mese di novembre 2024:</a:t>
             </a:r>
           </a:p>
           <a:p>
@@ -13837,8 +13837,8 @@
           </a:p>
         </p:txBody>
       </p:sp>
-      <mc:AlternateContent xmlns:mc="http://schemas.openxmlformats.org/markup-compatibility/2006">
-        <mc:Choice xmlns:a14="http://schemas.microsoft.com/office/drawing/2010/main" Requires="a14">
+      <mc:AlternateContent xmlns:mc="http://schemas.openxmlformats.org/markup-compatibility/2006" xmlns:a14="http://schemas.microsoft.com/office/drawing/2010/main">
+        <mc:Choice Requires="a14">
           <p:sp>
             <p:nvSpPr>
               <p:cNvPr id="3" name="Segnaposto contenuto 2">
@@ -13900,105 +13900,143 @@
                       <m:sSubSup>
                         <m:sSubSupPr>
                           <m:ctrlPr>
-                            <a:rPr lang="it-IT" i="1"/>
+                            <a:rPr lang="it-IT" i="1">
+                              <a:latin typeface="Cambria Math" panose="02040503050406030204" pitchFamily="18" charset="0"/>
+                            </a:rPr>
                           </m:ctrlPr>
                         </m:sSubSupPr>
                         <m:e>
                           <m:r>
-                            <a:rPr lang="it-IT" i="1"/>
+                            <a:rPr lang="it-IT" i="1">
+                              <a:latin typeface="Cambria Math" panose="02040503050406030204" pitchFamily="18" charset="0"/>
+                            </a:rPr>
                             <m:t>(</m:t>
                           </m:r>
                           <m:sSub>
                             <m:sSubPr>
                               <m:ctrlPr>
-                                <a:rPr lang="it-IT" i="1"/>
+                                <a:rPr lang="it-IT" i="1">
+                                  <a:latin typeface="Cambria Math" panose="02040503050406030204" pitchFamily="18" charset="0"/>
+                                </a:rPr>
                               </m:ctrlPr>
                             </m:sSubPr>
                             <m:e>
                               <m:r>
-                                <a:rPr lang="it-IT" i="1"/>
+                                <a:rPr lang="it-IT" i="1">
+                                  <a:latin typeface="Cambria Math" panose="02040503050406030204" pitchFamily="18" charset="0"/>
+                                </a:rPr>
                                 <m:t>𝑆</m:t>
                               </m:r>
                             </m:e>
                             <m:sub>
                               <m:r>
-                                <a:rPr lang="it-IT" i="1"/>
+                                <a:rPr lang="it-IT" i="1">
+                                  <a:latin typeface="Cambria Math" panose="02040503050406030204" pitchFamily="18" charset="0"/>
+                                </a:rPr>
                                 <m:t>𝑛</m:t>
                               </m:r>
                             </m:sub>
                           </m:sSub>
                           <m:r>
-                            <a:rPr lang="it-IT" i="1"/>
+                            <a:rPr lang="it-IT" i="1">
+                              <a:latin typeface="Cambria Math" panose="02040503050406030204" pitchFamily="18" charset="0"/>
+                            </a:rPr>
                             <m:t>)</m:t>
                           </m:r>
                         </m:e>
                         <m:sub>
                           <m:r>
-                            <a:rPr lang="it-IT" i="1"/>
+                            <a:rPr lang="it-IT" i="1">
+                              <a:latin typeface="Cambria Math" panose="02040503050406030204" pitchFamily="18" charset="0"/>
+                            </a:rPr>
                             <m:t>𝑛</m:t>
                           </m:r>
                           <m:r>
-                            <a:rPr lang="it-IT" i="1"/>
+                            <a:rPr lang="it-IT" i="1">
+                              <a:latin typeface="Cambria Math" panose="02040503050406030204" pitchFamily="18" charset="0"/>
+                            </a:rPr>
                             <m:t>=1</m:t>
                           </m:r>
                         </m:sub>
                         <m:sup>
                           <m:r>
-                            <a:rPr lang="it-IT" i="1"/>
+                            <a:rPr lang="it-IT" i="1">
+                              <a:latin typeface="Cambria Math" panose="02040503050406030204" pitchFamily="18" charset="0"/>
+                            </a:rPr>
                             <m:t>𝑁</m:t>
                           </m:r>
                         </m:sup>
                       </m:sSubSup>
                       <m:r>
-                        <a:rPr lang="it-IT" i="1"/>
+                        <a:rPr lang="it-IT" i="1">
+                          <a:latin typeface="Cambria Math" panose="02040503050406030204" pitchFamily="18" charset="0"/>
+                        </a:rPr>
                         <m:t>   </m:t>
                       </m:r>
                       <m:r>
-                        <a:rPr lang="it-IT" i="1"/>
+                        <a:rPr lang="it-IT" i="1">
+                          <a:latin typeface="Cambria Math" panose="02040503050406030204" pitchFamily="18" charset="0"/>
+                        </a:rPr>
                         <m:t>𝑐𝑜𝑛</m:t>
                       </m:r>
                       <m:r>
-                        <a:rPr lang="it-IT" i="1"/>
+                        <a:rPr lang="it-IT" i="1">
+                          <a:latin typeface="Cambria Math" panose="02040503050406030204" pitchFamily="18" charset="0"/>
+                        </a:rPr>
                         <m:t>   </m:t>
                       </m:r>
                       <m:sSub>
                         <m:sSubPr>
                           <m:ctrlPr>
-                            <a:rPr lang="it-IT" i="1"/>
+                            <a:rPr lang="it-IT" i="1">
+                              <a:latin typeface="Cambria Math" panose="02040503050406030204" pitchFamily="18" charset="0"/>
+                            </a:rPr>
                           </m:ctrlPr>
                         </m:sSubPr>
                         <m:e>
                           <m:r>
-                            <a:rPr lang="it-IT" i="1"/>
+                            <a:rPr lang="it-IT" i="1">
+                              <a:latin typeface="Cambria Math" panose="02040503050406030204" pitchFamily="18" charset="0"/>
+                            </a:rPr>
                             <m:t>𝑆</m:t>
                           </m:r>
                         </m:e>
                         <m:sub>
                           <m:r>
-                            <a:rPr lang="it-IT" i="1"/>
+                            <a:rPr lang="it-IT" i="1">
+                              <a:latin typeface="Cambria Math" panose="02040503050406030204" pitchFamily="18" charset="0"/>
+                            </a:rPr>
                             <m:t>𝑛</m:t>
                           </m:r>
                         </m:sub>
                       </m:sSub>
                       <m:r>
-                        <a:rPr lang="it-IT" i="1"/>
+                        <a:rPr lang="it-IT" i="1">
+                          <a:latin typeface="Cambria Math" panose="02040503050406030204" pitchFamily="18" charset="0"/>
+                        </a:rPr>
                         <m:t>=</m:t>
                       </m:r>
                       <m:sSub>
                         <m:sSubPr>
                           <m:ctrlPr>
-                            <a:rPr lang="it-IT" i="1"/>
+                            <a:rPr lang="it-IT" i="1">
+                              <a:latin typeface="Cambria Math" panose="02040503050406030204" pitchFamily="18" charset="0"/>
+                            </a:rPr>
                           </m:ctrlPr>
                         </m:sSubPr>
                         <m:e>
                           <m:r>
-                            <a:rPr lang="it-IT" i="1"/>
+                            <a:rPr lang="it-IT" i="1">
+                              <a:latin typeface="Cambria Math" panose="02040503050406030204" pitchFamily="18" charset="0"/>
+                            </a:rPr>
                             <m:t>𝛽</m:t>
                           </m:r>
                         </m:e>
                         <m:sub>
                           <m:r>
-                            <a:rPr lang="it-IT" i="1"/>
+                            <a:rPr lang="it-IT" i="1">
+                              <a:latin typeface="Cambria Math" panose="02040503050406030204" pitchFamily="18" charset="0"/>
+                            </a:rPr>
                             <m:t>𝑛</m:t>
                           </m:r>
                         </m:sub>
@@ -14006,22 +14044,30 @@
                       <m:sSub>
                         <m:sSubPr>
                           <m:ctrlPr>
-                            <a:rPr lang="it-IT" i="1"/>
+                            <a:rPr lang="it-IT" i="1">
+                              <a:latin typeface="Cambria Math" panose="02040503050406030204" pitchFamily="18" charset="0"/>
+                            </a:rPr>
                           </m:ctrlPr>
                         </m:sSubPr>
                         <m:e>
                           <m:r>
-                            <a:rPr lang="it-IT" i="1"/>
+                            <a:rPr lang="it-IT" i="1">
+                              <a:latin typeface="Cambria Math" panose="02040503050406030204" pitchFamily="18" charset="0"/>
+                            </a:rPr>
                             <m:t>𝑆</m:t>
                           </m:r>
                         </m:e>
                         <m:sub>
                           <m:r>
-                            <a:rPr lang="it-IT" i="1"/>
+                            <a:rPr lang="it-IT" i="1">
+                              <a:latin typeface="Cambria Math" panose="02040503050406030204" pitchFamily="18" charset="0"/>
+                            </a:rPr>
                             <m:t>𝑛</m:t>
                           </m:r>
                           <m:r>
-                            <a:rPr lang="it-IT" i="1"/>
+                            <a:rPr lang="it-IT" i="1">
+                              <a:latin typeface="Cambria Math" panose="02040503050406030204" pitchFamily="18" charset="0"/>
+                            </a:rPr>
                             <m:t>−1</m:t>
                           </m:r>
                         </m:sub>
@@ -14037,103 +14083,143 @@
                           <m:begChr m:val="{"/>
                           <m:endChr m:val=""/>
                           <m:ctrlPr>
-                            <a:rPr lang="it-IT" i="1"/>
+                            <a:rPr lang="it-IT" i="1">
+                              <a:latin typeface="Cambria Math" panose="02040503050406030204" pitchFamily="18" charset="0"/>
+                            </a:rPr>
                           </m:ctrlPr>
                         </m:dPr>
                         <m:e>
                           <m:eqArr>
                             <m:eqArrPr>
                               <m:ctrlPr>
-                                <a:rPr lang="it-IT" i="1"/>
+                                <a:rPr lang="it-IT" i="1">
+                                  <a:latin typeface="Cambria Math" panose="02040503050406030204" pitchFamily="18" charset="0"/>
+                                </a:rPr>
                               </m:ctrlPr>
                             </m:eqArrPr>
                             <m:e>
                               <m:r>
-                                <a:rPr lang="it-IT" i="1"/>
+                                <a:rPr lang="it-IT" i="1">
+                                  <a:latin typeface="Cambria Math" panose="02040503050406030204" pitchFamily="18" charset="0"/>
+                                </a:rPr>
                                 <m:t>𝑢</m:t>
                               </m:r>
                               <m:sSub>
                                 <m:sSubPr>
                                   <m:ctrlPr>
-                                    <a:rPr lang="it-IT" i="1"/>
+                                    <a:rPr lang="it-IT" i="1">
+                                      <a:latin typeface="Cambria Math" panose="02040503050406030204" pitchFamily="18" charset="0"/>
+                                    </a:rPr>
                                   </m:ctrlPr>
                                 </m:sSubPr>
                                 <m:e>
                                   <m:r>
-                                    <a:rPr lang="it-IT" i="1"/>
+                                    <a:rPr lang="it-IT" i="1">
+                                      <a:latin typeface="Cambria Math" panose="02040503050406030204" pitchFamily="18" charset="0"/>
+                                    </a:rPr>
                                     <m:t>𝑆</m:t>
                                   </m:r>
                                 </m:e>
                                 <m:sub>
                                   <m:r>
-                                    <a:rPr lang="it-IT" i="1"/>
+                                    <a:rPr lang="it-IT" i="1">
+                                      <a:latin typeface="Cambria Math" panose="02040503050406030204" pitchFamily="18" charset="0"/>
+                                    </a:rPr>
                                     <m:t>𝑛</m:t>
                                   </m:r>
                                   <m:r>
-                                    <a:rPr lang="it-IT" i="1"/>
+                                    <a:rPr lang="it-IT" i="1">
+                                      <a:latin typeface="Cambria Math" panose="02040503050406030204" pitchFamily="18" charset="0"/>
+                                    </a:rPr>
                                     <m:t>−1</m:t>
                                   </m:r>
                                 </m:sub>
                               </m:sSub>
                               <m:r>
-                                <a:rPr lang="it-IT" i="1"/>
+                                <a:rPr lang="it-IT" i="1">
+                                  <a:latin typeface="Cambria Math" panose="02040503050406030204" pitchFamily="18" charset="0"/>
+                                </a:rPr>
                                 <m:t>   </m:t>
                               </m:r>
                               <m:r>
-                                <a:rPr lang="it-IT" i="1"/>
+                                <a:rPr lang="it-IT" i="1">
+                                  <a:latin typeface="Cambria Math" panose="02040503050406030204" pitchFamily="18" charset="0"/>
+                                </a:rPr>
                                 <m:t>𝑐𝑜𝑛</m:t>
                               </m:r>
                               <m:r>
-                                <a:rPr lang="it-IT" i="1"/>
+                                <a:rPr lang="it-IT" i="1">
+                                  <a:latin typeface="Cambria Math" panose="02040503050406030204" pitchFamily="18" charset="0"/>
+                                </a:rPr>
                                 <m:t>   </m:t>
                               </m:r>
                               <m:r>
-                                <a:rPr lang="it-IT" i="1"/>
+                                <a:rPr lang="it-IT" i="1">
+                                  <a:latin typeface="Cambria Math" panose="02040503050406030204" pitchFamily="18" charset="0"/>
+                                </a:rPr>
                                 <m:t>𝑝</m:t>
                               </m:r>
                             </m:e>
                             <m:e>
                               <m:r>
-                                <a:rPr lang="it-IT" i="1"/>
+                                <a:rPr lang="it-IT" i="1">
+                                  <a:latin typeface="Cambria Math" panose="02040503050406030204" pitchFamily="18" charset="0"/>
+                                </a:rPr>
                                 <m:t>𝑑</m:t>
                               </m:r>
                               <m:sSub>
                                 <m:sSubPr>
                                   <m:ctrlPr>
-                                    <a:rPr lang="it-IT" i="1"/>
+                                    <a:rPr lang="it-IT" i="1">
+                                      <a:latin typeface="Cambria Math" panose="02040503050406030204" pitchFamily="18" charset="0"/>
+                                    </a:rPr>
                                   </m:ctrlPr>
                                 </m:sSubPr>
                                 <m:e>
                                   <m:r>
-                                    <a:rPr lang="it-IT" i="1"/>
+                                    <a:rPr lang="it-IT" i="1">
+                                      <a:latin typeface="Cambria Math" panose="02040503050406030204" pitchFamily="18" charset="0"/>
+                                    </a:rPr>
                                     <m:t>𝑆</m:t>
                                   </m:r>
                                 </m:e>
                                 <m:sub>
                                   <m:r>
-                                    <a:rPr lang="it-IT" i="1"/>
+                                    <a:rPr lang="it-IT" i="1">
+                                      <a:latin typeface="Cambria Math" panose="02040503050406030204" pitchFamily="18" charset="0"/>
+                                    </a:rPr>
                                     <m:t>𝑛</m:t>
                                   </m:r>
                                   <m:r>
-                                    <a:rPr lang="it-IT" i="1"/>
+                                    <a:rPr lang="it-IT" i="1">
+                                      <a:latin typeface="Cambria Math" panose="02040503050406030204" pitchFamily="18" charset="0"/>
+                                    </a:rPr>
                                     <m:t>−1</m:t>
                                   </m:r>
                                 </m:sub>
                               </m:sSub>
                               <m:r>
-                                <a:rPr lang="it-IT" i="1"/>
+                                <a:rPr lang="it-IT" i="1">
+                                  <a:latin typeface="Cambria Math" panose="02040503050406030204" pitchFamily="18" charset="0"/>
+                                </a:rPr>
                                 <m:t>   </m:t>
                               </m:r>
                               <m:r>
-                                <a:rPr lang="it-IT" i="1"/>
+                                <a:rPr lang="it-IT" i="1">
+                                  <a:latin typeface="Cambria Math" panose="02040503050406030204" pitchFamily="18" charset="0"/>
+                                </a:rPr>
                                 <m:t>𝑐𝑜𝑛</m:t>
                               </m:r>
                               <m:r>
-                                <a:rPr lang="it-IT" i="1"/>
+                                <a:rPr lang="it-IT" i="1">
+                                  <a:latin typeface="Cambria Math" panose="02040503050406030204" pitchFamily="18" charset="0"/>
+                                </a:rPr>
                                 <m:t> </m:t>
                               </m:r>
                               <m:r>
-                                <a:rPr lang="it-IT" i="1"/>
+                                <a:rPr lang="it-IT" i="1">
+                                  <a:latin typeface="Cambria Math" panose="02040503050406030204" pitchFamily="18" charset="0"/>
+                                </a:rPr>
                                 <m:t>𝑞</m:t>
                               </m:r>
                             </m:e>
@@ -14156,48 +14242,58 @@
                         <a:rPr lang="it-IT" b="0" i="1" smtClean="0">
                           <a:latin typeface="Cambria Math" panose="02040503050406030204" pitchFamily="18" charset="0"/>
                         </a:rPr>
-                        <m:t>è</m:t>
-                      </m:r>
-                      <m:r>
-                        <a:rPr lang="it-IT" i="1"/>
-                        <m:t>   </m:t>
+                        <m:t>è   </m:t>
                       </m:r>
                       <m:sSub>
                         <m:sSubPr>
                           <m:ctrlPr>
-                            <a:rPr lang="it-IT" i="1"/>
+                            <a:rPr lang="it-IT" i="1">
+                              <a:latin typeface="Cambria Math" panose="02040503050406030204" pitchFamily="18" charset="0"/>
+                            </a:rPr>
                           </m:ctrlPr>
                         </m:sSubPr>
                         <m:e>
                           <m:r>
-                            <a:rPr lang="it-IT" i="1"/>
+                            <a:rPr lang="it-IT" i="1">
+                              <a:latin typeface="Cambria Math" panose="02040503050406030204" pitchFamily="18" charset="0"/>
+                            </a:rPr>
                             <m:t>𝛽</m:t>
                           </m:r>
                         </m:e>
                         <m:sub>
                           <m:r>
-                            <a:rPr lang="it-IT" i="1"/>
+                            <a:rPr lang="it-IT" i="1">
+                              <a:latin typeface="Cambria Math" panose="02040503050406030204" pitchFamily="18" charset="0"/>
+                            </a:rPr>
                             <m:t>𝑛</m:t>
                           </m:r>
                         </m:sub>
                       </m:sSub>
                       <m:r>
-                        <a:rPr lang="it-IT" i="1"/>
+                        <a:rPr lang="it-IT" i="1">
+                          <a:latin typeface="Cambria Math" panose="02040503050406030204" pitchFamily="18" charset="0"/>
+                        </a:rPr>
                         <m:t>~</m:t>
                       </m:r>
                       <m:r>
-                        <a:rPr lang="it-IT" i="1"/>
+                        <a:rPr lang="it-IT" i="1">
+                          <a:latin typeface="Cambria Math" panose="02040503050406030204" pitchFamily="18" charset="0"/>
+                        </a:rPr>
                         <m:t>𝐵𝑒𝑟</m:t>
                       </m:r>
                       <m:d>
                         <m:dPr>
                           <m:ctrlPr>
-                            <a:rPr lang="it-IT" i="1"/>
+                            <a:rPr lang="it-IT" i="1">
+                              <a:latin typeface="Cambria Math" panose="02040503050406030204" pitchFamily="18" charset="0"/>
+                            </a:rPr>
                           </m:ctrlPr>
                         </m:dPr>
                         <m:e>
                           <m:r>
-                            <a:rPr lang="it-IT" i="1"/>
+                            <a:rPr lang="it-IT" i="1">
+                              <a:latin typeface="Cambria Math" panose="02040503050406030204" pitchFamily="18" charset="0"/>
+                            </a:rPr>
                             <m:t>𝑝</m:t>
                           </m:r>
                         </m:e>
@@ -14225,7 +14321,7 @@
             </p:txBody>
           </p:sp>
         </mc:Choice>
-        <mc:Fallback>
+        <mc:Fallback xmlns="">
           <p:sp>
             <p:nvSpPr>
               <p:cNvPr id="3" name="Segnaposto contenuto 2">
@@ -14378,8 +14474,8 @@
           </a:p>
         </p:txBody>
       </p:sp>
-      <mc:AlternateContent xmlns:mc="http://schemas.openxmlformats.org/markup-compatibility/2006">
-        <mc:Choice xmlns:a14="http://schemas.microsoft.com/office/drawing/2010/main" Requires="a14">
+      <mc:AlternateContent xmlns:mc="http://schemas.openxmlformats.org/markup-compatibility/2006" xmlns:a14="http://schemas.microsoft.com/office/drawing/2010/main">
+        <mc:Choice Requires="a14">
           <p:sp>
             <p:nvSpPr>
               <p:cNvPr id="3" name="Segnaposto contenuto 2">
@@ -14859,7 +14955,7 @@
             </p:txBody>
           </p:sp>
         </mc:Choice>
-        <mc:Fallback>
+        <mc:Fallback xmlns="">
           <p:sp>
             <p:nvSpPr>
               <p:cNvPr id="3" name="Segnaposto contenuto 2">
@@ -15012,68 +15108,381 @@
           </a:p>
         </p:txBody>
       </p:sp>
-      <p:sp>
-        <p:nvSpPr>
-          <p:cNvPr id="3" name="Segnaposto contenuto 2">
-            <a:extLst>
-              <a:ext uri="{FF2B5EF4-FFF2-40B4-BE49-F238E27FC236}">
-                <a16:creationId xmlns:a16="http://schemas.microsoft.com/office/drawing/2014/main" id="{650B915F-4681-C4EA-5AEA-159FDBAEB784}"/>
-              </a:ext>
-            </a:extLst>
-          </p:cNvPr>
-          <p:cNvSpPr>
-            <a:spLocks noGrp="1"/>
-          </p:cNvSpPr>
-          <p:nvPr>
-            <p:ph sz="quarter" idx="15"/>
-          </p:nvPr>
-        </p:nvSpPr>
-        <p:spPr>
-          <a:xfrm>
-            <a:off x="594360" y="2676525"/>
-            <a:ext cx="6474193" cy="3597470"/>
-          </a:xfrm>
-        </p:spPr>
-        <p:txBody>
-          <a:bodyPr rtlCol="0"/>
-          <a:lstStyle>
-            <a:defPPr>
-              <a:defRPr lang="it-IT"/>
-            </a:defPPr>
-          </a:lstStyle>
-          <a:p>
-            <a:pPr rtl="0"/>
-            <a:r>
-              <a:rPr lang="it-IT" dirty="0"/>
-              <a:t>Applicare la put call </a:t>
-            </a:r>
-            <a:r>
-              <a:rPr lang="it-IT" dirty="0" err="1"/>
-              <a:t>parity</a:t>
-            </a:r>
-            <a:r>
-              <a:rPr lang="it-IT" dirty="0"/>
-              <a:t> e tirare fuori la retta di regressione, per farlo ci servono i dati delle opzioni a </a:t>
-            </a:r>
-            <a:r>
-              <a:rPr lang="it-IT" dirty="0" err="1"/>
-              <a:t>paritá</a:t>
-            </a:r>
-            <a:r>
-              <a:rPr lang="it-IT" dirty="0"/>
-              <a:t> di strike, scadenza e last trade, il valore del titolo, il tasso risk free e la </a:t>
-            </a:r>
-            <a:r>
-              <a:rPr lang="it-IT" dirty="0" err="1"/>
-              <a:t>volatilitá</a:t>
-            </a:r>
-            <a:r>
-              <a:rPr lang="it-IT" dirty="0"/>
-              <a:t> del titolo dopo in metodologia spiego come faccio</a:t>
-            </a:r>
-          </a:p>
-        </p:txBody>
-      </p:sp>
+      <mc:AlternateContent xmlns:mc="http://schemas.openxmlformats.org/markup-compatibility/2006">
+        <mc:Choice xmlns:a14="http://schemas.microsoft.com/office/drawing/2010/main" Requires="a14">
+          <p:sp>
+            <p:nvSpPr>
+              <p:cNvPr id="3" name="Segnaposto contenuto 2">
+                <a:extLst>
+                  <a:ext uri="{FF2B5EF4-FFF2-40B4-BE49-F238E27FC236}">
+                    <a16:creationId xmlns:a16="http://schemas.microsoft.com/office/drawing/2014/main" id="{650B915F-4681-C4EA-5AEA-159FDBAEB784}"/>
+                  </a:ext>
+                </a:extLst>
+              </p:cNvPr>
+              <p:cNvSpPr>
+                <a:spLocks noGrp="1"/>
+              </p:cNvSpPr>
+              <p:nvPr>
+                <p:ph sz="quarter" idx="15"/>
+              </p:nvPr>
+            </p:nvSpPr>
+            <p:spPr>
+              <a:xfrm>
+                <a:off x="594360" y="2676525"/>
+                <a:ext cx="9778365" cy="3597470"/>
+              </a:xfrm>
+            </p:spPr>
+            <p:txBody>
+              <a:bodyPr rtlCol="0"/>
+              <a:lstStyle>
+                <a:defPPr>
+                  <a:defRPr lang="it-IT"/>
+                </a:defPPr>
+              </a:lstStyle>
+              <a:p>
+                <a:pPr rtl="0"/>
+                <a:r>
+                  <a:rPr lang="it-IT" dirty="0"/>
+                  <a:t>Il tasso privo di rischio è il tasso di rendimento dato da un investimento considerato sicuro, pertanto per calcolarlo è possibile utilizzare delle obbligazioni Americane che vengono considerate prive anche del rischio di default.</a:t>
+                </a:r>
+              </a:p>
+              <a:p>
+                <a:pPr rtl="0"/>
+                <a:r>
+                  <a:rPr lang="it-IT" dirty="0"/>
+                  <a:t>Nel nostro caso è stato calcolato portando su base mensile il tasso di rendimento annualizzato dei Treasury Bills americani per il mese di novembre 2024.</a:t>
+                </a:r>
+              </a:p>
+              <a:p>
+                <a:pPr rtl="0"/>
+                <a:endParaRPr lang="it-IT" dirty="0"/>
+              </a:p>
+              <a:p>
+                <a14:m>
+                  <m:oMathPara xmlns:m="http://schemas.openxmlformats.org/officeDocument/2006/math">
+                    <m:oMathParaPr>
+                      <m:jc m:val="centerGroup"/>
+                    </m:oMathParaPr>
+                    <m:oMath xmlns:m="http://schemas.openxmlformats.org/officeDocument/2006/math">
+                      <m:r>
+                        <a:rPr lang="it-IT" b="0" i="1" smtClean="0">
+                          <a:latin typeface="Cambria Math" panose="02040503050406030204" pitchFamily="18" charset="0"/>
+                        </a:rPr>
+                        <m:t>1+</m:t>
+                      </m:r>
+                      <m:sSub>
+                        <m:sSubPr>
+                          <m:ctrlPr>
+                            <a:rPr lang="it-IT" b="0" i="1" smtClean="0">
+                              <a:latin typeface="Cambria Math" panose="02040503050406030204" pitchFamily="18" charset="0"/>
+                            </a:rPr>
+                          </m:ctrlPr>
+                        </m:sSubPr>
+                        <m:e>
+                          <m:r>
+                            <a:rPr lang="it-IT" b="0" i="1" smtClean="0">
+                              <a:latin typeface="Cambria Math" panose="02040503050406030204" pitchFamily="18" charset="0"/>
+                            </a:rPr>
+                            <m:t>𝑟</m:t>
+                          </m:r>
+                        </m:e>
+                        <m:sub>
+                          <m:r>
+                            <a:rPr lang="it-IT" b="0" i="1" smtClean="0">
+                              <a:latin typeface="Cambria Math" panose="02040503050406030204" pitchFamily="18" charset="0"/>
+                            </a:rPr>
+                            <m:t>𝑡</m:t>
+                          </m:r>
+                        </m:sub>
+                      </m:sSub>
+                      <m:r>
+                        <a:rPr lang="it-IT" b="0" i="1" smtClean="0">
+                          <a:latin typeface="Cambria Math" panose="02040503050406030204" pitchFamily="18" charset="0"/>
+                        </a:rPr>
+                        <m:t>=</m:t>
+                      </m:r>
+                      <m:sSup>
+                        <m:sSupPr>
+                          <m:ctrlPr>
+                            <a:rPr lang="it-IT" b="0" i="1" smtClean="0">
+                              <a:latin typeface="Cambria Math" panose="02040503050406030204" pitchFamily="18" charset="0"/>
+                            </a:rPr>
+                          </m:ctrlPr>
+                        </m:sSupPr>
+                        <m:e>
+                          <m:r>
+                            <a:rPr lang="it-IT" i="1">
+                              <a:latin typeface="Cambria Math" panose="02040503050406030204" pitchFamily="18" charset="0"/>
+                            </a:rPr>
+                            <m:t>(1+</m:t>
+                          </m:r>
+                          <m:sSub>
+                            <m:sSubPr>
+                              <m:ctrlPr>
+                                <a:rPr lang="it-IT" i="1">
+                                  <a:latin typeface="Cambria Math" panose="02040503050406030204" pitchFamily="18" charset="0"/>
+                                </a:rPr>
+                              </m:ctrlPr>
+                            </m:sSubPr>
+                            <m:e>
+                              <m:r>
+                                <a:rPr lang="it-IT" i="1">
+                                  <a:latin typeface="Cambria Math" panose="02040503050406030204" pitchFamily="18" charset="0"/>
+                                </a:rPr>
+                                <m:t>𝑟</m:t>
+                              </m:r>
+                            </m:e>
+                            <m:sub>
+                              <m:r>
+                                <a:rPr lang="it-IT" i="1">
+                                  <a:latin typeface="Cambria Math" panose="02040503050406030204" pitchFamily="18" charset="0"/>
+                                </a:rPr>
+                                <m:t>𝑎</m:t>
+                              </m:r>
+                            </m:sub>
+                          </m:sSub>
+                          <m:r>
+                            <a:rPr lang="it-IT" i="1">
+                              <a:latin typeface="Cambria Math" panose="02040503050406030204" pitchFamily="18" charset="0"/>
+                            </a:rPr>
+                            <m:t>)</m:t>
+                          </m:r>
+                        </m:e>
+                        <m:sup>
+                          <m:r>
+                            <a:rPr lang="it-IT" b="0" i="1" smtClean="0">
+                              <a:latin typeface="Cambria Math" panose="02040503050406030204" pitchFamily="18" charset="0"/>
+                            </a:rPr>
+                            <m:t>𝑡</m:t>
+                          </m:r>
+                        </m:sup>
+                      </m:sSup>
+                      <m:r>
+                        <a:rPr lang="it-IT" b="0" i="1" smtClean="0">
+                          <a:latin typeface="Cambria Math" panose="02040503050406030204" pitchFamily="18" charset="0"/>
+                        </a:rPr>
+                        <m:t> → </m:t>
+                      </m:r>
+                      <m:sSub>
+                        <m:sSubPr>
+                          <m:ctrlPr>
+                            <a:rPr lang="it-IT" i="1">
+                              <a:latin typeface="Cambria Math" panose="02040503050406030204" pitchFamily="18" charset="0"/>
+                            </a:rPr>
+                          </m:ctrlPr>
+                        </m:sSubPr>
+                        <m:e>
+                          <m:r>
+                            <a:rPr lang="it-IT" i="1">
+                              <a:latin typeface="Cambria Math" panose="02040503050406030204" pitchFamily="18" charset="0"/>
+                            </a:rPr>
+                            <m:t>𝑟</m:t>
+                          </m:r>
+                        </m:e>
+                        <m:sub>
+                          <m:r>
+                            <a:rPr lang="it-IT" i="1">
+                              <a:latin typeface="Cambria Math" panose="02040503050406030204" pitchFamily="18" charset="0"/>
+                            </a:rPr>
+                            <m:t>𝑎</m:t>
+                          </m:r>
+                        </m:sub>
+                      </m:sSub>
+                      <m:r>
+                        <a:rPr lang="it-IT" b="0" i="1" smtClean="0">
+                          <a:latin typeface="Cambria Math" panose="02040503050406030204" pitchFamily="18" charset="0"/>
+                        </a:rPr>
+                        <m:t>=</m:t>
+                      </m:r>
+                      <m:sSup>
+                        <m:sSupPr>
+                          <m:ctrlPr>
+                            <a:rPr lang="it-IT" i="1" smtClean="0">
+                              <a:latin typeface="Cambria Math" panose="02040503050406030204" pitchFamily="18" charset="0"/>
+                            </a:rPr>
+                          </m:ctrlPr>
+                        </m:sSupPr>
+                        <m:e>
+                          <m:r>
+                            <a:rPr lang="it-IT" i="1">
+                              <a:latin typeface="Cambria Math" panose="02040503050406030204" pitchFamily="18" charset="0"/>
+                            </a:rPr>
+                            <m:t>(1+</m:t>
+                          </m:r>
+                          <m:sSub>
+                            <m:sSubPr>
+                              <m:ctrlPr>
+                                <a:rPr lang="it-IT" i="1">
+                                  <a:latin typeface="Cambria Math" panose="02040503050406030204" pitchFamily="18" charset="0"/>
+                                </a:rPr>
+                              </m:ctrlPr>
+                            </m:sSubPr>
+                            <m:e>
+                              <m:r>
+                                <a:rPr lang="it-IT" i="1">
+                                  <a:latin typeface="Cambria Math" panose="02040503050406030204" pitchFamily="18" charset="0"/>
+                                </a:rPr>
+                                <m:t>𝑟</m:t>
+                              </m:r>
+                            </m:e>
+                            <m:sub>
+                              <m:r>
+                                <a:rPr lang="it-IT" i="1">
+                                  <a:latin typeface="Cambria Math" panose="02040503050406030204" pitchFamily="18" charset="0"/>
+                                </a:rPr>
+                                <m:t>𝑎</m:t>
+                              </m:r>
+                            </m:sub>
+                          </m:sSub>
+                          <m:r>
+                            <a:rPr lang="it-IT" i="1">
+                              <a:latin typeface="Cambria Math" panose="02040503050406030204" pitchFamily="18" charset="0"/>
+                            </a:rPr>
+                            <m:t>)</m:t>
+                          </m:r>
+                        </m:e>
+                        <m:sup>
+                          <m:f>
+                            <m:fPr>
+                              <m:ctrlPr>
+                                <a:rPr lang="it-IT" i="1" smtClean="0">
+                                  <a:latin typeface="Cambria Math" panose="02040503050406030204" pitchFamily="18" charset="0"/>
+                                </a:rPr>
+                              </m:ctrlPr>
+                            </m:fPr>
+                            <m:num>
+                              <m:r>
+                                <a:rPr lang="it-IT" b="0" i="1" smtClean="0">
+                                  <a:latin typeface="Cambria Math" panose="02040503050406030204" pitchFamily="18" charset="0"/>
+                                </a:rPr>
+                                <m:t>1</m:t>
+                              </m:r>
+                            </m:num>
+                            <m:den>
+                              <m:r>
+                                <a:rPr lang="it-IT" b="0" i="1" smtClean="0">
+                                  <a:latin typeface="Cambria Math" panose="02040503050406030204" pitchFamily="18" charset="0"/>
+                                </a:rPr>
+                                <m:t>𝑡</m:t>
+                              </m:r>
+                            </m:den>
+                          </m:f>
+                        </m:sup>
+                      </m:sSup>
+                      <m:r>
+                        <a:rPr lang="it-IT" b="0" i="1" smtClean="0">
+                          <a:latin typeface="Cambria Math" panose="02040503050406030204" pitchFamily="18" charset="0"/>
+                        </a:rPr>
+                        <m:t>−1</m:t>
+                      </m:r>
+                      <m:r>
+                        <a:rPr lang="it-IT" b="0" i="1" smtClean="0">
+                          <a:latin typeface="Cambria Math" panose="02040503050406030204" pitchFamily="18" charset="0"/>
+                          <a:ea typeface="Cambria Math" panose="02040503050406030204" pitchFamily="18" charset="0"/>
+                        </a:rPr>
+                        <m:t>≈</m:t>
+                      </m:r>
+                      <m:f>
+                        <m:fPr>
+                          <m:ctrlPr>
+                            <a:rPr lang="it-IT" b="0" i="1" smtClean="0">
+                              <a:latin typeface="Cambria Math" panose="02040503050406030204" pitchFamily="18" charset="0"/>
+                              <a:ea typeface="Cambria Math" panose="02040503050406030204" pitchFamily="18" charset="0"/>
+                            </a:rPr>
+                          </m:ctrlPr>
+                        </m:fPr>
+                        <m:num>
+                          <m:sSub>
+                            <m:sSubPr>
+                              <m:ctrlPr>
+                                <a:rPr lang="it-IT" b="0" i="1" smtClean="0">
+                                  <a:latin typeface="Cambria Math" panose="02040503050406030204" pitchFamily="18" charset="0"/>
+                                  <a:ea typeface="Cambria Math" panose="02040503050406030204" pitchFamily="18" charset="0"/>
+                                </a:rPr>
+                              </m:ctrlPr>
+                            </m:sSubPr>
+                            <m:e>
+                              <m:r>
+                                <a:rPr lang="it-IT" b="0" i="1" smtClean="0">
+                                  <a:latin typeface="Cambria Math" panose="02040503050406030204" pitchFamily="18" charset="0"/>
+                                  <a:ea typeface="Cambria Math" panose="02040503050406030204" pitchFamily="18" charset="0"/>
+                                </a:rPr>
+                                <m:t>𝑟</m:t>
+                              </m:r>
+                            </m:e>
+                            <m:sub>
+                              <m:r>
+                                <a:rPr lang="it-IT" b="0" i="1" smtClean="0">
+                                  <a:latin typeface="Cambria Math" panose="02040503050406030204" pitchFamily="18" charset="0"/>
+                                  <a:ea typeface="Cambria Math" panose="02040503050406030204" pitchFamily="18" charset="0"/>
+                                </a:rPr>
+                                <m:t>𝑡</m:t>
+                              </m:r>
+                            </m:sub>
+                          </m:sSub>
+                        </m:num>
+                        <m:den>
+                          <m:r>
+                            <a:rPr lang="it-IT" b="0" i="1" smtClean="0">
+                              <a:latin typeface="Cambria Math" panose="02040503050406030204" pitchFamily="18" charset="0"/>
+                              <a:ea typeface="Cambria Math" panose="02040503050406030204" pitchFamily="18" charset="0"/>
+                            </a:rPr>
+                            <m:t>𝑡</m:t>
+                          </m:r>
+                        </m:den>
+                      </m:f>
+                    </m:oMath>
+                  </m:oMathPara>
+                </a14:m>
+                <a:endParaRPr lang="it-IT" dirty="0"/>
+              </a:p>
+            </p:txBody>
+          </p:sp>
+        </mc:Choice>
+        <mc:Fallback>
+          <p:sp>
+            <p:nvSpPr>
+              <p:cNvPr id="3" name="Segnaposto contenuto 2">
+                <a:extLst>
+                  <a:ext uri="{FF2B5EF4-FFF2-40B4-BE49-F238E27FC236}">
+                    <a16:creationId xmlns:a16="http://schemas.microsoft.com/office/drawing/2014/main" id="{650B915F-4681-C4EA-5AEA-159FDBAEB784}"/>
+                  </a:ext>
+                </a:extLst>
+              </p:cNvPr>
+              <p:cNvSpPr>
+                <a:spLocks noGrp="1" noRot="1" noChangeAspect="1" noMove="1" noResize="1" noEditPoints="1" noAdjustHandles="1" noChangeArrowheads="1" noChangeShapeType="1" noTextEdit="1"/>
+              </p:cNvSpPr>
+              <p:nvPr>
+                <p:ph sz="quarter" idx="15"/>
+              </p:nvPr>
+            </p:nvSpPr>
+            <p:spPr>
+              <a:xfrm>
+                <a:off x="594360" y="2676525"/>
+                <a:ext cx="9778365" cy="3597470"/>
+              </a:xfrm>
+              <a:blipFill>
+                <a:blip r:embed="rId3"/>
+                <a:stretch>
+                  <a:fillRect l="-1621" t="-1695" r="-1309"/>
+                </a:stretch>
+              </a:blipFill>
+            </p:spPr>
+            <p:txBody>
+              <a:bodyPr/>
+              <a:lstStyle/>
+              <a:p>
+                <a:r>
+                  <a:rPr lang="it-IT">
+                    <a:noFill/>
+                  </a:rPr>
+                  <a:t> </a:t>
+                </a:r>
+              </a:p>
+            </p:txBody>
+          </p:sp>
+        </mc:Fallback>
+      </mc:AlternateContent>
       <p:sp>
         <p:nvSpPr>
           <p:cNvPr id="6" name="Segnaposto contenuto 5">
@@ -15180,68 +15589,735 @@
           </a:p>
         </p:txBody>
       </p:sp>
-      <p:sp>
-        <p:nvSpPr>
-          <p:cNvPr id="3" name="Segnaposto contenuto 2">
-            <a:extLst>
-              <a:ext uri="{FF2B5EF4-FFF2-40B4-BE49-F238E27FC236}">
-                <a16:creationId xmlns:a16="http://schemas.microsoft.com/office/drawing/2014/main" id="{09B4691E-F1DD-1DF1-6D69-FBE92E166E39}"/>
-              </a:ext>
-            </a:extLst>
-          </p:cNvPr>
-          <p:cNvSpPr>
-            <a:spLocks noGrp="1"/>
-          </p:cNvSpPr>
-          <p:nvPr>
-            <p:ph sz="quarter" idx="15"/>
-          </p:nvPr>
-        </p:nvSpPr>
-        <p:spPr>
-          <a:xfrm>
-            <a:off x="594360" y="2676525"/>
-            <a:ext cx="6474193" cy="3597470"/>
-          </a:xfrm>
-        </p:spPr>
-        <p:txBody>
-          <a:bodyPr rtlCol="0"/>
-          <a:lstStyle>
-            <a:defPPr>
-              <a:defRPr lang="it-IT"/>
-            </a:defPPr>
-          </a:lstStyle>
-          <a:p>
-            <a:pPr rtl="0"/>
-            <a:r>
-              <a:rPr lang="it-IT" dirty="0"/>
-              <a:t>Applicare la put call </a:t>
-            </a:r>
-            <a:r>
-              <a:rPr lang="it-IT" dirty="0" err="1"/>
-              <a:t>parity</a:t>
-            </a:r>
-            <a:r>
-              <a:rPr lang="it-IT" dirty="0"/>
-              <a:t> e tirare fuori la retta di regressione, per farlo ci servono i dati delle opzioni a </a:t>
-            </a:r>
-            <a:r>
-              <a:rPr lang="it-IT" dirty="0" err="1"/>
-              <a:t>paritá</a:t>
-            </a:r>
-            <a:r>
-              <a:rPr lang="it-IT" dirty="0"/>
-              <a:t> di strike, scadenza e last trade, il valore del titolo, il tasso risk free e la </a:t>
-            </a:r>
-            <a:r>
-              <a:rPr lang="it-IT" dirty="0" err="1"/>
-              <a:t>volatilitá</a:t>
-            </a:r>
-            <a:r>
-              <a:rPr lang="it-IT" dirty="0"/>
-              <a:t> del titolo dopo in metodologia spiego come faccio</a:t>
-            </a:r>
-          </a:p>
-        </p:txBody>
-      </p:sp>
+      <mc:AlternateContent xmlns:mc="http://schemas.openxmlformats.org/markup-compatibility/2006">
+        <mc:Choice xmlns:a14="http://schemas.microsoft.com/office/drawing/2010/main" Requires="a14">
+          <p:sp>
+            <p:nvSpPr>
+              <p:cNvPr id="3" name="Segnaposto contenuto 2">
+                <a:extLst>
+                  <a:ext uri="{FF2B5EF4-FFF2-40B4-BE49-F238E27FC236}">
+                    <a16:creationId xmlns:a16="http://schemas.microsoft.com/office/drawing/2014/main" id="{09B4691E-F1DD-1DF1-6D69-FBE92E166E39}"/>
+                  </a:ext>
+                </a:extLst>
+              </p:cNvPr>
+              <p:cNvSpPr>
+                <a:spLocks noGrp="1"/>
+              </p:cNvSpPr>
+              <p:nvPr>
+                <p:ph sz="quarter" idx="15"/>
+              </p:nvPr>
+            </p:nvSpPr>
+            <p:spPr>
+              <a:xfrm>
+                <a:off x="594360" y="2676525"/>
+                <a:ext cx="10733372" cy="3597470"/>
+              </a:xfrm>
+            </p:spPr>
+            <p:txBody>
+              <a:bodyPr rtlCol="0">
+                <a:normAutofit fontScale="92500"/>
+              </a:bodyPr>
+              <a:lstStyle>
+                <a:defPPr>
+                  <a:defRPr lang="it-IT"/>
+                </a:defPPr>
+              </a:lstStyle>
+              <a:p>
+                <a:pPr rtl="0"/>
+                <a:r>
+                  <a:rPr lang="it-IT" dirty="0"/>
+                  <a:t>Per il calcolo della volatilità dei rendimenti del titolo è stato utilizzato il modello </a:t>
+                </a:r>
+                <a:r>
+                  <a:rPr lang="it-IT" b="1" dirty="0"/>
+                  <a:t>GARCH</a:t>
+                </a:r>
+                <a:r>
+                  <a:rPr lang="it-IT" dirty="0"/>
+                  <a:t>              (</a:t>
+                </a:r>
+                <a:r>
+                  <a:rPr lang="it-IT" dirty="0" err="1"/>
+                  <a:t>Generalized</a:t>
+                </a:r>
+                <a:r>
+                  <a:rPr lang="it-IT" dirty="0"/>
+                  <a:t> </a:t>
+                </a:r>
+                <a:r>
+                  <a:rPr lang="it-IT" dirty="0" err="1"/>
+                  <a:t>Autoregressive</a:t>
+                </a:r>
+                <a:r>
+                  <a:rPr lang="it-IT" dirty="0"/>
+                  <a:t> </a:t>
+                </a:r>
+                <a:r>
+                  <a:rPr lang="it-IT" dirty="0" err="1"/>
+                  <a:t>Conditional</a:t>
+                </a:r>
+                <a:r>
+                  <a:rPr lang="it-IT" dirty="0"/>
+                  <a:t> </a:t>
+                </a:r>
+                <a:r>
+                  <a:rPr lang="it-IT" dirty="0" err="1"/>
+                  <a:t>Heteroskedasticity</a:t>
+                </a:r>
+                <a:r>
+                  <a:rPr lang="it-IT" dirty="0"/>
+                  <a:t>) considerando i rendimenti logaritmici. A differenza dell’approccio campionario questo modello ci permette di catturare dipendenze temporali e clustering nei rendimenti. Dato che la nostra analisi è su un orizzonte temporale di un mese è stata considerata la </a:t>
+                </a:r>
+                <a:r>
+                  <a:rPr lang="it-IT" b="1" dirty="0"/>
+                  <a:t>volatilità di lungo periodo</a:t>
+                </a:r>
+                <a:r>
+                  <a:rPr lang="it-IT" dirty="0"/>
+                  <a:t>.</a:t>
+                </a:r>
+              </a:p>
+              <a:p>
+                <a:pPr>
+                  <a:lnSpc>
+                    <a:spcPct val="300000"/>
+                  </a:lnSpc>
+                </a:pPr>
+                <a14:m>
+                  <m:oMathPara xmlns:m="http://schemas.openxmlformats.org/officeDocument/2006/math">
+                    <m:oMathParaPr>
+                      <m:jc m:val="centerGroup"/>
+                    </m:oMathParaPr>
+                    <m:oMath xmlns:m="http://schemas.openxmlformats.org/officeDocument/2006/math">
+                      <m:sSub>
+                        <m:sSubPr>
+                          <m:ctrlPr>
+                            <a:rPr lang="it-IT" i="1" smtClean="0">
+                              <a:latin typeface="Cambria Math" panose="02040503050406030204" pitchFamily="18" charset="0"/>
+                            </a:rPr>
+                          </m:ctrlPr>
+                        </m:sSubPr>
+                        <m:e>
+                          <m:r>
+                            <a:rPr lang="it-IT" i="1" smtClean="0">
+                              <a:latin typeface="Cambria Math" panose="02040503050406030204" pitchFamily="18" charset="0"/>
+                              <a:ea typeface="Cambria Math" panose="02040503050406030204" pitchFamily="18" charset="0"/>
+                            </a:rPr>
+                            <m:t>𝜎</m:t>
+                          </m:r>
+                        </m:e>
+                        <m:sub>
+                          <m:r>
+                            <a:rPr lang="it-IT" b="0" i="1" smtClean="0">
+                              <a:latin typeface="Cambria Math" panose="02040503050406030204" pitchFamily="18" charset="0"/>
+                            </a:rPr>
+                            <m:t>𝑡</m:t>
+                          </m:r>
+                          <m:r>
+                            <a:rPr lang="it-IT" b="0" i="1" smtClean="0">
+                              <a:latin typeface="Cambria Math" panose="02040503050406030204" pitchFamily="18" charset="0"/>
+                            </a:rPr>
+                            <m:t>+1</m:t>
+                          </m:r>
+                        </m:sub>
+                      </m:sSub>
+                      <m:r>
+                        <a:rPr lang="it-IT" b="0" i="1" smtClean="0">
+                          <a:latin typeface="Cambria Math" panose="02040503050406030204" pitchFamily="18" charset="0"/>
+                        </a:rPr>
+                        <m:t>=</m:t>
+                      </m:r>
+                      <m:sSub>
+                        <m:sSubPr>
+                          <m:ctrlPr>
+                            <a:rPr lang="it-IT" b="0" i="1" smtClean="0">
+                              <a:latin typeface="Cambria Math" panose="02040503050406030204" pitchFamily="18" charset="0"/>
+                            </a:rPr>
+                          </m:ctrlPr>
+                        </m:sSubPr>
+                        <m:e>
+                          <m:r>
+                            <a:rPr lang="it-IT" b="0" i="1" smtClean="0">
+                              <a:latin typeface="Cambria Math" panose="02040503050406030204" pitchFamily="18" charset="0"/>
+                              <a:ea typeface="Cambria Math" panose="02040503050406030204" pitchFamily="18" charset="0"/>
+                            </a:rPr>
+                            <m:t>𝛼</m:t>
+                          </m:r>
+                        </m:e>
+                        <m:sub>
+                          <m:r>
+                            <a:rPr lang="it-IT" b="0" i="1" smtClean="0">
+                              <a:latin typeface="Cambria Math" panose="02040503050406030204" pitchFamily="18" charset="0"/>
+                            </a:rPr>
+                            <m:t>0</m:t>
+                          </m:r>
+                        </m:sub>
+                      </m:sSub>
+                      <m:r>
+                        <a:rPr lang="it-IT" b="0" i="1" smtClean="0">
+                          <a:latin typeface="Cambria Math" panose="02040503050406030204" pitchFamily="18" charset="0"/>
+                        </a:rPr>
+                        <m:t>+</m:t>
+                      </m:r>
+                      <m:sSub>
+                        <m:sSubPr>
+                          <m:ctrlPr>
+                            <a:rPr lang="it-IT" b="0" i="1" smtClean="0">
+                              <a:latin typeface="Cambria Math" panose="02040503050406030204" pitchFamily="18" charset="0"/>
+                            </a:rPr>
+                          </m:ctrlPr>
+                        </m:sSubPr>
+                        <m:e>
+                          <m:r>
+                            <a:rPr lang="it-IT" b="0" i="1" smtClean="0">
+                              <a:latin typeface="Cambria Math" panose="02040503050406030204" pitchFamily="18" charset="0"/>
+                              <a:ea typeface="Cambria Math" panose="02040503050406030204" pitchFamily="18" charset="0"/>
+                            </a:rPr>
+                            <m:t>𝛼</m:t>
+                          </m:r>
+                        </m:e>
+                        <m:sub>
+                          <m:r>
+                            <a:rPr lang="it-IT" b="0" i="1" smtClean="0">
+                              <a:latin typeface="Cambria Math" panose="02040503050406030204" pitchFamily="18" charset="0"/>
+                            </a:rPr>
+                            <m:t>1</m:t>
+                          </m:r>
+                        </m:sub>
+                      </m:sSub>
+                      <m:sSub>
+                        <m:sSubPr>
+                          <m:ctrlPr>
+                            <a:rPr lang="it-IT" b="0" i="1" smtClean="0">
+                              <a:latin typeface="Cambria Math" panose="02040503050406030204" pitchFamily="18" charset="0"/>
+                            </a:rPr>
+                          </m:ctrlPr>
+                        </m:sSubPr>
+                        <m:e>
+                          <m:r>
+                            <a:rPr lang="it-IT" b="0" i="1" smtClean="0">
+                              <a:latin typeface="Cambria Math" panose="02040503050406030204" pitchFamily="18" charset="0"/>
+                              <a:ea typeface="Cambria Math" panose="02040503050406030204" pitchFamily="18" charset="0"/>
+                            </a:rPr>
+                            <m:t>𝜎</m:t>
+                          </m:r>
+                        </m:e>
+                        <m:sub>
+                          <m:r>
+                            <a:rPr lang="it-IT" b="0" i="1" smtClean="0">
+                              <a:latin typeface="Cambria Math" panose="02040503050406030204" pitchFamily="18" charset="0"/>
+                            </a:rPr>
+                            <m:t>𝑡</m:t>
+                          </m:r>
+                        </m:sub>
+                      </m:sSub>
+                      <m:r>
+                        <a:rPr lang="it-IT" b="0" i="1" smtClean="0">
+                          <a:latin typeface="Cambria Math" panose="02040503050406030204" pitchFamily="18" charset="0"/>
+                        </a:rPr>
+                        <m:t>+</m:t>
+                      </m:r>
+                      <m:sSub>
+                        <m:sSubPr>
+                          <m:ctrlPr>
+                            <a:rPr lang="it-IT" b="0" i="1" smtClean="0">
+                              <a:latin typeface="Cambria Math" panose="02040503050406030204" pitchFamily="18" charset="0"/>
+                            </a:rPr>
+                          </m:ctrlPr>
+                        </m:sSubPr>
+                        <m:e>
+                          <m:r>
+                            <a:rPr lang="it-IT" b="0" i="1" smtClean="0">
+                              <a:latin typeface="Cambria Math" panose="02040503050406030204" pitchFamily="18" charset="0"/>
+                              <a:ea typeface="Cambria Math" panose="02040503050406030204" pitchFamily="18" charset="0"/>
+                            </a:rPr>
+                            <m:t>𝛽</m:t>
+                          </m:r>
+                        </m:e>
+                        <m:sub>
+                          <m:r>
+                            <a:rPr lang="it-IT" b="0" i="1" smtClean="0">
+                              <a:latin typeface="Cambria Math" panose="02040503050406030204" pitchFamily="18" charset="0"/>
+                            </a:rPr>
+                            <m:t>1</m:t>
+                          </m:r>
+                        </m:sub>
+                      </m:sSub>
+                      <m:sSub>
+                        <m:sSubPr>
+                          <m:ctrlPr>
+                            <a:rPr lang="it-IT" b="0" i="1" smtClean="0">
+                              <a:latin typeface="Cambria Math" panose="02040503050406030204" pitchFamily="18" charset="0"/>
+                            </a:rPr>
+                          </m:ctrlPr>
+                        </m:sSubPr>
+                        <m:e>
+                          <m:r>
+                            <a:rPr lang="it-IT" b="0" i="1" smtClean="0">
+                              <a:latin typeface="Cambria Math" panose="02040503050406030204" pitchFamily="18" charset="0"/>
+                            </a:rPr>
+                            <m:t>𝑋</m:t>
+                          </m:r>
+                        </m:e>
+                        <m:sub>
+                          <m:r>
+                            <a:rPr lang="it-IT" b="0" i="1" smtClean="0">
+                              <a:latin typeface="Cambria Math" panose="02040503050406030204" pitchFamily="18" charset="0"/>
+                            </a:rPr>
+                            <m:t>𝑡</m:t>
+                          </m:r>
+                        </m:sub>
+                      </m:sSub>
+                      <m:r>
+                        <a:rPr lang="it-IT" b="0" i="1" smtClean="0">
+                          <a:latin typeface="Cambria Math" panose="02040503050406030204" pitchFamily="18" charset="0"/>
+                        </a:rPr>
+                        <m:t>=</m:t>
+                      </m:r>
+                      <m:sSub>
+                        <m:sSubPr>
+                          <m:ctrlPr>
+                            <a:rPr lang="it-IT" i="1">
+                              <a:latin typeface="Cambria Math" panose="02040503050406030204" pitchFamily="18" charset="0"/>
+                            </a:rPr>
+                          </m:ctrlPr>
+                        </m:sSubPr>
+                        <m:e>
+                          <m:r>
+                            <a:rPr lang="it-IT" i="1">
+                              <a:latin typeface="Cambria Math" panose="02040503050406030204" pitchFamily="18" charset="0"/>
+                              <a:ea typeface="Cambria Math" panose="02040503050406030204" pitchFamily="18" charset="0"/>
+                            </a:rPr>
+                            <m:t>𝛼</m:t>
+                          </m:r>
+                        </m:e>
+                        <m:sub>
+                          <m:r>
+                            <a:rPr lang="it-IT" i="1">
+                              <a:latin typeface="Cambria Math" panose="02040503050406030204" pitchFamily="18" charset="0"/>
+                            </a:rPr>
+                            <m:t>0</m:t>
+                          </m:r>
+                        </m:sub>
+                      </m:sSub>
+                      <m:r>
+                        <a:rPr lang="it-IT" i="1">
+                          <a:latin typeface="Cambria Math" panose="02040503050406030204" pitchFamily="18" charset="0"/>
+                        </a:rPr>
+                        <m:t>+</m:t>
+                      </m:r>
+                      <m:sSub>
+                        <m:sSubPr>
+                          <m:ctrlPr>
+                            <a:rPr lang="it-IT" i="1">
+                              <a:latin typeface="Cambria Math" panose="02040503050406030204" pitchFamily="18" charset="0"/>
+                            </a:rPr>
+                          </m:ctrlPr>
+                        </m:sSubPr>
+                        <m:e>
+                          <m:r>
+                            <a:rPr lang="it-IT" i="1">
+                              <a:latin typeface="Cambria Math" panose="02040503050406030204" pitchFamily="18" charset="0"/>
+                              <a:ea typeface="Cambria Math" panose="02040503050406030204" pitchFamily="18" charset="0"/>
+                            </a:rPr>
+                            <m:t>𝛼</m:t>
+                          </m:r>
+                        </m:e>
+                        <m:sub>
+                          <m:r>
+                            <a:rPr lang="it-IT" i="1">
+                              <a:latin typeface="Cambria Math" panose="02040503050406030204" pitchFamily="18" charset="0"/>
+                            </a:rPr>
+                            <m:t>1</m:t>
+                          </m:r>
+                        </m:sub>
+                      </m:sSub>
+                      <m:sSub>
+                        <m:sSubPr>
+                          <m:ctrlPr>
+                            <a:rPr lang="it-IT" i="1">
+                              <a:latin typeface="Cambria Math" panose="02040503050406030204" pitchFamily="18" charset="0"/>
+                            </a:rPr>
+                          </m:ctrlPr>
+                        </m:sSubPr>
+                        <m:e>
+                          <m:r>
+                            <a:rPr lang="it-IT" i="1">
+                              <a:latin typeface="Cambria Math" panose="02040503050406030204" pitchFamily="18" charset="0"/>
+                              <a:ea typeface="Cambria Math" panose="02040503050406030204" pitchFamily="18" charset="0"/>
+                            </a:rPr>
+                            <m:t>𝜎</m:t>
+                          </m:r>
+                        </m:e>
+                        <m:sub>
+                          <m:r>
+                            <a:rPr lang="it-IT" i="1">
+                              <a:latin typeface="Cambria Math" panose="02040503050406030204" pitchFamily="18" charset="0"/>
+                            </a:rPr>
+                            <m:t>𝑡</m:t>
+                          </m:r>
+                        </m:sub>
+                      </m:sSub>
+                      <m:r>
+                        <a:rPr lang="it-IT" i="1">
+                          <a:latin typeface="Cambria Math" panose="02040503050406030204" pitchFamily="18" charset="0"/>
+                        </a:rPr>
+                        <m:t>+</m:t>
+                      </m:r>
+                      <m:sSub>
+                        <m:sSubPr>
+                          <m:ctrlPr>
+                            <a:rPr lang="it-IT" i="1">
+                              <a:latin typeface="Cambria Math" panose="02040503050406030204" pitchFamily="18" charset="0"/>
+                            </a:rPr>
+                          </m:ctrlPr>
+                        </m:sSubPr>
+                        <m:e>
+                          <m:r>
+                            <a:rPr lang="it-IT" i="1">
+                              <a:latin typeface="Cambria Math" panose="02040503050406030204" pitchFamily="18" charset="0"/>
+                              <a:ea typeface="Cambria Math" panose="02040503050406030204" pitchFamily="18" charset="0"/>
+                            </a:rPr>
+                            <m:t>𝛽</m:t>
+                          </m:r>
+                        </m:e>
+                        <m:sub>
+                          <m:r>
+                            <a:rPr lang="it-IT" i="1">
+                              <a:latin typeface="Cambria Math" panose="02040503050406030204" pitchFamily="18" charset="0"/>
+                            </a:rPr>
+                            <m:t>1</m:t>
+                          </m:r>
+                        </m:sub>
+                      </m:sSub>
+                      <m:sSub>
+                        <m:sSubPr>
+                          <m:ctrlPr>
+                            <a:rPr lang="it-IT" i="1">
+                              <a:latin typeface="Cambria Math" panose="02040503050406030204" pitchFamily="18" charset="0"/>
+                            </a:rPr>
+                          </m:ctrlPr>
+                        </m:sSubPr>
+                        <m:e>
+                          <m:sSub>
+                            <m:sSubPr>
+                              <m:ctrlPr>
+                                <a:rPr lang="it-IT" i="1">
+                                  <a:latin typeface="Cambria Math" panose="02040503050406030204" pitchFamily="18" charset="0"/>
+                                </a:rPr>
+                              </m:ctrlPr>
+                            </m:sSubPr>
+                            <m:e>
+                              <m:r>
+                                <a:rPr lang="it-IT" i="1">
+                                  <a:latin typeface="Cambria Math" panose="02040503050406030204" pitchFamily="18" charset="0"/>
+                                  <a:ea typeface="Cambria Math" panose="02040503050406030204" pitchFamily="18" charset="0"/>
+                                </a:rPr>
+                                <m:t>𝜎</m:t>
+                              </m:r>
+                            </m:e>
+                            <m:sub>
+                              <m:r>
+                                <a:rPr lang="it-IT" i="1">
+                                  <a:latin typeface="Cambria Math" panose="02040503050406030204" pitchFamily="18" charset="0"/>
+                                </a:rPr>
+                                <m:t>𝑡</m:t>
+                              </m:r>
+                            </m:sub>
+                          </m:sSub>
+                          <m:r>
+                            <a:rPr lang="it-IT" b="0" i="1" smtClean="0">
+                              <a:latin typeface="Cambria Math" panose="02040503050406030204" pitchFamily="18" charset="0"/>
+                            </a:rPr>
+                            <m:t>𝑊</m:t>
+                          </m:r>
+                        </m:e>
+                        <m:sub>
+                          <m:r>
+                            <a:rPr lang="it-IT" i="1">
+                              <a:latin typeface="Cambria Math" panose="02040503050406030204" pitchFamily="18" charset="0"/>
+                            </a:rPr>
+                            <m:t>𝑡</m:t>
+                          </m:r>
+                        </m:sub>
+                      </m:sSub>
+                      <m:r>
+                        <a:rPr lang="it-IT" b="0" i="1" smtClean="0">
+                          <a:latin typeface="Cambria Math" panose="02040503050406030204" pitchFamily="18" charset="0"/>
+                        </a:rPr>
+                        <m:t>   </m:t>
+                      </m:r>
+                      <m:r>
+                        <a:rPr lang="it-IT" b="0" i="1" smtClean="0">
+                          <a:latin typeface="Cambria Math" panose="02040503050406030204" pitchFamily="18" charset="0"/>
+                        </a:rPr>
+                        <m:t>𝑐𝑜𝑛</m:t>
+                      </m:r>
+                      <m:sSub>
+                        <m:sSubPr>
+                          <m:ctrlPr>
+                            <a:rPr lang="it-IT" i="1">
+                              <a:latin typeface="Cambria Math" panose="02040503050406030204" pitchFamily="18" charset="0"/>
+                            </a:rPr>
+                          </m:ctrlPr>
+                        </m:sSubPr>
+                        <m:e>
+                          <m:r>
+                            <a:rPr lang="it-IT" b="0" i="1" smtClean="0">
+                              <a:latin typeface="Cambria Math" panose="02040503050406030204" pitchFamily="18" charset="0"/>
+                            </a:rPr>
+                            <m:t>   </m:t>
+                          </m:r>
+                          <m:r>
+                            <a:rPr lang="it-IT" i="1">
+                              <a:latin typeface="Cambria Math" panose="02040503050406030204" pitchFamily="18" charset="0"/>
+                            </a:rPr>
+                            <m:t>𝑊</m:t>
+                          </m:r>
+                        </m:e>
+                        <m:sub>
+                          <m:r>
+                            <a:rPr lang="it-IT" i="1">
+                              <a:latin typeface="Cambria Math" panose="02040503050406030204" pitchFamily="18" charset="0"/>
+                            </a:rPr>
+                            <m:t>𝑡</m:t>
+                          </m:r>
+                        </m:sub>
+                      </m:sSub>
+                      <m:r>
+                        <a:rPr lang="it-IT" b="0" i="1" smtClean="0">
+                          <a:latin typeface="Cambria Math" panose="02040503050406030204" pitchFamily="18" charset="0"/>
+                        </a:rPr>
+                        <m:t> </m:t>
+                      </m:r>
+                      <m:r>
+                        <a:rPr lang="it-IT" b="0" i="1" smtClean="0">
+                          <a:latin typeface="Cambria Math" panose="02040503050406030204" pitchFamily="18" charset="0"/>
+                        </a:rPr>
+                        <m:t>𝑤h𝑖𝑡𝑒</m:t>
+                      </m:r>
+                      <m:r>
+                        <a:rPr lang="it-IT" b="0" i="1" smtClean="0">
+                          <a:latin typeface="Cambria Math" panose="02040503050406030204" pitchFamily="18" charset="0"/>
+                        </a:rPr>
+                        <m:t> </m:t>
+                      </m:r>
+                      <m:r>
+                        <a:rPr lang="it-IT" b="0" i="1" smtClean="0">
+                          <a:latin typeface="Cambria Math" panose="02040503050406030204" pitchFamily="18" charset="0"/>
+                        </a:rPr>
+                        <m:t>𝑛𝑜𝑖𝑠𝑒</m:t>
+                      </m:r>
+                    </m:oMath>
+                  </m:oMathPara>
+                </a14:m>
+                <a:endParaRPr lang="it-IT" b="0" dirty="0"/>
+              </a:p>
+              <a:p>
+                <a:pPr>
+                  <a:lnSpc>
+                    <a:spcPct val="200000"/>
+                  </a:lnSpc>
+                </a:pPr>
+                <a14:m>
+                  <m:oMathPara xmlns:m="http://schemas.openxmlformats.org/officeDocument/2006/math">
+                    <m:oMathParaPr>
+                      <m:jc m:val="centerGroup"/>
+                    </m:oMathParaPr>
+                    <m:oMath xmlns:m="http://schemas.openxmlformats.org/officeDocument/2006/math">
+                      <m:sSub>
+                        <m:sSubPr>
+                          <m:ctrlPr>
+                            <a:rPr lang="it-IT" b="0" i="1" smtClean="0">
+                              <a:latin typeface="Cambria Math" panose="02040503050406030204" pitchFamily="18" charset="0"/>
+                            </a:rPr>
+                          </m:ctrlPr>
+                        </m:sSubPr>
+                        <m:e>
+                          <m:r>
+                            <a:rPr lang="it-IT" b="0" i="1" smtClean="0">
+                              <a:latin typeface="Cambria Math" panose="02040503050406030204" pitchFamily="18" charset="0"/>
+                              <a:ea typeface="Cambria Math" panose="02040503050406030204" pitchFamily="18" charset="0"/>
+                            </a:rPr>
+                            <m:t>𝜎</m:t>
+                          </m:r>
+                        </m:e>
+                        <m:sub>
+                          <m:r>
+                            <a:rPr lang="it-IT" b="0" i="1" smtClean="0">
+                              <a:latin typeface="Cambria Math" panose="02040503050406030204" pitchFamily="18" charset="0"/>
+                            </a:rPr>
+                            <m:t>𝑙𝑝</m:t>
+                          </m:r>
+                        </m:sub>
+                      </m:sSub>
+                      <m:r>
+                        <a:rPr lang="it-IT" b="0" i="1" smtClean="0">
+                          <a:latin typeface="Cambria Math" panose="02040503050406030204" pitchFamily="18" charset="0"/>
+                        </a:rPr>
+                        <m:t>=</m:t>
+                      </m:r>
+                      <m:f>
+                        <m:fPr>
+                          <m:ctrlPr>
+                            <a:rPr lang="it-IT" b="0" i="1" smtClean="0">
+                              <a:latin typeface="Cambria Math" panose="02040503050406030204" pitchFamily="18" charset="0"/>
+                            </a:rPr>
+                          </m:ctrlPr>
+                        </m:fPr>
+                        <m:num>
+                          <m:sSub>
+                            <m:sSubPr>
+                              <m:ctrlPr>
+                                <a:rPr lang="it-IT" i="1">
+                                  <a:latin typeface="Cambria Math" panose="02040503050406030204" pitchFamily="18" charset="0"/>
+                                </a:rPr>
+                              </m:ctrlPr>
+                            </m:sSubPr>
+                            <m:e>
+                              <m:r>
+                                <a:rPr lang="it-IT" i="1">
+                                  <a:latin typeface="Cambria Math" panose="02040503050406030204" pitchFamily="18" charset="0"/>
+                                  <a:ea typeface="Cambria Math" panose="02040503050406030204" pitchFamily="18" charset="0"/>
+                                </a:rPr>
+                                <m:t>𝛼</m:t>
+                              </m:r>
+                            </m:e>
+                            <m:sub>
+                              <m:r>
+                                <a:rPr lang="it-IT" i="1">
+                                  <a:latin typeface="Cambria Math" panose="02040503050406030204" pitchFamily="18" charset="0"/>
+                                </a:rPr>
+                                <m:t>0</m:t>
+                              </m:r>
+                            </m:sub>
+                          </m:sSub>
+                        </m:num>
+                        <m:den>
+                          <m:r>
+                            <a:rPr lang="it-IT" b="0" i="1" smtClean="0">
+                              <a:latin typeface="Cambria Math" panose="02040503050406030204" pitchFamily="18" charset="0"/>
+                            </a:rPr>
+                            <m:t>1−</m:t>
+                          </m:r>
+                          <m:sSub>
+                            <m:sSubPr>
+                              <m:ctrlPr>
+                                <a:rPr lang="it-IT" i="1">
+                                  <a:latin typeface="Cambria Math" panose="02040503050406030204" pitchFamily="18" charset="0"/>
+                                </a:rPr>
+                              </m:ctrlPr>
+                            </m:sSubPr>
+                            <m:e>
+                              <m:r>
+                                <a:rPr lang="it-IT" i="1">
+                                  <a:latin typeface="Cambria Math" panose="02040503050406030204" pitchFamily="18" charset="0"/>
+                                  <a:ea typeface="Cambria Math" panose="02040503050406030204" pitchFamily="18" charset="0"/>
+                                </a:rPr>
+                                <m:t>𝛼</m:t>
+                              </m:r>
+                            </m:e>
+                            <m:sub>
+                              <m:r>
+                                <a:rPr lang="it-IT" i="1">
+                                  <a:latin typeface="Cambria Math" panose="02040503050406030204" pitchFamily="18" charset="0"/>
+                                </a:rPr>
+                                <m:t>1</m:t>
+                              </m:r>
+                            </m:sub>
+                          </m:sSub>
+                          <m:r>
+                            <a:rPr lang="it-IT" b="0" i="1" smtClean="0">
+                              <a:latin typeface="Cambria Math" panose="02040503050406030204" pitchFamily="18" charset="0"/>
+                            </a:rPr>
+                            <m:t>−</m:t>
+                          </m:r>
+                          <m:sSub>
+                            <m:sSubPr>
+                              <m:ctrlPr>
+                                <a:rPr lang="it-IT" i="1">
+                                  <a:latin typeface="Cambria Math" panose="02040503050406030204" pitchFamily="18" charset="0"/>
+                                </a:rPr>
+                              </m:ctrlPr>
+                            </m:sSubPr>
+                            <m:e>
+                              <m:r>
+                                <a:rPr lang="it-IT" i="1">
+                                  <a:latin typeface="Cambria Math" panose="02040503050406030204" pitchFamily="18" charset="0"/>
+                                  <a:ea typeface="Cambria Math" panose="02040503050406030204" pitchFamily="18" charset="0"/>
+                                </a:rPr>
+                                <m:t>𝛽</m:t>
+                              </m:r>
+                            </m:e>
+                            <m:sub>
+                              <m:r>
+                                <a:rPr lang="it-IT" i="1">
+                                  <a:latin typeface="Cambria Math" panose="02040503050406030204" pitchFamily="18" charset="0"/>
+                                </a:rPr>
+                                <m:t>1</m:t>
+                              </m:r>
+                            </m:sub>
+                          </m:sSub>
+                        </m:den>
+                      </m:f>
+                    </m:oMath>
+                  </m:oMathPara>
+                </a14:m>
+                <a:endParaRPr lang="it-IT" b="0" dirty="0"/>
+              </a:p>
+              <a:p>
+                <a:endParaRPr lang="it-IT" b="0" dirty="0"/>
+              </a:p>
+              <a:p>
+                <a:endParaRPr lang="it-IT" dirty="0"/>
+              </a:p>
+            </p:txBody>
+          </p:sp>
+        </mc:Choice>
+        <mc:Fallback>
+          <p:sp>
+            <p:nvSpPr>
+              <p:cNvPr id="3" name="Segnaposto contenuto 2">
+                <a:extLst>
+                  <a:ext uri="{FF2B5EF4-FFF2-40B4-BE49-F238E27FC236}">
+                    <a16:creationId xmlns:a16="http://schemas.microsoft.com/office/drawing/2014/main" id="{09B4691E-F1DD-1DF1-6D69-FBE92E166E39}"/>
+                  </a:ext>
+                </a:extLst>
+              </p:cNvPr>
+              <p:cNvSpPr>
+                <a:spLocks noGrp="1" noRot="1" noChangeAspect="1" noMove="1" noResize="1" noEditPoints="1" noAdjustHandles="1" noChangeArrowheads="1" noChangeShapeType="1" noTextEdit="1"/>
+              </p:cNvSpPr>
+              <p:nvPr>
+                <p:ph sz="quarter" idx="15"/>
+              </p:nvPr>
+            </p:nvSpPr>
+            <p:spPr>
+              <a:xfrm>
+                <a:off x="594360" y="2676525"/>
+                <a:ext cx="10733372" cy="3597470"/>
+              </a:xfrm>
+              <a:blipFill>
+                <a:blip r:embed="rId3"/>
+                <a:stretch>
+                  <a:fillRect l="-1420" t="-1695"/>
+                </a:stretch>
+              </a:blipFill>
+            </p:spPr>
+            <p:txBody>
+              <a:bodyPr/>
+              <a:lstStyle/>
+              <a:p>
+                <a:r>
+                  <a:rPr lang="it-IT">
+                    <a:noFill/>
+                  </a:rPr>
+                  <a:t> </a:t>
+                </a:r>
+              </a:p>
+            </p:txBody>
+          </p:sp>
+        </mc:Fallback>
+      </mc:AlternateContent>
       <p:sp>
         <p:nvSpPr>
           <p:cNvPr id="6" name="Segnaposto contenuto 5">
@@ -16079,6 +17155,35 @@
 </file>
 
 <file path=customXml/item1.xml><?xml version="1.0" encoding="utf-8"?>
+<p:properties xmlns:p="http://schemas.microsoft.com/office/2006/metadata/properties" xmlns:xsi="http://www.w3.org/2001/XMLSchema-instance" xmlns:pc="http://schemas.microsoft.com/office/infopath/2007/PartnerControls">
+  <documentManagement>
+    <Background xmlns="71af3243-3dd4-4a8d-8c0d-dd76da1f02a5">false</Background>
+    <Status xmlns="71af3243-3dd4-4a8d-8c0d-dd76da1f02a5">Not started</Status>
+    <_ip_UnifiedCompliancePolicyUIAction xmlns="http://schemas.microsoft.com/sharepoint/v3" xsi:nil="true"/>
+    <Image xmlns="71af3243-3dd4-4a8d-8c0d-dd76da1f02a5">
+      <Url xsi:nil="true"/>
+      <Description xsi:nil="true"/>
+    </Image>
+    <_ip_UnifiedCompliancePolicyProperties xmlns="http://schemas.microsoft.com/sharepoint/v3" xsi:nil="true"/>
+    <ImageTagsTaxHTField xmlns="71af3243-3dd4-4a8d-8c0d-dd76da1f02a5">
+      <Terms xmlns="http://schemas.microsoft.com/office/infopath/2007/PartnerControls"/>
+    </ImageTagsTaxHTField>
+    <TaxCatchAll xmlns="230e9df3-be65-4c73-a93b-d1236ebd677e" xsi:nil="true"/>
+    <MediaServiceKeyPoints xmlns="71af3243-3dd4-4a8d-8c0d-dd76da1f02a5" xsi:nil="true"/>
+  </documentManagement>
+</p:properties>
+</file>
+
+<file path=customXml/item2.xml><?xml version="1.0" encoding="utf-8"?>
+<?mso-contentType ?>
+<FormTemplates xmlns="http://schemas.microsoft.com/sharepoint/v3/contenttype/forms">
+  <Display>DocumentLibraryForm</Display>
+  <Edit>DocumentLibraryForm</Edit>
+  <New>DocumentLibraryForm</New>
+</FormTemplates>
+</file>
+
+<file path=customXml/item3.xml><?xml version="1.0" encoding="utf-8"?>
 <ct:contentTypeSchema xmlns:ct="http://schemas.microsoft.com/office/2006/metadata/contentType" xmlns:ma="http://schemas.microsoft.com/office/2006/metadata/properties/metaAttributes" ct:_="" ma:_="" ma:contentTypeName="Document" ma:contentTypeID="0x01010079F111ED35F8CC479449609E8A0923A6" ma:contentTypeVersion="28" ma:contentTypeDescription="Create a new document." ma:contentTypeScope="" ma:versionID="60f5a4f2d2b0abadcf532d48ebf9cb71">
   <xsd:schema xmlns:xsd="http://www.w3.org/2001/XMLSchema" xmlns:xs="http://www.w3.org/2001/XMLSchema" xmlns:p="http://schemas.microsoft.com/office/2006/metadata/properties" xmlns:ns1="http://schemas.microsoft.com/sharepoint/v3" xmlns:ns2="71af3243-3dd4-4a8d-8c0d-dd76da1f02a5" xmlns:ns3="16c05727-aa75-4e4a-9b5f-8a80a1165891" xmlns:ns4="230e9df3-be65-4c73-a93b-d1236ebd677e" targetNamespace="http://schemas.microsoft.com/office/2006/metadata/properties" ma:root="true" ma:fieldsID="7dd78129e6a1811f84807ad11c651531" ns1:_="" ns2:_="" ns3:_="" ns4:_="">
     <xsd:import namespace="http://schemas.microsoft.com/sharepoint/v3"/>
@@ -16390,36 +17495,27 @@
 </ct:contentTypeSchema>
 </file>
 
-<file path=customXml/item2.xml><?xml version="1.0" encoding="utf-8"?>
-<?mso-contentType ?>
-<FormTemplates xmlns="http://schemas.microsoft.com/sharepoint/v3/contenttype/forms">
-  <Display>DocumentLibraryForm</Display>
-  <Edit>DocumentLibraryForm</Edit>
-  <New>DocumentLibraryForm</New>
-</FormTemplates>
+<file path=customXml/itemProps1.xml><?xml version="1.0" encoding="utf-8"?>
+<ds:datastoreItem xmlns:ds="http://schemas.openxmlformats.org/officeDocument/2006/customXml" ds:itemID="{4F4B194E-8B30-4377-8C59-ECFB902D2A26}">
+  <ds:schemaRefs>
+    <ds:schemaRef ds:uri="http://schemas.microsoft.com/office/2006/metadata/properties"/>
+    <ds:schemaRef ds:uri="http://schemas.microsoft.com/office/infopath/2007/PartnerControls"/>
+    <ds:schemaRef ds:uri="71af3243-3dd4-4a8d-8c0d-dd76da1f02a5"/>
+    <ds:schemaRef ds:uri="http://schemas.microsoft.com/sharepoint/v3"/>
+    <ds:schemaRef ds:uri="230e9df3-be65-4c73-a93b-d1236ebd677e"/>
+  </ds:schemaRefs>
+</ds:datastoreItem>
 </file>
 
-<file path=customXml/item3.xml><?xml version="1.0" encoding="utf-8"?>
-<p:properties xmlns:p="http://schemas.microsoft.com/office/2006/metadata/properties" xmlns:xsi="http://www.w3.org/2001/XMLSchema-instance" xmlns:pc="http://schemas.microsoft.com/office/infopath/2007/PartnerControls">
-  <documentManagement>
-    <Background xmlns="71af3243-3dd4-4a8d-8c0d-dd76da1f02a5">false</Background>
-    <Status xmlns="71af3243-3dd4-4a8d-8c0d-dd76da1f02a5">Not started</Status>
-    <_ip_UnifiedCompliancePolicyUIAction xmlns="http://schemas.microsoft.com/sharepoint/v3" xsi:nil="true"/>
-    <Image xmlns="71af3243-3dd4-4a8d-8c0d-dd76da1f02a5">
-      <Url xsi:nil="true"/>
-      <Description xsi:nil="true"/>
-    </Image>
-    <_ip_UnifiedCompliancePolicyProperties xmlns="http://schemas.microsoft.com/sharepoint/v3" xsi:nil="true"/>
-    <ImageTagsTaxHTField xmlns="71af3243-3dd4-4a8d-8c0d-dd76da1f02a5">
-      <Terms xmlns="http://schemas.microsoft.com/office/infopath/2007/PartnerControls"/>
-    </ImageTagsTaxHTField>
-    <TaxCatchAll xmlns="230e9df3-be65-4c73-a93b-d1236ebd677e" xsi:nil="true"/>
-    <MediaServiceKeyPoints xmlns="71af3243-3dd4-4a8d-8c0d-dd76da1f02a5" xsi:nil="true"/>
-  </documentManagement>
-</p:properties>
+<file path=customXml/itemProps2.xml><?xml version="1.0" encoding="utf-8"?>
+<ds:datastoreItem xmlns:ds="http://schemas.openxmlformats.org/officeDocument/2006/customXml" ds:itemID="{C21FFAC0-05A2-416A-B06C-C248395482CF}">
+  <ds:schemaRefs>
+    <ds:schemaRef ds:uri="http://schemas.microsoft.com/sharepoint/v3/contenttype/forms"/>
+  </ds:schemaRefs>
+</ds:datastoreItem>
 </file>
 
-<file path=customXml/itemProps1.xml><?xml version="1.0" encoding="utf-8"?>
+<file path=customXml/itemProps3.xml><?xml version="1.0" encoding="utf-8"?>
 <ds:datastoreItem xmlns:ds="http://schemas.openxmlformats.org/officeDocument/2006/customXml" ds:itemID="{92DB9E12-8AC3-4138-BF4D-720A5525AB10}">
   <ds:schemaRefs>
     <ds:schemaRef ds:uri="http://schemas.microsoft.com/office/2006/metadata/contentType"/>
@@ -16440,26 +17536,6 @@
 </ds:datastoreItem>
 </file>
 
-<file path=customXml/itemProps2.xml><?xml version="1.0" encoding="utf-8"?>
-<ds:datastoreItem xmlns:ds="http://schemas.openxmlformats.org/officeDocument/2006/customXml" ds:itemID="{C21FFAC0-05A2-416A-B06C-C248395482CF}">
-  <ds:schemaRefs>
-    <ds:schemaRef ds:uri="http://schemas.microsoft.com/sharepoint/v3/contenttype/forms"/>
-  </ds:schemaRefs>
-</ds:datastoreItem>
-</file>
-
-<file path=customXml/itemProps3.xml><?xml version="1.0" encoding="utf-8"?>
-<ds:datastoreItem xmlns:ds="http://schemas.openxmlformats.org/officeDocument/2006/customXml" ds:itemID="{4F4B194E-8B30-4377-8C59-ECFB902D2A26}">
-  <ds:schemaRefs>
-    <ds:schemaRef ds:uri="http://schemas.microsoft.com/office/2006/metadata/properties"/>
-    <ds:schemaRef ds:uri="http://schemas.microsoft.com/office/infopath/2007/PartnerControls"/>
-    <ds:schemaRef ds:uri="71af3243-3dd4-4a8d-8c0d-dd76da1f02a5"/>
-    <ds:schemaRef ds:uri="http://schemas.microsoft.com/sharepoint/v3"/>
-    <ds:schemaRef ds:uri="230e9df3-be65-4c73-a93b-d1236ebd677e"/>
-  </ds:schemaRefs>
-</ds:datastoreItem>
-</file>
-
 <file path=docMetadata/LabelInfo.xml><?xml version="1.0" encoding="utf-8"?>
 <clbl:labelList xmlns:clbl="http://schemas.microsoft.com/office/2020/mipLabelMetadata"/>
 </file>
--- a/presentazione.pptx
+++ b/presentazione.pptx
@@ -5,10 +5,10 @@
     <p:sldMasterId id="2147483658" r:id="rId4"/>
   </p:sldMasterIdLst>
   <p:notesMasterIdLst>
-    <p:notesMasterId r:id="rId19"/>
+    <p:notesMasterId r:id="rId25"/>
   </p:notesMasterIdLst>
   <p:handoutMasterIdLst>
-    <p:handoutMasterId r:id="rId20"/>
+    <p:handoutMasterId r:id="rId26"/>
   </p:handoutMasterIdLst>
   <p:sldIdLst>
     <p:sldId id="410" r:id="rId5"/>
@@ -18,13 +18,19 @@
     <p:sldId id="414" r:id="rId9"/>
     <p:sldId id="422" r:id="rId10"/>
     <p:sldId id="424" r:id="rId11"/>
-    <p:sldId id="416" r:id="rId12"/>
-    <p:sldId id="417" r:id="rId13"/>
-    <p:sldId id="418" r:id="rId14"/>
-    <p:sldId id="419" r:id="rId15"/>
-    <p:sldId id="420" r:id="rId16"/>
-    <p:sldId id="421" r:id="rId17"/>
-    <p:sldId id="398" r:id="rId18"/>
+    <p:sldId id="425" r:id="rId12"/>
+    <p:sldId id="416" r:id="rId13"/>
+    <p:sldId id="417" r:id="rId14"/>
+    <p:sldId id="428" r:id="rId15"/>
+    <p:sldId id="429" r:id="rId16"/>
+    <p:sldId id="430" r:id="rId17"/>
+    <p:sldId id="418" r:id="rId18"/>
+    <p:sldId id="426" r:id="rId19"/>
+    <p:sldId id="419" r:id="rId20"/>
+    <p:sldId id="427" r:id="rId21"/>
+    <p:sldId id="420" r:id="rId22"/>
+    <p:sldId id="421" r:id="rId23"/>
+    <p:sldId id="398" r:id="rId24"/>
   </p:sldIdLst>
   <p:sldSz cx="12192000" cy="6858000"/>
   <p:notesSz cx="6858000" cy="9144000"/>
@@ -204,7 +210,7 @@
             <a:pPr rtl="0"/>
             <a:fld id="{F43FFF67-0A66-4BA5-8D01-D7436A93C5DC}" type="datetime1">
               <a:rPr lang="it-IT" smtClean="0"/>
-              <a:t>02/02/2025</a:t>
+              <a:t>08/02/2025</a:t>
             </a:fld>
             <a:endParaRPr lang="it-IT" dirty="0"/>
           </a:p>
@@ -423,7 +429,7 @@
             <a:fld id="{CCC7B77D-D2C2-452D-80DB-AB1E949B0C69}" type="datetime1">
               <a:rPr lang="it-IT" smtClean="0"/>
               <a:pPr/>
-              <a:t>02/02/2025</a:t>
+              <a:t>08/02/2025</a:t>
             </a:fld>
             <a:endParaRPr lang="it-IT" dirty="0"/>
           </a:p>
@@ -803,6 +809,478 @@
         <p:cNvPr id="1" name="">
           <a:extLst>
             <a:ext uri="{FF2B5EF4-FFF2-40B4-BE49-F238E27FC236}">
+              <a16:creationId xmlns:a16="http://schemas.microsoft.com/office/drawing/2014/main" id="{483D07F0-50C0-EF5E-F4EB-6478321D4485}"/>
+            </a:ext>
+          </a:extLst>
+        </p:cNvPr>
+        <p:cNvGrpSpPr/>
+        <p:nvPr/>
+      </p:nvGrpSpPr>
+      <p:grpSpPr>
+        <a:xfrm>
+          <a:off x="0" y="0"/>
+          <a:ext cx="0" cy="0"/>
+          <a:chOff x="0" y="0"/>
+          <a:chExt cx="0" cy="0"/>
+        </a:xfrm>
+      </p:grpSpPr>
+      <p:sp>
+        <p:nvSpPr>
+          <p:cNvPr id="2" name="Segnaposto immagine diapositiva 1">
+            <a:extLst>
+              <a:ext uri="{FF2B5EF4-FFF2-40B4-BE49-F238E27FC236}">
+                <a16:creationId xmlns:a16="http://schemas.microsoft.com/office/drawing/2014/main" id="{FF23AEDC-4EA1-1F9F-B1EE-3F781E08757A}"/>
+              </a:ext>
+            </a:extLst>
+          </p:cNvPr>
+          <p:cNvSpPr>
+            <a:spLocks noGrp="1" noRot="1" noChangeAspect="1"/>
+          </p:cNvSpPr>
+          <p:nvPr>
+            <p:ph type="sldImg"/>
+          </p:nvPr>
+        </p:nvSpPr>
+        <p:spPr/>
+      </p:sp>
+      <p:sp>
+        <p:nvSpPr>
+          <p:cNvPr id="3" name="Segnaposto note 2">
+            <a:extLst>
+              <a:ext uri="{FF2B5EF4-FFF2-40B4-BE49-F238E27FC236}">
+                <a16:creationId xmlns:a16="http://schemas.microsoft.com/office/drawing/2014/main" id="{4AE566BE-3CB8-59EE-29F3-526FD2782C64}"/>
+              </a:ext>
+            </a:extLst>
+          </p:cNvPr>
+          <p:cNvSpPr>
+            <a:spLocks noGrp="1"/>
+          </p:cNvSpPr>
+          <p:nvPr>
+            <p:ph type="body" idx="1"/>
+          </p:nvPr>
+        </p:nvSpPr>
+        <p:spPr/>
+        <p:txBody>
+          <a:bodyPr rtlCol="0"/>
+          <a:lstStyle>
+            <a:defPPr>
+              <a:defRPr lang="it-IT"/>
+            </a:defPPr>
+          </a:lstStyle>
+          <a:p>
+            <a:pPr rtl="0"/>
+            <a:endParaRPr lang="it-IT" dirty="0"/>
+          </a:p>
+        </p:txBody>
+      </p:sp>
+      <p:sp>
+        <p:nvSpPr>
+          <p:cNvPr id="4" name="Segnaposto numero diapositiva 3">
+            <a:extLst>
+              <a:ext uri="{FF2B5EF4-FFF2-40B4-BE49-F238E27FC236}">
+                <a16:creationId xmlns:a16="http://schemas.microsoft.com/office/drawing/2014/main" id="{8CDBDD75-3EE2-1FF3-9722-FA89AF5B970E}"/>
+              </a:ext>
+            </a:extLst>
+          </p:cNvPr>
+          <p:cNvSpPr>
+            <a:spLocks noGrp="1"/>
+          </p:cNvSpPr>
+          <p:nvPr>
+            <p:ph type="sldNum" sz="quarter" idx="5"/>
+          </p:nvPr>
+        </p:nvSpPr>
+        <p:spPr/>
+        <p:txBody>
+          <a:bodyPr rtlCol="0"/>
+          <a:lstStyle>
+            <a:defPPr>
+              <a:defRPr lang="it-IT"/>
+            </a:defPPr>
+          </a:lstStyle>
+          <a:p>
+            <a:pPr rtl="0"/>
+            <a:fld id="{A89C7E07-3C67-C64C-8DA0-0404F6303970}" type="slidenum">
+              <a:rPr lang="it-IT" smtClean="0"/>
+              <a:t>10</a:t>
+            </a:fld>
+            <a:endParaRPr lang="it-IT" dirty="0"/>
+          </a:p>
+        </p:txBody>
+      </p:sp>
+    </p:spTree>
+    <p:extLst>
+      <p:ext uri="{BB962C8B-B14F-4D97-AF65-F5344CB8AC3E}">
+        <p14:creationId xmlns:p14="http://schemas.microsoft.com/office/powerpoint/2010/main" val="2764545704"/>
+      </p:ext>
+    </p:extLst>
+  </p:cSld>
+  <p:clrMapOvr>
+    <a:masterClrMapping/>
+  </p:clrMapOvr>
+</p:notes>
+</file>
+
+<file path=ppt/notesSlides/notesSlide11.xml><?xml version="1.0" encoding="utf-8"?>
+<p:notes xmlns:a="http://schemas.openxmlformats.org/drawingml/2006/main" xmlns:r="http://schemas.openxmlformats.org/officeDocument/2006/relationships" xmlns:p="http://schemas.openxmlformats.org/presentationml/2006/main">
+  <p:cSld>
+    <p:spTree>
+      <p:nvGrpSpPr>
+        <p:cNvPr id="1" name="">
+          <a:extLst>
+            <a:ext uri="{FF2B5EF4-FFF2-40B4-BE49-F238E27FC236}">
+              <a16:creationId xmlns:a16="http://schemas.microsoft.com/office/drawing/2014/main" id="{28DA6FE0-B316-A8E4-2FEF-425E13BAF3B9}"/>
+            </a:ext>
+          </a:extLst>
+        </p:cNvPr>
+        <p:cNvGrpSpPr/>
+        <p:nvPr/>
+      </p:nvGrpSpPr>
+      <p:grpSpPr>
+        <a:xfrm>
+          <a:off x="0" y="0"/>
+          <a:ext cx="0" cy="0"/>
+          <a:chOff x="0" y="0"/>
+          <a:chExt cx="0" cy="0"/>
+        </a:xfrm>
+      </p:grpSpPr>
+      <p:sp>
+        <p:nvSpPr>
+          <p:cNvPr id="2" name="Segnaposto immagine diapositiva 1">
+            <a:extLst>
+              <a:ext uri="{FF2B5EF4-FFF2-40B4-BE49-F238E27FC236}">
+                <a16:creationId xmlns:a16="http://schemas.microsoft.com/office/drawing/2014/main" id="{F82067CC-942E-409C-86D9-010FF416A090}"/>
+              </a:ext>
+            </a:extLst>
+          </p:cNvPr>
+          <p:cNvSpPr>
+            <a:spLocks noGrp="1" noRot="1" noChangeAspect="1"/>
+          </p:cNvSpPr>
+          <p:nvPr>
+            <p:ph type="sldImg"/>
+          </p:nvPr>
+        </p:nvSpPr>
+        <p:spPr/>
+      </p:sp>
+      <p:sp>
+        <p:nvSpPr>
+          <p:cNvPr id="3" name="Segnaposto note 2">
+            <a:extLst>
+              <a:ext uri="{FF2B5EF4-FFF2-40B4-BE49-F238E27FC236}">
+                <a16:creationId xmlns:a16="http://schemas.microsoft.com/office/drawing/2014/main" id="{FA33C0F2-CBC7-2CDC-75FD-7AF1EAB6AFF9}"/>
+              </a:ext>
+            </a:extLst>
+          </p:cNvPr>
+          <p:cNvSpPr>
+            <a:spLocks noGrp="1"/>
+          </p:cNvSpPr>
+          <p:nvPr>
+            <p:ph type="body" idx="1"/>
+          </p:nvPr>
+        </p:nvSpPr>
+        <p:spPr/>
+        <p:txBody>
+          <a:bodyPr rtlCol="0"/>
+          <a:lstStyle>
+            <a:defPPr>
+              <a:defRPr lang="it-IT"/>
+            </a:defPPr>
+          </a:lstStyle>
+          <a:p>
+            <a:pPr rtl="0"/>
+            <a:endParaRPr lang="it-IT" dirty="0"/>
+          </a:p>
+        </p:txBody>
+      </p:sp>
+      <p:sp>
+        <p:nvSpPr>
+          <p:cNvPr id="4" name="Segnaposto numero diapositiva 3">
+            <a:extLst>
+              <a:ext uri="{FF2B5EF4-FFF2-40B4-BE49-F238E27FC236}">
+                <a16:creationId xmlns:a16="http://schemas.microsoft.com/office/drawing/2014/main" id="{07CC214A-4F09-124F-44EE-0683C19A2120}"/>
+              </a:ext>
+            </a:extLst>
+          </p:cNvPr>
+          <p:cNvSpPr>
+            <a:spLocks noGrp="1"/>
+          </p:cNvSpPr>
+          <p:nvPr>
+            <p:ph type="sldNum" sz="quarter" idx="5"/>
+          </p:nvPr>
+        </p:nvSpPr>
+        <p:spPr/>
+        <p:txBody>
+          <a:bodyPr rtlCol="0"/>
+          <a:lstStyle>
+            <a:defPPr>
+              <a:defRPr lang="it-IT"/>
+            </a:defPPr>
+          </a:lstStyle>
+          <a:p>
+            <a:pPr rtl="0"/>
+            <a:fld id="{A89C7E07-3C67-C64C-8DA0-0404F6303970}" type="slidenum">
+              <a:rPr lang="it-IT" smtClean="0"/>
+              <a:t>11</a:t>
+            </a:fld>
+            <a:endParaRPr lang="it-IT" dirty="0"/>
+          </a:p>
+        </p:txBody>
+      </p:sp>
+    </p:spTree>
+    <p:extLst>
+      <p:ext uri="{BB962C8B-B14F-4D97-AF65-F5344CB8AC3E}">
+        <p14:creationId xmlns:p14="http://schemas.microsoft.com/office/powerpoint/2010/main" val="104746098"/>
+      </p:ext>
+    </p:extLst>
+  </p:cSld>
+  <p:clrMapOvr>
+    <a:masterClrMapping/>
+  </p:clrMapOvr>
+</p:notes>
+</file>
+
+<file path=ppt/notesSlides/notesSlide12.xml><?xml version="1.0" encoding="utf-8"?>
+<p:notes xmlns:a="http://schemas.openxmlformats.org/drawingml/2006/main" xmlns:r="http://schemas.openxmlformats.org/officeDocument/2006/relationships" xmlns:p="http://schemas.openxmlformats.org/presentationml/2006/main">
+  <p:cSld>
+    <p:spTree>
+      <p:nvGrpSpPr>
+        <p:cNvPr id="1" name="">
+          <a:extLst>
+            <a:ext uri="{FF2B5EF4-FFF2-40B4-BE49-F238E27FC236}">
+              <a16:creationId xmlns:a16="http://schemas.microsoft.com/office/drawing/2014/main" id="{CC2170E7-5513-DE60-F216-FB007D0E75B4}"/>
+            </a:ext>
+          </a:extLst>
+        </p:cNvPr>
+        <p:cNvGrpSpPr/>
+        <p:nvPr/>
+      </p:nvGrpSpPr>
+      <p:grpSpPr>
+        <a:xfrm>
+          <a:off x="0" y="0"/>
+          <a:ext cx="0" cy="0"/>
+          <a:chOff x="0" y="0"/>
+          <a:chExt cx="0" cy="0"/>
+        </a:xfrm>
+      </p:grpSpPr>
+      <p:sp>
+        <p:nvSpPr>
+          <p:cNvPr id="2" name="Segnaposto immagine diapositiva 1">
+            <a:extLst>
+              <a:ext uri="{FF2B5EF4-FFF2-40B4-BE49-F238E27FC236}">
+                <a16:creationId xmlns:a16="http://schemas.microsoft.com/office/drawing/2014/main" id="{1269A0ED-5E39-559F-6D6F-A29A15434415}"/>
+              </a:ext>
+            </a:extLst>
+          </p:cNvPr>
+          <p:cNvSpPr>
+            <a:spLocks noGrp="1" noRot="1" noChangeAspect="1"/>
+          </p:cNvSpPr>
+          <p:nvPr>
+            <p:ph type="sldImg"/>
+          </p:nvPr>
+        </p:nvSpPr>
+        <p:spPr/>
+      </p:sp>
+      <p:sp>
+        <p:nvSpPr>
+          <p:cNvPr id="3" name="Segnaposto note 2">
+            <a:extLst>
+              <a:ext uri="{FF2B5EF4-FFF2-40B4-BE49-F238E27FC236}">
+                <a16:creationId xmlns:a16="http://schemas.microsoft.com/office/drawing/2014/main" id="{E2C803FC-3D1D-1F7E-7993-BAD721EC3E88}"/>
+              </a:ext>
+            </a:extLst>
+          </p:cNvPr>
+          <p:cNvSpPr>
+            <a:spLocks noGrp="1"/>
+          </p:cNvSpPr>
+          <p:nvPr>
+            <p:ph type="body" idx="1"/>
+          </p:nvPr>
+        </p:nvSpPr>
+        <p:spPr/>
+        <p:txBody>
+          <a:bodyPr rtlCol="0"/>
+          <a:lstStyle>
+            <a:defPPr>
+              <a:defRPr lang="it-IT"/>
+            </a:defPPr>
+          </a:lstStyle>
+          <a:p>
+            <a:pPr rtl="0"/>
+            <a:endParaRPr lang="it-IT" dirty="0"/>
+          </a:p>
+        </p:txBody>
+      </p:sp>
+      <p:sp>
+        <p:nvSpPr>
+          <p:cNvPr id="4" name="Segnaposto numero diapositiva 3">
+            <a:extLst>
+              <a:ext uri="{FF2B5EF4-FFF2-40B4-BE49-F238E27FC236}">
+                <a16:creationId xmlns:a16="http://schemas.microsoft.com/office/drawing/2014/main" id="{26FD8F4E-EF65-C3CF-F510-0C53A2E7ABEF}"/>
+              </a:ext>
+            </a:extLst>
+          </p:cNvPr>
+          <p:cNvSpPr>
+            <a:spLocks noGrp="1"/>
+          </p:cNvSpPr>
+          <p:nvPr>
+            <p:ph type="sldNum" sz="quarter" idx="5"/>
+          </p:nvPr>
+        </p:nvSpPr>
+        <p:spPr/>
+        <p:txBody>
+          <a:bodyPr rtlCol="0"/>
+          <a:lstStyle>
+            <a:defPPr>
+              <a:defRPr lang="it-IT"/>
+            </a:defPPr>
+          </a:lstStyle>
+          <a:p>
+            <a:pPr rtl="0"/>
+            <a:fld id="{A89C7E07-3C67-C64C-8DA0-0404F6303970}" type="slidenum">
+              <a:rPr lang="it-IT" smtClean="0"/>
+              <a:t>12</a:t>
+            </a:fld>
+            <a:endParaRPr lang="it-IT" dirty="0"/>
+          </a:p>
+        </p:txBody>
+      </p:sp>
+    </p:spTree>
+    <p:extLst>
+      <p:ext uri="{BB962C8B-B14F-4D97-AF65-F5344CB8AC3E}">
+        <p14:creationId xmlns:p14="http://schemas.microsoft.com/office/powerpoint/2010/main" val="245889282"/>
+      </p:ext>
+    </p:extLst>
+  </p:cSld>
+  <p:clrMapOvr>
+    <a:masterClrMapping/>
+  </p:clrMapOvr>
+</p:notes>
+</file>
+
+<file path=ppt/notesSlides/notesSlide13.xml><?xml version="1.0" encoding="utf-8"?>
+<p:notes xmlns:a="http://schemas.openxmlformats.org/drawingml/2006/main" xmlns:r="http://schemas.openxmlformats.org/officeDocument/2006/relationships" xmlns:p="http://schemas.openxmlformats.org/presentationml/2006/main">
+  <p:cSld>
+    <p:spTree>
+      <p:nvGrpSpPr>
+        <p:cNvPr id="1" name="">
+          <a:extLst>
+            <a:ext uri="{FF2B5EF4-FFF2-40B4-BE49-F238E27FC236}">
+              <a16:creationId xmlns:a16="http://schemas.microsoft.com/office/drawing/2014/main" id="{9AA4A1DB-5149-D63E-BBDC-0E6ED06FD1E4}"/>
+            </a:ext>
+          </a:extLst>
+        </p:cNvPr>
+        <p:cNvGrpSpPr/>
+        <p:nvPr/>
+      </p:nvGrpSpPr>
+      <p:grpSpPr>
+        <a:xfrm>
+          <a:off x="0" y="0"/>
+          <a:ext cx="0" cy="0"/>
+          <a:chOff x="0" y="0"/>
+          <a:chExt cx="0" cy="0"/>
+        </a:xfrm>
+      </p:grpSpPr>
+      <p:sp>
+        <p:nvSpPr>
+          <p:cNvPr id="2" name="Segnaposto immagine diapositiva 1">
+            <a:extLst>
+              <a:ext uri="{FF2B5EF4-FFF2-40B4-BE49-F238E27FC236}">
+                <a16:creationId xmlns:a16="http://schemas.microsoft.com/office/drawing/2014/main" id="{B630CD2E-2B86-4D8D-3132-C6E7708AA88A}"/>
+              </a:ext>
+            </a:extLst>
+          </p:cNvPr>
+          <p:cNvSpPr>
+            <a:spLocks noGrp="1" noRot="1" noChangeAspect="1"/>
+          </p:cNvSpPr>
+          <p:nvPr>
+            <p:ph type="sldImg"/>
+          </p:nvPr>
+        </p:nvSpPr>
+        <p:spPr/>
+      </p:sp>
+      <p:sp>
+        <p:nvSpPr>
+          <p:cNvPr id="3" name="Segnaposto note 2">
+            <a:extLst>
+              <a:ext uri="{FF2B5EF4-FFF2-40B4-BE49-F238E27FC236}">
+                <a16:creationId xmlns:a16="http://schemas.microsoft.com/office/drawing/2014/main" id="{7B8C4B7D-8FD7-395C-5C2C-F1E7F8701343}"/>
+              </a:ext>
+            </a:extLst>
+          </p:cNvPr>
+          <p:cNvSpPr>
+            <a:spLocks noGrp="1"/>
+          </p:cNvSpPr>
+          <p:nvPr>
+            <p:ph type="body" idx="1"/>
+          </p:nvPr>
+        </p:nvSpPr>
+        <p:spPr/>
+        <p:txBody>
+          <a:bodyPr rtlCol="0"/>
+          <a:lstStyle>
+            <a:defPPr>
+              <a:defRPr lang="it-IT"/>
+            </a:defPPr>
+          </a:lstStyle>
+          <a:p>
+            <a:pPr rtl="0"/>
+            <a:endParaRPr lang="it-IT" dirty="0"/>
+          </a:p>
+        </p:txBody>
+      </p:sp>
+      <p:sp>
+        <p:nvSpPr>
+          <p:cNvPr id="4" name="Segnaposto numero diapositiva 3">
+            <a:extLst>
+              <a:ext uri="{FF2B5EF4-FFF2-40B4-BE49-F238E27FC236}">
+                <a16:creationId xmlns:a16="http://schemas.microsoft.com/office/drawing/2014/main" id="{57D767C7-C4E0-F3AA-B270-34BDCF413041}"/>
+              </a:ext>
+            </a:extLst>
+          </p:cNvPr>
+          <p:cNvSpPr>
+            <a:spLocks noGrp="1"/>
+          </p:cNvSpPr>
+          <p:nvPr>
+            <p:ph type="sldNum" sz="quarter" idx="5"/>
+          </p:nvPr>
+        </p:nvSpPr>
+        <p:spPr/>
+        <p:txBody>
+          <a:bodyPr rtlCol="0"/>
+          <a:lstStyle>
+            <a:defPPr>
+              <a:defRPr lang="it-IT"/>
+            </a:defPPr>
+          </a:lstStyle>
+          <a:p>
+            <a:pPr rtl="0"/>
+            <a:fld id="{A89C7E07-3C67-C64C-8DA0-0404F6303970}" type="slidenum">
+              <a:rPr lang="it-IT" smtClean="0"/>
+              <a:t>13</a:t>
+            </a:fld>
+            <a:endParaRPr lang="it-IT" dirty="0"/>
+          </a:p>
+        </p:txBody>
+      </p:sp>
+    </p:spTree>
+    <p:extLst>
+      <p:ext uri="{BB962C8B-B14F-4D97-AF65-F5344CB8AC3E}">
+        <p14:creationId xmlns:p14="http://schemas.microsoft.com/office/powerpoint/2010/main" val="2824245695"/>
+      </p:ext>
+    </p:extLst>
+  </p:cSld>
+  <p:clrMapOvr>
+    <a:masterClrMapping/>
+  </p:clrMapOvr>
+</p:notes>
+</file>
+
+<file path=ppt/notesSlides/notesSlide14.xml><?xml version="1.0" encoding="utf-8"?>
+<p:notes xmlns:a="http://schemas.openxmlformats.org/drawingml/2006/main" xmlns:r="http://schemas.openxmlformats.org/officeDocument/2006/relationships" xmlns:p="http://schemas.openxmlformats.org/presentationml/2006/main">
+  <p:cSld>
+    <p:spTree>
+      <p:nvGrpSpPr>
+        <p:cNvPr id="1" name="">
+          <a:extLst>
+            <a:ext uri="{FF2B5EF4-FFF2-40B4-BE49-F238E27FC236}">
               <a16:creationId xmlns:a16="http://schemas.microsoft.com/office/drawing/2014/main" id="{CF2A5073-D91D-8952-C266-47A6B19ADCC2}"/>
             </a:ext>
           </a:extLst>
@@ -894,7 +1372,7 @@
             <a:pPr rtl="0"/>
             <a:fld id="{A89C7E07-3C67-C64C-8DA0-0404F6303970}" type="slidenum">
               <a:rPr lang="it-IT" smtClean="0"/>
-              <a:t>10</a:t>
+              <a:t>14</a:t>
             </a:fld>
             <a:endParaRPr lang="it-IT" dirty="0"/>
           </a:p>
@@ -913,7 +1391,125 @@
 </p:notes>
 </file>
 
-<file path=ppt/notesSlides/notesSlide11.xml><?xml version="1.0" encoding="utf-8"?>
+<file path=ppt/notesSlides/notesSlide15.xml><?xml version="1.0" encoding="utf-8"?>
+<p:notes xmlns:a="http://schemas.openxmlformats.org/drawingml/2006/main" xmlns:r="http://schemas.openxmlformats.org/officeDocument/2006/relationships" xmlns:p="http://schemas.openxmlformats.org/presentationml/2006/main">
+  <p:cSld>
+    <p:spTree>
+      <p:nvGrpSpPr>
+        <p:cNvPr id="1" name="">
+          <a:extLst>
+            <a:ext uri="{FF2B5EF4-FFF2-40B4-BE49-F238E27FC236}">
+              <a16:creationId xmlns:a16="http://schemas.microsoft.com/office/drawing/2014/main" id="{36C9C063-0EE8-077C-47C9-114F4C36D020}"/>
+            </a:ext>
+          </a:extLst>
+        </p:cNvPr>
+        <p:cNvGrpSpPr/>
+        <p:nvPr/>
+      </p:nvGrpSpPr>
+      <p:grpSpPr>
+        <a:xfrm>
+          <a:off x="0" y="0"/>
+          <a:ext cx="0" cy="0"/>
+          <a:chOff x="0" y="0"/>
+          <a:chExt cx="0" cy="0"/>
+        </a:xfrm>
+      </p:grpSpPr>
+      <p:sp>
+        <p:nvSpPr>
+          <p:cNvPr id="2" name="Segnaposto immagine diapositiva 1">
+            <a:extLst>
+              <a:ext uri="{FF2B5EF4-FFF2-40B4-BE49-F238E27FC236}">
+                <a16:creationId xmlns:a16="http://schemas.microsoft.com/office/drawing/2014/main" id="{76CA48B4-5F00-B965-BC9D-220C941BF93D}"/>
+              </a:ext>
+            </a:extLst>
+          </p:cNvPr>
+          <p:cNvSpPr>
+            <a:spLocks noGrp="1" noRot="1" noChangeAspect="1"/>
+          </p:cNvSpPr>
+          <p:nvPr>
+            <p:ph type="sldImg"/>
+          </p:nvPr>
+        </p:nvSpPr>
+        <p:spPr/>
+      </p:sp>
+      <p:sp>
+        <p:nvSpPr>
+          <p:cNvPr id="3" name="Segnaposto note 2">
+            <a:extLst>
+              <a:ext uri="{FF2B5EF4-FFF2-40B4-BE49-F238E27FC236}">
+                <a16:creationId xmlns:a16="http://schemas.microsoft.com/office/drawing/2014/main" id="{46C076CA-B065-4D3D-D08D-39D19A88BE8E}"/>
+              </a:ext>
+            </a:extLst>
+          </p:cNvPr>
+          <p:cNvSpPr>
+            <a:spLocks noGrp="1"/>
+          </p:cNvSpPr>
+          <p:nvPr>
+            <p:ph type="body" idx="1"/>
+          </p:nvPr>
+        </p:nvSpPr>
+        <p:spPr/>
+        <p:txBody>
+          <a:bodyPr rtlCol="0"/>
+          <a:lstStyle>
+            <a:defPPr>
+              <a:defRPr lang="it-IT"/>
+            </a:defPPr>
+          </a:lstStyle>
+          <a:p>
+            <a:pPr rtl="0"/>
+            <a:endParaRPr lang="it-IT" dirty="0"/>
+          </a:p>
+        </p:txBody>
+      </p:sp>
+      <p:sp>
+        <p:nvSpPr>
+          <p:cNvPr id="4" name="Segnaposto numero diapositiva 3">
+            <a:extLst>
+              <a:ext uri="{FF2B5EF4-FFF2-40B4-BE49-F238E27FC236}">
+                <a16:creationId xmlns:a16="http://schemas.microsoft.com/office/drawing/2014/main" id="{DED0D1C3-8C55-033E-3A0A-D7B0CE395B04}"/>
+              </a:ext>
+            </a:extLst>
+          </p:cNvPr>
+          <p:cNvSpPr>
+            <a:spLocks noGrp="1"/>
+          </p:cNvSpPr>
+          <p:nvPr>
+            <p:ph type="sldNum" sz="quarter" idx="5"/>
+          </p:nvPr>
+        </p:nvSpPr>
+        <p:spPr/>
+        <p:txBody>
+          <a:bodyPr rtlCol="0"/>
+          <a:lstStyle>
+            <a:defPPr>
+              <a:defRPr lang="it-IT"/>
+            </a:defPPr>
+          </a:lstStyle>
+          <a:p>
+            <a:pPr rtl="0"/>
+            <a:fld id="{A89C7E07-3C67-C64C-8DA0-0404F6303970}" type="slidenum">
+              <a:rPr lang="it-IT" smtClean="0"/>
+              <a:t>15</a:t>
+            </a:fld>
+            <a:endParaRPr lang="it-IT" dirty="0"/>
+          </a:p>
+        </p:txBody>
+      </p:sp>
+    </p:spTree>
+    <p:extLst>
+      <p:ext uri="{BB962C8B-B14F-4D97-AF65-F5344CB8AC3E}">
+        <p14:creationId xmlns:p14="http://schemas.microsoft.com/office/powerpoint/2010/main" val="3017841907"/>
+      </p:ext>
+    </p:extLst>
+  </p:cSld>
+  <p:clrMapOvr>
+    <a:masterClrMapping/>
+  </p:clrMapOvr>
+</p:notes>
+</file>
+
+<file path=ppt/notesSlides/notesSlide16.xml><?xml version="1.0" encoding="utf-8"?>
 <p:notes xmlns:a="http://schemas.openxmlformats.org/drawingml/2006/main" xmlns:r="http://schemas.openxmlformats.org/officeDocument/2006/relationships" xmlns:p="http://schemas.openxmlformats.org/presentationml/2006/main">
   <p:cSld>
     <p:spTree>
@@ -1012,7 +1608,7 @@
             <a:pPr rtl="0"/>
             <a:fld id="{A89C7E07-3C67-C64C-8DA0-0404F6303970}" type="slidenum">
               <a:rPr lang="it-IT" smtClean="0"/>
-              <a:t>11</a:t>
+              <a:t>16</a:t>
             </a:fld>
             <a:endParaRPr lang="it-IT" dirty="0"/>
           </a:p>
@@ -1031,7 +1627,125 @@
 </p:notes>
 </file>
 
-<file path=ppt/notesSlides/notesSlide12.xml><?xml version="1.0" encoding="utf-8"?>
+<file path=ppt/notesSlides/notesSlide17.xml><?xml version="1.0" encoding="utf-8"?>
+<p:notes xmlns:a="http://schemas.openxmlformats.org/drawingml/2006/main" xmlns:r="http://schemas.openxmlformats.org/officeDocument/2006/relationships" xmlns:p="http://schemas.openxmlformats.org/presentationml/2006/main">
+  <p:cSld>
+    <p:spTree>
+      <p:nvGrpSpPr>
+        <p:cNvPr id="1" name="">
+          <a:extLst>
+            <a:ext uri="{FF2B5EF4-FFF2-40B4-BE49-F238E27FC236}">
+              <a16:creationId xmlns:a16="http://schemas.microsoft.com/office/drawing/2014/main" id="{FBC08944-DB48-2D5F-8931-89E9BE203BBF}"/>
+            </a:ext>
+          </a:extLst>
+        </p:cNvPr>
+        <p:cNvGrpSpPr/>
+        <p:nvPr/>
+      </p:nvGrpSpPr>
+      <p:grpSpPr>
+        <a:xfrm>
+          <a:off x="0" y="0"/>
+          <a:ext cx="0" cy="0"/>
+          <a:chOff x="0" y="0"/>
+          <a:chExt cx="0" cy="0"/>
+        </a:xfrm>
+      </p:grpSpPr>
+      <p:sp>
+        <p:nvSpPr>
+          <p:cNvPr id="2" name="Segnaposto immagine diapositiva 1">
+            <a:extLst>
+              <a:ext uri="{FF2B5EF4-FFF2-40B4-BE49-F238E27FC236}">
+                <a16:creationId xmlns:a16="http://schemas.microsoft.com/office/drawing/2014/main" id="{CD6C034A-E21A-F50E-C62E-7F6C6CE771B8}"/>
+              </a:ext>
+            </a:extLst>
+          </p:cNvPr>
+          <p:cNvSpPr>
+            <a:spLocks noGrp="1" noRot="1" noChangeAspect="1"/>
+          </p:cNvSpPr>
+          <p:nvPr>
+            <p:ph type="sldImg"/>
+          </p:nvPr>
+        </p:nvSpPr>
+        <p:spPr/>
+      </p:sp>
+      <p:sp>
+        <p:nvSpPr>
+          <p:cNvPr id="3" name="Segnaposto note 2">
+            <a:extLst>
+              <a:ext uri="{FF2B5EF4-FFF2-40B4-BE49-F238E27FC236}">
+                <a16:creationId xmlns:a16="http://schemas.microsoft.com/office/drawing/2014/main" id="{E38E40AE-5DB0-6A34-D8FC-C0C5E6F6A7C8}"/>
+              </a:ext>
+            </a:extLst>
+          </p:cNvPr>
+          <p:cNvSpPr>
+            <a:spLocks noGrp="1"/>
+          </p:cNvSpPr>
+          <p:nvPr>
+            <p:ph type="body" idx="1"/>
+          </p:nvPr>
+        </p:nvSpPr>
+        <p:spPr/>
+        <p:txBody>
+          <a:bodyPr rtlCol="0"/>
+          <a:lstStyle>
+            <a:defPPr>
+              <a:defRPr lang="it-IT"/>
+            </a:defPPr>
+          </a:lstStyle>
+          <a:p>
+            <a:pPr rtl="0"/>
+            <a:endParaRPr lang="it-IT" dirty="0"/>
+          </a:p>
+        </p:txBody>
+      </p:sp>
+      <p:sp>
+        <p:nvSpPr>
+          <p:cNvPr id="4" name="Segnaposto numero diapositiva 3">
+            <a:extLst>
+              <a:ext uri="{FF2B5EF4-FFF2-40B4-BE49-F238E27FC236}">
+                <a16:creationId xmlns:a16="http://schemas.microsoft.com/office/drawing/2014/main" id="{5BCE104F-1A73-4082-4B7D-0270562F9B3B}"/>
+              </a:ext>
+            </a:extLst>
+          </p:cNvPr>
+          <p:cNvSpPr>
+            <a:spLocks noGrp="1"/>
+          </p:cNvSpPr>
+          <p:nvPr>
+            <p:ph type="sldNum" sz="quarter" idx="5"/>
+          </p:nvPr>
+        </p:nvSpPr>
+        <p:spPr/>
+        <p:txBody>
+          <a:bodyPr rtlCol="0"/>
+          <a:lstStyle>
+            <a:defPPr>
+              <a:defRPr lang="it-IT"/>
+            </a:defPPr>
+          </a:lstStyle>
+          <a:p>
+            <a:pPr rtl="0"/>
+            <a:fld id="{A89C7E07-3C67-C64C-8DA0-0404F6303970}" type="slidenum">
+              <a:rPr lang="it-IT" smtClean="0"/>
+              <a:t>17</a:t>
+            </a:fld>
+            <a:endParaRPr lang="it-IT" dirty="0"/>
+          </a:p>
+        </p:txBody>
+      </p:sp>
+    </p:spTree>
+    <p:extLst>
+      <p:ext uri="{BB962C8B-B14F-4D97-AF65-F5344CB8AC3E}">
+        <p14:creationId xmlns:p14="http://schemas.microsoft.com/office/powerpoint/2010/main" val="2810332472"/>
+      </p:ext>
+    </p:extLst>
+  </p:cSld>
+  <p:clrMapOvr>
+    <a:masterClrMapping/>
+  </p:clrMapOvr>
+</p:notes>
+</file>
+
+<file path=ppt/notesSlides/notesSlide18.xml><?xml version="1.0" encoding="utf-8"?>
 <p:notes xmlns:a="http://schemas.openxmlformats.org/drawingml/2006/main" xmlns:r="http://schemas.openxmlformats.org/officeDocument/2006/relationships" xmlns:p="http://schemas.openxmlformats.org/presentationml/2006/main">
   <p:cSld>
     <p:spTree>
@@ -1130,7 +1844,7 @@
             <a:pPr rtl="0"/>
             <a:fld id="{A89C7E07-3C67-C64C-8DA0-0404F6303970}" type="slidenum">
               <a:rPr lang="it-IT" smtClean="0"/>
-              <a:t>12</a:t>
+              <a:t>18</a:t>
             </a:fld>
             <a:endParaRPr lang="it-IT" dirty="0"/>
           </a:p>
@@ -1149,7 +1863,7 @@
 </p:notes>
 </file>
 
-<file path=ppt/notesSlides/notesSlide13.xml><?xml version="1.0" encoding="utf-8"?>
+<file path=ppt/notesSlides/notesSlide19.xml><?xml version="1.0" encoding="utf-8"?>
 <p:notes xmlns:a="http://schemas.openxmlformats.org/drawingml/2006/main" xmlns:r="http://schemas.openxmlformats.org/officeDocument/2006/relationships" xmlns:p="http://schemas.openxmlformats.org/presentationml/2006/main">
   <p:cSld>
     <p:spTree>
@@ -1248,7 +1962,7 @@
             <a:pPr rtl="0"/>
             <a:fld id="{A89C7E07-3C67-C64C-8DA0-0404F6303970}" type="slidenum">
               <a:rPr lang="it-IT" smtClean="0"/>
-              <a:t>13</a:t>
+              <a:t>19</a:t>
             </a:fld>
             <a:endParaRPr lang="it-IT" dirty="0"/>
           </a:p>
@@ -1258,100 +1972,6 @@
     <p:extLst>
       <p:ext uri="{BB962C8B-B14F-4D97-AF65-F5344CB8AC3E}">
         <p14:creationId xmlns:p14="http://schemas.microsoft.com/office/powerpoint/2010/main" val="2024802043"/>
-      </p:ext>
-    </p:extLst>
-  </p:cSld>
-  <p:clrMapOvr>
-    <a:masterClrMapping/>
-  </p:clrMapOvr>
-</p:notes>
-</file>
-
-<file path=ppt/notesSlides/notesSlide14.xml><?xml version="1.0" encoding="utf-8"?>
-<p:notes xmlns:a="http://schemas.openxmlformats.org/drawingml/2006/main" xmlns:r="http://schemas.openxmlformats.org/officeDocument/2006/relationships" xmlns:p="http://schemas.openxmlformats.org/presentationml/2006/main">
-  <p:cSld>
-    <p:spTree>
-      <p:nvGrpSpPr>
-        <p:cNvPr id="1" name=""/>
-        <p:cNvGrpSpPr/>
-        <p:nvPr/>
-      </p:nvGrpSpPr>
-      <p:grpSpPr>
-        <a:xfrm>
-          <a:off x="0" y="0"/>
-          <a:ext cx="0" cy="0"/>
-          <a:chOff x="0" y="0"/>
-          <a:chExt cx="0" cy="0"/>
-        </a:xfrm>
-      </p:grpSpPr>
-      <p:sp>
-        <p:nvSpPr>
-          <p:cNvPr id="2" name="Segnaposto immagine diapositiva 1"/>
-          <p:cNvSpPr>
-            <a:spLocks noGrp="1" noRot="1" noChangeAspect="1"/>
-          </p:cNvSpPr>
-          <p:nvPr>
-            <p:ph type="sldImg"/>
-          </p:nvPr>
-        </p:nvSpPr>
-        <p:spPr/>
-      </p:sp>
-      <p:sp>
-        <p:nvSpPr>
-          <p:cNvPr id="3" name="Segnaposto note 2"/>
-          <p:cNvSpPr>
-            <a:spLocks noGrp="1"/>
-          </p:cNvSpPr>
-          <p:nvPr>
-            <p:ph type="body" idx="1"/>
-          </p:nvPr>
-        </p:nvSpPr>
-        <p:spPr/>
-        <p:txBody>
-          <a:bodyPr rtlCol="0"/>
-          <a:lstStyle>
-            <a:defPPr>
-              <a:defRPr lang="it-IT"/>
-            </a:defPPr>
-          </a:lstStyle>
-          <a:p>
-            <a:pPr rtl="0"/>
-            <a:endParaRPr lang="it-IT" dirty="0"/>
-          </a:p>
-        </p:txBody>
-      </p:sp>
-      <p:sp>
-        <p:nvSpPr>
-          <p:cNvPr id="4" name="Segnaposto numero diapositiva 3"/>
-          <p:cNvSpPr>
-            <a:spLocks noGrp="1"/>
-          </p:cNvSpPr>
-          <p:nvPr>
-            <p:ph type="sldNum" sz="quarter" idx="5"/>
-          </p:nvPr>
-        </p:nvSpPr>
-        <p:spPr/>
-        <p:txBody>
-          <a:bodyPr rtlCol="0"/>
-          <a:lstStyle>
-            <a:defPPr>
-              <a:defRPr lang="it-IT"/>
-            </a:defPPr>
-          </a:lstStyle>
-          <a:p>
-            <a:pPr rtl="0"/>
-            <a:fld id="{A89C7E07-3C67-C64C-8DA0-0404F6303970}" type="slidenum">
-              <a:rPr lang="it-IT" smtClean="0"/>
-              <a:t>14</a:t>
-            </a:fld>
-            <a:endParaRPr lang="it-IT" dirty="0"/>
-          </a:p>
-        </p:txBody>
-      </p:sp>
-    </p:spTree>
-    <p:extLst>
-      <p:ext uri="{BB962C8B-B14F-4D97-AF65-F5344CB8AC3E}">
-        <p14:creationId xmlns:p14="http://schemas.microsoft.com/office/powerpoint/2010/main" val="1765923172"/>
       </p:ext>
     </p:extLst>
   </p:cSld>
@@ -1455,6 +2075,100 @@
 </p:notes>
 </file>
 
+<file path=ppt/notesSlides/notesSlide20.xml><?xml version="1.0" encoding="utf-8"?>
+<p:notes xmlns:a="http://schemas.openxmlformats.org/drawingml/2006/main" xmlns:r="http://schemas.openxmlformats.org/officeDocument/2006/relationships" xmlns:p="http://schemas.openxmlformats.org/presentationml/2006/main">
+  <p:cSld>
+    <p:spTree>
+      <p:nvGrpSpPr>
+        <p:cNvPr id="1" name=""/>
+        <p:cNvGrpSpPr/>
+        <p:nvPr/>
+      </p:nvGrpSpPr>
+      <p:grpSpPr>
+        <a:xfrm>
+          <a:off x="0" y="0"/>
+          <a:ext cx="0" cy="0"/>
+          <a:chOff x="0" y="0"/>
+          <a:chExt cx="0" cy="0"/>
+        </a:xfrm>
+      </p:grpSpPr>
+      <p:sp>
+        <p:nvSpPr>
+          <p:cNvPr id="2" name="Segnaposto immagine diapositiva 1"/>
+          <p:cNvSpPr>
+            <a:spLocks noGrp="1" noRot="1" noChangeAspect="1"/>
+          </p:cNvSpPr>
+          <p:nvPr>
+            <p:ph type="sldImg"/>
+          </p:nvPr>
+        </p:nvSpPr>
+        <p:spPr/>
+      </p:sp>
+      <p:sp>
+        <p:nvSpPr>
+          <p:cNvPr id="3" name="Segnaposto note 2"/>
+          <p:cNvSpPr>
+            <a:spLocks noGrp="1"/>
+          </p:cNvSpPr>
+          <p:nvPr>
+            <p:ph type="body" idx="1"/>
+          </p:nvPr>
+        </p:nvSpPr>
+        <p:spPr/>
+        <p:txBody>
+          <a:bodyPr rtlCol="0"/>
+          <a:lstStyle>
+            <a:defPPr>
+              <a:defRPr lang="it-IT"/>
+            </a:defPPr>
+          </a:lstStyle>
+          <a:p>
+            <a:pPr rtl="0"/>
+            <a:endParaRPr lang="it-IT" dirty="0"/>
+          </a:p>
+        </p:txBody>
+      </p:sp>
+      <p:sp>
+        <p:nvSpPr>
+          <p:cNvPr id="4" name="Segnaposto numero diapositiva 3"/>
+          <p:cNvSpPr>
+            <a:spLocks noGrp="1"/>
+          </p:cNvSpPr>
+          <p:nvPr>
+            <p:ph type="sldNum" sz="quarter" idx="5"/>
+          </p:nvPr>
+        </p:nvSpPr>
+        <p:spPr/>
+        <p:txBody>
+          <a:bodyPr rtlCol="0"/>
+          <a:lstStyle>
+            <a:defPPr>
+              <a:defRPr lang="it-IT"/>
+            </a:defPPr>
+          </a:lstStyle>
+          <a:p>
+            <a:pPr rtl="0"/>
+            <a:fld id="{A89C7E07-3C67-C64C-8DA0-0404F6303970}" type="slidenum">
+              <a:rPr lang="it-IT" smtClean="0"/>
+              <a:t>20</a:t>
+            </a:fld>
+            <a:endParaRPr lang="it-IT" dirty="0"/>
+          </a:p>
+        </p:txBody>
+      </p:sp>
+    </p:spTree>
+    <p:extLst>
+      <p:ext uri="{BB962C8B-B14F-4D97-AF65-F5344CB8AC3E}">
+        <p14:creationId xmlns:p14="http://schemas.microsoft.com/office/powerpoint/2010/main" val="1765923172"/>
+      </p:ext>
+    </p:extLst>
+  </p:cSld>
+  <p:clrMapOvr>
+    <a:masterClrMapping/>
+  </p:clrMapOvr>
+</p:notes>
+</file>
+
 <file path=ppt/notesSlides/notesSlide3.xml><?xml version="1.0" encoding="utf-8"?>
 <p:notes xmlns:a="http://schemas.openxmlformats.org/drawingml/2006/main" xmlns:r="http://schemas.openxmlformats.org/officeDocument/2006/relationships" xmlns:p="http://schemas.openxmlformats.org/presentationml/2006/main">
   <p:cSld>
@@ -2053,6 +2767,124 @@
         <p:cNvPr id="1" name="">
           <a:extLst>
             <a:ext uri="{FF2B5EF4-FFF2-40B4-BE49-F238E27FC236}">
+              <a16:creationId xmlns:a16="http://schemas.microsoft.com/office/drawing/2014/main" id="{797477E1-133E-37DB-54F0-F8257E726398}"/>
+            </a:ext>
+          </a:extLst>
+        </p:cNvPr>
+        <p:cNvGrpSpPr/>
+        <p:nvPr/>
+      </p:nvGrpSpPr>
+      <p:grpSpPr>
+        <a:xfrm>
+          <a:off x="0" y="0"/>
+          <a:ext cx="0" cy="0"/>
+          <a:chOff x="0" y="0"/>
+          <a:chExt cx="0" cy="0"/>
+        </a:xfrm>
+      </p:grpSpPr>
+      <p:sp>
+        <p:nvSpPr>
+          <p:cNvPr id="2" name="Segnaposto immagine diapositiva 1">
+            <a:extLst>
+              <a:ext uri="{FF2B5EF4-FFF2-40B4-BE49-F238E27FC236}">
+                <a16:creationId xmlns:a16="http://schemas.microsoft.com/office/drawing/2014/main" id="{E28EC6EB-CFDE-ACF3-E1A3-84CB13EA9CB2}"/>
+              </a:ext>
+            </a:extLst>
+          </p:cNvPr>
+          <p:cNvSpPr>
+            <a:spLocks noGrp="1" noRot="1" noChangeAspect="1"/>
+          </p:cNvSpPr>
+          <p:nvPr>
+            <p:ph type="sldImg"/>
+          </p:nvPr>
+        </p:nvSpPr>
+        <p:spPr/>
+      </p:sp>
+      <p:sp>
+        <p:nvSpPr>
+          <p:cNvPr id="3" name="Segnaposto note 2">
+            <a:extLst>
+              <a:ext uri="{FF2B5EF4-FFF2-40B4-BE49-F238E27FC236}">
+                <a16:creationId xmlns:a16="http://schemas.microsoft.com/office/drawing/2014/main" id="{C033710D-D10A-FDC7-6B56-EDF92E115FE0}"/>
+              </a:ext>
+            </a:extLst>
+          </p:cNvPr>
+          <p:cNvSpPr>
+            <a:spLocks noGrp="1"/>
+          </p:cNvSpPr>
+          <p:nvPr>
+            <p:ph type="body" idx="1"/>
+          </p:nvPr>
+        </p:nvSpPr>
+        <p:spPr/>
+        <p:txBody>
+          <a:bodyPr rtlCol="0"/>
+          <a:lstStyle>
+            <a:defPPr>
+              <a:defRPr lang="it-IT"/>
+            </a:defPPr>
+          </a:lstStyle>
+          <a:p>
+            <a:pPr rtl="0"/>
+            <a:endParaRPr lang="it-IT" dirty="0"/>
+          </a:p>
+        </p:txBody>
+      </p:sp>
+      <p:sp>
+        <p:nvSpPr>
+          <p:cNvPr id="4" name="Segnaposto numero diapositiva 3">
+            <a:extLst>
+              <a:ext uri="{FF2B5EF4-FFF2-40B4-BE49-F238E27FC236}">
+                <a16:creationId xmlns:a16="http://schemas.microsoft.com/office/drawing/2014/main" id="{65C707D9-90FF-C7BA-8A60-6CBC7825654F}"/>
+              </a:ext>
+            </a:extLst>
+          </p:cNvPr>
+          <p:cNvSpPr>
+            <a:spLocks noGrp="1"/>
+          </p:cNvSpPr>
+          <p:nvPr>
+            <p:ph type="sldNum" sz="quarter" idx="5"/>
+          </p:nvPr>
+        </p:nvSpPr>
+        <p:spPr/>
+        <p:txBody>
+          <a:bodyPr rtlCol="0"/>
+          <a:lstStyle>
+            <a:defPPr>
+              <a:defRPr lang="it-IT"/>
+            </a:defPPr>
+          </a:lstStyle>
+          <a:p>
+            <a:pPr rtl="0"/>
+            <a:fld id="{A89C7E07-3C67-C64C-8DA0-0404F6303970}" type="slidenum">
+              <a:rPr lang="it-IT" smtClean="0"/>
+              <a:t>8</a:t>
+            </a:fld>
+            <a:endParaRPr lang="it-IT" dirty="0"/>
+          </a:p>
+        </p:txBody>
+      </p:sp>
+    </p:spTree>
+    <p:extLst>
+      <p:ext uri="{BB962C8B-B14F-4D97-AF65-F5344CB8AC3E}">
+        <p14:creationId xmlns:p14="http://schemas.microsoft.com/office/powerpoint/2010/main" val="1604013610"/>
+      </p:ext>
+    </p:extLst>
+  </p:cSld>
+  <p:clrMapOvr>
+    <a:masterClrMapping/>
+  </p:clrMapOvr>
+</p:notes>
+</file>
+
+<file path=ppt/notesSlides/notesSlide9.xml><?xml version="1.0" encoding="utf-8"?>
+<p:notes xmlns:a="http://schemas.openxmlformats.org/drawingml/2006/main" xmlns:r="http://schemas.openxmlformats.org/officeDocument/2006/relationships" xmlns:p="http://schemas.openxmlformats.org/presentationml/2006/main">
+  <p:cSld>
+    <p:spTree>
+      <p:nvGrpSpPr>
+        <p:cNvPr id="1" name="">
+          <a:extLst>
+            <a:ext uri="{FF2B5EF4-FFF2-40B4-BE49-F238E27FC236}">
               <a16:creationId xmlns:a16="http://schemas.microsoft.com/office/drawing/2014/main" id="{C5C147FE-214E-59D9-1C02-BF8C76EE0CB6}"/>
             </a:ext>
           </a:extLst>
@@ -2144,7 +2976,7 @@
             <a:pPr rtl="0"/>
             <a:fld id="{A89C7E07-3C67-C64C-8DA0-0404F6303970}" type="slidenum">
               <a:rPr lang="it-IT" smtClean="0"/>
-              <a:t>8</a:t>
+              <a:t>9</a:t>
             </a:fld>
             <a:endParaRPr lang="it-IT" dirty="0"/>
           </a:p>
@@ -2154,124 +2986,6 @@
     <p:extLst>
       <p:ext uri="{BB962C8B-B14F-4D97-AF65-F5344CB8AC3E}">
         <p14:creationId xmlns:p14="http://schemas.microsoft.com/office/powerpoint/2010/main" val="420421471"/>
-      </p:ext>
-    </p:extLst>
-  </p:cSld>
-  <p:clrMapOvr>
-    <a:masterClrMapping/>
-  </p:clrMapOvr>
-</p:notes>
-</file>
-
-<file path=ppt/notesSlides/notesSlide9.xml><?xml version="1.0" encoding="utf-8"?>
-<p:notes xmlns:a="http://schemas.openxmlformats.org/drawingml/2006/main" xmlns:r="http://schemas.openxmlformats.org/officeDocument/2006/relationships" xmlns:p="http://schemas.openxmlformats.org/presentationml/2006/main">
-  <p:cSld>
-    <p:spTree>
-      <p:nvGrpSpPr>
-        <p:cNvPr id="1" name="">
-          <a:extLst>
-            <a:ext uri="{FF2B5EF4-FFF2-40B4-BE49-F238E27FC236}">
-              <a16:creationId xmlns:a16="http://schemas.microsoft.com/office/drawing/2014/main" id="{483D07F0-50C0-EF5E-F4EB-6478321D4485}"/>
-            </a:ext>
-          </a:extLst>
-        </p:cNvPr>
-        <p:cNvGrpSpPr/>
-        <p:nvPr/>
-      </p:nvGrpSpPr>
-      <p:grpSpPr>
-        <a:xfrm>
-          <a:off x="0" y="0"/>
-          <a:ext cx="0" cy="0"/>
-          <a:chOff x="0" y="0"/>
-          <a:chExt cx="0" cy="0"/>
-        </a:xfrm>
-      </p:grpSpPr>
-      <p:sp>
-        <p:nvSpPr>
-          <p:cNvPr id="2" name="Segnaposto immagine diapositiva 1">
-            <a:extLst>
-              <a:ext uri="{FF2B5EF4-FFF2-40B4-BE49-F238E27FC236}">
-                <a16:creationId xmlns:a16="http://schemas.microsoft.com/office/drawing/2014/main" id="{FF23AEDC-4EA1-1F9F-B1EE-3F781E08757A}"/>
-              </a:ext>
-            </a:extLst>
-          </p:cNvPr>
-          <p:cNvSpPr>
-            <a:spLocks noGrp="1" noRot="1" noChangeAspect="1"/>
-          </p:cNvSpPr>
-          <p:nvPr>
-            <p:ph type="sldImg"/>
-          </p:nvPr>
-        </p:nvSpPr>
-        <p:spPr/>
-      </p:sp>
-      <p:sp>
-        <p:nvSpPr>
-          <p:cNvPr id="3" name="Segnaposto note 2">
-            <a:extLst>
-              <a:ext uri="{FF2B5EF4-FFF2-40B4-BE49-F238E27FC236}">
-                <a16:creationId xmlns:a16="http://schemas.microsoft.com/office/drawing/2014/main" id="{4AE566BE-3CB8-59EE-29F3-526FD2782C64}"/>
-              </a:ext>
-            </a:extLst>
-          </p:cNvPr>
-          <p:cNvSpPr>
-            <a:spLocks noGrp="1"/>
-          </p:cNvSpPr>
-          <p:nvPr>
-            <p:ph type="body" idx="1"/>
-          </p:nvPr>
-        </p:nvSpPr>
-        <p:spPr/>
-        <p:txBody>
-          <a:bodyPr rtlCol="0"/>
-          <a:lstStyle>
-            <a:defPPr>
-              <a:defRPr lang="it-IT"/>
-            </a:defPPr>
-          </a:lstStyle>
-          <a:p>
-            <a:pPr rtl="0"/>
-            <a:endParaRPr lang="it-IT" dirty="0"/>
-          </a:p>
-        </p:txBody>
-      </p:sp>
-      <p:sp>
-        <p:nvSpPr>
-          <p:cNvPr id="4" name="Segnaposto numero diapositiva 3">
-            <a:extLst>
-              <a:ext uri="{FF2B5EF4-FFF2-40B4-BE49-F238E27FC236}">
-                <a16:creationId xmlns:a16="http://schemas.microsoft.com/office/drawing/2014/main" id="{8CDBDD75-3EE2-1FF3-9722-FA89AF5B970E}"/>
-              </a:ext>
-            </a:extLst>
-          </p:cNvPr>
-          <p:cNvSpPr>
-            <a:spLocks noGrp="1"/>
-          </p:cNvSpPr>
-          <p:nvPr>
-            <p:ph type="sldNum" sz="quarter" idx="5"/>
-          </p:nvPr>
-        </p:nvSpPr>
-        <p:spPr/>
-        <p:txBody>
-          <a:bodyPr rtlCol="0"/>
-          <a:lstStyle>
-            <a:defPPr>
-              <a:defRPr lang="it-IT"/>
-            </a:defPPr>
-          </a:lstStyle>
-          <a:p>
-            <a:pPr rtl="0"/>
-            <a:fld id="{A89C7E07-3C67-C64C-8DA0-0404F6303970}" type="slidenum">
-              <a:rPr lang="it-IT" smtClean="0"/>
-              <a:t>9</a:t>
-            </a:fld>
-            <a:endParaRPr lang="it-IT" dirty="0"/>
-          </a:p>
-        </p:txBody>
-      </p:sp>
-    </p:spTree>
-    <p:extLst>
-      <p:ext uri="{BB962C8B-B14F-4D97-AF65-F5344CB8AC3E}">
-        <p14:creationId xmlns:p14="http://schemas.microsoft.com/office/powerpoint/2010/main" val="2764545704"/>
       </p:ext>
     </p:extLst>
   </p:cSld>
@@ -11051,7 +11765,7 @@
         <p:cNvPr id="1" name="">
           <a:extLst>
             <a:ext uri="{FF2B5EF4-FFF2-40B4-BE49-F238E27FC236}">
-              <a16:creationId xmlns:a16="http://schemas.microsoft.com/office/drawing/2014/main" id="{E426A2CE-F3A0-1D6D-BB05-4410DC558995}"/>
+              <a16:creationId xmlns:a16="http://schemas.microsoft.com/office/drawing/2014/main" id="{C90C5FCF-6985-26FE-6688-AD90319D2ACA}"/>
             </a:ext>
           </a:extLst>
         </p:cNvPr>
@@ -11071,7 +11785,7 @@
           <p:cNvPr id="2" name="Titolo 1">
             <a:extLst>
               <a:ext uri="{FF2B5EF4-FFF2-40B4-BE49-F238E27FC236}">
-                <a16:creationId xmlns:a16="http://schemas.microsoft.com/office/drawing/2014/main" id="{B1EB7A48-0908-F603-2FD6-D9E07F91F37B}"/>
+                <a16:creationId xmlns:a16="http://schemas.microsoft.com/office/drawing/2014/main" id="{73996306-7E70-1A97-84C7-C47A22B40F6C}"/>
               </a:ext>
             </a:extLst>
           </p:cNvPr>
@@ -11099,7 +11813,2132 @@
             <a:pPr rtl="0"/>
             <a:r>
               <a:rPr lang="it-IT" sz="4000" b="0" dirty="0"/>
-              <a:t>Risultati – Opzioni europee</a:t>
+              <a:t>Metodologia – Calcolo della volatilità</a:t>
+            </a:r>
+          </a:p>
+        </p:txBody>
+      </p:sp>
+      <mc:AlternateContent xmlns:mc="http://schemas.openxmlformats.org/markup-compatibility/2006">
+        <mc:Choice xmlns:a14="http://schemas.microsoft.com/office/drawing/2010/main" Requires="a14">
+          <p:sp>
+            <p:nvSpPr>
+              <p:cNvPr id="3" name="Segnaposto contenuto 2">
+                <a:extLst>
+                  <a:ext uri="{FF2B5EF4-FFF2-40B4-BE49-F238E27FC236}">
+                    <a16:creationId xmlns:a16="http://schemas.microsoft.com/office/drawing/2014/main" id="{09B4691E-F1DD-1DF1-6D69-FBE92E166E39}"/>
+                  </a:ext>
+                </a:extLst>
+              </p:cNvPr>
+              <p:cNvSpPr>
+                <a:spLocks noGrp="1"/>
+              </p:cNvSpPr>
+              <p:nvPr>
+                <p:ph sz="quarter" idx="15"/>
+              </p:nvPr>
+            </p:nvSpPr>
+            <p:spPr>
+              <a:xfrm>
+                <a:off x="594360" y="2676525"/>
+                <a:ext cx="10132255" cy="4017352"/>
+              </a:xfrm>
+            </p:spPr>
+            <p:txBody>
+              <a:bodyPr rtlCol="0">
+                <a:normAutofit fontScale="92500" lnSpcReduction="20000"/>
+              </a:bodyPr>
+              <a:lstStyle>
+                <a:defPPr>
+                  <a:defRPr lang="it-IT"/>
+                </a:defPPr>
+              </a:lstStyle>
+              <a:p>
+                <a:pPr rtl="0"/>
+                <a:r>
+                  <a:rPr lang="it-IT" dirty="0"/>
+                  <a:t>Per il calcolo della volatilità dei rendimenti del titolo, in particolare quella di lungo periodo  è stato utilizzato il modello </a:t>
+                </a:r>
+                <a:r>
+                  <a:rPr lang="it-IT" b="1" dirty="0"/>
+                  <a:t>GARCH </a:t>
+                </a:r>
+                <a:r>
+                  <a:rPr lang="it-IT" dirty="0"/>
+                  <a:t>(</a:t>
+                </a:r>
+                <a:r>
+                  <a:rPr lang="it-IT" dirty="0" err="1"/>
+                  <a:t>Generalized</a:t>
+                </a:r>
+                <a:r>
+                  <a:rPr lang="it-IT" dirty="0"/>
+                  <a:t> </a:t>
+                </a:r>
+                <a:r>
+                  <a:rPr lang="it-IT" dirty="0" err="1"/>
+                  <a:t>Autoregressive</a:t>
+                </a:r>
+                <a:r>
+                  <a:rPr lang="it-IT" dirty="0"/>
+                  <a:t> </a:t>
+                </a:r>
+                <a:r>
+                  <a:rPr lang="it-IT" dirty="0" err="1"/>
+                  <a:t>Conditional</a:t>
+                </a:r>
+                <a:r>
+                  <a:rPr lang="it-IT" dirty="0"/>
+                  <a:t> </a:t>
+                </a:r>
+                <a:r>
+                  <a:rPr lang="it-IT" dirty="0" err="1"/>
+                  <a:t>Heteroskedasticity</a:t>
+                </a:r>
+                <a:r>
+                  <a:rPr lang="it-IT" dirty="0"/>
+                  <a:t>) considerando i tassi di rendimento logaritmici, che sono stazionari.</a:t>
+                </a:r>
+              </a:p>
+              <a:p>
+                <a:pPr rtl="0"/>
+                <a:r>
+                  <a:rPr lang="it-IT" dirty="0"/>
+                  <a:t> A differenza dell’approccio campionario questo modello ci permette di catturare dipendenze temporali e clustering nei rendimenti.</a:t>
+                </a:r>
+              </a:p>
+              <a:p>
+                <a:pPr>
+                  <a:lnSpc>
+                    <a:spcPct val="300000"/>
+                  </a:lnSpc>
+                </a:pPr>
+                <a14:m>
+                  <m:oMathPara xmlns:m="http://schemas.openxmlformats.org/officeDocument/2006/math">
+                    <m:oMathParaPr>
+                      <m:jc m:val="centerGroup"/>
+                    </m:oMathParaPr>
+                    <m:oMath xmlns:m="http://schemas.openxmlformats.org/officeDocument/2006/math">
+                      <m:sSub>
+                        <m:sSubPr>
+                          <m:ctrlPr>
+                            <a:rPr lang="it-IT" b="1" i="1" smtClean="0">
+                              <a:latin typeface="Cambria Math" panose="02040503050406030204" pitchFamily="18" charset="0"/>
+                            </a:rPr>
+                          </m:ctrlPr>
+                        </m:sSubPr>
+                        <m:e>
+                          <m:r>
+                            <a:rPr lang="it-IT" b="1" i="1" smtClean="0">
+                              <a:latin typeface="Cambria Math" panose="02040503050406030204" pitchFamily="18" charset="0"/>
+                              <a:ea typeface="Cambria Math" panose="02040503050406030204" pitchFamily="18" charset="0"/>
+                            </a:rPr>
+                            <m:t>𝝈</m:t>
+                          </m:r>
+                        </m:e>
+                        <m:sub>
+                          <m:r>
+                            <a:rPr lang="it-IT" b="1" i="1" smtClean="0">
+                              <a:latin typeface="Cambria Math" panose="02040503050406030204" pitchFamily="18" charset="0"/>
+                            </a:rPr>
+                            <m:t>𝒕</m:t>
+                          </m:r>
+                          <m:r>
+                            <a:rPr lang="it-IT" b="1" i="1" smtClean="0">
+                              <a:latin typeface="Cambria Math" panose="02040503050406030204" pitchFamily="18" charset="0"/>
+                            </a:rPr>
+                            <m:t>+</m:t>
+                          </m:r>
+                          <m:r>
+                            <a:rPr lang="it-IT" b="1" i="1" smtClean="0">
+                              <a:latin typeface="Cambria Math" panose="02040503050406030204" pitchFamily="18" charset="0"/>
+                            </a:rPr>
+                            <m:t>𝟏</m:t>
+                          </m:r>
+                        </m:sub>
+                      </m:sSub>
+                      <m:r>
+                        <a:rPr lang="it-IT" b="0" i="1" smtClean="0">
+                          <a:latin typeface="Cambria Math" panose="02040503050406030204" pitchFamily="18" charset="0"/>
+                        </a:rPr>
+                        <m:t>=</m:t>
+                      </m:r>
+                      <m:sSub>
+                        <m:sSubPr>
+                          <m:ctrlPr>
+                            <a:rPr lang="it-IT" b="0" i="1" smtClean="0">
+                              <a:latin typeface="Cambria Math" panose="02040503050406030204" pitchFamily="18" charset="0"/>
+                            </a:rPr>
+                          </m:ctrlPr>
+                        </m:sSubPr>
+                        <m:e>
+                          <m:r>
+                            <a:rPr lang="it-IT" b="0" i="1" smtClean="0">
+                              <a:latin typeface="Cambria Math" panose="02040503050406030204" pitchFamily="18" charset="0"/>
+                              <a:ea typeface="Cambria Math" panose="02040503050406030204" pitchFamily="18" charset="0"/>
+                            </a:rPr>
+                            <m:t>𝛼</m:t>
+                          </m:r>
+                        </m:e>
+                        <m:sub>
+                          <m:r>
+                            <a:rPr lang="it-IT" b="0" i="1" smtClean="0">
+                              <a:latin typeface="Cambria Math" panose="02040503050406030204" pitchFamily="18" charset="0"/>
+                            </a:rPr>
+                            <m:t>0</m:t>
+                          </m:r>
+                        </m:sub>
+                      </m:sSub>
+                      <m:r>
+                        <a:rPr lang="it-IT" b="0" i="1" smtClean="0">
+                          <a:latin typeface="Cambria Math" panose="02040503050406030204" pitchFamily="18" charset="0"/>
+                        </a:rPr>
+                        <m:t>+</m:t>
+                      </m:r>
+                      <m:sSub>
+                        <m:sSubPr>
+                          <m:ctrlPr>
+                            <a:rPr lang="it-IT" b="0" i="1" smtClean="0">
+                              <a:latin typeface="Cambria Math" panose="02040503050406030204" pitchFamily="18" charset="0"/>
+                            </a:rPr>
+                          </m:ctrlPr>
+                        </m:sSubPr>
+                        <m:e>
+                          <m:r>
+                            <a:rPr lang="it-IT" b="0" i="1" smtClean="0">
+                              <a:latin typeface="Cambria Math" panose="02040503050406030204" pitchFamily="18" charset="0"/>
+                              <a:ea typeface="Cambria Math" panose="02040503050406030204" pitchFamily="18" charset="0"/>
+                            </a:rPr>
+                            <m:t>𝛼</m:t>
+                          </m:r>
+                        </m:e>
+                        <m:sub>
+                          <m:r>
+                            <a:rPr lang="it-IT" b="0" i="1" smtClean="0">
+                              <a:latin typeface="Cambria Math" panose="02040503050406030204" pitchFamily="18" charset="0"/>
+                            </a:rPr>
+                            <m:t>1</m:t>
+                          </m:r>
+                        </m:sub>
+                      </m:sSub>
+                      <m:sSub>
+                        <m:sSubPr>
+                          <m:ctrlPr>
+                            <a:rPr lang="it-IT" i="1">
+                              <a:latin typeface="Cambria Math" panose="02040503050406030204" pitchFamily="18" charset="0"/>
+                            </a:rPr>
+                          </m:ctrlPr>
+                        </m:sSubPr>
+                        <m:e>
+                          <m:r>
+                            <a:rPr lang="it-IT" i="1">
+                              <a:latin typeface="Cambria Math" panose="02040503050406030204" pitchFamily="18" charset="0"/>
+                            </a:rPr>
+                            <m:t>𝑋</m:t>
+                          </m:r>
+                        </m:e>
+                        <m:sub>
+                          <m:r>
+                            <a:rPr lang="it-IT" i="1">
+                              <a:latin typeface="Cambria Math" panose="02040503050406030204" pitchFamily="18" charset="0"/>
+                            </a:rPr>
+                            <m:t>𝑡</m:t>
+                          </m:r>
+                        </m:sub>
+                      </m:sSub>
+                      <m:r>
+                        <a:rPr lang="it-IT" b="0" i="1" smtClean="0">
+                          <a:latin typeface="Cambria Math" panose="02040503050406030204" pitchFamily="18" charset="0"/>
+                        </a:rPr>
+                        <m:t>+</m:t>
+                      </m:r>
+                      <m:sSub>
+                        <m:sSubPr>
+                          <m:ctrlPr>
+                            <a:rPr lang="it-IT" b="0" i="1" smtClean="0">
+                              <a:latin typeface="Cambria Math" panose="02040503050406030204" pitchFamily="18" charset="0"/>
+                            </a:rPr>
+                          </m:ctrlPr>
+                        </m:sSubPr>
+                        <m:e>
+                          <m:r>
+                            <a:rPr lang="it-IT" b="0" i="1" smtClean="0">
+                              <a:latin typeface="Cambria Math" panose="02040503050406030204" pitchFamily="18" charset="0"/>
+                              <a:ea typeface="Cambria Math" panose="02040503050406030204" pitchFamily="18" charset="0"/>
+                            </a:rPr>
+                            <m:t>𝛽</m:t>
+                          </m:r>
+                        </m:e>
+                        <m:sub>
+                          <m:r>
+                            <a:rPr lang="it-IT" b="0" i="1" smtClean="0">
+                              <a:latin typeface="Cambria Math" panose="02040503050406030204" pitchFamily="18" charset="0"/>
+                            </a:rPr>
+                            <m:t>1</m:t>
+                          </m:r>
+                        </m:sub>
+                      </m:sSub>
+                      <m:sSub>
+                        <m:sSubPr>
+                          <m:ctrlPr>
+                            <a:rPr lang="it-IT" i="1">
+                              <a:latin typeface="Cambria Math" panose="02040503050406030204" pitchFamily="18" charset="0"/>
+                            </a:rPr>
+                          </m:ctrlPr>
+                        </m:sSubPr>
+                        <m:e>
+                          <m:r>
+                            <a:rPr lang="it-IT" i="1">
+                              <a:latin typeface="Cambria Math" panose="02040503050406030204" pitchFamily="18" charset="0"/>
+                              <a:ea typeface="Cambria Math" panose="02040503050406030204" pitchFamily="18" charset="0"/>
+                            </a:rPr>
+                            <m:t>𝜎</m:t>
+                          </m:r>
+                        </m:e>
+                        <m:sub>
+                          <m:r>
+                            <a:rPr lang="it-IT" i="1">
+                              <a:latin typeface="Cambria Math" panose="02040503050406030204" pitchFamily="18" charset="0"/>
+                            </a:rPr>
+                            <m:t>𝑡</m:t>
+                          </m:r>
+                        </m:sub>
+                      </m:sSub>
+                      <m:r>
+                        <a:rPr lang="it-IT" b="0" i="1" smtClean="0">
+                          <a:latin typeface="Cambria Math" panose="02040503050406030204" pitchFamily="18" charset="0"/>
+                        </a:rPr>
+                        <m:t>=</m:t>
+                      </m:r>
+                      <m:sSub>
+                        <m:sSubPr>
+                          <m:ctrlPr>
+                            <a:rPr lang="it-IT" i="1">
+                              <a:latin typeface="Cambria Math" panose="02040503050406030204" pitchFamily="18" charset="0"/>
+                            </a:rPr>
+                          </m:ctrlPr>
+                        </m:sSubPr>
+                        <m:e>
+                          <m:r>
+                            <a:rPr lang="it-IT" i="1">
+                              <a:latin typeface="Cambria Math" panose="02040503050406030204" pitchFamily="18" charset="0"/>
+                              <a:ea typeface="Cambria Math" panose="02040503050406030204" pitchFamily="18" charset="0"/>
+                            </a:rPr>
+                            <m:t>𝛼</m:t>
+                          </m:r>
+                        </m:e>
+                        <m:sub>
+                          <m:r>
+                            <a:rPr lang="it-IT" i="1">
+                              <a:latin typeface="Cambria Math" panose="02040503050406030204" pitchFamily="18" charset="0"/>
+                            </a:rPr>
+                            <m:t>0</m:t>
+                          </m:r>
+                        </m:sub>
+                      </m:sSub>
+                      <m:r>
+                        <a:rPr lang="it-IT" i="1">
+                          <a:latin typeface="Cambria Math" panose="02040503050406030204" pitchFamily="18" charset="0"/>
+                        </a:rPr>
+                        <m:t>+</m:t>
+                      </m:r>
+                      <m:sSub>
+                        <m:sSubPr>
+                          <m:ctrlPr>
+                            <a:rPr lang="it-IT" i="1" smtClean="0">
+                              <a:latin typeface="Cambria Math" panose="02040503050406030204" pitchFamily="18" charset="0"/>
+                            </a:rPr>
+                          </m:ctrlPr>
+                        </m:sSubPr>
+                        <m:e>
+                          <m:r>
+                            <a:rPr lang="it-IT" i="1" smtClean="0">
+                              <a:latin typeface="Cambria Math" panose="02040503050406030204" pitchFamily="18" charset="0"/>
+                              <a:ea typeface="Cambria Math" panose="02040503050406030204" pitchFamily="18" charset="0"/>
+                            </a:rPr>
+                            <m:t>𝛼</m:t>
+                          </m:r>
+                        </m:e>
+                        <m:sub>
+                          <m:r>
+                            <a:rPr lang="it-IT" b="0" i="1" smtClean="0">
+                              <a:latin typeface="Cambria Math" panose="02040503050406030204" pitchFamily="18" charset="0"/>
+                            </a:rPr>
+                            <m:t>1</m:t>
+                          </m:r>
+                        </m:sub>
+                      </m:sSub>
+                      <m:sSub>
+                        <m:sSubPr>
+                          <m:ctrlPr>
+                            <a:rPr lang="it-IT" i="1" smtClean="0">
+                              <a:latin typeface="Cambria Math" panose="02040503050406030204" pitchFamily="18" charset="0"/>
+                            </a:rPr>
+                          </m:ctrlPr>
+                        </m:sSubPr>
+                        <m:e>
+                          <m:r>
+                            <a:rPr lang="it-IT" b="0" i="1" smtClean="0">
+                              <a:latin typeface="Cambria Math" panose="02040503050406030204" pitchFamily="18" charset="0"/>
+                            </a:rPr>
+                            <m:t>𝑊</m:t>
+                          </m:r>
+                        </m:e>
+                        <m:sub>
+                          <m:r>
+                            <a:rPr lang="it-IT" b="0" i="1" smtClean="0">
+                              <a:latin typeface="Cambria Math" panose="02040503050406030204" pitchFamily="18" charset="0"/>
+                            </a:rPr>
+                            <m:t>𝑡</m:t>
+                          </m:r>
+                        </m:sub>
+                      </m:sSub>
+                      <m:sSub>
+                        <m:sSubPr>
+                          <m:ctrlPr>
+                            <a:rPr lang="it-IT" i="1">
+                              <a:latin typeface="Cambria Math" panose="02040503050406030204" pitchFamily="18" charset="0"/>
+                            </a:rPr>
+                          </m:ctrlPr>
+                        </m:sSubPr>
+                        <m:e>
+                          <m:r>
+                            <a:rPr lang="it-IT" i="1">
+                              <a:latin typeface="Cambria Math" panose="02040503050406030204" pitchFamily="18" charset="0"/>
+                              <a:ea typeface="Cambria Math" panose="02040503050406030204" pitchFamily="18" charset="0"/>
+                            </a:rPr>
+                            <m:t>𝜎</m:t>
+                          </m:r>
+                        </m:e>
+                        <m:sub>
+                          <m:r>
+                            <a:rPr lang="it-IT" i="1">
+                              <a:latin typeface="Cambria Math" panose="02040503050406030204" pitchFamily="18" charset="0"/>
+                            </a:rPr>
+                            <m:t>𝑡</m:t>
+                          </m:r>
+                        </m:sub>
+                      </m:sSub>
+                      <m:r>
+                        <a:rPr lang="it-IT" i="1">
+                          <a:latin typeface="Cambria Math" panose="02040503050406030204" pitchFamily="18" charset="0"/>
+                        </a:rPr>
+                        <m:t>+</m:t>
+                      </m:r>
+                      <m:sSub>
+                        <m:sSubPr>
+                          <m:ctrlPr>
+                            <a:rPr lang="it-IT" i="1">
+                              <a:latin typeface="Cambria Math" panose="02040503050406030204" pitchFamily="18" charset="0"/>
+                            </a:rPr>
+                          </m:ctrlPr>
+                        </m:sSubPr>
+                        <m:e>
+                          <m:r>
+                            <a:rPr lang="it-IT" i="1">
+                              <a:latin typeface="Cambria Math" panose="02040503050406030204" pitchFamily="18" charset="0"/>
+                              <a:ea typeface="Cambria Math" panose="02040503050406030204" pitchFamily="18" charset="0"/>
+                            </a:rPr>
+                            <m:t>𝛽</m:t>
+                          </m:r>
+                        </m:e>
+                        <m:sub>
+                          <m:r>
+                            <a:rPr lang="it-IT" i="1">
+                              <a:latin typeface="Cambria Math" panose="02040503050406030204" pitchFamily="18" charset="0"/>
+                            </a:rPr>
+                            <m:t>1</m:t>
+                          </m:r>
+                        </m:sub>
+                      </m:sSub>
+                      <m:sSub>
+                        <m:sSubPr>
+                          <m:ctrlPr>
+                            <a:rPr lang="it-IT" i="1">
+                              <a:latin typeface="Cambria Math" panose="02040503050406030204" pitchFamily="18" charset="0"/>
+                            </a:rPr>
+                          </m:ctrlPr>
+                        </m:sSubPr>
+                        <m:e>
+                          <m:r>
+                            <a:rPr lang="it-IT" i="1">
+                              <a:latin typeface="Cambria Math" panose="02040503050406030204" pitchFamily="18" charset="0"/>
+                              <a:ea typeface="Cambria Math" panose="02040503050406030204" pitchFamily="18" charset="0"/>
+                            </a:rPr>
+                            <m:t>𝜎</m:t>
+                          </m:r>
+                        </m:e>
+                        <m:sub>
+                          <m:r>
+                            <a:rPr lang="it-IT" i="1">
+                              <a:latin typeface="Cambria Math" panose="02040503050406030204" pitchFamily="18" charset="0"/>
+                            </a:rPr>
+                            <m:t>𝑡</m:t>
+                          </m:r>
+                        </m:sub>
+                      </m:sSub>
+                      <m:r>
+                        <a:rPr lang="it-IT" b="0" i="1" smtClean="0">
+                          <a:latin typeface="Cambria Math" panose="02040503050406030204" pitchFamily="18" charset="0"/>
+                        </a:rPr>
+                        <m:t>     </m:t>
+                      </m:r>
+                      <m:r>
+                        <a:rPr lang="it-IT" b="0" i="1" smtClean="0">
+                          <a:latin typeface="Cambria Math" panose="02040503050406030204" pitchFamily="18" charset="0"/>
+                        </a:rPr>
+                        <m:t>𝑐𝑜𝑛</m:t>
+                      </m:r>
+                      <m:sSub>
+                        <m:sSubPr>
+                          <m:ctrlPr>
+                            <a:rPr lang="it-IT" i="1">
+                              <a:latin typeface="Cambria Math" panose="02040503050406030204" pitchFamily="18" charset="0"/>
+                            </a:rPr>
+                          </m:ctrlPr>
+                        </m:sSubPr>
+                        <m:e>
+                          <m:r>
+                            <a:rPr lang="it-IT" b="0" i="1" smtClean="0">
+                              <a:latin typeface="Cambria Math" panose="02040503050406030204" pitchFamily="18" charset="0"/>
+                            </a:rPr>
+                            <m:t>   </m:t>
+                          </m:r>
+                          <m:r>
+                            <a:rPr lang="it-IT" i="1">
+                              <a:latin typeface="Cambria Math" panose="02040503050406030204" pitchFamily="18" charset="0"/>
+                            </a:rPr>
+                            <m:t>𝑊</m:t>
+                          </m:r>
+                        </m:e>
+                        <m:sub>
+                          <m:r>
+                            <a:rPr lang="it-IT" i="1">
+                              <a:latin typeface="Cambria Math" panose="02040503050406030204" pitchFamily="18" charset="0"/>
+                            </a:rPr>
+                            <m:t>𝑡</m:t>
+                          </m:r>
+                        </m:sub>
+                      </m:sSub>
+                      <m:r>
+                        <a:rPr lang="it-IT" b="0" i="1" smtClean="0">
+                          <a:latin typeface="Cambria Math" panose="02040503050406030204" pitchFamily="18" charset="0"/>
+                        </a:rPr>
+                        <m:t> </m:t>
+                      </m:r>
+                      <m:r>
+                        <a:rPr lang="it-IT" b="0" i="1" smtClean="0">
+                          <a:latin typeface="Cambria Math" panose="02040503050406030204" pitchFamily="18" charset="0"/>
+                        </a:rPr>
+                        <m:t>𝑤h𝑖𝑡𝑒</m:t>
+                      </m:r>
+                      <m:r>
+                        <a:rPr lang="it-IT" b="0" i="1" smtClean="0">
+                          <a:latin typeface="Cambria Math" panose="02040503050406030204" pitchFamily="18" charset="0"/>
+                        </a:rPr>
+                        <m:t> </m:t>
+                      </m:r>
+                      <m:r>
+                        <a:rPr lang="it-IT" b="0" i="1" smtClean="0">
+                          <a:latin typeface="Cambria Math" panose="02040503050406030204" pitchFamily="18" charset="0"/>
+                        </a:rPr>
+                        <m:t>𝑛𝑜𝑖𝑠</m:t>
+                      </m:r>
+                      <m:sSup>
+                        <m:sSupPr>
+                          <m:ctrlPr>
+                            <a:rPr lang="it-IT" b="0" i="1" smtClean="0">
+                              <a:latin typeface="Cambria Math" panose="02040503050406030204" pitchFamily="18" charset="0"/>
+                            </a:rPr>
+                          </m:ctrlPr>
+                        </m:sSupPr>
+                        <m:e>
+                          <m:r>
+                            <a:rPr lang="it-IT" b="0" i="1" smtClean="0">
+                              <a:latin typeface="Cambria Math" panose="02040503050406030204" pitchFamily="18" charset="0"/>
+                            </a:rPr>
+                            <m:t>𝑒</m:t>
+                          </m:r>
+                        </m:e>
+                        <m:sup>
+                          <m:r>
+                            <a:rPr lang="it-IT" b="0" i="1" smtClean="0">
+                              <a:latin typeface="Cambria Math" panose="02040503050406030204" pitchFamily="18" charset="0"/>
+                            </a:rPr>
+                            <m:t>(1)</m:t>
+                          </m:r>
+                        </m:sup>
+                      </m:sSup>
+                    </m:oMath>
+                  </m:oMathPara>
+                </a14:m>
+                <a:endParaRPr lang="it-IT" b="0" dirty="0"/>
+              </a:p>
+              <a:p>
+                <a:pPr>
+                  <a:lnSpc>
+                    <a:spcPct val="200000"/>
+                  </a:lnSpc>
+                </a:pPr>
+                <a14:m>
+                  <m:oMathPara xmlns:m="http://schemas.openxmlformats.org/officeDocument/2006/math">
+                    <m:oMathParaPr>
+                      <m:jc m:val="centerGroup"/>
+                    </m:oMathParaPr>
+                    <m:oMath xmlns:m="http://schemas.openxmlformats.org/officeDocument/2006/math">
+                      <m:sSub>
+                        <m:sSubPr>
+                          <m:ctrlPr>
+                            <a:rPr lang="it-IT" b="1" i="1" smtClean="0">
+                              <a:latin typeface="Cambria Math" panose="02040503050406030204" pitchFamily="18" charset="0"/>
+                            </a:rPr>
+                          </m:ctrlPr>
+                        </m:sSubPr>
+                        <m:e>
+                          <m:r>
+                            <a:rPr lang="it-IT" b="1" i="1" smtClean="0">
+                              <a:latin typeface="Cambria Math" panose="02040503050406030204" pitchFamily="18" charset="0"/>
+                              <a:ea typeface="Cambria Math" panose="02040503050406030204" pitchFamily="18" charset="0"/>
+                            </a:rPr>
+                            <m:t>𝝈</m:t>
+                          </m:r>
+                        </m:e>
+                        <m:sub>
+                          <m:r>
+                            <a:rPr lang="it-IT" b="1" i="1" smtClean="0">
+                              <a:latin typeface="Cambria Math" panose="02040503050406030204" pitchFamily="18" charset="0"/>
+                            </a:rPr>
+                            <m:t>𝒍𝒑</m:t>
+                          </m:r>
+                        </m:sub>
+                      </m:sSub>
+                      <m:r>
+                        <a:rPr lang="it-IT" b="0" i="1" smtClean="0">
+                          <a:latin typeface="Cambria Math" panose="02040503050406030204" pitchFamily="18" charset="0"/>
+                        </a:rPr>
+                        <m:t>=</m:t>
+                      </m:r>
+                      <m:f>
+                        <m:fPr>
+                          <m:ctrlPr>
+                            <a:rPr lang="it-IT" b="0" i="1" smtClean="0">
+                              <a:latin typeface="Cambria Math" panose="02040503050406030204" pitchFamily="18" charset="0"/>
+                            </a:rPr>
+                          </m:ctrlPr>
+                        </m:fPr>
+                        <m:num>
+                          <m:sSub>
+                            <m:sSubPr>
+                              <m:ctrlPr>
+                                <a:rPr lang="it-IT" i="1">
+                                  <a:latin typeface="Cambria Math" panose="02040503050406030204" pitchFamily="18" charset="0"/>
+                                </a:rPr>
+                              </m:ctrlPr>
+                            </m:sSubPr>
+                            <m:e>
+                              <m:r>
+                                <a:rPr lang="it-IT" i="1">
+                                  <a:latin typeface="Cambria Math" panose="02040503050406030204" pitchFamily="18" charset="0"/>
+                                  <a:ea typeface="Cambria Math" panose="02040503050406030204" pitchFamily="18" charset="0"/>
+                                </a:rPr>
+                                <m:t>𝛼</m:t>
+                              </m:r>
+                            </m:e>
+                            <m:sub>
+                              <m:r>
+                                <a:rPr lang="it-IT" i="1">
+                                  <a:latin typeface="Cambria Math" panose="02040503050406030204" pitchFamily="18" charset="0"/>
+                                </a:rPr>
+                                <m:t>0</m:t>
+                              </m:r>
+                            </m:sub>
+                          </m:sSub>
+                        </m:num>
+                        <m:den>
+                          <m:r>
+                            <a:rPr lang="it-IT" b="0" i="1" smtClean="0">
+                              <a:latin typeface="Cambria Math" panose="02040503050406030204" pitchFamily="18" charset="0"/>
+                            </a:rPr>
+                            <m:t>1−</m:t>
+                          </m:r>
+                          <m:sSub>
+                            <m:sSubPr>
+                              <m:ctrlPr>
+                                <a:rPr lang="it-IT" i="1">
+                                  <a:latin typeface="Cambria Math" panose="02040503050406030204" pitchFamily="18" charset="0"/>
+                                </a:rPr>
+                              </m:ctrlPr>
+                            </m:sSubPr>
+                            <m:e>
+                              <m:r>
+                                <a:rPr lang="it-IT" i="1">
+                                  <a:latin typeface="Cambria Math" panose="02040503050406030204" pitchFamily="18" charset="0"/>
+                                  <a:ea typeface="Cambria Math" panose="02040503050406030204" pitchFamily="18" charset="0"/>
+                                </a:rPr>
+                                <m:t>𝛼</m:t>
+                              </m:r>
+                            </m:e>
+                            <m:sub>
+                              <m:r>
+                                <a:rPr lang="it-IT" i="1">
+                                  <a:latin typeface="Cambria Math" panose="02040503050406030204" pitchFamily="18" charset="0"/>
+                                </a:rPr>
+                                <m:t>1</m:t>
+                              </m:r>
+                            </m:sub>
+                          </m:sSub>
+                          <m:r>
+                            <a:rPr lang="it-IT" b="0" i="1" smtClean="0">
+                              <a:latin typeface="Cambria Math" panose="02040503050406030204" pitchFamily="18" charset="0"/>
+                            </a:rPr>
+                            <m:t>−</m:t>
+                          </m:r>
+                          <m:sSub>
+                            <m:sSubPr>
+                              <m:ctrlPr>
+                                <a:rPr lang="it-IT" i="1">
+                                  <a:latin typeface="Cambria Math" panose="02040503050406030204" pitchFamily="18" charset="0"/>
+                                </a:rPr>
+                              </m:ctrlPr>
+                            </m:sSubPr>
+                            <m:e>
+                              <m:r>
+                                <a:rPr lang="it-IT" i="1">
+                                  <a:latin typeface="Cambria Math" panose="02040503050406030204" pitchFamily="18" charset="0"/>
+                                  <a:ea typeface="Cambria Math" panose="02040503050406030204" pitchFamily="18" charset="0"/>
+                                </a:rPr>
+                                <m:t>𝛽</m:t>
+                              </m:r>
+                            </m:e>
+                            <m:sub>
+                              <m:r>
+                                <a:rPr lang="it-IT" i="1">
+                                  <a:latin typeface="Cambria Math" panose="02040503050406030204" pitchFamily="18" charset="0"/>
+                                </a:rPr>
+                                <m:t>1</m:t>
+                              </m:r>
+                            </m:sub>
+                          </m:sSub>
+                        </m:den>
+                      </m:f>
+                    </m:oMath>
+                  </m:oMathPara>
+                </a14:m>
+                <a:endParaRPr lang="it-IT" b="0" dirty="0"/>
+              </a:p>
+              <a:p>
+                <a:endParaRPr lang="it-IT" sz="1100" b="0" dirty="0"/>
+              </a:p>
+              <a:p>
+                <a:r>
+                  <a:rPr lang="it-IT" sz="1100" b="0" dirty="0"/>
+                  <a:t>(1) – Determinato da </a:t>
+                </a:r>
+                <a:r>
+                  <a:rPr lang="it-IT" sz="1100" b="0" dirty="0" err="1"/>
+                  <a:t>v.a</a:t>
+                </a:r>
+                <a:r>
+                  <a:rPr lang="it-IT" sz="1100" b="0" dirty="0"/>
+                  <a:t> indipendenti con media nulla e varianza costante</a:t>
+                </a:r>
+              </a:p>
+              <a:p>
+                <a:endParaRPr lang="it-IT" dirty="0"/>
+              </a:p>
+            </p:txBody>
+          </p:sp>
+        </mc:Choice>
+        <mc:Fallback>
+          <p:sp>
+            <p:nvSpPr>
+              <p:cNvPr id="3" name="Segnaposto contenuto 2">
+                <a:extLst>
+                  <a:ext uri="{FF2B5EF4-FFF2-40B4-BE49-F238E27FC236}">
+                    <a16:creationId xmlns:a16="http://schemas.microsoft.com/office/drawing/2014/main" id="{09B4691E-F1DD-1DF1-6D69-FBE92E166E39}"/>
+                  </a:ext>
+                </a:extLst>
+              </p:cNvPr>
+              <p:cNvSpPr>
+                <a:spLocks noGrp="1" noRot="1" noChangeAspect="1" noMove="1" noResize="1" noEditPoints="1" noAdjustHandles="1" noChangeArrowheads="1" noChangeShapeType="1" noTextEdit="1"/>
+              </p:cNvSpPr>
+              <p:nvPr>
+                <p:ph sz="quarter" idx="15"/>
+              </p:nvPr>
+            </p:nvSpPr>
+            <p:spPr>
+              <a:xfrm>
+                <a:off x="594360" y="2676525"/>
+                <a:ext cx="10132255" cy="4017352"/>
+              </a:xfrm>
+              <a:blipFill>
+                <a:blip r:embed="rId3"/>
+                <a:stretch>
+                  <a:fillRect l="-1504" t="-2883" b="-607"/>
+                </a:stretch>
+              </a:blipFill>
+            </p:spPr>
+            <p:txBody>
+              <a:bodyPr/>
+              <a:lstStyle/>
+              <a:p>
+                <a:r>
+                  <a:rPr lang="it-IT">
+                    <a:noFill/>
+                  </a:rPr>
+                  <a:t> </a:t>
+                </a:r>
+              </a:p>
+            </p:txBody>
+          </p:sp>
+        </mc:Fallback>
+      </mc:AlternateContent>
+      <p:sp>
+        <p:nvSpPr>
+          <p:cNvPr id="6" name="Segnaposto contenuto 5">
+            <a:extLst>
+              <a:ext uri="{FF2B5EF4-FFF2-40B4-BE49-F238E27FC236}">
+                <a16:creationId xmlns:a16="http://schemas.microsoft.com/office/drawing/2014/main" id="{E42DE28B-D69C-6FC0-3230-3F5469327EA8}"/>
+              </a:ext>
+            </a:extLst>
+          </p:cNvPr>
+          <p:cNvSpPr>
+            <a:spLocks noGrp="1"/>
+          </p:cNvSpPr>
+          <p:nvPr>
+            <p:ph sz="quarter" idx="16"/>
+          </p:nvPr>
+        </p:nvSpPr>
+        <p:spPr>
+          <a:xfrm rot="10800000" flipV="1">
+            <a:off x="11327732" y="667277"/>
+            <a:ext cx="625643" cy="848701"/>
+          </a:xfrm>
+        </p:spPr>
+        <p:txBody>
+          <a:bodyPr>
+            <a:normAutofit/>
+          </a:bodyPr>
+          <a:lstStyle/>
+          <a:p>
+            <a:endParaRPr lang="it-IT" dirty="0"/>
+          </a:p>
+        </p:txBody>
+      </p:sp>
+    </p:spTree>
+    <p:extLst>
+      <p:ext uri="{BB962C8B-B14F-4D97-AF65-F5344CB8AC3E}">
+        <p14:creationId xmlns:p14="http://schemas.microsoft.com/office/powerpoint/2010/main" val="1391301046"/>
+      </p:ext>
+    </p:extLst>
+  </p:cSld>
+  <p:clrMapOvr>
+    <a:masterClrMapping/>
+  </p:clrMapOvr>
+</p:sld>
+</file>
+
+<file path=ppt/slides/slide11.xml><?xml version="1.0" encoding="utf-8"?>
+<p:sld xmlns:a="http://schemas.openxmlformats.org/drawingml/2006/main" xmlns:r="http://schemas.openxmlformats.org/officeDocument/2006/relationships" xmlns:p="http://schemas.openxmlformats.org/presentationml/2006/main">
+  <p:cSld>
+    <p:spTree>
+      <p:nvGrpSpPr>
+        <p:cNvPr id="1" name="">
+          <a:extLst>
+            <a:ext uri="{FF2B5EF4-FFF2-40B4-BE49-F238E27FC236}">
+              <a16:creationId xmlns:a16="http://schemas.microsoft.com/office/drawing/2014/main" id="{50BFE46C-A68C-DEDE-ECEE-A86708EBABF0}"/>
+            </a:ext>
+          </a:extLst>
+        </p:cNvPr>
+        <p:cNvGrpSpPr/>
+        <p:nvPr/>
+      </p:nvGrpSpPr>
+      <p:grpSpPr>
+        <a:xfrm>
+          <a:off x="0" y="0"/>
+          <a:ext cx="0" cy="0"/>
+          <a:chOff x="0" y="0"/>
+          <a:chExt cx="0" cy="0"/>
+        </a:xfrm>
+      </p:grpSpPr>
+      <p:sp>
+        <p:nvSpPr>
+          <p:cNvPr id="2" name="Titolo 1">
+            <a:extLst>
+              <a:ext uri="{FF2B5EF4-FFF2-40B4-BE49-F238E27FC236}">
+                <a16:creationId xmlns:a16="http://schemas.microsoft.com/office/drawing/2014/main" id="{45719D65-9F7A-4CC1-8AF6-11CAFF74263E}"/>
+              </a:ext>
+            </a:extLst>
+          </p:cNvPr>
+          <p:cNvSpPr>
+            <a:spLocks noGrp="1"/>
+          </p:cNvSpPr>
+          <p:nvPr>
+            <p:ph type="title"/>
+          </p:nvPr>
+        </p:nvSpPr>
+        <p:spPr>
+          <a:xfrm>
+            <a:off x="594360" y="278129"/>
+            <a:ext cx="9778365" cy="1494596"/>
+          </a:xfrm>
+        </p:spPr>
+        <p:txBody>
+          <a:bodyPr rtlCol="0"/>
+          <a:lstStyle>
+            <a:defPPr>
+              <a:defRPr lang="it-IT"/>
+            </a:defPPr>
+          </a:lstStyle>
+          <a:p>
+            <a:pPr rtl="0"/>
+            <a:r>
+              <a:rPr lang="it-IT" sz="4000" b="0" dirty="0"/>
+              <a:t>Risultati – </a:t>
+            </a:r>
+            <a:r>
+              <a:rPr lang="it-IT" sz="4000" b="0"/>
+              <a:t>Stock (1)</a:t>
+            </a:r>
+            <a:endParaRPr lang="it-IT" sz="4000" b="0" dirty="0"/>
+          </a:p>
+        </p:txBody>
+      </p:sp>
+      <p:sp>
+        <p:nvSpPr>
+          <p:cNvPr id="14" name="Segnaposto contenuto 13">
+            <a:extLst>
+              <a:ext uri="{FF2B5EF4-FFF2-40B4-BE49-F238E27FC236}">
+                <a16:creationId xmlns:a16="http://schemas.microsoft.com/office/drawing/2014/main" id="{9B80217E-F8A2-0A67-8A50-6FCAB1370A8D}"/>
+              </a:ext>
+            </a:extLst>
+          </p:cNvPr>
+          <p:cNvSpPr>
+            <a:spLocks noGrp="1"/>
+          </p:cNvSpPr>
+          <p:nvPr>
+            <p:ph sz="quarter" idx="16"/>
+          </p:nvPr>
+        </p:nvSpPr>
+        <p:spPr>
+          <a:xfrm>
+            <a:off x="10372725" y="563099"/>
+            <a:ext cx="1351817" cy="1209626"/>
+          </a:xfrm>
+        </p:spPr>
+        <p:txBody>
+          <a:bodyPr/>
+          <a:lstStyle/>
+          <a:p>
+            <a:endParaRPr lang="it-IT" dirty="0"/>
+          </a:p>
+        </p:txBody>
+      </p:sp>
+      <p:sp>
+        <p:nvSpPr>
+          <p:cNvPr id="4" name="Segnaposto contenuto 3">
+            <a:extLst>
+              <a:ext uri="{FF2B5EF4-FFF2-40B4-BE49-F238E27FC236}">
+                <a16:creationId xmlns:a16="http://schemas.microsoft.com/office/drawing/2014/main" id="{FEE285D9-D55E-CE81-881A-E9F2C2214DC4}"/>
+              </a:ext>
+            </a:extLst>
+          </p:cNvPr>
+          <p:cNvSpPr>
+            <a:spLocks noGrp="1"/>
+          </p:cNvSpPr>
+          <p:nvPr>
+            <p:ph sz="quarter" idx="15"/>
+          </p:nvPr>
+        </p:nvSpPr>
+        <p:spPr>
+          <a:xfrm>
+            <a:off x="9857056" y="1914525"/>
+            <a:ext cx="1867486" cy="1156921"/>
+          </a:xfrm>
+        </p:spPr>
+        <p:txBody>
+          <a:bodyPr/>
+          <a:lstStyle/>
+          <a:p>
+            <a:endParaRPr lang="it-IT" dirty="0"/>
+          </a:p>
+        </p:txBody>
+      </p:sp>
+    </p:spTree>
+    <p:extLst>
+      <p:ext uri="{BB962C8B-B14F-4D97-AF65-F5344CB8AC3E}">
+        <p14:creationId xmlns:p14="http://schemas.microsoft.com/office/powerpoint/2010/main" val="2845198951"/>
+      </p:ext>
+    </p:extLst>
+  </p:cSld>
+  <p:clrMapOvr>
+    <a:masterClrMapping/>
+  </p:clrMapOvr>
+</p:sld>
+</file>
+
+<file path=ppt/slides/slide12.xml><?xml version="1.0" encoding="utf-8"?>
+<p:sld xmlns:a="http://schemas.openxmlformats.org/drawingml/2006/main" xmlns:r="http://schemas.openxmlformats.org/officeDocument/2006/relationships" xmlns:p="http://schemas.openxmlformats.org/presentationml/2006/main">
+  <p:cSld>
+    <p:spTree>
+      <p:nvGrpSpPr>
+        <p:cNvPr id="1" name="">
+          <a:extLst>
+            <a:ext uri="{FF2B5EF4-FFF2-40B4-BE49-F238E27FC236}">
+              <a16:creationId xmlns:a16="http://schemas.microsoft.com/office/drawing/2014/main" id="{14EC09BD-5E9B-64D6-3714-D088CBEE99EF}"/>
+            </a:ext>
+          </a:extLst>
+        </p:cNvPr>
+        <p:cNvGrpSpPr/>
+        <p:nvPr/>
+      </p:nvGrpSpPr>
+      <p:grpSpPr>
+        <a:xfrm>
+          <a:off x="0" y="0"/>
+          <a:ext cx="0" cy="0"/>
+          <a:chOff x="0" y="0"/>
+          <a:chExt cx="0" cy="0"/>
+        </a:xfrm>
+      </p:grpSpPr>
+      <p:sp>
+        <p:nvSpPr>
+          <p:cNvPr id="2" name="Titolo 1">
+            <a:extLst>
+              <a:ext uri="{FF2B5EF4-FFF2-40B4-BE49-F238E27FC236}">
+                <a16:creationId xmlns:a16="http://schemas.microsoft.com/office/drawing/2014/main" id="{1973986B-941C-B5AF-BDBB-BD61BDCF3714}"/>
+              </a:ext>
+            </a:extLst>
+          </p:cNvPr>
+          <p:cNvSpPr>
+            <a:spLocks noGrp="1"/>
+          </p:cNvSpPr>
+          <p:nvPr>
+            <p:ph type="title"/>
+          </p:nvPr>
+        </p:nvSpPr>
+        <p:spPr>
+          <a:xfrm>
+            <a:off x="594360" y="278129"/>
+            <a:ext cx="9778365" cy="1494596"/>
+          </a:xfrm>
+        </p:spPr>
+        <p:txBody>
+          <a:bodyPr rtlCol="0"/>
+          <a:lstStyle>
+            <a:defPPr>
+              <a:defRPr lang="it-IT"/>
+            </a:defPPr>
+          </a:lstStyle>
+          <a:p>
+            <a:pPr rtl="0"/>
+            <a:r>
+              <a:rPr lang="it-IT" sz="4000" b="0" dirty="0"/>
+              <a:t>Risultati – Stock (2)</a:t>
+            </a:r>
+          </a:p>
+        </p:txBody>
+      </p:sp>
+      <p:sp>
+        <p:nvSpPr>
+          <p:cNvPr id="14" name="Segnaposto contenuto 13">
+            <a:extLst>
+              <a:ext uri="{FF2B5EF4-FFF2-40B4-BE49-F238E27FC236}">
+                <a16:creationId xmlns:a16="http://schemas.microsoft.com/office/drawing/2014/main" id="{58751BF3-D765-0195-D0AA-F906B5CE2EA9}"/>
+              </a:ext>
+            </a:extLst>
+          </p:cNvPr>
+          <p:cNvSpPr>
+            <a:spLocks noGrp="1"/>
+          </p:cNvSpPr>
+          <p:nvPr>
+            <p:ph sz="quarter" idx="16"/>
+          </p:nvPr>
+        </p:nvSpPr>
+        <p:spPr>
+          <a:xfrm>
+            <a:off x="10372725" y="563099"/>
+            <a:ext cx="1351817" cy="1209626"/>
+          </a:xfrm>
+        </p:spPr>
+        <p:txBody>
+          <a:bodyPr/>
+          <a:lstStyle/>
+          <a:p>
+            <a:endParaRPr lang="it-IT" dirty="0"/>
+          </a:p>
+        </p:txBody>
+      </p:sp>
+      <p:sp>
+        <p:nvSpPr>
+          <p:cNvPr id="4" name="Segnaposto contenuto 3">
+            <a:extLst>
+              <a:ext uri="{FF2B5EF4-FFF2-40B4-BE49-F238E27FC236}">
+                <a16:creationId xmlns:a16="http://schemas.microsoft.com/office/drawing/2014/main" id="{7A39BE7B-5492-7ABC-88E0-82FEB987742F}"/>
+              </a:ext>
+            </a:extLst>
+          </p:cNvPr>
+          <p:cNvSpPr>
+            <a:spLocks noGrp="1"/>
+          </p:cNvSpPr>
+          <p:nvPr>
+            <p:ph sz="quarter" idx="15"/>
+          </p:nvPr>
+        </p:nvSpPr>
+        <p:spPr>
+          <a:xfrm>
+            <a:off x="9857056" y="1914525"/>
+            <a:ext cx="1867486" cy="1156921"/>
+          </a:xfrm>
+        </p:spPr>
+        <p:txBody>
+          <a:bodyPr/>
+          <a:lstStyle/>
+          <a:p>
+            <a:endParaRPr lang="it-IT" dirty="0"/>
+          </a:p>
+        </p:txBody>
+      </p:sp>
+    </p:spTree>
+    <p:extLst>
+      <p:ext uri="{BB962C8B-B14F-4D97-AF65-F5344CB8AC3E}">
+        <p14:creationId xmlns:p14="http://schemas.microsoft.com/office/powerpoint/2010/main" val="4182224781"/>
+      </p:ext>
+    </p:extLst>
+  </p:cSld>
+  <p:clrMapOvr>
+    <a:masterClrMapping/>
+  </p:clrMapOvr>
+</p:sld>
+</file>
+
+<file path=ppt/slides/slide13.xml><?xml version="1.0" encoding="utf-8"?>
+<p:sld xmlns:a="http://schemas.openxmlformats.org/drawingml/2006/main" xmlns:r="http://schemas.openxmlformats.org/officeDocument/2006/relationships" xmlns:p="http://schemas.openxmlformats.org/presentationml/2006/main">
+  <p:cSld>
+    <p:spTree>
+      <p:nvGrpSpPr>
+        <p:cNvPr id="1" name="">
+          <a:extLst>
+            <a:ext uri="{FF2B5EF4-FFF2-40B4-BE49-F238E27FC236}">
+              <a16:creationId xmlns:a16="http://schemas.microsoft.com/office/drawing/2014/main" id="{2E3F37A3-8298-6A9E-4A5A-28D127A2839C}"/>
+            </a:ext>
+          </a:extLst>
+        </p:cNvPr>
+        <p:cNvGrpSpPr/>
+        <p:nvPr/>
+      </p:nvGrpSpPr>
+      <p:grpSpPr>
+        <a:xfrm>
+          <a:off x="0" y="0"/>
+          <a:ext cx="0" cy="0"/>
+          <a:chOff x="0" y="0"/>
+          <a:chExt cx="0" cy="0"/>
+        </a:xfrm>
+      </p:grpSpPr>
+      <p:sp>
+        <p:nvSpPr>
+          <p:cNvPr id="2" name="Titolo 1">
+            <a:extLst>
+              <a:ext uri="{FF2B5EF4-FFF2-40B4-BE49-F238E27FC236}">
+                <a16:creationId xmlns:a16="http://schemas.microsoft.com/office/drawing/2014/main" id="{D933C1A0-76BF-E791-E474-1FAF53EC0FDE}"/>
+              </a:ext>
+            </a:extLst>
+          </p:cNvPr>
+          <p:cNvSpPr>
+            <a:spLocks noGrp="1"/>
+          </p:cNvSpPr>
+          <p:nvPr>
+            <p:ph type="title"/>
+          </p:nvPr>
+        </p:nvSpPr>
+        <p:spPr>
+          <a:xfrm>
+            <a:off x="594360" y="278129"/>
+            <a:ext cx="9778365" cy="1494596"/>
+          </a:xfrm>
+        </p:spPr>
+        <p:txBody>
+          <a:bodyPr rtlCol="0"/>
+          <a:lstStyle>
+            <a:defPPr>
+              <a:defRPr lang="it-IT"/>
+            </a:defPPr>
+          </a:lstStyle>
+          <a:p>
+            <a:pPr rtl="0"/>
+            <a:r>
+              <a:rPr lang="it-IT" sz="4000" b="0" dirty="0"/>
+              <a:t>Risultati – Stock (3)</a:t>
+            </a:r>
+          </a:p>
+        </p:txBody>
+      </p:sp>
+      <p:sp>
+        <p:nvSpPr>
+          <p:cNvPr id="14" name="Segnaposto contenuto 13">
+            <a:extLst>
+              <a:ext uri="{FF2B5EF4-FFF2-40B4-BE49-F238E27FC236}">
+                <a16:creationId xmlns:a16="http://schemas.microsoft.com/office/drawing/2014/main" id="{080B3078-FD37-633D-D08C-1205A1AEFB5D}"/>
+              </a:ext>
+            </a:extLst>
+          </p:cNvPr>
+          <p:cNvSpPr>
+            <a:spLocks noGrp="1"/>
+          </p:cNvSpPr>
+          <p:nvPr>
+            <p:ph sz="quarter" idx="16"/>
+          </p:nvPr>
+        </p:nvSpPr>
+        <p:spPr>
+          <a:xfrm>
+            <a:off x="10372725" y="563099"/>
+            <a:ext cx="1351817" cy="1209626"/>
+          </a:xfrm>
+        </p:spPr>
+        <p:txBody>
+          <a:bodyPr/>
+          <a:lstStyle/>
+          <a:p>
+            <a:endParaRPr lang="it-IT" dirty="0"/>
+          </a:p>
+        </p:txBody>
+      </p:sp>
+      <p:sp>
+        <p:nvSpPr>
+          <p:cNvPr id="4" name="Segnaposto contenuto 3">
+            <a:extLst>
+              <a:ext uri="{FF2B5EF4-FFF2-40B4-BE49-F238E27FC236}">
+                <a16:creationId xmlns:a16="http://schemas.microsoft.com/office/drawing/2014/main" id="{7B4A8F0E-150A-88C4-1B6B-1689DA759819}"/>
+              </a:ext>
+            </a:extLst>
+          </p:cNvPr>
+          <p:cNvSpPr>
+            <a:spLocks noGrp="1"/>
+          </p:cNvSpPr>
+          <p:nvPr>
+            <p:ph sz="quarter" idx="15"/>
+          </p:nvPr>
+        </p:nvSpPr>
+        <p:spPr>
+          <a:xfrm>
+            <a:off x="9857056" y="1914525"/>
+            <a:ext cx="1867486" cy="1156921"/>
+          </a:xfrm>
+        </p:spPr>
+        <p:txBody>
+          <a:bodyPr/>
+          <a:lstStyle/>
+          <a:p>
+            <a:endParaRPr lang="it-IT" dirty="0"/>
+          </a:p>
+        </p:txBody>
+      </p:sp>
+    </p:spTree>
+    <p:extLst>
+      <p:ext uri="{BB962C8B-B14F-4D97-AF65-F5344CB8AC3E}">
+        <p14:creationId xmlns:p14="http://schemas.microsoft.com/office/powerpoint/2010/main" val="3216604951"/>
+      </p:ext>
+    </p:extLst>
+  </p:cSld>
+  <p:clrMapOvr>
+    <a:masterClrMapping/>
+  </p:clrMapOvr>
+</p:sld>
+</file>
+
+<file path=ppt/slides/slide14.xml><?xml version="1.0" encoding="utf-8"?>
+<p:sld xmlns:a="http://schemas.openxmlformats.org/drawingml/2006/main" xmlns:r="http://schemas.openxmlformats.org/officeDocument/2006/relationships" xmlns:p="http://schemas.openxmlformats.org/presentationml/2006/main">
+  <p:cSld>
+    <p:spTree>
+      <p:nvGrpSpPr>
+        <p:cNvPr id="1" name="">
+          <a:extLst>
+            <a:ext uri="{FF2B5EF4-FFF2-40B4-BE49-F238E27FC236}">
+              <a16:creationId xmlns:a16="http://schemas.microsoft.com/office/drawing/2014/main" id="{E426A2CE-F3A0-1D6D-BB05-4410DC558995}"/>
+            </a:ext>
+          </a:extLst>
+        </p:cNvPr>
+        <p:cNvGrpSpPr/>
+        <p:nvPr/>
+      </p:nvGrpSpPr>
+      <p:grpSpPr>
+        <a:xfrm>
+          <a:off x="0" y="0"/>
+          <a:ext cx="0" cy="0"/>
+          <a:chOff x="0" y="0"/>
+          <a:chExt cx="0" cy="0"/>
+        </a:xfrm>
+      </p:grpSpPr>
+      <p:sp>
+        <p:nvSpPr>
+          <p:cNvPr id="2" name="Titolo 1">
+            <a:extLst>
+              <a:ext uri="{FF2B5EF4-FFF2-40B4-BE49-F238E27FC236}">
+                <a16:creationId xmlns:a16="http://schemas.microsoft.com/office/drawing/2014/main" id="{B1EB7A48-0908-F603-2FD6-D9E07F91F37B}"/>
+              </a:ext>
+            </a:extLst>
+          </p:cNvPr>
+          <p:cNvSpPr>
+            <a:spLocks noGrp="1"/>
+          </p:cNvSpPr>
+          <p:nvPr>
+            <p:ph type="title"/>
+          </p:nvPr>
+        </p:nvSpPr>
+        <p:spPr>
+          <a:xfrm>
+            <a:off x="594360" y="278129"/>
+            <a:ext cx="9778365" cy="1494596"/>
+          </a:xfrm>
+        </p:spPr>
+        <p:txBody>
+          <a:bodyPr rtlCol="0"/>
+          <a:lstStyle>
+            <a:defPPr>
+              <a:defRPr lang="it-IT"/>
+            </a:defPPr>
+          </a:lstStyle>
+          <a:p>
+            <a:pPr rtl="0"/>
+            <a:r>
+              <a:rPr lang="it-IT" sz="4000" b="0" dirty="0"/>
+              <a:t>Risultati – Opzioni europee (1)</a:t>
+            </a:r>
+          </a:p>
+        </p:txBody>
+      </p:sp>
+      <p:pic>
+        <p:nvPicPr>
+          <p:cNvPr id="5" name="Segnaposto contenuto 4" descr="Immagine che contiene testo, schermata, linea, Diagramma&#10;&#10;Il contenuto generato dall'IA potrebbe non essere corretto.">
+            <a:extLst>
+              <a:ext uri="{FF2B5EF4-FFF2-40B4-BE49-F238E27FC236}">
+                <a16:creationId xmlns:a16="http://schemas.microsoft.com/office/drawing/2014/main" id="{5B501100-5C83-8D62-344F-1668585B289D}"/>
+              </a:ext>
+            </a:extLst>
+          </p:cNvPr>
+          <p:cNvPicPr>
+            <a:picLocks noGrp="1" noChangeAspect="1"/>
+          </p:cNvPicPr>
+          <p:nvPr>
+            <p:ph sz="quarter" idx="15"/>
+          </p:nvPr>
+        </p:nvPicPr>
+        <p:blipFill>
+          <a:blip r:embed="rId3">
+            <a:extLst>
+              <a:ext uri="{28A0092B-C50C-407E-A947-70E740481C1C}">
+                <a14:useLocalDpi xmlns:a14="http://schemas.microsoft.com/office/drawing/2010/main" val="0"/>
+              </a:ext>
+            </a:extLst>
+          </a:blip>
+          <a:stretch>
+            <a:fillRect/>
+          </a:stretch>
+        </p:blipFill>
+        <p:spPr>
+          <a:xfrm>
+            <a:off x="354476" y="2230747"/>
+            <a:ext cx="4311436" cy="2426678"/>
+          </a:xfrm>
+        </p:spPr>
+      </p:pic>
+      <p:pic>
+        <p:nvPicPr>
+          <p:cNvPr id="10" name="Immagine 9" descr="Immagine che contiene testo, schermata, Diagramma, linea&#10;&#10;Il contenuto generato dall'IA potrebbe non essere corretto.">
+            <a:extLst>
+              <a:ext uri="{FF2B5EF4-FFF2-40B4-BE49-F238E27FC236}">
+                <a16:creationId xmlns:a16="http://schemas.microsoft.com/office/drawing/2014/main" id="{0DC69DDF-45EE-992D-91CD-827D9DDB7E08}"/>
+              </a:ext>
+            </a:extLst>
+          </p:cNvPr>
+          <p:cNvPicPr>
+            <a:picLocks noChangeAspect="1"/>
+          </p:cNvPicPr>
+          <p:nvPr/>
+        </p:nvPicPr>
+        <p:blipFill>
+          <a:blip r:embed="rId4">
+            <a:extLst>
+              <a:ext uri="{28A0092B-C50C-407E-A947-70E740481C1C}">
+                <a14:useLocalDpi xmlns:a14="http://schemas.microsoft.com/office/drawing/2010/main" val="0"/>
+              </a:ext>
+            </a:extLst>
+          </a:blip>
+          <a:stretch>
+            <a:fillRect/>
+          </a:stretch>
+        </p:blipFill>
+        <p:spPr>
+          <a:xfrm>
+            <a:off x="6793726" y="2236608"/>
+            <a:ext cx="4311436" cy="2429175"/>
+          </a:xfrm>
+          <a:prstGeom prst="rect">
+            <a:avLst/>
+          </a:prstGeom>
+        </p:spPr>
+      </p:pic>
+      <p:pic>
+        <p:nvPicPr>
+          <p:cNvPr id="12" name="Immagine 11" descr="Immagine che contiene testo, schermata, linea, Diagramma&#10;&#10;Il contenuto generato dall'IA potrebbe non essere corretto.">
+            <a:extLst>
+              <a:ext uri="{FF2B5EF4-FFF2-40B4-BE49-F238E27FC236}">
+                <a16:creationId xmlns:a16="http://schemas.microsoft.com/office/drawing/2014/main" id="{AA6E8EDA-1AE7-BD23-89B5-3423BCA5C2BB}"/>
+              </a:ext>
+            </a:extLst>
+          </p:cNvPr>
+          <p:cNvPicPr>
+            <a:picLocks noChangeAspect="1"/>
+          </p:cNvPicPr>
+          <p:nvPr/>
+        </p:nvPicPr>
+        <p:blipFill>
+          <a:blip r:embed="rId5">
+            <a:extLst>
+              <a:ext uri="{28A0092B-C50C-407E-A947-70E740481C1C}">
+                <a14:useLocalDpi xmlns:a14="http://schemas.microsoft.com/office/drawing/2010/main" val="0"/>
+              </a:ext>
+            </a:extLst>
+          </a:blip>
+          <a:stretch>
+            <a:fillRect/>
+          </a:stretch>
+        </p:blipFill>
+        <p:spPr>
+          <a:xfrm>
+            <a:off x="3556484" y="4513527"/>
+            <a:ext cx="4204193" cy="2362059"/>
+          </a:xfrm>
+          <a:prstGeom prst="rect">
+            <a:avLst/>
+          </a:prstGeom>
+        </p:spPr>
+      </p:pic>
+      <p:sp>
+        <p:nvSpPr>
+          <p:cNvPr id="14" name="Segnaposto contenuto 13">
+            <a:extLst>
+              <a:ext uri="{FF2B5EF4-FFF2-40B4-BE49-F238E27FC236}">
+                <a16:creationId xmlns:a16="http://schemas.microsoft.com/office/drawing/2014/main" id="{36457764-EBE7-B8A0-64D2-8C149F40C029}"/>
+              </a:ext>
+            </a:extLst>
+          </p:cNvPr>
+          <p:cNvSpPr>
+            <a:spLocks noGrp="1"/>
+          </p:cNvSpPr>
+          <p:nvPr>
+            <p:ph sz="quarter" idx="16"/>
+          </p:nvPr>
+        </p:nvSpPr>
+        <p:spPr>
+          <a:xfrm>
+            <a:off x="10372725" y="563099"/>
+            <a:ext cx="1351817" cy="1209626"/>
+          </a:xfrm>
+        </p:spPr>
+        <p:txBody>
+          <a:bodyPr/>
+          <a:lstStyle/>
+          <a:p>
+            <a:endParaRPr lang="it-IT" dirty="0"/>
+          </a:p>
+        </p:txBody>
+      </p:sp>
+    </p:spTree>
+    <p:extLst>
+      <p:ext uri="{BB962C8B-B14F-4D97-AF65-F5344CB8AC3E}">
+        <p14:creationId xmlns:p14="http://schemas.microsoft.com/office/powerpoint/2010/main" val="1472695670"/>
+      </p:ext>
+    </p:extLst>
+  </p:cSld>
+  <p:clrMapOvr>
+    <a:masterClrMapping/>
+  </p:clrMapOvr>
+</p:sld>
+</file>
+
+<file path=ppt/slides/slide15.xml><?xml version="1.0" encoding="utf-8"?>
+<p:sld xmlns:a="http://schemas.openxmlformats.org/drawingml/2006/main" xmlns:r="http://schemas.openxmlformats.org/officeDocument/2006/relationships" xmlns:p="http://schemas.openxmlformats.org/presentationml/2006/main">
+  <p:cSld>
+    <p:spTree>
+      <p:nvGrpSpPr>
+        <p:cNvPr id="1" name="">
+          <a:extLst>
+            <a:ext uri="{FF2B5EF4-FFF2-40B4-BE49-F238E27FC236}">
+              <a16:creationId xmlns:a16="http://schemas.microsoft.com/office/drawing/2014/main" id="{7B0C08C9-7DC3-9FBB-BDE6-BCE64D9F3660}"/>
+            </a:ext>
+          </a:extLst>
+        </p:cNvPr>
+        <p:cNvGrpSpPr/>
+        <p:nvPr/>
+      </p:nvGrpSpPr>
+      <p:grpSpPr>
+        <a:xfrm>
+          <a:off x="0" y="0"/>
+          <a:ext cx="0" cy="0"/>
+          <a:chOff x="0" y="0"/>
+          <a:chExt cx="0" cy="0"/>
+        </a:xfrm>
+      </p:grpSpPr>
+      <p:sp>
+        <p:nvSpPr>
+          <p:cNvPr id="2" name="Titolo 1">
+            <a:extLst>
+              <a:ext uri="{FF2B5EF4-FFF2-40B4-BE49-F238E27FC236}">
+                <a16:creationId xmlns:a16="http://schemas.microsoft.com/office/drawing/2014/main" id="{F4F54E74-A1B5-26C8-A4D5-6C07D1D6EAB3}"/>
+              </a:ext>
+            </a:extLst>
+          </p:cNvPr>
+          <p:cNvSpPr>
+            <a:spLocks noGrp="1"/>
+          </p:cNvSpPr>
+          <p:nvPr>
+            <p:ph type="title"/>
+          </p:nvPr>
+        </p:nvSpPr>
+        <p:spPr>
+          <a:xfrm>
+            <a:off x="594360" y="278129"/>
+            <a:ext cx="9778365" cy="1494596"/>
+          </a:xfrm>
+        </p:spPr>
+        <p:txBody>
+          <a:bodyPr rtlCol="0"/>
+          <a:lstStyle>
+            <a:defPPr>
+              <a:defRPr lang="it-IT"/>
+            </a:defPPr>
+          </a:lstStyle>
+          <a:p>
+            <a:pPr rtl="0"/>
+            <a:r>
+              <a:rPr lang="it-IT" sz="4000" b="0" dirty="0"/>
+              <a:t>Risultati – Opzioni europee (2)</a:t>
+            </a:r>
+          </a:p>
+        </p:txBody>
+      </p:sp>
+      <p:sp>
+        <p:nvSpPr>
+          <p:cNvPr id="14" name="Segnaposto contenuto 13">
+            <a:extLst>
+              <a:ext uri="{FF2B5EF4-FFF2-40B4-BE49-F238E27FC236}">
+                <a16:creationId xmlns:a16="http://schemas.microsoft.com/office/drawing/2014/main" id="{8AA8C8DF-23D9-A984-95A1-FC106EA8007A}"/>
+              </a:ext>
+            </a:extLst>
+          </p:cNvPr>
+          <p:cNvSpPr>
+            <a:spLocks noGrp="1"/>
+          </p:cNvSpPr>
+          <p:nvPr>
+            <p:ph sz="quarter" idx="16"/>
+          </p:nvPr>
+        </p:nvSpPr>
+        <p:spPr>
+          <a:xfrm>
+            <a:off x="10372725" y="563099"/>
+            <a:ext cx="1351817" cy="1209626"/>
+          </a:xfrm>
+        </p:spPr>
+        <p:txBody>
+          <a:bodyPr/>
+          <a:lstStyle/>
+          <a:p>
+            <a:endParaRPr lang="it-IT" dirty="0"/>
+          </a:p>
+        </p:txBody>
+      </p:sp>
+      <p:sp>
+        <p:nvSpPr>
+          <p:cNvPr id="4" name="Segnaposto contenuto 3">
+            <a:extLst>
+              <a:ext uri="{FF2B5EF4-FFF2-40B4-BE49-F238E27FC236}">
+                <a16:creationId xmlns:a16="http://schemas.microsoft.com/office/drawing/2014/main" id="{7AE31AEB-2C71-C389-4C79-358B33B60E97}"/>
+              </a:ext>
+            </a:extLst>
+          </p:cNvPr>
+          <p:cNvSpPr>
+            <a:spLocks noGrp="1"/>
+          </p:cNvSpPr>
+          <p:nvPr>
+            <p:ph sz="quarter" idx="15"/>
+          </p:nvPr>
+        </p:nvSpPr>
+        <p:spPr>
+          <a:xfrm>
+            <a:off x="594360" y="2676525"/>
+            <a:ext cx="10460502" cy="3597470"/>
+          </a:xfrm>
+        </p:spPr>
+        <p:txBody>
+          <a:bodyPr/>
+          <a:lstStyle/>
+          <a:p>
+            <a:endParaRPr lang="it-IT" dirty="0"/>
+          </a:p>
+        </p:txBody>
+      </p:sp>
+      <p:pic>
+        <p:nvPicPr>
+          <p:cNvPr id="7" name="Immagine 6">
+            <a:extLst>
+              <a:ext uri="{FF2B5EF4-FFF2-40B4-BE49-F238E27FC236}">
+                <a16:creationId xmlns:a16="http://schemas.microsoft.com/office/drawing/2014/main" id="{95E51351-9E4F-FCB4-C70F-D6A36D7DECA6}"/>
+              </a:ext>
+            </a:extLst>
+          </p:cNvPr>
+          <p:cNvPicPr>
+            <a:picLocks noChangeAspect="1"/>
+          </p:cNvPicPr>
+          <p:nvPr/>
+        </p:nvPicPr>
+        <p:blipFill>
+          <a:blip r:embed="rId3"/>
+          <a:stretch>
+            <a:fillRect/>
+          </a:stretch>
+        </p:blipFill>
+        <p:spPr>
+          <a:xfrm>
+            <a:off x="108658" y="2226136"/>
+            <a:ext cx="4347764" cy="2429888"/>
+          </a:xfrm>
+          <a:prstGeom prst="rect">
+            <a:avLst/>
+          </a:prstGeom>
+        </p:spPr>
+      </p:pic>
+      <p:pic>
+        <p:nvPicPr>
+          <p:cNvPr id="9" name="Immagine 8">
+            <a:extLst>
+              <a:ext uri="{FF2B5EF4-FFF2-40B4-BE49-F238E27FC236}">
+                <a16:creationId xmlns:a16="http://schemas.microsoft.com/office/drawing/2014/main" id="{51D1A850-DF7E-1B56-06E2-B7E5EF49B9CE}"/>
+              </a:ext>
+            </a:extLst>
+          </p:cNvPr>
+          <p:cNvPicPr>
+            <a:picLocks noChangeAspect="1"/>
+          </p:cNvPicPr>
+          <p:nvPr/>
+        </p:nvPicPr>
+        <p:blipFill>
+          <a:blip r:embed="rId4"/>
+          <a:stretch>
+            <a:fillRect/>
+          </a:stretch>
+        </p:blipFill>
+        <p:spPr>
+          <a:xfrm>
+            <a:off x="6541478" y="2236360"/>
+            <a:ext cx="4546702" cy="2548152"/>
+          </a:xfrm>
+          <a:prstGeom prst="rect">
+            <a:avLst/>
+          </a:prstGeom>
+        </p:spPr>
+      </p:pic>
+      <p:pic>
+        <p:nvPicPr>
+          <p:cNvPr id="13" name="Immagine 12">
+            <a:extLst>
+              <a:ext uri="{FF2B5EF4-FFF2-40B4-BE49-F238E27FC236}">
+                <a16:creationId xmlns:a16="http://schemas.microsoft.com/office/drawing/2014/main" id="{9BD51262-08A1-692E-96DE-5C0C734FAE3D}"/>
+              </a:ext>
+            </a:extLst>
+          </p:cNvPr>
+          <p:cNvPicPr>
+            <a:picLocks noChangeAspect="1"/>
+          </p:cNvPicPr>
+          <p:nvPr/>
+        </p:nvPicPr>
+        <p:blipFill>
+          <a:blip r:embed="rId5"/>
+          <a:stretch>
+            <a:fillRect/>
+          </a:stretch>
+        </p:blipFill>
+        <p:spPr>
+          <a:xfrm>
+            <a:off x="3593124" y="4447791"/>
+            <a:ext cx="4284784" cy="2416071"/>
+          </a:xfrm>
+          <a:prstGeom prst="rect">
+            <a:avLst/>
+          </a:prstGeom>
+        </p:spPr>
+      </p:pic>
+    </p:spTree>
+    <p:extLst>
+      <p:ext uri="{BB962C8B-B14F-4D97-AF65-F5344CB8AC3E}">
+        <p14:creationId xmlns:p14="http://schemas.microsoft.com/office/powerpoint/2010/main" val="1672899779"/>
+      </p:ext>
+    </p:extLst>
+  </p:cSld>
+  <p:clrMapOvr>
+    <a:masterClrMapping/>
+  </p:clrMapOvr>
+</p:sld>
+</file>
+
+<file path=ppt/slides/slide16.xml><?xml version="1.0" encoding="utf-8"?>
+<p:sld xmlns:a="http://schemas.openxmlformats.org/drawingml/2006/main" xmlns:r="http://schemas.openxmlformats.org/officeDocument/2006/relationships" xmlns:p="http://schemas.openxmlformats.org/presentationml/2006/main">
+  <p:cSld>
+    <p:spTree>
+      <p:nvGrpSpPr>
+        <p:cNvPr id="1" name="">
+          <a:extLst>
+            <a:ext uri="{FF2B5EF4-FFF2-40B4-BE49-F238E27FC236}">
+              <a16:creationId xmlns:a16="http://schemas.microsoft.com/office/drawing/2014/main" id="{BAE7F4F3-C423-28A2-D6E5-19C8929F6448}"/>
+            </a:ext>
+          </a:extLst>
+        </p:cNvPr>
+        <p:cNvGrpSpPr/>
+        <p:nvPr/>
+      </p:nvGrpSpPr>
+      <p:grpSpPr>
+        <a:xfrm>
+          <a:off x="0" y="0"/>
+          <a:ext cx="0" cy="0"/>
+          <a:chOff x="0" y="0"/>
+          <a:chExt cx="0" cy="0"/>
+        </a:xfrm>
+      </p:grpSpPr>
+      <p:sp>
+        <p:nvSpPr>
+          <p:cNvPr id="2" name="Titolo 1">
+            <a:extLst>
+              <a:ext uri="{FF2B5EF4-FFF2-40B4-BE49-F238E27FC236}">
+                <a16:creationId xmlns:a16="http://schemas.microsoft.com/office/drawing/2014/main" id="{D0BC79A9-7ED9-83B5-CB77-DEA45E65824C}"/>
+              </a:ext>
+            </a:extLst>
+          </p:cNvPr>
+          <p:cNvSpPr>
+            <a:spLocks noGrp="1"/>
+          </p:cNvSpPr>
+          <p:nvPr>
+            <p:ph type="title"/>
+          </p:nvPr>
+        </p:nvSpPr>
+        <p:spPr>
+          <a:xfrm>
+            <a:off x="594360" y="278129"/>
+            <a:ext cx="9778365" cy="1494596"/>
+          </a:xfrm>
+        </p:spPr>
+        <p:txBody>
+          <a:bodyPr rtlCol="0"/>
+          <a:lstStyle>
+            <a:defPPr>
+              <a:defRPr lang="it-IT"/>
+            </a:defPPr>
+          </a:lstStyle>
+          <a:p>
+            <a:pPr rtl="0"/>
+            <a:r>
+              <a:rPr lang="it-IT" sz="4000" b="0" dirty="0"/>
+              <a:t>Risultati – Opzioni americane (1)</a:t>
+            </a:r>
+          </a:p>
+        </p:txBody>
+      </p:sp>
+      <p:pic>
+        <p:nvPicPr>
+          <p:cNvPr id="5" name="Segnaposto contenuto 4" descr="Immagine che contiene testo, schermata, Diagramma, linea&#10;&#10;Il contenuto generato dall'IA potrebbe non essere corretto.">
+            <a:extLst>
+              <a:ext uri="{FF2B5EF4-FFF2-40B4-BE49-F238E27FC236}">
+                <a16:creationId xmlns:a16="http://schemas.microsoft.com/office/drawing/2014/main" id="{A5144955-E0FC-3A5E-B7DB-77B02AAAFD23}"/>
+              </a:ext>
+            </a:extLst>
+          </p:cNvPr>
+          <p:cNvPicPr>
+            <a:picLocks noGrp="1" noChangeAspect="1"/>
+          </p:cNvPicPr>
+          <p:nvPr>
+            <p:ph sz="quarter" idx="15"/>
+          </p:nvPr>
+        </p:nvPicPr>
+        <p:blipFill>
+          <a:blip r:embed="rId3">
+            <a:extLst>
+              <a:ext uri="{28A0092B-C50C-407E-A947-70E740481C1C}">
+                <a14:useLocalDpi xmlns:a14="http://schemas.microsoft.com/office/drawing/2010/main" val="0"/>
+              </a:ext>
+            </a:extLst>
+          </a:blip>
+          <a:stretch>
+            <a:fillRect/>
+          </a:stretch>
+        </p:blipFill>
+        <p:spPr>
+          <a:xfrm>
+            <a:off x="516018" y="2231045"/>
+            <a:ext cx="4186064" cy="2358537"/>
+          </a:xfrm>
+        </p:spPr>
+      </p:pic>
+      <p:pic>
+        <p:nvPicPr>
+          <p:cNvPr id="10" name="Immagine 9" descr="Immagine che contiene testo, schermata, linea, Diagramma&#10;&#10;Il contenuto generato dall'IA potrebbe non essere corretto.">
+            <a:extLst>
+              <a:ext uri="{FF2B5EF4-FFF2-40B4-BE49-F238E27FC236}">
+                <a16:creationId xmlns:a16="http://schemas.microsoft.com/office/drawing/2014/main" id="{2163938B-9005-3058-AFAD-3BA3BEEF53FE}"/>
+              </a:ext>
+            </a:extLst>
+          </p:cNvPr>
+          <p:cNvPicPr>
+            <a:picLocks noChangeAspect="1"/>
+          </p:cNvPicPr>
+          <p:nvPr/>
+        </p:nvPicPr>
+        <p:blipFill>
+          <a:blip r:embed="rId4">
+            <a:extLst>
+              <a:ext uri="{28A0092B-C50C-407E-A947-70E740481C1C}">
+                <a14:useLocalDpi xmlns:a14="http://schemas.microsoft.com/office/drawing/2010/main" val="0"/>
+              </a:ext>
+            </a:extLst>
+          </a:blip>
+          <a:stretch>
+            <a:fillRect/>
+          </a:stretch>
+        </p:blipFill>
+        <p:spPr>
+          <a:xfrm>
+            <a:off x="6786246" y="2215877"/>
+            <a:ext cx="4214935" cy="2373705"/>
+          </a:xfrm>
+          <a:prstGeom prst="rect">
+            <a:avLst/>
+          </a:prstGeom>
+        </p:spPr>
+      </p:pic>
+      <p:pic>
+        <p:nvPicPr>
+          <p:cNvPr id="14" name="Segnaposto contenuto 13" descr="Immagine che contiene testo, schermata, linea, Diagramma&#10;&#10;Il contenuto generato dall'IA potrebbe non essere corretto.">
+            <a:extLst>
+              <a:ext uri="{FF2B5EF4-FFF2-40B4-BE49-F238E27FC236}">
+                <a16:creationId xmlns:a16="http://schemas.microsoft.com/office/drawing/2014/main" id="{E05972BF-83E4-1781-2AC9-916B61CACD88}"/>
+              </a:ext>
+            </a:extLst>
+          </p:cNvPr>
+          <p:cNvPicPr>
+            <a:picLocks noGrp="1" noChangeAspect="1"/>
+          </p:cNvPicPr>
+          <p:nvPr>
+            <p:ph sz="quarter" idx="16"/>
+          </p:nvPr>
+        </p:nvPicPr>
+        <p:blipFill>
+          <a:blip r:embed="rId5">
+            <a:extLst>
+              <a:ext uri="{28A0092B-C50C-407E-A947-70E740481C1C}">
+                <a14:useLocalDpi xmlns:a14="http://schemas.microsoft.com/office/drawing/2010/main" val="0"/>
+              </a:ext>
+            </a:extLst>
+          </a:blip>
+          <a:stretch>
+            <a:fillRect/>
+          </a:stretch>
+        </p:blipFill>
+        <p:spPr>
+          <a:xfrm>
+            <a:off x="3615327" y="4459117"/>
+            <a:ext cx="4257674" cy="2398883"/>
+          </a:xfrm>
+        </p:spPr>
+      </p:pic>
+    </p:spTree>
+    <p:extLst>
+      <p:ext uri="{BB962C8B-B14F-4D97-AF65-F5344CB8AC3E}">
+        <p14:creationId xmlns:p14="http://schemas.microsoft.com/office/powerpoint/2010/main" val="4277053863"/>
+      </p:ext>
+    </p:extLst>
+  </p:cSld>
+  <p:clrMapOvr>
+    <a:masterClrMapping/>
+  </p:clrMapOvr>
+</p:sld>
+</file>
+
+<file path=ppt/slides/slide17.xml><?xml version="1.0" encoding="utf-8"?>
+<p:sld xmlns:a="http://schemas.openxmlformats.org/drawingml/2006/main" xmlns:r="http://schemas.openxmlformats.org/officeDocument/2006/relationships" xmlns:p="http://schemas.openxmlformats.org/presentationml/2006/main">
+  <p:cSld>
+    <p:spTree>
+      <p:nvGrpSpPr>
+        <p:cNvPr id="1" name="">
+          <a:extLst>
+            <a:ext uri="{FF2B5EF4-FFF2-40B4-BE49-F238E27FC236}">
+              <a16:creationId xmlns:a16="http://schemas.microsoft.com/office/drawing/2014/main" id="{A6D37B5C-E536-071B-A533-3E260015465D}"/>
+            </a:ext>
+          </a:extLst>
+        </p:cNvPr>
+        <p:cNvGrpSpPr/>
+        <p:nvPr/>
+      </p:nvGrpSpPr>
+      <p:grpSpPr>
+        <a:xfrm>
+          <a:off x="0" y="0"/>
+          <a:ext cx="0" cy="0"/>
+          <a:chOff x="0" y="0"/>
+          <a:chExt cx="0" cy="0"/>
+        </a:xfrm>
+      </p:grpSpPr>
+      <p:sp>
+        <p:nvSpPr>
+          <p:cNvPr id="2" name="Titolo 1">
+            <a:extLst>
+              <a:ext uri="{FF2B5EF4-FFF2-40B4-BE49-F238E27FC236}">
+                <a16:creationId xmlns:a16="http://schemas.microsoft.com/office/drawing/2014/main" id="{82C286E1-09F9-51A8-2ECD-7D87B799914D}"/>
+              </a:ext>
+            </a:extLst>
+          </p:cNvPr>
+          <p:cNvSpPr>
+            <a:spLocks noGrp="1"/>
+          </p:cNvSpPr>
+          <p:nvPr>
+            <p:ph type="title"/>
+          </p:nvPr>
+        </p:nvSpPr>
+        <p:spPr>
+          <a:xfrm>
+            <a:off x="594360" y="278129"/>
+            <a:ext cx="9778365" cy="1494596"/>
+          </a:xfrm>
+        </p:spPr>
+        <p:txBody>
+          <a:bodyPr rtlCol="0"/>
+          <a:lstStyle>
+            <a:defPPr>
+              <a:defRPr lang="it-IT"/>
+            </a:defPPr>
+          </a:lstStyle>
+          <a:p>
+            <a:pPr rtl="0"/>
+            <a:r>
+              <a:rPr lang="it-IT" sz="4000" b="0" dirty="0"/>
+              <a:t>Risultati – Opzioni americane (2)</a:t>
+            </a:r>
+          </a:p>
+        </p:txBody>
+      </p:sp>
+      <p:sp>
+        <p:nvSpPr>
+          <p:cNvPr id="4" name="Segnaposto contenuto 3">
+            <a:extLst>
+              <a:ext uri="{FF2B5EF4-FFF2-40B4-BE49-F238E27FC236}">
+                <a16:creationId xmlns:a16="http://schemas.microsoft.com/office/drawing/2014/main" id="{9ABF0360-9CE5-B715-EBFE-68A5AF8C4E91}"/>
+              </a:ext>
+            </a:extLst>
+          </p:cNvPr>
+          <p:cNvSpPr>
+            <a:spLocks noGrp="1"/>
+          </p:cNvSpPr>
+          <p:nvPr>
+            <p:ph sz="quarter" idx="16"/>
+          </p:nvPr>
+        </p:nvSpPr>
+        <p:spPr>
+          <a:xfrm>
+            <a:off x="9439852" y="691662"/>
+            <a:ext cx="1954979" cy="951718"/>
+          </a:xfrm>
+        </p:spPr>
+        <p:txBody>
+          <a:bodyPr/>
+          <a:lstStyle/>
+          <a:p>
+            <a:endParaRPr lang="it-IT" dirty="0"/>
+          </a:p>
+        </p:txBody>
+      </p:sp>
+      <p:sp>
+        <p:nvSpPr>
+          <p:cNvPr id="7" name="Segnaposto contenuto 6">
+            <a:extLst>
+              <a:ext uri="{FF2B5EF4-FFF2-40B4-BE49-F238E27FC236}">
+                <a16:creationId xmlns:a16="http://schemas.microsoft.com/office/drawing/2014/main" id="{87114A93-5362-8432-C00B-B5BAF4F7F48B}"/>
+              </a:ext>
+            </a:extLst>
+          </p:cNvPr>
+          <p:cNvSpPr>
+            <a:spLocks noGrp="1"/>
+          </p:cNvSpPr>
+          <p:nvPr>
+            <p:ph sz="quarter" idx="15"/>
+          </p:nvPr>
+        </p:nvSpPr>
+        <p:spPr>
+          <a:xfrm>
+            <a:off x="9691028" y="785643"/>
+            <a:ext cx="1363394" cy="922410"/>
+          </a:xfrm>
+        </p:spPr>
+        <p:txBody>
+          <a:bodyPr/>
+          <a:lstStyle/>
+          <a:p>
+            <a:endParaRPr lang="it-IT" dirty="0"/>
+          </a:p>
+        </p:txBody>
+      </p:sp>
+      <p:pic>
+        <p:nvPicPr>
+          <p:cNvPr id="9" name="Immagine 8">
+            <a:extLst>
+              <a:ext uri="{FF2B5EF4-FFF2-40B4-BE49-F238E27FC236}">
+                <a16:creationId xmlns:a16="http://schemas.microsoft.com/office/drawing/2014/main" id="{A7089AA3-F88E-AB44-0BDF-6597F80CBF28}"/>
+              </a:ext>
+            </a:extLst>
+          </p:cNvPr>
+          <p:cNvPicPr>
+            <a:picLocks noChangeAspect="1"/>
+          </p:cNvPicPr>
+          <p:nvPr/>
+        </p:nvPicPr>
+        <p:blipFill>
+          <a:blip r:embed="rId3"/>
+          <a:stretch>
+            <a:fillRect/>
+          </a:stretch>
+        </p:blipFill>
+        <p:spPr>
+          <a:xfrm>
+            <a:off x="193501" y="2312738"/>
+            <a:ext cx="4236430" cy="2368665"/>
+          </a:xfrm>
+          <a:prstGeom prst="rect">
+            <a:avLst/>
+          </a:prstGeom>
+        </p:spPr>
+      </p:pic>
+      <p:pic>
+        <p:nvPicPr>
+          <p:cNvPr id="12" name="Immagine 11">
+            <a:extLst>
+              <a:ext uri="{FF2B5EF4-FFF2-40B4-BE49-F238E27FC236}">
+                <a16:creationId xmlns:a16="http://schemas.microsoft.com/office/drawing/2014/main" id="{D883B3AD-8F9D-F8DA-06E7-772399D8B849}"/>
+              </a:ext>
+            </a:extLst>
+          </p:cNvPr>
+          <p:cNvPicPr>
+            <a:picLocks noChangeAspect="1"/>
+          </p:cNvPicPr>
+          <p:nvPr/>
+        </p:nvPicPr>
+        <p:blipFill>
+          <a:blip r:embed="rId4"/>
+          <a:stretch>
+            <a:fillRect/>
+          </a:stretch>
+        </p:blipFill>
+        <p:spPr>
+          <a:xfrm>
+            <a:off x="6638568" y="2295153"/>
+            <a:ext cx="4374638" cy="2446832"/>
+          </a:xfrm>
+          <a:prstGeom prst="rect">
+            <a:avLst/>
+          </a:prstGeom>
+        </p:spPr>
+      </p:pic>
+      <p:pic>
+        <p:nvPicPr>
+          <p:cNvPr id="15" name="Immagine 14">
+            <a:extLst>
+              <a:ext uri="{FF2B5EF4-FFF2-40B4-BE49-F238E27FC236}">
+                <a16:creationId xmlns:a16="http://schemas.microsoft.com/office/drawing/2014/main" id="{A7C0253C-3EFE-8E15-0015-ECA7B06D57F0}"/>
+              </a:ext>
+            </a:extLst>
+          </p:cNvPr>
+          <p:cNvPicPr>
+            <a:picLocks noChangeAspect="1"/>
+          </p:cNvPicPr>
+          <p:nvPr/>
+        </p:nvPicPr>
+        <p:blipFill>
+          <a:blip r:embed="rId5"/>
+          <a:stretch>
+            <a:fillRect/>
+          </a:stretch>
+        </p:blipFill>
+        <p:spPr>
+          <a:xfrm>
+            <a:off x="3387728" y="4488471"/>
+            <a:ext cx="4243997" cy="2369529"/>
+          </a:xfrm>
+          <a:prstGeom prst="rect">
+            <a:avLst/>
+          </a:prstGeom>
+        </p:spPr>
+      </p:pic>
+    </p:spTree>
+    <p:extLst>
+      <p:ext uri="{BB962C8B-B14F-4D97-AF65-F5344CB8AC3E}">
+        <p14:creationId xmlns:p14="http://schemas.microsoft.com/office/powerpoint/2010/main" val="1080650134"/>
+      </p:ext>
+    </p:extLst>
+  </p:cSld>
+  <p:clrMapOvr>
+    <a:masterClrMapping/>
+  </p:clrMapOvr>
+</p:sld>
+</file>
+
+<file path=ppt/slides/slide18.xml><?xml version="1.0" encoding="utf-8"?>
+<p:sld xmlns:a="http://schemas.openxmlformats.org/drawingml/2006/main" xmlns:r="http://schemas.openxmlformats.org/officeDocument/2006/relationships" xmlns:p="http://schemas.openxmlformats.org/presentationml/2006/main">
+  <p:cSld>
+    <p:spTree>
+      <p:nvGrpSpPr>
+        <p:cNvPr id="1" name="">
+          <a:extLst>
+            <a:ext uri="{FF2B5EF4-FFF2-40B4-BE49-F238E27FC236}">
+              <a16:creationId xmlns:a16="http://schemas.microsoft.com/office/drawing/2014/main" id="{068AE611-94C5-DCCA-53B0-02CD05165EA0}"/>
+            </a:ext>
+          </a:extLst>
+        </p:cNvPr>
+        <p:cNvGrpSpPr/>
+        <p:nvPr/>
+      </p:nvGrpSpPr>
+      <p:grpSpPr>
+        <a:xfrm>
+          <a:off x="0" y="0"/>
+          <a:ext cx="0" cy="0"/>
+          <a:chOff x="0" y="0"/>
+          <a:chExt cx="0" cy="0"/>
+        </a:xfrm>
+      </p:grpSpPr>
+      <p:sp>
+        <p:nvSpPr>
+          <p:cNvPr id="2" name="Titolo 1">
+            <a:extLst>
+              <a:ext uri="{FF2B5EF4-FFF2-40B4-BE49-F238E27FC236}">
+                <a16:creationId xmlns:a16="http://schemas.microsoft.com/office/drawing/2014/main" id="{47905310-5C38-1B3B-7511-7D0C37D5D922}"/>
+              </a:ext>
+            </a:extLst>
+          </p:cNvPr>
+          <p:cNvSpPr>
+            <a:spLocks noGrp="1"/>
+          </p:cNvSpPr>
+          <p:nvPr>
+            <p:ph type="title"/>
+          </p:nvPr>
+        </p:nvSpPr>
+        <p:spPr>
+          <a:xfrm>
+            <a:off x="594360" y="278129"/>
+            <a:ext cx="9778365" cy="1494596"/>
+          </a:xfrm>
+        </p:spPr>
+        <p:txBody>
+          <a:bodyPr rtlCol="0"/>
+          <a:lstStyle>
+            <a:defPPr>
+              <a:defRPr lang="it-IT"/>
+            </a:defPPr>
+          </a:lstStyle>
+          <a:p>
+            <a:pPr rtl="0"/>
+            <a:r>
+              <a:rPr lang="it-IT" sz="4000" b="0" dirty="0"/>
+              <a:t>Conclusioni</a:t>
             </a:r>
           </a:p>
         </p:txBody>
@@ -11109,7 +13948,7 @@
           <p:cNvPr id="3" name="Segnaposto contenuto 2">
             <a:extLst>
               <a:ext uri="{FF2B5EF4-FFF2-40B4-BE49-F238E27FC236}">
-                <a16:creationId xmlns:a16="http://schemas.microsoft.com/office/drawing/2014/main" id="{05531509-4226-62F3-1099-F9C04BCF277B}"/>
+                <a16:creationId xmlns:a16="http://schemas.microsoft.com/office/drawing/2014/main" id="{3EBDD153-840F-C3CB-218B-8EDBD25FE2AF}"/>
               </a:ext>
             </a:extLst>
           </p:cNvPr>
@@ -11171,7 +14010,7 @@
           <p:cNvPr id="6" name="Segnaposto contenuto 5">
             <a:extLst>
               <a:ext uri="{FF2B5EF4-FFF2-40B4-BE49-F238E27FC236}">
-                <a16:creationId xmlns:a16="http://schemas.microsoft.com/office/drawing/2014/main" id="{7B7E7A71-E585-445E-7E44-527D25CB9BC5}"/>
+                <a16:creationId xmlns:a16="http://schemas.microsoft.com/office/drawing/2014/main" id="{03CCE4AC-344E-50AA-F6DA-BF9597185A92}"/>
               </a:ext>
             </a:extLst>
           </p:cNvPr>
@@ -11201,7 +14040,7 @@
     </p:spTree>
     <p:extLst>
       <p:ext uri="{BB962C8B-B14F-4D97-AF65-F5344CB8AC3E}">
-        <p14:creationId xmlns:p14="http://schemas.microsoft.com/office/powerpoint/2010/main" val="1472695670"/>
+        <p14:creationId xmlns:p14="http://schemas.microsoft.com/office/powerpoint/2010/main" val="1681496619"/>
       </p:ext>
     </p:extLst>
   </p:cSld>
@@ -11211,7 +14050,7 @@
 </p:sld>
 </file>
 
-<file path=ppt/slides/slide11.xml><?xml version="1.0" encoding="utf-8"?>
+<file path=ppt/slides/slide19.xml><?xml version="1.0" encoding="utf-8"?>
 <p:sld xmlns:a="http://schemas.openxmlformats.org/drawingml/2006/main" xmlns:r="http://schemas.openxmlformats.org/officeDocument/2006/relationships" xmlns:p="http://schemas.openxmlformats.org/presentationml/2006/main">
   <p:cSld>
     <p:spTree>
@@ -11219,7 +14058,7 @@
         <p:cNvPr id="1" name="">
           <a:extLst>
             <a:ext uri="{FF2B5EF4-FFF2-40B4-BE49-F238E27FC236}">
-              <a16:creationId xmlns:a16="http://schemas.microsoft.com/office/drawing/2014/main" id="{BAE7F4F3-C423-28A2-D6E5-19C8929F6448}"/>
+              <a16:creationId xmlns:a16="http://schemas.microsoft.com/office/drawing/2014/main" id="{DE10C9E3-88BD-E52E-4091-252EA0A301DE}"/>
             </a:ext>
           </a:extLst>
         </p:cNvPr>
@@ -11239,7 +14078,7 @@
           <p:cNvPr id="2" name="Titolo 1">
             <a:extLst>
               <a:ext uri="{FF2B5EF4-FFF2-40B4-BE49-F238E27FC236}">
-                <a16:creationId xmlns:a16="http://schemas.microsoft.com/office/drawing/2014/main" id="{D0BC79A9-7ED9-83B5-CB77-DEA45E65824C}"/>
+                <a16:creationId xmlns:a16="http://schemas.microsoft.com/office/drawing/2014/main" id="{245D19FA-E00C-2BEB-4B78-A99AF931F8CB}"/>
               </a:ext>
             </a:extLst>
           </p:cNvPr>
@@ -11267,7 +14106,7 @@
             <a:pPr rtl="0"/>
             <a:r>
               <a:rPr lang="it-IT" sz="4000" b="0" dirty="0"/>
-              <a:t>Risultati – Opzioni americane</a:t>
+              <a:t>Riferimenti</a:t>
             </a:r>
           </a:p>
         </p:txBody>
@@ -11277,7 +14116,7 @@
           <p:cNvPr id="3" name="Segnaposto contenuto 2">
             <a:extLst>
               <a:ext uri="{FF2B5EF4-FFF2-40B4-BE49-F238E27FC236}">
-                <a16:creationId xmlns:a16="http://schemas.microsoft.com/office/drawing/2014/main" id="{34C90A72-1DEF-E604-1F40-32E0E6C3726F}"/>
+                <a16:creationId xmlns:a16="http://schemas.microsoft.com/office/drawing/2014/main" id="{FB4E52B3-E9D3-7EAB-E7C7-07D4547D206D}"/>
               </a:ext>
             </a:extLst>
           </p:cNvPr>
@@ -11339,7 +14178,7 @@
           <p:cNvPr id="6" name="Segnaposto contenuto 5">
             <a:extLst>
               <a:ext uri="{FF2B5EF4-FFF2-40B4-BE49-F238E27FC236}">
-                <a16:creationId xmlns:a16="http://schemas.microsoft.com/office/drawing/2014/main" id="{EEE22862-E979-321D-1130-8F8938C71AF1}"/>
+                <a16:creationId xmlns:a16="http://schemas.microsoft.com/office/drawing/2014/main" id="{CAA20593-2D7D-7FEC-EDAF-5F60AB618325}"/>
               </a:ext>
             </a:extLst>
           </p:cNvPr>
@@ -11369,464 +14208,7 @@
     </p:spTree>
     <p:extLst>
       <p:ext uri="{BB962C8B-B14F-4D97-AF65-F5344CB8AC3E}">
-        <p14:creationId xmlns:p14="http://schemas.microsoft.com/office/powerpoint/2010/main" val="4277053863"/>
-      </p:ext>
-    </p:extLst>
-  </p:cSld>
-  <p:clrMapOvr>
-    <a:masterClrMapping/>
-  </p:clrMapOvr>
-</p:sld>
-</file>
-
-<file path=ppt/slides/slide12.xml><?xml version="1.0" encoding="utf-8"?>
-<p:sld xmlns:a="http://schemas.openxmlformats.org/drawingml/2006/main" xmlns:r="http://schemas.openxmlformats.org/officeDocument/2006/relationships" xmlns:p="http://schemas.openxmlformats.org/presentationml/2006/main">
-  <p:cSld>
-    <p:spTree>
-      <p:nvGrpSpPr>
-        <p:cNvPr id="1" name="">
-          <a:extLst>
-            <a:ext uri="{FF2B5EF4-FFF2-40B4-BE49-F238E27FC236}">
-              <a16:creationId xmlns:a16="http://schemas.microsoft.com/office/drawing/2014/main" id="{068AE611-94C5-DCCA-53B0-02CD05165EA0}"/>
-            </a:ext>
-          </a:extLst>
-        </p:cNvPr>
-        <p:cNvGrpSpPr/>
-        <p:nvPr/>
-      </p:nvGrpSpPr>
-      <p:grpSpPr>
-        <a:xfrm>
-          <a:off x="0" y="0"/>
-          <a:ext cx="0" cy="0"/>
-          <a:chOff x="0" y="0"/>
-          <a:chExt cx="0" cy="0"/>
-        </a:xfrm>
-      </p:grpSpPr>
-      <p:sp>
-        <p:nvSpPr>
-          <p:cNvPr id="2" name="Titolo 1">
-            <a:extLst>
-              <a:ext uri="{FF2B5EF4-FFF2-40B4-BE49-F238E27FC236}">
-                <a16:creationId xmlns:a16="http://schemas.microsoft.com/office/drawing/2014/main" id="{47905310-5C38-1B3B-7511-7D0C37D5D922}"/>
-              </a:ext>
-            </a:extLst>
-          </p:cNvPr>
-          <p:cNvSpPr>
-            <a:spLocks noGrp="1"/>
-          </p:cNvSpPr>
-          <p:nvPr>
-            <p:ph type="title"/>
-          </p:nvPr>
-        </p:nvSpPr>
-        <p:spPr>
-          <a:xfrm>
-            <a:off x="594360" y="278129"/>
-            <a:ext cx="9778365" cy="1494596"/>
-          </a:xfrm>
-        </p:spPr>
-        <p:txBody>
-          <a:bodyPr rtlCol="0"/>
-          <a:lstStyle>
-            <a:defPPr>
-              <a:defRPr lang="it-IT"/>
-            </a:defPPr>
-          </a:lstStyle>
-          <a:p>
-            <a:pPr rtl="0"/>
-            <a:r>
-              <a:rPr lang="it-IT" sz="4000" b="0" dirty="0"/>
-              <a:t>Conclusioni</a:t>
-            </a:r>
-          </a:p>
-        </p:txBody>
-      </p:sp>
-      <p:sp>
-        <p:nvSpPr>
-          <p:cNvPr id="3" name="Segnaposto contenuto 2">
-            <a:extLst>
-              <a:ext uri="{FF2B5EF4-FFF2-40B4-BE49-F238E27FC236}">
-                <a16:creationId xmlns:a16="http://schemas.microsoft.com/office/drawing/2014/main" id="{3EBDD153-840F-C3CB-218B-8EDBD25FE2AF}"/>
-              </a:ext>
-            </a:extLst>
-          </p:cNvPr>
-          <p:cNvSpPr>
-            <a:spLocks noGrp="1"/>
-          </p:cNvSpPr>
-          <p:nvPr>
-            <p:ph sz="quarter" idx="15"/>
-          </p:nvPr>
-        </p:nvSpPr>
-        <p:spPr>
-          <a:xfrm>
-            <a:off x="594360" y="2676525"/>
-            <a:ext cx="6474193" cy="3597470"/>
-          </a:xfrm>
-        </p:spPr>
-        <p:txBody>
-          <a:bodyPr rtlCol="0"/>
-          <a:lstStyle>
-            <a:defPPr>
-              <a:defRPr lang="it-IT"/>
-            </a:defPPr>
-          </a:lstStyle>
-          <a:p>
-            <a:pPr rtl="0"/>
-            <a:r>
-              <a:rPr lang="it-IT" dirty="0"/>
-              <a:t>Applicare la put call </a:t>
-            </a:r>
-            <a:r>
-              <a:rPr lang="it-IT" dirty="0" err="1"/>
-              <a:t>parity</a:t>
-            </a:r>
-            <a:r>
-              <a:rPr lang="it-IT" dirty="0"/>
-              <a:t> e tirare fuori la retta di regressione, per farlo ci servono i dati delle opzioni a </a:t>
-            </a:r>
-            <a:r>
-              <a:rPr lang="it-IT" dirty="0" err="1"/>
-              <a:t>paritá</a:t>
-            </a:r>
-            <a:r>
-              <a:rPr lang="it-IT" dirty="0"/>
-              <a:t> di strike, scadenza e last trade, il valore del titolo, il tasso risk free e la </a:t>
-            </a:r>
-            <a:r>
-              <a:rPr lang="it-IT" dirty="0" err="1"/>
-              <a:t>volatilitá</a:t>
-            </a:r>
-            <a:r>
-              <a:rPr lang="it-IT" dirty="0"/>
-              <a:t> del titolo dopo in metodologia spiego come faccio</a:t>
-            </a:r>
-          </a:p>
-        </p:txBody>
-      </p:sp>
-      <p:sp>
-        <p:nvSpPr>
-          <p:cNvPr id="6" name="Segnaposto contenuto 5">
-            <a:extLst>
-              <a:ext uri="{FF2B5EF4-FFF2-40B4-BE49-F238E27FC236}">
-                <a16:creationId xmlns:a16="http://schemas.microsoft.com/office/drawing/2014/main" id="{03CCE4AC-344E-50AA-F6DA-BF9597185A92}"/>
-              </a:ext>
-            </a:extLst>
-          </p:cNvPr>
-          <p:cNvSpPr>
-            <a:spLocks noGrp="1"/>
-          </p:cNvSpPr>
-          <p:nvPr>
-            <p:ph sz="quarter" idx="16"/>
-          </p:nvPr>
-        </p:nvSpPr>
-        <p:spPr>
-          <a:xfrm rot="10800000" flipV="1">
-            <a:off x="11327732" y="667277"/>
-            <a:ext cx="625643" cy="848701"/>
-          </a:xfrm>
-        </p:spPr>
-        <p:txBody>
-          <a:bodyPr>
-            <a:normAutofit/>
-          </a:bodyPr>
-          <a:lstStyle/>
-          <a:p>
-            <a:endParaRPr lang="it-IT" dirty="0"/>
-          </a:p>
-        </p:txBody>
-      </p:sp>
-    </p:spTree>
-    <p:extLst>
-      <p:ext uri="{BB962C8B-B14F-4D97-AF65-F5344CB8AC3E}">
-        <p14:creationId xmlns:p14="http://schemas.microsoft.com/office/powerpoint/2010/main" val="1681496619"/>
-      </p:ext>
-    </p:extLst>
-  </p:cSld>
-  <p:clrMapOvr>
-    <a:masterClrMapping/>
-  </p:clrMapOvr>
-</p:sld>
-</file>
-
-<file path=ppt/slides/slide13.xml><?xml version="1.0" encoding="utf-8"?>
-<p:sld xmlns:a="http://schemas.openxmlformats.org/drawingml/2006/main" xmlns:r="http://schemas.openxmlformats.org/officeDocument/2006/relationships" xmlns:p="http://schemas.openxmlformats.org/presentationml/2006/main">
-  <p:cSld>
-    <p:spTree>
-      <p:nvGrpSpPr>
-        <p:cNvPr id="1" name="">
-          <a:extLst>
-            <a:ext uri="{FF2B5EF4-FFF2-40B4-BE49-F238E27FC236}">
-              <a16:creationId xmlns:a16="http://schemas.microsoft.com/office/drawing/2014/main" id="{DE10C9E3-88BD-E52E-4091-252EA0A301DE}"/>
-            </a:ext>
-          </a:extLst>
-        </p:cNvPr>
-        <p:cNvGrpSpPr/>
-        <p:nvPr/>
-      </p:nvGrpSpPr>
-      <p:grpSpPr>
-        <a:xfrm>
-          <a:off x="0" y="0"/>
-          <a:ext cx="0" cy="0"/>
-          <a:chOff x="0" y="0"/>
-          <a:chExt cx="0" cy="0"/>
-        </a:xfrm>
-      </p:grpSpPr>
-      <p:sp>
-        <p:nvSpPr>
-          <p:cNvPr id="2" name="Titolo 1">
-            <a:extLst>
-              <a:ext uri="{FF2B5EF4-FFF2-40B4-BE49-F238E27FC236}">
-                <a16:creationId xmlns:a16="http://schemas.microsoft.com/office/drawing/2014/main" id="{245D19FA-E00C-2BEB-4B78-A99AF931F8CB}"/>
-              </a:ext>
-            </a:extLst>
-          </p:cNvPr>
-          <p:cNvSpPr>
-            <a:spLocks noGrp="1"/>
-          </p:cNvSpPr>
-          <p:nvPr>
-            <p:ph type="title"/>
-          </p:nvPr>
-        </p:nvSpPr>
-        <p:spPr>
-          <a:xfrm>
-            <a:off x="594360" y="278129"/>
-            <a:ext cx="9778365" cy="1494596"/>
-          </a:xfrm>
-        </p:spPr>
-        <p:txBody>
-          <a:bodyPr rtlCol="0"/>
-          <a:lstStyle>
-            <a:defPPr>
-              <a:defRPr lang="it-IT"/>
-            </a:defPPr>
-          </a:lstStyle>
-          <a:p>
-            <a:pPr rtl="0"/>
-            <a:r>
-              <a:rPr lang="it-IT" sz="4000" b="0" dirty="0"/>
-              <a:t>Riferimenti</a:t>
-            </a:r>
-          </a:p>
-        </p:txBody>
-      </p:sp>
-      <p:sp>
-        <p:nvSpPr>
-          <p:cNvPr id="3" name="Segnaposto contenuto 2">
-            <a:extLst>
-              <a:ext uri="{FF2B5EF4-FFF2-40B4-BE49-F238E27FC236}">
-                <a16:creationId xmlns:a16="http://schemas.microsoft.com/office/drawing/2014/main" id="{FB4E52B3-E9D3-7EAB-E7C7-07D4547D206D}"/>
-              </a:ext>
-            </a:extLst>
-          </p:cNvPr>
-          <p:cNvSpPr>
-            <a:spLocks noGrp="1"/>
-          </p:cNvSpPr>
-          <p:nvPr>
-            <p:ph sz="quarter" idx="15"/>
-          </p:nvPr>
-        </p:nvSpPr>
-        <p:spPr>
-          <a:xfrm>
-            <a:off x="594360" y="2676525"/>
-            <a:ext cx="6474193" cy="3597470"/>
-          </a:xfrm>
-        </p:spPr>
-        <p:txBody>
-          <a:bodyPr rtlCol="0"/>
-          <a:lstStyle>
-            <a:defPPr>
-              <a:defRPr lang="it-IT"/>
-            </a:defPPr>
-          </a:lstStyle>
-          <a:p>
-            <a:pPr rtl="0"/>
-            <a:r>
-              <a:rPr lang="it-IT" dirty="0"/>
-              <a:t>Applicare la put call </a:t>
-            </a:r>
-            <a:r>
-              <a:rPr lang="it-IT" dirty="0" err="1"/>
-              <a:t>parity</a:t>
-            </a:r>
-            <a:r>
-              <a:rPr lang="it-IT" dirty="0"/>
-              <a:t> e tirare fuori la retta di regressione, per farlo ci servono i dati delle opzioni a </a:t>
-            </a:r>
-            <a:r>
-              <a:rPr lang="it-IT" dirty="0" err="1"/>
-              <a:t>paritá</a:t>
-            </a:r>
-            <a:r>
-              <a:rPr lang="it-IT" dirty="0"/>
-              <a:t> di strike, scadenza e last trade, il valore del titolo, il tasso risk free e la </a:t>
-            </a:r>
-            <a:r>
-              <a:rPr lang="it-IT" dirty="0" err="1"/>
-              <a:t>volatilitá</a:t>
-            </a:r>
-            <a:r>
-              <a:rPr lang="it-IT" dirty="0"/>
-              <a:t> del titolo dopo in metodologia spiego come faccio</a:t>
-            </a:r>
-          </a:p>
-        </p:txBody>
-      </p:sp>
-      <p:sp>
-        <p:nvSpPr>
-          <p:cNvPr id="6" name="Segnaposto contenuto 5">
-            <a:extLst>
-              <a:ext uri="{FF2B5EF4-FFF2-40B4-BE49-F238E27FC236}">
-                <a16:creationId xmlns:a16="http://schemas.microsoft.com/office/drawing/2014/main" id="{CAA20593-2D7D-7FEC-EDAF-5F60AB618325}"/>
-              </a:ext>
-            </a:extLst>
-          </p:cNvPr>
-          <p:cNvSpPr>
-            <a:spLocks noGrp="1"/>
-          </p:cNvSpPr>
-          <p:nvPr>
-            <p:ph sz="quarter" idx="16"/>
-          </p:nvPr>
-        </p:nvSpPr>
-        <p:spPr>
-          <a:xfrm rot="10800000" flipV="1">
-            <a:off x="11327732" y="667277"/>
-            <a:ext cx="625643" cy="848701"/>
-          </a:xfrm>
-        </p:spPr>
-        <p:txBody>
-          <a:bodyPr>
-            <a:normAutofit/>
-          </a:bodyPr>
-          <a:lstStyle/>
-          <a:p>
-            <a:endParaRPr lang="it-IT" dirty="0"/>
-          </a:p>
-        </p:txBody>
-      </p:sp>
-    </p:spTree>
-    <p:extLst>
-      <p:ext uri="{BB962C8B-B14F-4D97-AF65-F5344CB8AC3E}">
         <p14:creationId xmlns:p14="http://schemas.microsoft.com/office/powerpoint/2010/main" val="2155422434"/>
-      </p:ext>
-    </p:extLst>
-  </p:cSld>
-  <p:clrMapOvr>
-    <a:masterClrMapping/>
-  </p:clrMapOvr>
-</p:sld>
-</file>
-
-<file path=ppt/slides/slide14.xml><?xml version="1.0" encoding="utf-8"?>
-<p:sld xmlns:a="http://schemas.openxmlformats.org/drawingml/2006/main" xmlns:r="http://schemas.openxmlformats.org/officeDocument/2006/relationships" xmlns:p="http://schemas.openxmlformats.org/presentationml/2006/main">
-  <p:cSld>
-    <p:spTree>
-      <p:nvGrpSpPr>
-        <p:cNvPr id="1" name=""/>
-        <p:cNvGrpSpPr/>
-        <p:nvPr/>
-      </p:nvGrpSpPr>
-      <p:grpSpPr>
-        <a:xfrm>
-          <a:off x="0" y="0"/>
-          <a:ext cx="0" cy="0"/>
-          <a:chOff x="0" y="0"/>
-          <a:chExt cx="0" cy="0"/>
-        </a:xfrm>
-      </p:grpSpPr>
-      <p:sp>
-        <p:nvSpPr>
-          <p:cNvPr id="2" name="Titolo 1">
-            <a:extLst>
-              <a:ext uri="{FF2B5EF4-FFF2-40B4-BE49-F238E27FC236}">
-                <a16:creationId xmlns:a16="http://schemas.microsoft.com/office/drawing/2014/main" id="{F810C1B7-6E4E-3DEE-50C0-1CA3B14303EE}"/>
-              </a:ext>
-            </a:extLst>
-          </p:cNvPr>
-          <p:cNvSpPr>
-            <a:spLocks noGrp="1"/>
-          </p:cNvSpPr>
-          <p:nvPr>
-            <p:ph type="ctrTitle"/>
-          </p:nvPr>
-        </p:nvSpPr>
-        <p:spPr>
-          <a:xfrm>
-            <a:off x="594359" y="411479"/>
-            <a:ext cx="8128535" cy="3291840"/>
-          </a:xfrm>
-        </p:spPr>
-        <p:txBody>
-          <a:bodyPr rtlCol="0"/>
-          <a:lstStyle>
-            <a:defPPr>
-              <a:defRPr lang="it-IT"/>
-            </a:defPPr>
-          </a:lstStyle>
-          <a:p>
-            <a:pPr rtl="0"/>
-            <a:r>
-              <a:rPr lang="it-IT" b="0" dirty="0"/>
-              <a:t>Grazie per l’attenzione</a:t>
-            </a:r>
-          </a:p>
-        </p:txBody>
-      </p:sp>
-      <p:sp>
-        <p:nvSpPr>
-          <p:cNvPr id="3" name="Segnaposto testo 2">
-            <a:extLst>
-              <a:ext uri="{FF2B5EF4-FFF2-40B4-BE49-F238E27FC236}">
-                <a16:creationId xmlns:a16="http://schemas.microsoft.com/office/drawing/2014/main" id="{8BE734F0-2DDD-AF70-F13D-F9E4C1929411}"/>
-              </a:ext>
-            </a:extLst>
-          </p:cNvPr>
-          <p:cNvSpPr>
-            <a:spLocks noGrp="1"/>
-          </p:cNvSpPr>
-          <p:nvPr>
-            <p:ph type="body" sz="quarter" idx="11"/>
-          </p:nvPr>
-        </p:nvSpPr>
-        <p:spPr>
-          <a:xfrm>
-            <a:off x="594360" y="4549552"/>
-            <a:ext cx="5486400" cy="1645920"/>
-          </a:xfrm>
-        </p:spPr>
-        <p:txBody>
-          <a:bodyPr rtlCol="0"/>
-          <a:lstStyle>
-            <a:defPPr>
-              <a:defRPr lang="it-IT"/>
-            </a:defPPr>
-          </a:lstStyle>
-          <a:p>
-            <a:pPr rtl="0"/>
-            <a:r>
-              <a:rPr lang="it-IT" dirty="0">
-                <a:solidFill>
-                  <a:schemeClr val="bg1"/>
-                </a:solidFill>
-              </a:rPr>
-              <a:t>Matteo Conti - 0323728</a:t>
-            </a:r>
-          </a:p>
-          <a:p>
-            <a:pPr rtl="0"/>
-            <a:r>
-              <a:rPr lang="it-IT" dirty="0">
-                <a:solidFill>
-                  <a:schemeClr val="bg1"/>
-                </a:solidFill>
-              </a:rPr>
-              <a:t>matteo.conti.97@students.uniroma2.eu</a:t>
-            </a:r>
-          </a:p>
-        </p:txBody>
-      </p:sp>
-    </p:spTree>
-    <p:extLst>
-      <p:ext uri="{BB962C8B-B14F-4D97-AF65-F5344CB8AC3E}">
-        <p14:creationId xmlns:p14="http://schemas.microsoft.com/office/powerpoint/2010/main" val="4261132419"/>
       </p:ext>
     </p:extLst>
   </p:cSld>
@@ -12433,6 +14815,127 @@
     <p:extLst>
       <p:ext uri="{BB962C8B-B14F-4D97-AF65-F5344CB8AC3E}">
         <p14:creationId xmlns:p14="http://schemas.microsoft.com/office/powerpoint/2010/main" val="3346685798"/>
+      </p:ext>
+    </p:extLst>
+  </p:cSld>
+  <p:clrMapOvr>
+    <a:masterClrMapping/>
+  </p:clrMapOvr>
+</p:sld>
+</file>
+
+<file path=ppt/slides/slide20.xml><?xml version="1.0" encoding="utf-8"?>
+<p:sld xmlns:a="http://schemas.openxmlformats.org/drawingml/2006/main" xmlns:r="http://schemas.openxmlformats.org/officeDocument/2006/relationships" xmlns:p="http://schemas.openxmlformats.org/presentationml/2006/main">
+  <p:cSld>
+    <p:spTree>
+      <p:nvGrpSpPr>
+        <p:cNvPr id="1" name=""/>
+        <p:cNvGrpSpPr/>
+        <p:nvPr/>
+      </p:nvGrpSpPr>
+      <p:grpSpPr>
+        <a:xfrm>
+          <a:off x="0" y="0"/>
+          <a:ext cx="0" cy="0"/>
+          <a:chOff x="0" y="0"/>
+          <a:chExt cx="0" cy="0"/>
+        </a:xfrm>
+      </p:grpSpPr>
+      <p:sp>
+        <p:nvSpPr>
+          <p:cNvPr id="2" name="Titolo 1">
+            <a:extLst>
+              <a:ext uri="{FF2B5EF4-FFF2-40B4-BE49-F238E27FC236}">
+                <a16:creationId xmlns:a16="http://schemas.microsoft.com/office/drawing/2014/main" id="{F810C1B7-6E4E-3DEE-50C0-1CA3B14303EE}"/>
+              </a:ext>
+            </a:extLst>
+          </p:cNvPr>
+          <p:cNvSpPr>
+            <a:spLocks noGrp="1"/>
+          </p:cNvSpPr>
+          <p:nvPr>
+            <p:ph type="ctrTitle"/>
+          </p:nvPr>
+        </p:nvSpPr>
+        <p:spPr>
+          <a:xfrm>
+            <a:off x="594359" y="411479"/>
+            <a:ext cx="8128535" cy="3291840"/>
+          </a:xfrm>
+        </p:spPr>
+        <p:txBody>
+          <a:bodyPr rtlCol="0"/>
+          <a:lstStyle>
+            <a:defPPr>
+              <a:defRPr lang="it-IT"/>
+            </a:defPPr>
+          </a:lstStyle>
+          <a:p>
+            <a:pPr rtl="0"/>
+            <a:r>
+              <a:rPr lang="it-IT" b="0" dirty="0"/>
+              <a:t>Grazie per l’attenzione</a:t>
+            </a:r>
+          </a:p>
+        </p:txBody>
+      </p:sp>
+      <p:sp>
+        <p:nvSpPr>
+          <p:cNvPr id="3" name="Segnaposto testo 2">
+            <a:extLst>
+              <a:ext uri="{FF2B5EF4-FFF2-40B4-BE49-F238E27FC236}">
+                <a16:creationId xmlns:a16="http://schemas.microsoft.com/office/drawing/2014/main" id="{8BE734F0-2DDD-AF70-F13D-F9E4C1929411}"/>
+              </a:ext>
+            </a:extLst>
+          </p:cNvPr>
+          <p:cNvSpPr>
+            <a:spLocks noGrp="1"/>
+          </p:cNvSpPr>
+          <p:nvPr>
+            <p:ph type="body" sz="quarter" idx="11"/>
+          </p:nvPr>
+        </p:nvSpPr>
+        <p:spPr>
+          <a:xfrm>
+            <a:off x="594360" y="4549552"/>
+            <a:ext cx="5486400" cy="1645920"/>
+          </a:xfrm>
+        </p:spPr>
+        <p:txBody>
+          <a:bodyPr rtlCol="0"/>
+          <a:lstStyle>
+            <a:defPPr>
+              <a:defRPr lang="it-IT"/>
+            </a:defPPr>
+          </a:lstStyle>
+          <a:p>
+            <a:pPr rtl="0"/>
+            <a:r>
+              <a:rPr lang="it-IT" dirty="0">
+                <a:solidFill>
+                  <a:schemeClr val="bg1"/>
+                </a:solidFill>
+              </a:rPr>
+              <a:t>Matteo Conti - 0323728</a:t>
+            </a:r>
+          </a:p>
+          <a:p>
+            <a:pPr rtl="0"/>
+            <a:r>
+              <a:rPr lang="it-IT" dirty="0">
+                <a:solidFill>
+                  <a:schemeClr val="bg1"/>
+                </a:solidFill>
+              </a:rPr>
+              <a:t>matteo.conti.97@students.uniroma2.eu</a:t>
+            </a:r>
+          </a:p>
+        </p:txBody>
+      </p:sp>
+    </p:spTree>
+    <p:extLst>
+      <p:ext uri="{BB962C8B-B14F-4D97-AF65-F5344CB8AC3E}">
+        <p14:creationId xmlns:p14="http://schemas.microsoft.com/office/powerpoint/2010/main" val="4261132419"/>
       </p:ext>
     </p:extLst>
   </p:cSld>
@@ -13377,39 +15880,64 @@
           </p:sp>
         </mc:Fallback>
       </mc:AlternateContent>
-      <p:pic>
-        <p:nvPicPr>
-          <p:cNvPr id="7" name="Segnaposto contenuto 6" descr="Immagine che contiene simbolo, logo, Elementi grafici, clipart&#10;&#10;Descrizione generata automaticamente">
+      <p:sp>
+        <p:nvSpPr>
+          <p:cNvPr id="5" name="Segnaposto contenuto 4">
             <a:extLst>
               <a:ext uri="{FF2B5EF4-FFF2-40B4-BE49-F238E27FC236}">
-                <a16:creationId xmlns:a16="http://schemas.microsoft.com/office/drawing/2014/main" id="{CD065CE1-B6B0-5A31-5BE3-FAE06707197B}"/>
+                <a16:creationId xmlns:a16="http://schemas.microsoft.com/office/drawing/2014/main" id="{C34E8DC3-9913-D74F-234E-F7CB85903728}"/>
               </a:ext>
             </a:extLst>
           </p:cNvPr>
-          <p:cNvPicPr>
-            <a:picLocks noGrp="1" noChangeAspect="1"/>
-          </p:cNvPicPr>
+          <p:cNvSpPr>
+            <a:spLocks noGrp="1"/>
+          </p:cNvSpPr>
           <p:nvPr>
             <p:ph sz="quarter" idx="16"/>
           </p:nvPr>
+        </p:nvSpPr>
+        <p:spPr>
+          <a:xfrm>
+            <a:off x="9799093" y="191069"/>
+            <a:ext cx="2068062" cy="1183380"/>
+          </a:xfrm>
+        </p:spPr>
+        <p:txBody>
+          <a:bodyPr/>
+          <a:lstStyle/>
+          <a:p>
+            <a:endParaRPr lang="it-IT" dirty="0"/>
+          </a:p>
+        </p:txBody>
+      </p:sp>
+      <p:pic>
+        <p:nvPicPr>
+          <p:cNvPr id="8" name="Immagine 7">
+            <a:extLst>
+              <a:ext uri="{FF2B5EF4-FFF2-40B4-BE49-F238E27FC236}">
+                <a16:creationId xmlns:a16="http://schemas.microsoft.com/office/drawing/2014/main" id="{282712F7-BFD2-2845-7240-3ADF7F535FBF}"/>
+              </a:ext>
+            </a:extLst>
+          </p:cNvPr>
+          <p:cNvPicPr>
+            <a:picLocks noChangeAspect="1"/>
+          </p:cNvPicPr>
+          <p:nvPr/>
         </p:nvPicPr>
         <p:blipFill>
-          <a:blip r:embed="rId4">
-            <a:extLst>
-              <a:ext uri="{28A0092B-C50C-407E-A947-70E740481C1C}">
-                <a14:useLocalDpi xmlns:a14="http://schemas.microsoft.com/office/drawing/2010/main" val="0"/>
-              </a:ext>
-            </a:extLst>
-          </a:blip>
+          <a:blip r:embed="rId4"/>
           <a:stretch>
             <a:fillRect/>
           </a:stretch>
         </p:blipFill>
         <p:spPr>
           <a:xfrm>
-            <a:off x="8761863" y="2519446"/>
-            <a:ext cx="2425533" cy="2425533"/>
+            <a:off x="8069256" y="3099326"/>
+            <a:ext cx="3797899" cy="2915990"/>
           </a:xfrm>
+          <a:prstGeom prst="rect">
+            <a:avLst/>
+          </a:prstGeom>
         </p:spPr>
       </p:pic>
     </p:spTree>
@@ -13525,11 +16053,11 @@
             </a:r>
             <a:r>
               <a:rPr lang="it-IT" sz="1600" b="1" dirty="0"/>
-              <a:t>CRR</a:t>
+              <a:t>CRR </a:t>
             </a:r>
             <a:r>
               <a:rPr lang="it-IT" sz="1600" dirty="0"/>
-              <a:t> per predire i prezzi delle opzioni europee ed americane, nel dettaglio verranno analizzati i seguenti titoli, utilizzando dati del mese di novembre 2024:</a:t>
+              <a:t>nella sua variante mono e multi periodale per predire i prezzi delle opzioni europee ed americane, nel dettaglio verranno analizzati i seguenti titoli, utilizzando dati del mese di novembre 2024:</a:t>
             </a:r>
           </a:p>
           <a:p>
@@ -13837,8 +16365,8 @@
           </a:p>
         </p:txBody>
       </p:sp>
-      <mc:AlternateContent xmlns:mc="http://schemas.openxmlformats.org/markup-compatibility/2006" xmlns:a14="http://schemas.microsoft.com/office/drawing/2010/main">
-        <mc:Choice Requires="a14">
+      <mc:AlternateContent xmlns:mc="http://schemas.openxmlformats.org/markup-compatibility/2006">
+        <mc:Choice xmlns:a14="http://schemas.microsoft.com/office/drawing/2010/main" Requires="a14">
           <p:sp>
             <p:nvSpPr>
               <p:cNvPr id="3" name="Segnaposto contenuto 2">
@@ -14092,7 +16620,7 @@
                           <m:eqArr>
                             <m:eqArrPr>
                               <m:ctrlPr>
-                                <a:rPr lang="it-IT" i="1">
+                                <a:rPr lang="it-IT" i="1" smtClean="0">
                                   <a:latin typeface="Cambria Math" panose="02040503050406030204" pitchFamily="18" charset="0"/>
                                 </a:rPr>
                               </m:ctrlPr>
@@ -14151,13 +16679,31 @@
                                 <a:rPr lang="it-IT" i="1">
                                   <a:latin typeface="Cambria Math" panose="02040503050406030204" pitchFamily="18" charset="0"/>
                                 </a:rPr>
-                                <m:t>   </m:t>
+                                <m:t> </m:t>
                               </m:r>
+                              <m:acc>
+                                <m:accPr>
+                                  <m:chr m:val="̃"/>
+                                  <m:ctrlPr>
+                                    <a:rPr lang="it-IT" i="1" smtClean="0">
+                                      <a:latin typeface="Cambria Math" panose="02040503050406030204" pitchFamily="18" charset="0"/>
+                                    </a:rPr>
+                                  </m:ctrlPr>
+                                </m:accPr>
+                                <m:e>
+                                  <m:r>
+                                    <a:rPr lang="it-IT" b="0" i="1" smtClean="0">
+                                      <a:latin typeface="Cambria Math" panose="02040503050406030204" pitchFamily="18" charset="0"/>
+                                    </a:rPr>
+                                    <m:t>𝑝</m:t>
+                                  </m:r>
+                                </m:e>
+                              </m:acc>
                               <m:r>
                                 <a:rPr lang="it-IT" i="1">
                                   <a:latin typeface="Cambria Math" panose="02040503050406030204" pitchFamily="18" charset="0"/>
                                 </a:rPr>
-                                <m:t>𝑝</m:t>
+                                <m:t>  </m:t>
                               </m:r>
                             </m:e>
                             <m:e>
@@ -14216,12 +16762,24 @@
                                 </a:rPr>
                                 <m:t> </m:t>
                               </m:r>
-                              <m:r>
-                                <a:rPr lang="it-IT" i="1">
-                                  <a:latin typeface="Cambria Math" panose="02040503050406030204" pitchFamily="18" charset="0"/>
-                                </a:rPr>
-                                <m:t>𝑞</m:t>
-                              </m:r>
+                              <m:acc>
+                                <m:accPr>
+                                  <m:chr m:val="̃"/>
+                                  <m:ctrlPr>
+                                    <a:rPr lang="it-IT" i="1" smtClean="0">
+                                      <a:latin typeface="Cambria Math" panose="02040503050406030204" pitchFamily="18" charset="0"/>
+                                    </a:rPr>
+                                  </m:ctrlPr>
+                                </m:accPr>
+                                <m:e>
+                                  <m:r>
+                                    <a:rPr lang="it-IT" b="0" i="1" smtClean="0">
+                                      <a:latin typeface="Cambria Math" panose="02040503050406030204" pitchFamily="18" charset="0"/>
+                                    </a:rPr>
+                                    <m:t>𝑞</m:t>
+                                  </m:r>
+                                </m:e>
+                              </m:acc>
                             </m:e>
                           </m:eqArr>
                         </m:e>
@@ -14290,12 +16848,24 @@
                           </m:ctrlPr>
                         </m:dPr>
                         <m:e>
-                          <m:r>
-                            <a:rPr lang="it-IT" i="1">
-                              <a:latin typeface="Cambria Math" panose="02040503050406030204" pitchFamily="18" charset="0"/>
-                            </a:rPr>
-                            <m:t>𝑝</m:t>
-                          </m:r>
+                          <m:acc>
+                            <m:accPr>
+                              <m:chr m:val="̃"/>
+                              <m:ctrlPr>
+                                <a:rPr lang="it-IT" i="1">
+                                  <a:latin typeface="Cambria Math" panose="02040503050406030204" pitchFamily="18" charset="0"/>
+                                </a:rPr>
+                              </m:ctrlPr>
+                            </m:accPr>
+                            <m:e>
+                              <m:r>
+                                <a:rPr lang="it-IT" i="1">
+                                  <a:latin typeface="Cambria Math" panose="02040503050406030204" pitchFamily="18" charset="0"/>
+                                </a:rPr>
+                                <m:t>𝑝</m:t>
+                              </m:r>
+                            </m:e>
+                          </m:acc>
                         </m:e>
                       </m:d>
                     </m:oMath>
@@ -14311,7 +16881,127 @@
                 </a:pPr>
                 <a:r>
                   <a:rPr lang="it-IT" sz="1600" dirty="0"/>
-                  <a:t>Questo significa che in ogni stante il prezzo può scendere [o salire] con probabilità p [o q=1-p], dove p è la </a:t>
+                  <a:t>Questo significa che in ogni stante il prezzo può salire </a:t>
+                </a:r>
+                <a:r>
+                  <a:rPr lang="it-IT" sz="1600" i="1" dirty="0"/>
+                  <a:t>[scendere] </a:t>
+                </a:r>
+                <a:r>
+                  <a:rPr lang="it-IT" sz="1600" dirty="0"/>
+                  <a:t>di un fattore u </a:t>
+                </a:r>
+                <a:r>
+                  <a:rPr lang="it-IT" sz="1600" i="1" dirty="0"/>
+                  <a:t>[d] </a:t>
+                </a:r>
+                <a:r>
+                  <a:rPr lang="it-IT" sz="1600" dirty="0"/>
+                  <a:t>con probabilità </a:t>
+                </a:r>
+                <a14:m>
+                  <m:oMath xmlns:m="http://schemas.openxmlformats.org/officeDocument/2006/math">
+                    <m:acc>
+                      <m:accPr>
+                        <m:chr m:val="̃"/>
+                        <m:ctrlPr>
+                          <a:rPr lang="it-IT" sz="1600" i="1" smtClean="0">
+                            <a:latin typeface="Cambria Math" panose="02040503050406030204" pitchFamily="18" charset="0"/>
+                          </a:rPr>
+                        </m:ctrlPr>
+                      </m:accPr>
+                      <m:e>
+                        <m:r>
+                          <a:rPr lang="it-IT" sz="1600" b="0" i="1" smtClean="0">
+                            <a:latin typeface="Cambria Math" panose="02040503050406030204" pitchFamily="18" charset="0"/>
+                          </a:rPr>
+                          <m:t>𝑝</m:t>
+                        </m:r>
+                      </m:e>
+                    </m:acc>
+                  </m:oMath>
+                </a14:m>
+                <a:r>
+                  <a:rPr lang="it-IT" sz="1600" dirty="0"/>
+                  <a:t> </a:t>
+                </a:r>
+                <a:r>
+                  <a:rPr lang="it-IT" sz="1600" i="1" dirty="0"/>
+                  <a:t>[</a:t>
+                </a:r>
+                <a14:m>
+                  <m:oMath xmlns:m="http://schemas.openxmlformats.org/officeDocument/2006/math">
+                    <m:acc>
+                      <m:accPr>
+                        <m:chr m:val="̃"/>
+                        <m:ctrlPr>
+                          <a:rPr lang="it-IT" sz="1600" i="1">
+                            <a:latin typeface="Cambria Math" panose="02040503050406030204" pitchFamily="18" charset="0"/>
+                          </a:rPr>
+                        </m:ctrlPr>
+                      </m:accPr>
+                      <m:e>
+                        <m:r>
+                          <a:rPr lang="it-IT" sz="1600" i="1">
+                            <a:latin typeface="Cambria Math" panose="02040503050406030204" pitchFamily="18" charset="0"/>
+                          </a:rPr>
+                          <m:t>𝑞</m:t>
+                        </m:r>
+                      </m:e>
+                    </m:acc>
+                    <m:r>
+                      <a:rPr lang="it-IT" sz="1600" i="1">
+                        <a:latin typeface="Cambria Math" panose="02040503050406030204" pitchFamily="18" charset="0"/>
+                      </a:rPr>
+                      <m:t> </m:t>
+                    </m:r>
+                  </m:oMath>
+                </a14:m>
+                <a:r>
+                  <a:rPr lang="it-IT" sz="1600" i="1" dirty="0"/>
+                  <a:t>=1-</a:t>
+                </a:r>
+                <a:r>
+                  <a:rPr lang="it-IT" sz="1600" dirty="0"/>
+                  <a:t> </a:t>
+                </a:r>
+                <a14:m>
+                  <m:oMath xmlns:m="http://schemas.openxmlformats.org/officeDocument/2006/math">
+                    <m:acc>
+                      <m:accPr>
+                        <m:chr m:val="̃"/>
+                        <m:ctrlPr>
+                          <a:rPr lang="it-IT" sz="1600" i="1">
+                            <a:latin typeface="Cambria Math" panose="02040503050406030204" pitchFamily="18" charset="0"/>
+                          </a:rPr>
+                        </m:ctrlPr>
+                      </m:accPr>
+                      <m:e>
+                        <m:r>
+                          <a:rPr lang="it-IT" sz="1600" i="1">
+                            <a:latin typeface="Cambria Math" panose="02040503050406030204" pitchFamily="18" charset="0"/>
+                          </a:rPr>
+                          <m:t>𝑝</m:t>
+                        </m:r>
+                      </m:e>
+                    </m:acc>
+                  </m:oMath>
+                </a14:m>
+                <a:r>
+                  <a:rPr lang="it-IT" sz="1600" i="1" dirty="0"/>
+                  <a:t>]</a:t>
+                </a:r>
+                <a:r>
+                  <a:rPr lang="it-IT" sz="1600" dirty="0"/>
+                  <a:t>,</a:t>
+                </a:r>
+                <a:r>
+                  <a:rPr lang="it-IT" sz="1600" i="1" dirty="0"/>
+                  <a:t> </a:t>
+                </a:r>
+                <a:r>
+                  <a:rPr lang="it-IT" sz="1600" dirty="0"/>
+                  <a:t>dove p è la </a:t>
                 </a:r>
                 <a:r>
                   <a:rPr lang="it-IT" sz="1600" b="1" dirty="0"/>
@@ -14321,7 +17011,7 @@
             </p:txBody>
           </p:sp>
         </mc:Choice>
-        <mc:Fallback xmlns="">
+        <mc:Fallback>
           <p:sp>
             <p:nvSpPr>
               <p:cNvPr id="3" name="Segnaposto contenuto 2">
@@ -14474,8 +17164,8 @@
           </a:p>
         </p:txBody>
       </p:sp>
-      <mc:AlternateContent xmlns:mc="http://schemas.openxmlformats.org/markup-compatibility/2006" xmlns:a14="http://schemas.microsoft.com/office/drawing/2010/main">
-        <mc:Choice Requires="a14">
+      <mc:AlternateContent xmlns:mc="http://schemas.openxmlformats.org/markup-compatibility/2006">
+        <mc:Choice xmlns:a14="http://schemas.microsoft.com/office/drawing/2010/main" Requires="a14">
           <p:sp>
             <p:nvSpPr>
               <p:cNvPr id="3" name="Segnaposto contenuto 2">
@@ -14515,7 +17205,7 @@
                 </a:r>
               </a:p>
               <a:p>
-                <a:pPr marL="285750" indent="-285750" rtl="0">
+                <a:pPr marL="285750" indent="-285750">
                   <a:buFont typeface="Arial" panose="020B0604020202020204" pitchFamily="34" charset="0"/>
                   <a:buChar char="•"/>
                 </a:pPr>
@@ -14533,65 +17223,128 @@
                       </a:rPr>
                       <m:t>=</m:t>
                     </m:r>
-                    <m:sSup>
-                      <m:sSupPr>
+                    <m:r>
+                      <a:rPr lang="it-IT" sz="1600" b="0" i="1" smtClean="0">
+                        <a:latin typeface="Cambria Math" panose="02040503050406030204" pitchFamily="18" charset="0"/>
+                      </a:rPr>
+                      <m:t>1+</m:t>
+                    </m:r>
+                    <m:r>
+                      <a:rPr lang="it-IT" sz="1600" b="0" i="1" smtClean="0">
+                        <a:latin typeface="Cambria Math" panose="02040503050406030204" pitchFamily="18" charset="0"/>
+                      </a:rPr>
+                      <m:t>𝑟</m:t>
+                    </m:r>
+                    <m:r>
+                      <a:rPr lang="it-IT" sz="1600" b="0" i="1" smtClean="0">
+                        <a:latin typeface="Cambria Math" panose="02040503050406030204" pitchFamily="18" charset="0"/>
+                      </a:rPr>
+                      <m:t>+</m:t>
+                    </m:r>
+                  </m:oMath>
+                </a14:m>
+                <a:r>
+                  <a:rPr lang="it-IT" sz="1600" dirty="0">
+                    <a:ea typeface="Cambria Math" panose="02040503050406030204" pitchFamily="18" charset="0"/>
+                  </a:rPr>
+                  <a:t> </a:t>
+                </a:r>
+                <a14:m>
+                  <m:oMath xmlns:m="http://schemas.openxmlformats.org/officeDocument/2006/math">
+                    <m:r>
+                      <a:rPr lang="it-IT" sz="1600" i="1">
+                        <a:latin typeface="Cambria Math" panose="02040503050406030204" pitchFamily="18" charset="0"/>
+                        <a:ea typeface="Cambria Math" panose="02040503050406030204" pitchFamily="18" charset="0"/>
+                      </a:rPr>
+                      <m:t>𝜎</m:t>
+                    </m:r>
+                  </m:oMath>
+                </a14:m>
+                <a:r>
+                  <a:rPr lang="it-IT" sz="1600" b="0" dirty="0"/>
+                  <a:t>  nel modello toy  ed   </a:t>
+                </a:r>
+                <a14:m>
+                  <m:oMath xmlns:m="http://schemas.openxmlformats.org/officeDocument/2006/math">
+                    <m:r>
+                      <a:rPr lang="it-IT" sz="1600" b="1" i="1">
+                        <a:latin typeface="Cambria Math" panose="02040503050406030204" pitchFamily="18" charset="0"/>
+                      </a:rPr>
+                      <m:t>𝒖</m:t>
+                    </m:r>
+                    <m:r>
+                      <a:rPr lang="it-IT" sz="1600" i="1" smtClean="0">
+                        <a:latin typeface="Cambria Math" panose="02040503050406030204" pitchFamily="18" charset="0"/>
+                        <a:ea typeface="Cambria Math" panose="02040503050406030204" pitchFamily="18" charset="0"/>
+                      </a:rPr>
+                      <m:t>≈</m:t>
+                    </m:r>
+                    <m:r>
+                      <a:rPr lang="it-IT" sz="1600" i="1">
+                        <a:latin typeface="Cambria Math" panose="02040503050406030204" pitchFamily="18" charset="0"/>
+                      </a:rPr>
+                      <m:t>1</m:t>
+                    </m:r>
+                    <m:r>
+                      <a:rPr lang="it-IT" sz="1600" i="1" smtClean="0">
+                        <a:latin typeface="Cambria Math" panose="02040503050406030204" pitchFamily="18" charset="0"/>
+                      </a:rPr>
+                      <m:t>+</m:t>
+                    </m:r>
+                  </m:oMath>
+                </a14:m>
+                <a:r>
+                  <a:rPr lang="it-IT" sz="1600" dirty="0">
+                    <a:ea typeface="Cambria Math" panose="02040503050406030204" pitchFamily="18" charset="0"/>
+                  </a:rPr>
+                  <a:t> </a:t>
+                </a:r>
+                <a14:m>
+                  <m:oMath xmlns:m="http://schemas.openxmlformats.org/officeDocument/2006/math">
+                    <m:r>
+                      <a:rPr lang="it-IT" sz="1600" i="1">
+                        <a:latin typeface="Cambria Math" panose="02040503050406030204" pitchFamily="18" charset="0"/>
+                        <a:ea typeface="Cambria Math" panose="02040503050406030204" pitchFamily="18" charset="0"/>
+                      </a:rPr>
+                      <m:t>𝜎</m:t>
+                    </m:r>
+                    <m:rad>
+                      <m:radPr>
+                        <m:degHide m:val="on"/>
                         <m:ctrlPr>
-                          <a:rPr lang="it-IT" sz="1600" b="0" i="1" smtClean="0">
+                          <a:rPr lang="it-IT" sz="1600" i="1" smtClean="0">
                             <a:latin typeface="Cambria Math" panose="02040503050406030204" pitchFamily="18" charset="0"/>
+                            <a:ea typeface="Cambria Math" panose="02040503050406030204" pitchFamily="18" charset="0"/>
                           </a:rPr>
                         </m:ctrlPr>
-                      </m:sSupPr>
+                      </m:radPr>
+                      <m:deg/>
                       <m:e>
                         <m:r>
-                          <a:rPr lang="it-IT" sz="1600" b="0" i="1" smtClean="0">
+                          <a:rPr lang="it-IT" sz="1600" i="1" smtClean="0">
                             <a:latin typeface="Cambria Math" panose="02040503050406030204" pitchFamily="18" charset="0"/>
+                            <a:ea typeface="Cambria Math" panose="02040503050406030204" pitchFamily="18" charset="0"/>
                           </a:rPr>
-                          <m:t>𝑒</m:t>
+                          <m:t>∆</m:t>
                         </m:r>
-                      </m:e>
-                      <m:sup>
                         <m:r>
                           <a:rPr lang="it-IT" sz="1600" b="0" i="1" smtClean="0">
                             <a:latin typeface="Cambria Math" panose="02040503050406030204" pitchFamily="18" charset="0"/>
                             <a:ea typeface="Cambria Math" panose="02040503050406030204" pitchFamily="18" charset="0"/>
                           </a:rPr>
-                          <m:t>𝜎</m:t>
+                          <m:t>𝑡</m:t>
                         </m:r>
-                        <m:rad>
-                          <m:radPr>
-                            <m:degHide m:val="on"/>
-                            <m:ctrlPr>
-                              <a:rPr lang="it-IT" sz="1600" b="0" i="1" smtClean="0">
-                                <a:latin typeface="Cambria Math" panose="02040503050406030204" pitchFamily="18" charset="0"/>
-                              </a:rPr>
-                            </m:ctrlPr>
-                          </m:radPr>
-                          <m:deg/>
-                          <m:e>
-                            <m:r>
-                              <a:rPr lang="it-IT" sz="1600" b="0" i="1" smtClean="0">
-                                <a:latin typeface="Cambria Math" panose="02040503050406030204" pitchFamily="18" charset="0"/>
-                                <a:ea typeface="Cambria Math" panose="02040503050406030204" pitchFamily="18" charset="0"/>
-                              </a:rPr>
-                              <m:t>∆</m:t>
-                            </m:r>
-                            <m:r>
-                              <a:rPr lang="it-IT" sz="1600" b="0" i="1" smtClean="0">
-                                <a:latin typeface="Cambria Math" panose="02040503050406030204" pitchFamily="18" charset="0"/>
-                                <a:ea typeface="Cambria Math" panose="02040503050406030204" pitchFamily="18" charset="0"/>
-                              </a:rPr>
-                              <m:t>𝑡</m:t>
-                            </m:r>
-                          </m:e>
-                        </m:rad>
-                      </m:sup>
-                    </m:sSup>
+                      </m:e>
+                    </m:rad>
                   </m:oMath>
                 </a14:m>
-                <a:endParaRPr lang="it-IT" sz="1600" b="0" dirty="0"/>
+                <a:r>
+                  <a:rPr lang="it-IT" sz="1600" dirty="0"/>
+                  <a:t> </a:t>
+                </a:r>
               </a:p>
               <a:p>
-                <a:pPr marL="285750" indent="-285750" rtl="0">
+                <a:pPr marL="285750" indent="-285750">
                   <a:buFont typeface="Arial" panose="020B0604020202020204" pitchFamily="34" charset="0"/>
                   <a:buChar char="•"/>
                 </a:pPr>
@@ -14603,6 +17356,137 @@
                       </a:rPr>
                       <m:t>𝒅</m:t>
                     </m:r>
+                    <m:r>
+                      <a:rPr lang="it-IT" sz="1600" b="0" i="1" smtClean="0">
+                        <a:latin typeface="Cambria Math" panose="02040503050406030204" pitchFamily="18" charset="0"/>
+                      </a:rPr>
+                      <m:t>=</m:t>
+                    </m:r>
+                    <m:r>
+                      <a:rPr lang="it-IT" sz="1600" i="1">
+                        <a:latin typeface="Cambria Math" panose="02040503050406030204" pitchFamily="18" charset="0"/>
+                      </a:rPr>
+                      <m:t>1+</m:t>
+                    </m:r>
+                    <m:r>
+                      <a:rPr lang="it-IT" sz="1600" i="1">
+                        <a:latin typeface="Cambria Math" panose="02040503050406030204" pitchFamily="18" charset="0"/>
+                      </a:rPr>
+                      <m:t>𝑟</m:t>
+                    </m:r>
+                    <m:r>
+                      <a:rPr lang="it-IT" sz="1600" b="0" i="1" smtClean="0">
+                        <a:latin typeface="Cambria Math" panose="02040503050406030204" pitchFamily="18" charset="0"/>
+                      </a:rPr>
+                      <m:t>−</m:t>
+                    </m:r>
+                    <m:r>
+                      <a:rPr lang="it-IT" sz="1600" i="1" smtClean="0"/>
+                      <m:t>𝜎</m:t>
+                    </m:r>
+                  </m:oMath>
+                </a14:m>
+                <a:r>
+                  <a:rPr lang="it-IT" sz="1600" dirty="0"/>
+                  <a:t> nel modello toy </a:t>
+                </a:r>
+                <a14:m>
+                  <m:oMath xmlns:m="http://schemas.openxmlformats.org/officeDocument/2006/math">
+                    <m:r>
+                      <a:rPr lang="it-IT" sz="1600" b="0" i="0" smtClean="0">
+                        <a:latin typeface="Cambria Math" panose="02040503050406030204" pitchFamily="18" charset="0"/>
+                      </a:rPr>
+                      <m:t>   </m:t>
+                    </m:r>
+                    <m:r>
+                      <a:rPr lang="it-IT" sz="1600" b="1" i="1">
+                        <a:latin typeface="Cambria Math" panose="02040503050406030204" pitchFamily="18" charset="0"/>
+                      </a:rPr>
+                      <m:t>𝒖</m:t>
+                    </m:r>
+                    <m:r>
+                      <a:rPr lang="it-IT" sz="1600" i="1" dirty="0" smtClean="0">
+                        <a:latin typeface="Cambria Math" panose="02040503050406030204" pitchFamily="18" charset="0"/>
+                        <a:ea typeface="Cambria Math" panose="02040503050406030204" pitchFamily="18" charset="0"/>
+                      </a:rPr>
+                      <m:t>≈</m:t>
+                    </m:r>
+                    <m:r>
+                      <a:rPr lang="it-IT" sz="1600" i="1">
+                        <a:latin typeface="Cambria Math" panose="02040503050406030204" pitchFamily="18" charset="0"/>
+                      </a:rPr>
+                      <m:t>1</m:t>
+                    </m:r>
+                    <m:r>
+                      <a:rPr lang="it-IT" sz="1600" b="0" i="1" smtClean="0">
+                        <a:latin typeface="Cambria Math" panose="02040503050406030204" pitchFamily="18" charset="0"/>
+                      </a:rPr>
+                      <m:t>−</m:t>
+                    </m:r>
+                    <m:r>
+                      <a:rPr lang="it-IT" sz="1600" i="1">
+                        <a:latin typeface="Cambria Math" panose="02040503050406030204" pitchFamily="18" charset="0"/>
+                        <a:ea typeface="Cambria Math" panose="02040503050406030204" pitchFamily="18" charset="0"/>
+                      </a:rPr>
+                      <m:t>𝜎</m:t>
+                    </m:r>
+                    <m:rad>
+                      <m:radPr>
+                        <m:degHide m:val="on"/>
+                        <m:ctrlPr>
+                          <a:rPr lang="it-IT" sz="1600" i="1">
+                            <a:latin typeface="Cambria Math" panose="02040503050406030204" pitchFamily="18" charset="0"/>
+                            <a:ea typeface="Cambria Math" panose="02040503050406030204" pitchFamily="18" charset="0"/>
+                          </a:rPr>
+                        </m:ctrlPr>
+                      </m:radPr>
+                      <m:deg/>
+                      <m:e>
+                        <m:r>
+                          <a:rPr lang="it-IT" sz="1600" i="1">
+                            <a:latin typeface="Cambria Math" panose="02040503050406030204" pitchFamily="18" charset="0"/>
+                            <a:ea typeface="Cambria Math" panose="02040503050406030204" pitchFamily="18" charset="0"/>
+                          </a:rPr>
+                          <m:t>∆</m:t>
+                        </m:r>
+                        <m:r>
+                          <a:rPr lang="it-IT" sz="1600" i="1">
+                            <a:latin typeface="Cambria Math" panose="02040503050406030204" pitchFamily="18" charset="0"/>
+                            <a:ea typeface="Cambria Math" panose="02040503050406030204" pitchFamily="18" charset="0"/>
+                          </a:rPr>
+                          <m:t>𝑡</m:t>
+                        </m:r>
+                      </m:e>
+                    </m:rad>
+                  </m:oMath>
+                </a14:m>
+                <a:endParaRPr lang="it-IT" sz="1600" dirty="0"/>
+              </a:p>
+              <a:p>
+                <a:pPr marL="285750" indent="-285750">
+                  <a:buFont typeface="Arial" panose="020B0604020202020204" pitchFamily="34" charset="0"/>
+                  <a:buChar char="•"/>
+                </a:pPr>
+                <a14:m>
+                  <m:oMath xmlns:m="http://schemas.openxmlformats.org/officeDocument/2006/math">
+                    <m:acc>
+                      <m:accPr>
+                        <m:chr m:val="̃"/>
+                        <m:ctrlPr>
+                          <a:rPr lang="it-IT" sz="1600" b="1" i="1">
+                            <a:latin typeface="Cambria Math" panose="02040503050406030204" pitchFamily="18" charset="0"/>
+                          </a:rPr>
+                        </m:ctrlPr>
+                      </m:accPr>
+                      <m:e>
+                        <m:r>
+                          <a:rPr lang="it-IT" sz="1600" b="1" i="1">
+                            <a:latin typeface="Cambria Math" panose="02040503050406030204" pitchFamily="18" charset="0"/>
+                          </a:rPr>
+                          <m:t>𝒑</m:t>
+                        </m:r>
+                      </m:e>
+                    </m:acc>
                     <m:r>
                       <a:rPr lang="it-IT" sz="1600" b="0" i="1" smtClean="0">
                         <a:latin typeface="Cambria Math" panose="02040503050406030204" pitchFamily="18" charset="0"/>
@@ -14622,155 +17506,14 @@
                           <a:rPr lang="it-IT" sz="1600" b="0" i="1" smtClean="0">
                             <a:latin typeface="Cambria Math" panose="02040503050406030204" pitchFamily="18" charset="0"/>
                           </a:rPr>
-                          <m:t>1</m:t>
+                          <m:t>1+</m:t>
                         </m:r>
-                      </m:num>
-                      <m:den>
                         <m:r>
                           <a:rPr lang="it-IT" sz="1600" b="0" i="1" smtClean="0">
                             <a:latin typeface="Cambria Math" panose="02040503050406030204" pitchFamily="18" charset="0"/>
                           </a:rPr>
-                          <m:t>𝑢</m:t>
+                          <m:t>𝑟</m:t>
                         </m:r>
-                      </m:den>
-                    </m:f>
-                    <m:r>
-                      <a:rPr lang="it-IT" sz="1600" b="0" i="1" smtClean="0">
-                        <a:latin typeface="Cambria Math" panose="02040503050406030204" pitchFamily="18" charset="0"/>
-                      </a:rPr>
-                      <m:t>=</m:t>
-                    </m:r>
-                    <m:sSup>
-                      <m:sSupPr>
-                        <m:ctrlPr>
-                          <a:rPr lang="it-IT" sz="1600" b="0" i="1" smtClean="0">
-                            <a:latin typeface="Cambria Math" panose="02040503050406030204" pitchFamily="18" charset="0"/>
-                          </a:rPr>
-                        </m:ctrlPr>
-                      </m:sSupPr>
-                      <m:e>
-                        <m:r>
-                          <a:rPr lang="it-IT" sz="1600" b="0" i="1" smtClean="0">
-                            <a:latin typeface="Cambria Math" panose="02040503050406030204" pitchFamily="18" charset="0"/>
-                          </a:rPr>
-                          <m:t>𝑒</m:t>
-                        </m:r>
-                      </m:e>
-                      <m:sup>
-                        <m:r>
-                          <a:rPr lang="it-IT" sz="1600" b="0" i="1" smtClean="0">
-                            <a:latin typeface="Cambria Math" panose="02040503050406030204" pitchFamily="18" charset="0"/>
-                          </a:rPr>
-                          <m:t>−</m:t>
-                        </m:r>
-                        <m:r>
-                          <a:rPr lang="it-IT" sz="1600" b="0" i="1" smtClean="0">
-                            <a:latin typeface="Cambria Math" panose="02040503050406030204" pitchFamily="18" charset="0"/>
-                            <a:ea typeface="Cambria Math" panose="02040503050406030204" pitchFamily="18" charset="0"/>
-                          </a:rPr>
-                          <m:t>𝜎</m:t>
-                        </m:r>
-                        <m:rad>
-                          <m:radPr>
-                            <m:degHide m:val="on"/>
-                            <m:ctrlPr>
-                              <a:rPr lang="it-IT" sz="1600" b="0" i="1" smtClean="0">
-                                <a:latin typeface="Cambria Math" panose="02040503050406030204" pitchFamily="18" charset="0"/>
-                                <a:ea typeface="Cambria Math" panose="02040503050406030204" pitchFamily="18" charset="0"/>
-                              </a:rPr>
-                            </m:ctrlPr>
-                          </m:radPr>
-                          <m:deg/>
-                          <m:e>
-                            <m:r>
-                              <a:rPr lang="it-IT" sz="1600" b="0" i="1" smtClean="0">
-                                <a:latin typeface="Cambria Math" panose="02040503050406030204" pitchFamily="18" charset="0"/>
-                                <a:ea typeface="Cambria Math" panose="02040503050406030204" pitchFamily="18" charset="0"/>
-                              </a:rPr>
-                              <m:t>∆</m:t>
-                            </m:r>
-                            <m:r>
-                              <a:rPr lang="it-IT" sz="1600" b="0" i="1" smtClean="0">
-                                <a:latin typeface="Cambria Math" panose="02040503050406030204" pitchFamily="18" charset="0"/>
-                                <a:ea typeface="Cambria Math" panose="02040503050406030204" pitchFamily="18" charset="0"/>
-                              </a:rPr>
-                              <m:t>𝑡</m:t>
-                            </m:r>
-                          </m:e>
-                        </m:rad>
-                      </m:sup>
-                    </m:sSup>
-                  </m:oMath>
-                </a14:m>
-                <a:endParaRPr lang="it-IT" sz="1600" b="0" dirty="0"/>
-              </a:p>
-              <a:p>
-                <a:pPr marL="285750" indent="-285750">
-                  <a:buFont typeface="Arial" panose="020B0604020202020204" pitchFamily="34" charset="0"/>
-                  <a:buChar char="•"/>
-                </a:pPr>
-                <a14:m>
-                  <m:oMath xmlns:m="http://schemas.openxmlformats.org/officeDocument/2006/math">
-                    <m:r>
-                      <a:rPr lang="it-IT" sz="1600" b="1" i="1" smtClean="0">
-                        <a:latin typeface="Cambria Math" panose="02040503050406030204" pitchFamily="18" charset="0"/>
-                      </a:rPr>
-                      <m:t>𝒑</m:t>
-                    </m:r>
-                    <m:r>
-                      <a:rPr lang="it-IT" sz="1600" b="0" i="1" smtClean="0">
-                        <a:latin typeface="Cambria Math" panose="02040503050406030204" pitchFamily="18" charset="0"/>
-                      </a:rPr>
-                      <m:t>=</m:t>
-                    </m:r>
-                    <m:f>
-                      <m:fPr>
-                        <m:ctrlPr>
-                          <a:rPr lang="it-IT" sz="1600" b="0" i="1" smtClean="0">
-                            <a:latin typeface="Cambria Math" panose="02040503050406030204" pitchFamily="18" charset="0"/>
-                          </a:rPr>
-                        </m:ctrlPr>
-                      </m:fPr>
-                      <m:num>
-                        <m:sSup>
-                          <m:sSupPr>
-                            <m:ctrlPr>
-                              <a:rPr lang="it-IT" sz="1600" i="1">
-                                <a:latin typeface="Cambria Math" panose="02040503050406030204" pitchFamily="18" charset="0"/>
-                              </a:rPr>
-                            </m:ctrlPr>
-                          </m:sSupPr>
-                          <m:e>
-                            <m:r>
-                              <a:rPr lang="it-IT" sz="1600" i="1">
-                                <a:latin typeface="Cambria Math" panose="02040503050406030204" pitchFamily="18" charset="0"/>
-                              </a:rPr>
-                              <m:t>𝑒</m:t>
-                            </m:r>
-                          </m:e>
-                          <m:sup>
-                            <m:r>
-                              <a:rPr lang="it-IT" sz="1600" i="1">
-                                <a:latin typeface="Cambria Math" panose="02040503050406030204" pitchFamily="18" charset="0"/>
-                              </a:rPr>
-                              <m:t>𝑟</m:t>
-                            </m:r>
-                            <m:r>
-                              <a:rPr lang="it-IT" sz="1600" i="1">
-                                <a:latin typeface="Cambria Math" panose="02040503050406030204" pitchFamily="18" charset="0"/>
-                                <a:ea typeface="Cambria Math" panose="02040503050406030204" pitchFamily="18" charset="0"/>
-                              </a:rPr>
-                              <m:t>∆</m:t>
-                            </m:r>
-                            <m:r>
-                              <a:rPr lang="it-IT" sz="1600" i="1">
-                                <a:latin typeface="Cambria Math" panose="02040503050406030204" pitchFamily="18" charset="0"/>
-                                <a:ea typeface="Cambria Math" panose="02040503050406030204" pitchFamily="18" charset="0"/>
-                              </a:rPr>
-                              <m:t>𝑡</m:t>
-                            </m:r>
-                          </m:sup>
-                        </m:sSup>
                         <m:r>
                           <a:rPr lang="it-IT" sz="1600" i="1">
                             <a:latin typeface="Cambria Math" panose="02040503050406030204" pitchFamily="18" charset="0"/>
@@ -14816,12 +17559,20 @@
                 </a:pPr>
                 <a14:m>
                   <m:oMath xmlns:m="http://schemas.openxmlformats.org/officeDocument/2006/math">
-                    <m:r>
-                      <a:rPr lang="it-IT" sz="1600" b="1" i="1" smtClean="0">
-                        <a:latin typeface="Cambria Math" panose="02040503050406030204" pitchFamily="18" charset="0"/>
-                      </a:rPr>
-                      <m:t>𝒒</m:t>
-                    </m:r>
+                    <m:acc>
+                      <m:accPr>
+                        <m:chr m:val="̃"/>
+                        <m:ctrlPr>
+                          <a:rPr lang="it-IT" sz="1600" b="1" i="1"/>
+                        </m:ctrlPr>
+                      </m:accPr>
+                      <m:e>
+                        <m:r>
+                          <a:rPr lang="it-IT" sz="1600" b="1" i="1"/>
+                          <m:t>𝒒</m:t>
+                        </m:r>
+                      </m:e>
+                    </m:acc>
                     <m:r>
                       <a:rPr lang="it-IT" sz="1600" b="0" i="1" smtClean="0">
                         <a:latin typeface="Cambria Math" panose="02040503050406030204" pitchFamily="18" charset="0"/>
@@ -14834,94 +17585,6 @@
                       </a:rPr>
                       <m:t>𝑝</m:t>
                     </m:r>
-                    <m:r>
-                      <a:rPr lang="it-IT" sz="1600" b="0" i="1" smtClean="0">
-                        <a:latin typeface="Cambria Math" panose="02040503050406030204" pitchFamily="18" charset="0"/>
-                      </a:rPr>
-                      <m:t>=</m:t>
-                    </m:r>
-                    <m:f>
-                      <m:fPr>
-                        <m:ctrlPr>
-                          <a:rPr lang="it-IT" sz="1600" i="1">
-                            <a:latin typeface="Cambria Math" panose="02040503050406030204" pitchFamily="18" charset="0"/>
-                          </a:rPr>
-                        </m:ctrlPr>
-                      </m:fPr>
-                      <m:num>
-                        <m:sSup>
-                          <m:sSupPr>
-                            <m:ctrlPr>
-                              <a:rPr lang="it-IT" sz="1600" i="1">
-                                <a:latin typeface="Cambria Math" panose="02040503050406030204" pitchFamily="18" charset="0"/>
-                              </a:rPr>
-                            </m:ctrlPr>
-                          </m:sSupPr>
-                          <m:e>
-                            <m:r>
-                              <a:rPr lang="it-IT" sz="1600" b="0" i="1" smtClean="0">
-                                <a:latin typeface="Cambria Math" panose="02040503050406030204" pitchFamily="18" charset="0"/>
-                              </a:rPr>
-                              <m:t>𝑢</m:t>
-                            </m:r>
-                            <m:r>
-                              <a:rPr lang="it-IT" sz="1600" b="0" i="1" smtClean="0">
-                                <a:latin typeface="Cambria Math" panose="02040503050406030204" pitchFamily="18" charset="0"/>
-                              </a:rPr>
-                              <m:t>−</m:t>
-                            </m:r>
-                            <m:r>
-                              <a:rPr lang="it-IT" sz="1600" i="1">
-                                <a:latin typeface="Cambria Math" panose="02040503050406030204" pitchFamily="18" charset="0"/>
-                              </a:rPr>
-                              <m:t>𝑒</m:t>
-                            </m:r>
-                          </m:e>
-                          <m:sup>
-                            <m:r>
-                              <a:rPr lang="it-IT" sz="1600" i="1">
-                                <a:latin typeface="Cambria Math" panose="02040503050406030204" pitchFamily="18" charset="0"/>
-                              </a:rPr>
-                              <m:t>𝑟</m:t>
-                            </m:r>
-                            <m:r>
-                              <a:rPr lang="it-IT" sz="1600" i="1">
-                                <a:latin typeface="Cambria Math" panose="02040503050406030204" pitchFamily="18" charset="0"/>
-                                <a:ea typeface="Cambria Math" panose="02040503050406030204" pitchFamily="18" charset="0"/>
-                              </a:rPr>
-                              <m:t>∆</m:t>
-                            </m:r>
-                            <m:r>
-                              <a:rPr lang="it-IT" sz="1600" i="1">
-                                <a:latin typeface="Cambria Math" panose="02040503050406030204" pitchFamily="18" charset="0"/>
-                                <a:ea typeface="Cambria Math" panose="02040503050406030204" pitchFamily="18" charset="0"/>
-                              </a:rPr>
-                              <m:t>𝑡</m:t>
-                            </m:r>
-                          </m:sup>
-                        </m:sSup>
-                      </m:num>
-                      <m:den>
-                        <m:r>
-                          <a:rPr lang="it-IT" sz="1600" i="1">
-                            <a:latin typeface="Cambria Math" panose="02040503050406030204" pitchFamily="18" charset="0"/>
-                          </a:rPr>
-                          <m:t>𝑢</m:t>
-                        </m:r>
-                        <m:r>
-                          <a:rPr lang="it-IT" sz="1600" i="1">
-                            <a:latin typeface="Cambria Math" panose="02040503050406030204" pitchFamily="18" charset="0"/>
-                          </a:rPr>
-                          <m:t>−</m:t>
-                        </m:r>
-                        <m:r>
-                          <a:rPr lang="it-IT" sz="1600" i="1">
-                            <a:latin typeface="Cambria Math" panose="02040503050406030204" pitchFamily="18" charset="0"/>
-                          </a:rPr>
-                          <m:t>𝑑</m:t>
-                        </m:r>
-                      </m:den>
-                    </m:f>
                   </m:oMath>
                 </a14:m>
                 <a:endParaRPr lang="it-IT" sz="1600" b="0" dirty="0"/>
@@ -14949,13 +17612,13 @@
                 </a:r>
                 <a:r>
                   <a:rPr lang="it-IT" sz="1600" b="0" dirty="0"/>
-                  <a:t> del rendimento del titolo, che rappresenta la rischiosità dello stesso.</a:t>
+                  <a:t> del rendimento del titolo, la quale ci da una misura di quanto il suo prezzo può variare nel tempo.</a:t>
                 </a:r>
               </a:p>
             </p:txBody>
           </p:sp>
         </mc:Choice>
-        <mc:Fallback xmlns="">
+        <mc:Fallback>
           <p:sp>
             <p:nvSpPr>
               <p:cNvPr id="3" name="Segnaposto contenuto 2">
@@ -15055,6 +17718,695 @@
         <p:cNvPr id="1" name="">
           <a:extLst>
             <a:ext uri="{FF2B5EF4-FFF2-40B4-BE49-F238E27FC236}">
+              <a16:creationId xmlns:a16="http://schemas.microsoft.com/office/drawing/2014/main" id="{2966CCFB-EA12-F4E6-DA79-A0331042CE14}"/>
+            </a:ext>
+          </a:extLst>
+        </p:cNvPr>
+        <p:cNvGrpSpPr/>
+        <p:nvPr/>
+      </p:nvGrpSpPr>
+      <p:grpSpPr>
+        <a:xfrm>
+          <a:off x="0" y="0"/>
+          <a:ext cx="0" cy="0"/>
+          <a:chOff x="0" y="0"/>
+          <a:chExt cx="0" cy="0"/>
+        </a:xfrm>
+      </p:grpSpPr>
+      <p:sp>
+        <p:nvSpPr>
+          <p:cNvPr id="2" name="Titolo 1">
+            <a:extLst>
+              <a:ext uri="{FF2B5EF4-FFF2-40B4-BE49-F238E27FC236}">
+                <a16:creationId xmlns:a16="http://schemas.microsoft.com/office/drawing/2014/main" id="{7A3665FE-1219-CA4E-63D5-B86B20EA9158}"/>
+              </a:ext>
+            </a:extLst>
+          </p:cNvPr>
+          <p:cNvSpPr>
+            <a:spLocks noGrp="1"/>
+          </p:cNvSpPr>
+          <p:nvPr>
+            <p:ph type="title"/>
+          </p:nvPr>
+        </p:nvSpPr>
+        <p:spPr>
+          <a:xfrm>
+            <a:off x="594360" y="278129"/>
+            <a:ext cx="9778365" cy="1494596"/>
+          </a:xfrm>
+        </p:spPr>
+        <p:txBody>
+          <a:bodyPr rtlCol="0"/>
+          <a:lstStyle>
+            <a:defPPr>
+              <a:defRPr lang="it-IT"/>
+            </a:defPPr>
+          </a:lstStyle>
+          <a:p>
+            <a:pPr rtl="0"/>
+            <a:r>
+              <a:rPr lang="it-IT" sz="4000" b="0" dirty="0"/>
+              <a:t>Metodologia – Modello (3)</a:t>
+            </a:r>
+          </a:p>
+        </p:txBody>
+      </p:sp>
+      <mc:AlternateContent xmlns:mc="http://schemas.openxmlformats.org/markup-compatibility/2006">
+        <mc:Choice xmlns:a14="http://schemas.microsoft.com/office/drawing/2010/main" Requires="a14">
+          <p:sp>
+            <p:nvSpPr>
+              <p:cNvPr id="3" name="Segnaposto contenuto 2">
+                <a:extLst>
+                  <a:ext uri="{FF2B5EF4-FFF2-40B4-BE49-F238E27FC236}">
+                    <a16:creationId xmlns:a16="http://schemas.microsoft.com/office/drawing/2014/main" id="{B90FE00F-F067-7950-C50A-8ABBF9209CDE}"/>
+                  </a:ext>
+                </a:extLst>
+              </p:cNvPr>
+              <p:cNvSpPr>
+                <a:spLocks noGrp="1"/>
+              </p:cNvSpPr>
+              <p:nvPr>
+                <p:ph sz="quarter" idx="15"/>
+              </p:nvPr>
+            </p:nvSpPr>
+            <p:spPr>
+              <a:xfrm>
+                <a:off x="594359" y="2676525"/>
+                <a:ext cx="9030287" cy="3597470"/>
+              </a:xfrm>
+            </p:spPr>
+            <p:txBody>
+              <a:bodyPr rtlCol="0">
+                <a:noAutofit/>
+              </a:bodyPr>
+              <a:lstStyle>
+                <a:defPPr>
+                  <a:defRPr lang="it-IT"/>
+                </a:defPPr>
+              </a:lstStyle>
+              <a:p>
+                <a:pPr rtl="0"/>
+                <a:r>
+                  <a:rPr lang="it-IT" sz="1600" b="0" dirty="0"/>
+                  <a:t>Per mostrare come il mercat</a:t>
+                </a:r>
+                <a:r>
+                  <a:rPr lang="it-IT" sz="1600" dirty="0"/>
+                  <a:t>o sia effettivamente privo di arbitraggi </a:t>
+                </a:r>
+                <a:r>
+                  <a:rPr lang="it-IT" sz="1600" b="0" dirty="0"/>
+                  <a:t>viene considerata anche la retta di regressione che può essere tracciata tramite </a:t>
+                </a:r>
+                <a:r>
+                  <a:rPr lang="it-IT" sz="1600" b="1" dirty="0"/>
+                  <a:t>put-call </a:t>
+                </a:r>
+                <a:r>
+                  <a:rPr lang="it-IT" sz="1600" b="1" dirty="0" err="1"/>
+                  <a:t>parity</a:t>
+                </a:r>
+                <a:r>
+                  <a:rPr lang="it-IT" sz="1600" b="1" dirty="0"/>
+                  <a:t> </a:t>
+                </a:r>
+                <a:r>
+                  <a:rPr lang="it-IT" sz="1600" b="1" dirty="0" err="1"/>
+                  <a:t>equation</a:t>
+                </a:r>
+                <a:r>
+                  <a:rPr lang="it-IT" sz="1600" b="0" dirty="0"/>
+                  <a:t>, quest’ultima di suo è una relazione model-free, ma per essere portata in t=0 richiede l’assunzione di utilizzare il CRR.</a:t>
+                </a:r>
+              </a:p>
+              <a:p>
+                <a:pPr rtl="0"/>
+                <a:endParaRPr lang="it-IT" sz="1600" b="0" dirty="0"/>
+              </a:p>
+              <a:p>
+                <a14:m>
+                  <m:oMathPara xmlns:m="http://schemas.openxmlformats.org/officeDocument/2006/math">
+                    <m:oMathParaPr>
+                      <m:jc m:val="centerGroup"/>
+                    </m:oMathParaPr>
+                    <m:oMath xmlns:m="http://schemas.openxmlformats.org/officeDocument/2006/math">
+                      <m:sSub>
+                        <m:sSubPr>
+                          <m:ctrlPr>
+                            <a:rPr lang="it-IT" sz="1600" i="1" smtClean="0">
+                              <a:latin typeface="Cambria Math" panose="02040503050406030204" pitchFamily="18" charset="0"/>
+                            </a:rPr>
+                          </m:ctrlPr>
+                        </m:sSubPr>
+                        <m:e>
+                          <m:r>
+                            <a:rPr lang="it-IT" sz="1600" b="0" i="1" smtClean="0">
+                              <a:latin typeface="Cambria Math" panose="02040503050406030204" pitchFamily="18" charset="0"/>
+                            </a:rPr>
+                            <m:t>𝐶</m:t>
+                          </m:r>
+                        </m:e>
+                        <m:sub>
+                          <m:r>
+                            <a:rPr lang="it-IT" sz="1600" b="0" i="1" smtClean="0">
+                              <a:latin typeface="Cambria Math" panose="02040503050406030204" pitchFamily="18" charset="0"/>
+                            </a:rPr>
+                            <m:t>0</m:t>
+                          </m:r>
+                        </m:sub>
+                      </m:sSub>
+                      <m:r>
+                        <a:rPr lang="it-IT" sz="1600" b="0" i="1" smtClean="0">
+                          <a:latin typeface="Cambria Math" panose="02040503050406030204" pitchFamily="18" charset="0"/>
+                        </a:rPr>
+                        <m:t>−</m:t>
+                      </m:r>
+                      <m:sSub>
+                        <m:sSubPr>
+                          <m:ctrlPr>
+                            <a:rPr lang="it-IT" sz="1600" b="0" i="1" smtClean="0">
+                              <a:latin typeface="Cambria Math" panose="02040503050406030204" pitchFamily="18" charset="0"/>
+                            </a:rPr>
+                          </m:ctrlPr>
+                        </m:sSubPr>
+                        <m:e>
+                          <m:r>
+                            <a:rPr lang="it-IT" sz="1600" b="0" i="1" smtClean="0">
+                              <a:latin typeface="Cambria Math" panose="02040503050406030204" pitchFamily="18" charset="0"/>
+                            </a:rPr>
+                            <m:t>𝑃</m:t>
+                          </m:r>
+                        </m:e>
+                        <m:sub>
+                          <m:r>
+                            <a:rPr lang="it-IT" sz="1600" b="0" i="1" smtClean="0">
+                              <a:latin typeface="Cambria Math" panose="02040503050406030204" pitchFamily="18" charset="0"/>
+                            </a:rPr>
+                            <m:t>0</m:t>
+                          </m:r>
+                        </m:sub>
+                      </m:sSub>
+                      <m:r>
+                        <a:rPr lang="it-IT" sz="1600" b="0" i="1" smtClean="0">
+                          <a:latin typeface="Cambria Math" panose="02040503050406030204" pitchFamily="18" charset="0"/>
+                        </a:rPr>
+                        <m:t>=</m:t>
+                      </m:r>
+                      <m:sSub>
+                        <m:sSubPr>
+                          <m:ctrlPr>
+                            <a:rPr lang="it-IT" sz="1600" b="0" i="1" smtClean="0">
+                              <a:latin typeface="Cambria Math" panose="02040503050406030204" pitchFamily="18" charset="0"/>
+                            </a:rPr>
+                          </m:ctrlPr>
+                        </m:sSubPr>
+                        <m:e>
+                          <m:r>
+                            <a:rPr lang="it-IT" sz="1600" b="0" i="1" smtClean="0">
+                              <a:latin typeface="Cambria Math" panose="02040503050406030204" pitchFamily="18" charset="0"/>
+                            </a:rPr>
+                            <m:t>𝑆</m:t>
+                          </m:r>
+                        </m:e>
+                        <m:sub>
+                          <m:r>
+                            <a:rPr lang="it-IT" sz="1600" b="0" i="1" smtClean="0">
+                              <a:latin typeface="Cambria Math" panose="02040503050406030204" pitchFamily="18" charset="0"/>
+                            </a:rPr>
+                            <m:t>0</m:t>
+                          </m:r>
+                        </m:sub>
+                      </m:sSub>
+                      <m:r>
+                        <a:rPr lang="it-IT" sz="1600" b="0" i="1" smtClean="0">
+                          <a:latin typeface="Cambria Math" panose="02040503050406030204" pitchFamily="18" charset="0"/>
+                        </a:rPr>
+                        <m:t>−</m:t>
+                      </m:r>
+                      <m:f>
+                        <m:fPr>
+                          <m:ctrlPr>
+                            <a:rPr lang="it-IT" sz="1600" b="0" i="1" smtClean="0">
+                              <a:latin typeface="Cambria Math" panose="02040503050406030204" pitchFamily="18" charset="0"/>
+                            </a:rPr>
+                          </m:ctrlPr>
+                        </m:fPr>
+                        <m:num>
+                          <m:r>
+                            <a:rPr lang="it-IT" sz="1600" b="0" i="1" smtClean="0">
+                              <a:latin typeface="Cambria Math" panose="02040503050406030204" pitchFamily="18" charset="0"/>
+                            </a:rPr>
+                            <m:t>𝐾</m:t>
+                          </m:r>
+                        </m:num>
+                        <m:den>
+                          <m:d>
+                            <m:dPr>
+                              <m:ctrlPr>
+                                <a:rPr lang="it-IT" sz="1600" i="1">
+                                  <a:latin typeface="Cambria Math" panose="02040503050406030204" pitchFamily="18" charset="0"/>
+                                </a:rPr>
+                              </m:ctrlPr>
+                            </m:dPr>
+                            <m:e>
+                              <m:r>
+                                <a:rPr lang="it-IT" sz="1600" i="1">
+                                  <a:latin typeface="Cambria Math" panose="02040503050406030204" pitchFamily="18" charset="0"/>
+                                </a:rPr>
+                                <m:t>1+</m:t>
+                              </m:r>
+                              <m:r>
+                                <a:rPr lang="it-IT" sz="1600" i="1">
+                                  <a:latin typeface="Cambria Math" panose="02040503050406030204" pitchFamily="18" charset="0"/>
+                                </a:rPr>
+                                <m:t>𝑟</m:t>
+                              </m:r>
+                            </m:e>
+                          </m:d>
+                        </m:den>
+                      </m:f>
+                      <m:r>
+                        <a:rPr lang="it-IT" sz="1600" b="0" i="1" smtClean="0">
+                          <a:latin typeface="Cambria Math" panose="02040503050406030204" pitchFamily="18" charset="0"/>
+                        </a:rPr>
+                        <m:t>    </m:t>
+                      </m:r>
+                      <m:r>
+                        <a:rPr lang="it-IT" sz="1600" b="0" i="1" smtClean="0">
+                          <a:latin typeface="Cambria Math" panose="02040503050406030204" pitchFamily="18" charset="0"/>
+                        </a:rPr>
+                        <m:t>𝑝𝑒𝑟</m:t>
+                      </m:r>
+                      <m:r>
+                        <a:rPr lang="it-IT" sz="1600" b="0" i="1" smtClean="0">
+                          <a:latin typeface="Cambria Math" panose="02040503050406030204" pitchFamily="18" charset="0"/>
+                        </a:rPr>
+                        <m:t> </m:t>
+                      </m:r>
+                      <m:r>
+                        <a:rPr lang="it-IT" sz="1600" b="0" i="1" smtClean="0">
+                          <a:latin typeface="Cambria Math" panose="02040503050406030204" pitchFamily="18" charset="0"/>
+                        </a:rPr>
+                        <m:t>𝑜𝑝𝑧𝑖𝑜𝑛𝑖</m:t>
+                      </m:r>
+                      <m:r>
+                        <a:rPr lang="it-IT" sz="1600" b="0" i="1" smtClean="0">
+                          <a:latin typeface="Cambria Math" panose="02040503050406030204" pitchFamily="18" charset="0"/>
+                        </a:rPr>
+                        <m:t> </m:t>
+                      </m:r>
+                      <m:r>
+                        <a:rPr lang="it-IT" sz="1600" b="0" i="1" smtClean="0">
+                          <a:latin typeface="Cambria Math" panose="02040503050406030204" pitchFamily="18" charset="0"/>
+                        </a:rPr>
+                        <m:t>𝑒𝑢𝑟𝑜𝑝𝑒𝑒</m:t>
+                      </m:r>
+                    </m:oMath>
+                  </m:oMathPara>
+                </a14:m>
+                <a:endParaRPr lang="it-IT" sz="1600" b="0" dirty="0"/>
+              </a:p>
+              <a:p>
+                <a:endParaRPr lang="it-IT" sz="1600" dirty="0"/>
+              </a:p>
+              <a:p>
+                <a14:m>
+                  <m:oMathPara xmlns:m="http://schemas.openxmlformats.org/officeDocument/2006/math">
+                    <m:oMathParaPr>
+                      <m:jc m:val="centerGroup"/>
+                    </m:oMathParaPr>
+                    <m:oMath xmlns:m="http://schemas.openxmlformats.org/officeDocument/2006/math">
+                      <m:sSub>
+                        <m:sSubPr>
+                          <m:ctrlPr>
+                            <a:rPr lang="it-IT" sz="1600" i="1" smtClean="0">
+                              <a:latin typeface="Cambria Math" panose="02040503050406030204" pitchFamily="18" charset="0"/>
+                            </a:rPr>
+                          </m:ctrlPr>
+                        </m:sSubPr>
+                        <m:e>
+                          <m:r>
+                            <a:rPr lang="it-IT" sz="1600" b="0" i="1" smtClean="0">
+                              <a:latin typeface="Cambria Math" panose="02040503050406030204" pitchFamily="18" charset="0"/>
+                            </a:rPr>
+                            <m:t>𝑆</m:t>
+                          </m:r>
+                        </m:e>
+                        <m:sub>
+                          <m:r>
+                            <a:rPr lang="it-IT" sz="1600" b="0" i="1" smtClean="0">
+                              <a:latin typeface="Cambria Math" panose="02040503050406030204" pitchFamily="18" charset="0"/>
+                            </a:rPr>
+                            <m:t>0</m:t>
+                          </m:r>
+                        </m:sub>
+                      </m:sSub>
+                      <m:r>
+                        <a:rPr lang="it-IT" sz="1600" b="0" i="1" smtClean="0">
+                          <a:latin typeface="Cambria Math" panose="02040503050406030204" pitchFamily="18" charset="0"/>
+                        </a:rPr>
+                        <m:t>−</m:t>
+                      </m:r>
+                      <m:r>
+                        <a:rPr lang="it-IT" sz="1600" b="0" i="1" smtClean="0">
+                          <a:latin typeface="Cambria Math" panose="02040503050406030204" pitchFamily="18" charset="0"/>
+                        </a:rPr>
+                        <m:t>𝐾</m:t>
+                      </m:r>
+                      <m:r>
+                        <a:rPr lang="it-IT" sz="1600" b="0" i="1" smtClean="0">
+                          <a:latin typeface="Cambria Math" panose="02040503050406030204" pitchFamily="18" charset="0"/>
+                          <a:ea typeface="Cambria Math" panose="02040503050406030204" pitchFamily="18" charset="0"/>
+                        </a:rPr>
+                        <m:t>≤</m:t>
+                      </m:r>
+                      <m:sSub>
+                        <m:sSubPr>
+                          <m:ctrlPr>
+                            <a:rPr lang="it-IT" sz="1600" b="0" i="1" smtClean="0">
+                              <a:latin typeface="Cambria Math" panose="02040503050406030204" pitchFamily="18" charset="0"/>
+                              <a:ea typeface="Cambria Math" panose="02040503050406030204" pitchFamily="18" charset="0"/>
+                            </a:rPr>
+                          </m:ctrlPr>
+                        </m:sSubPr>
+                        <m:e>
+                          <m:r>
+                            <a:rPr lang="it-IT" sz="1600" b="0" i="1" smtClean="0">
+                              <a:latin typeface="Cambria Math" panose="02040503050406030204" pitchFamily="18" charset="0"/>
+                              <a:ea typeface="Cambria Math" panose="02040503050406030204" pitchFamily="18" charset="0"/>
+                            </a:rPr>
+                            <m:t>𝐶</m:t>
+                          </m:r>
+                        </m:e>
+                        <m:sub>
+                          <m:r>
+                            <a:rPr lang="it-IT" sz="1600" b="0" i="1" smtClean="0">
+                              <a:latin typeface="Cambria Math" panose="02040503050406030204" pitchFamily="18" charset="0"/>
+                              <a:ea typeface="Cambria Math" panose="02040503050406030204" pitchFamily="18" charset="0"/>
+                            </a:rPr>
+                            <m:t>0</m:t>
+                          </m:r>
+                        </m:sub>
+                      </m:sSub>
+                      <m:r>
+                        <a:rPr lang="it-IT" sz="1600" b="0" i="1" smtClean="0">
+                          <a:latin typeface="Cambria Math" panose="02040503050406030204" pitchFamily="18" charset="0"/>
+                          <a:ea typeface="Cambria Math" panose="02040503050406030204" pitchFamily="18" charset="0"/>
+                        </a:rPr>
+                        <m:t>−</m:t>
+                      </m:r>
+                      <m:sSub>
+                        <m:sSubPr>
+                          <m:ctrlPr>
+                            <a:rPr lang="it-IT" sz="1600" b="0" i="1" smtClean="0">
+                              <a:latin typeface="Cambria Math" panose="02040503050406030204" pitchFamily="18" charset="0"/>
+                              <a:ea typeface="Cambria Math" panose="02040503050406030204" pitchFamily="18" charset="0"/>
+                            </a:rPr>
+                          </m:ctrlPr>
+                        </m:sSubPr>
+                        <m:e>
+                          <m:r>
+                            <a:rPr lang="it-IT" sz="1600" b="0" i="1" smtClean="0">
+                              <a:latin typeface="Cambria Math" panose="02040503050406030204" pitchFamily="18" charset="0"/>
+                              <a:ea typeface="Cambria Math" panose="02040503050406030204" pitchFamily="18" charset="0"/>
+                            </a:rPr>
+                            <m:t>𝑃</m:t>
+                          </m:r>
+                        </m:e>
+                        <m:sub>
+                          <m:r>
+                            <a:rPr lang="it-IT" sz="1600" b="0" i="1" smtClean="0">
+                              <a:latin typeface="Cambria Math" panose="02040503050406030204" pitchFamily="18" charset="0"/>
+                              <a:ea typeface="Cambria Math" panose="02040503050406030204" pitchFamily="18" charset="0"/>
+                            </a:rPr>
+                            <m:t>0</m:t>
+                          </m:r>
+                        </m:sub>
+                      </m:sSub>
+                      <m:r>
+                        <a:rPr lang="it-IT" sz="1600" b="0" i="1" smtClean="0">
+                          <a:latin typeface="Cambria Math" panose="02040503050406030204" pitchFamily="18" charset="0"/>
+                          <a:ea typeface="Cambria Math" panose="02040503050406030204" pitchFamily="18" charset="0"/>
+                        </a:rPr>
+                        <m:t>≤</m:t>
+                      </m:r>
+                      <m:sSub>
+                        <m:sSubPr>
+                          <m:ctrlPr>
+                            <a:rPr lang="it-IT" sz="1600" b="0" i="1" smtClean="0">
+                              <a:latin typeface="Cambria Math" panose="02040503050406030204" pitchFamily="18" charset="0"/>
+                              <a:ea typeface="Cambria Math" panose="02040503050406030204" pitchFamily="18" charset="0"/>
+                            </a:rPr>
+                          </m:ctrlPr>
+                        </m:sSubPr>
+                        <m:e>
+                          <m:r>
+                            <a:rPr lang="it-IT" sz="1600" b="0" i="1" smtClean="0">
+                              <a:latin typeface="Cambria Math" panose="02040503050406030204" pitchFamily="18" charset="0"/>
+                              <a:ea typeface="Cambria Math" panose="02040503050406030204" pitchFamily="18" charset="0"/>
+                            </a:rPr>
+                            <m:t>𝑆</m:t>
+                          </m:r>
+                        </m:e>
+                        <m:sub>
+                          <m:r>
+                            <a:rPr lang="it-IT" sz="1600" b="0" i="1" smtClean="0">
+                              <a:latin typeface="Cambria Math" panose="02040503050406030204" pitchFamily="18" charset="0"/>
+                              <a:ea typeface="Cambria Math" panose="02040503050406030204" pitchFamily="18" charset="0"/>
+                            </a:rPr>
+                            <m:t>0</m:t>
+                          </m:r>
+                        </m:sub>
+                      </m:sSub>
+                      <m:r>
+                        <a:rPr lang="it-IT" sz="1600" b="0" i="1" smtClean="0">
+                          <a:latin typeface="Cambria Math" panose="02040503050406030204" pitchFamily="18" charset="0"/>
+                          <a:ea typeface="Cambria Math" panose="02040503050406030204" pitchFamily="18" charset="0"/>
+                        </a:rPr>
+                        <m:t>−</m:t>
+                      </m:r>
+                      <m:f>
+                        <m:fPr>
+                          <m:ctrlPr>
+                            <a:rPr lang="it-IT" sz="1600" b="0" i="1" smtClean="0">
+                              <a:latin typeface="Cambria Math" panose="02040503050406030204" pitchFamily="18" charset="0"/>
+                              <a:ea typeface="Cambria Math" panose="02040503050406030204" pitchFamily="18" charset="0"/>
+                            </a:rPr>
+                          </m:ctrlPr>
+                        </m:fPr>
+                        <m:num>
+                          <m:r>
+                            <a:rPr lang="it-IT" sz="1600" b="0" i="1" smtClean="0">
+                              <a:latin typeface="Cambria Math" panose="02040503050406030204" pitchFamily="18" charset="0"/>
+                              <a:ea typeface="Cambria Math" panose="02040503050406030204" pitchFamily="18" charset="0"/>
+                            </a:rPr>
+                            <m:t>𝐾</m:t>
+                          </m:r>
+                        </m:num>
+                        <m:den>
+                          <m:sSup>
+                            <m:sSupPr>
+                              <m:ctrlPr>
+                                <a:rPr lang="it-IT" sz="1600" b="0" i="1" smtClean="0">
+                                  <a:latin typeface="Cambria Math" panose="02040503050406030204" pitchFamily="18" charset="0"/>
+                                  <a:ea typeface="Cambria Math" panose="02040503050406030204" pitchFamily="18" charset="0"/>
+                                </a:rPr>
+                              </m:ctrlPr>
+                            </m:sSupPr>
+                            <m:e>
+                              <m:d>
+                                <m:dPr>
+                                  <m:ctrlPr>
+                                    <a:rPr lang="it-IT" sz="1600" b="0" i="1" smtClean="0">
+                                      <a:latin typeface="Cambria Math" panose="02040503050406030204" pitchFamily="18" charset="0"/>
+                                      <a:ea typeface="Cambria Math" panose="02040503050406030204" pitchFamily="18" charset="0"/>
+                                    </a:rPr>
+                                  </m:ctrlPr>
+                                </m:dPr>
+                                <m:e>
+                                  <m:r>
+                                    <a:rPr lang="it-IT" sz="1600" b="0" i="1" smtClean="0">
+                                      <a:latin typeface="Cambria Math" panose="02040503050406030204" pitchFamily="18" charset="0"/>
+                                      <a:ea typeface="Cambria Math" panose="02040503050406030204" pitchFamily="18" charset="0"/>
+                                    </a:rPr>
+                                    <m:t>1+</m:t>
+                                  </m:r>
+                                  <m:r>
+                                    <a:rPr lang="it-IT" sz="1600" b="0" i="1" smtClean="0">
+                                      <a:latin typeface="Cambria Math" panose="02040503050406030204" pitchFamily="18" charset="0"/>
+                                      <a:ea typeface="Cambria Math" panose="02040503050406030204" pitchFamily="18" charset="0"/>
+                                    </a:rPr>
+                                    <m:t>𝑟</m:t>
+                                  </m:r>
+                                </m:e>
+                              </m:d>
+                            </m:e>
+                            <m:sup>
+                              <m:r>
+                                <a:rPr lang="it-IT" sz="1600" b="0" i="1" smtClean="0">
+                                  <a:latin typeface="Cambria Math" panose="02040503050406030204" pitchFamily="18" charset="0"/>
+                                  <a:ea typeface="Cambria Math" panose="02040503050406030204" pitchFamily="18" charset="0"/>
+                                </a:rPr>
+                                <m:t>𝑇</m:t>
+                              </m:r>
+                            </m:sup>
+                          </m:sSup>
+                        </m:den>
+                      </m:f>
+                      <m:r>
+                        <a:rPr lang="it-IT" sz="1600" b="0" i="1" smtClean="0">
+                          <a:latin typeface="Cambria Math" panose="02040503050406030204" pitchFamily="18" charset="0"/>
+                          <a:ea typeface="Cambria Math" panose="02040503050406030204" pitchFamily="18" charset="0"/>
+                        </a:rPr>
+                        <m:t>    </m:t>
+                      </m:r>
+                      <m:r>
+                        <a:rPr lang="it-IT" sz="1600" b="0" i="1" smtClean="0">
+                          <a:latin typeface="Cambria Math" panose="02040503050406030204" pitchFamily="18" charset="0"/>
+                          <a:ea typeface="Cambria Math" panose="02040503050406030204" pitchFamily="18" charset="0"/>
+                        </a:rPr>
+                        <m:t>𝑝𝑒𝑟</m:t>
+                      </m:r>
+                      <m:r>
+                        <a:rPr lang="it-IT" sz="1600" b="0" i="1" smtClean="0">
+                          <a:latin typeface="Cambria Math" panose="02040503050406030204" pitchFamily="18" charset="0"/>
+                          <a:ea typeface="Cambria Math" panose="02040503050406030204" pitchFamily="18" charset="0"/>
+                        </a:rPr>
+                        <m:t> </m:t>
+                      </m:r>
+                      <m:r>
+                        <a:rPr lang="it-IT" sz="1600" b="0" i="1" smtClean="0">
+                          <a:latin typeface="Cambria Math" panose="02040503050406030204" pitchFamily="18" charset="0"/>
+                          <a:ea typeface="Cambria Math" panose="02040503050406030204" pitchFamily="18" charset="0"/>
+                        </a:rPr>
+                        <m:t>𝑜𝑝𝑧𝑖𝑜𝑛𝑖</m:t>
+                      </m:r>
+                      <m:r>
+                        <a:rPr lang="it-IT" sz="1600" b="0" i="1" smtClean="0">
+                          <a:latin typeface="Cambria Math" panose="02040503050406030204" pitchFamily="18" charset="0"/>
+                          <a:ea typeface="Cambria Math" panose="02040503050406030204" pitchFamily="18" charset="0"/>
+                        </a:rPr>
+                        <m:t> </m:t>
+                      </m:r>
+                      <m:r>
+                        <a:rPr lang="it-IT" sz="1600" b="0" i="1" smtClean="0">
+                          <a:latin typeface="Cambria Math" panose="02040503050406030204" pitchFamily="18" charset="0"/>
+                          <a:ea typeface="Cambria Math" panose="02040503050406030204" pitchFamily="18" charset="0"/>
+                        </a:rPr>
+                        <m:t>𝑎𝑚𝑒𝑟𝑖𝑐𝑎𝑛𝑒</m:t>
+                      </m:r>
+                    </m:oMath>
+                  </m:oMathPara>
+                </a14:m>
+                <a:endParaRPr lang="it-IT" sz="1600" dirty="0"/>
+              </a:p>
+              <a:p>
+                <a:pPr rtl="0"/>
+                <a:endParaRPr lang="it-IT" sz="1600" b="0" dirty="0"/>
+              </a:p>
+            </p:txBody>
+          </p:sp>
+        </mc:Choice>
+        <mc:Fallback>
+          <p:sp>
+            <p:nvSpPr>
+              <p:cNvPr id="3" name="Segnaposto contenuto 2">
+                <a:extLst>
+                  <a:ext uri="{FF2B5EF4-FFF2-40B4-BE49-F238E27FC236}">
+                    <a16:creationId xmlns:a16="http://schemas.microsoft.com/office/drawing/2014/main" id="{B90FE00F-F067-7950-C50A-8ABBF9209CDE}"/>
+                  </a:ext>
+                </a:extLst>
+              </p:cNvPr>
+              <p:cNvSpPr>
+                <a:spLocks noGrp="1" noRot="1" noChangeAspect="1" noMove="1" noResize="1" noEditPoints="1" noAdjustHandles="1" noChangeArrowheads="1" noChangeShapeType="1" noTextEdit="1"/>
+              </p:cNvSpPr>
+              <p:nvPr>
+                <p:ph sz="quarter" idx="15"/>
+              </p:nvPr>
+            </p:nvSpPr>
+            <p:spPr>
+              <a:xfrm>
+                <a:off x="594359" y="2676525"/>
+                <a:ext cx="9030287" cy="3597470"/>
+              </a:xfrm>
+              <a:blipFill>
+                <a:blip r:embed="rId3"/>
+                <a:stretch>
+                  <a:fillRect l="-1350" t="-1186" r="-945"/>
+                </a:stretch>
+              </a:blipFill>
+            </p:spPr>
+            <p:txBody>
+              <a:bodyPr/>
+              <a:lstStyle/>
+              <a:p>
+                <a:r>
+                  <a:rPr lang="it-IT">
+                    <a:noFill/>
+                  </a:rPr>
+                  <a:t> </a:t>
+                </a:r>
+              </a:p>
+            </p:txBody>
+          </p:sp>
+        </mc:Fallback>
+      </mc:AlternateContent>
+      <p:pic>
+        <p:nvPicPr>
+          <p:cNvPr id="7" name="Segnaposto contenuto 6" descr="Immagine che contiene nero, oscurità&#10;&#10;Il contenuto generato dall'IA potrebbe non essere corretto.">
+            <a:extLst>
+              <a:ext uri="{FF2B5EF4-FFF2-40B4-BE49-F238E27FC236}">
+                <a16:creationId xmlns:a16="http://schemas.microsoft.com/office/drawing/2014/main" id="{C3B2536D-33FE-F360-F50E-AF5F2558676B}"/>
+              </a:ext>
+            </a:extLst>
+          </p:cNvPr>
+          <p:cNvPicPr>
+            <a:picLocks noGrp="1" noChangeAspect="1"/>
+          </p:cNvPicPr>
+          <p:nvPr>
+            <p:ph sz="quarter" idx="16"/>
+          </p:nvPr>
+        </p:nvPicPr>
+        <p:blipFill>
+          <a:blip r:embed="rId4">
+            <a:extLst>
+              <a:ext uri="{28A0092B-C50C-407E-A947-70E740481C1C}">
+                <a14:useLocalDpi xmlns:a14="http://schemas.microsoft.com/office/drawing/2010/main" val="0"/>
+              </a:ext>
+            </a:extLst>
+          </a:blip>
+          <a:stretch>
+            <a:fillRect/>
+          </a:stretch>
+        </p:blipFill>
+        <p:spPr>
+          <a:xfrm>
+            <a:off x="9082585" y="3591199"/>
+            <a:ext cx="2352569" cy="2352569"/>
+          </a:xfrm>
+        </p:spPr>
+      </p:pic>
+    </p:spTree>
+    <p:extLst>
+      <p:ext uri="{BB962C8B-B14F-4D97-AF65-F5344CB8AC3E}">
+        <p14:creationId xmlns:p14="http://schemas.microsoft.com/office/powerpoint/2010/main" val="1398569334"/>
+      </p:ext>
+    </p:extLst>
+  </p:cSld>
+  <p:clrMapOvr>
+    <a:masterClrMapping/>
+  </p:clrMapOvr>
+</p:sld>
+</file>
+
+<file path=ppt/slides/slide9.xml><?xml version="1.0" encoding="utf-8"?>
+<p:sld xmlns:a="http://schemas.openxmlformats.org/drawingml/2006/main" xmlns:r="http://schemas.openxmlformats.org/officeDocument/2006/relationships" xmlns:p="http://schemas.openxmlformats.org/presentationml/2006/main">
+  <p:cSld>
+    <p:spTree>
+      <p:nvGrpSpPr>
+        <p:cNvPr id="1" name="">
+          <a:extLst>
+            <a:ext uri="{FF2B5EF4-FFF2-40B4-BE49-F238E27FC236}">
               <a16:creationId xmlns:a16="http://schemas.microsoft.com/office/drawing/2014/main" id="{8D500996-DF93-3372-05B6-EADFDE1DE107}"/>
             </a:ext>
           </a:extLst>
@@ -15133,7 +18485,9 @@
               </a:xfrm>
             </p:spPr>
             <p:txBody>
-              <a:bodyPr rtlCol="0"/>
+              <a:bodyPr rtlCol="0">
+                <a:normAutofit fontScale="92500"/>
+              </a:bodyPr>
               <a:lstStyle>
                 <a:defPPr>
                   <a:defRPr lang="it-IT"/>
@@ -15142,14 +18496,14 @@
               <a:p>
                 <a:pPr rtl="0"/>
                 <a:r>
-                  <a:rPr lang="it-IT" dirty="0"/>
+                  <a:rPr lang="it-IT" sz="1800" dirty="0"/>
                   <a:t>Il tasso privo di rischio è il tasso di rendimento dato da un investimento considerato sicuro, pertanto per calcolarlo è possibile utilizzare delle obbligazioni Americane che vengono considerate prive anche del rischio di default.</a:t>
                 </a:r>
               </a:p>
               <a:p>
                 <a:pPr rtl="0"/>
                 <a:r>
-                  <a:rPr lang="it-IT" dirty="0"/>
+                  <a:rPr lang="it-IT" sz="1800" dirty="0"/>
                   <a:t>Nel nostro caso è stato calcolato portando su base mensile il tasso di rendimento annualizzato dei Treasury Bills americani per il mese di novembre 2024.</a:t>
                 </a:r>
               </a:p>
@@ -15158,6 +18512,7 @@
                 <a:endParaRPr lang="it-IT" dirty="0"/>
               </a:p>
               <a:p>
+                <a:pPr/>
                 <a14:m>
                   <m:oMathPara xmlns:m="http://schemas.openxmlformats.org/officeDocument/2006/math">
                     <m:oMathParaPr>
@@ -15464,7 +18819,7 @@
               <a:blipFill>
                 <a:blip r:embed="rId3"/>
                 <a:stretch>
-                  <a:fillRect l="-1621" t="-1695" r="-1309"/>
+                  <a:fillRect l="-1372" t="-1186"/>
                 </a:stretch>
               </a:blipFill>
             </p:spPr>
@@ -15519,841 +18874,6 @@
     <p:extLst>
       <p:ext uri="{BB962C8B-B14F-4D97-AF65-F5344CB8AC3E}">
         <p14:creationId xmlns:p14="http://schemas.microsoft.com/office/powerpoint/2010/main" val="1529033622"/>
-      </p:ext>
-    </p:extLst>
-  </p:cSld>
-  <p:clrMapOvr>
-    <a:masterClrMapping/>
-  </p:clrMapOvr>
-</p:sld>
-</file>
-
-<file path=ppt/slides/slide9.xml><?xml version="1.0" encoding="utf-8"?>
-<p:sld xmlns:a="http://schemas.openxmlformats.org/drawingml/2006/main" xmlns:r="http://schemas.openxmlformats.org/officeDocument/2006/relationships" xmlns:p="http://schemas.openxmlformats.org/presentationml/2006/main">
-  <p:cSld>
-    <p:spTree>
-      <p:nvGrpSpPr>
-        <p:cNvPr id="1" name="">
-          <a:extLst>
-            <a:ext uri="{FF2B5EF4-FFF2-40B4-BE49-F238E27FC236}">
-              <a16:creationId xmlns:a16="http://schemas.microsoft.com/office/drawing/2014/main" id="{C90C5FCF-6985-26FE-6688-AD90319D2ACA}"/>
-            </a:ext>
-          </a:extLst>
-        </p:cNvPr>
-        <p:cNvGrpSpPr/>
-        <p:nvPr/>
-      </p:nvGrpSpPr>
-      <p:grpSpPr>
-        <a:xfrm>
-          <a:off x="0" y="0"/>
-          <a:ext cx="0" cy="0"/>
-          <a:chOff x="0" y="0"/>
-          <a:chExt cx="0" cy="0"/>
-        </a:xfrm>
-      </p:grpSpPr>
-      <p:sp>
-        <p:nvSpPr>
-          <p:cNvPr id="2" name="Titolo 1">
-            <a:extLst>
-              <a:ext uri="{FF2B5EF4-FFF2-40B4-BE49-F238E27FC236}">
-                <a16:creationId xmlns:a16="http://schemas.microsoft.com/office/drawing/2014/main" id="{73996306-7E70-1A97-84C7-C47A22B40F6C}"/>
-              </a:ext>
-            </a:extLst>
-          </p:cNvPr>
-          <p:cNvSpPr>
-            <a:spLocks noGrp="1"/>
-          </p:cNvSpPr>
-          <p:nvPr>
-            <p:ph type="title"/>
-          </p:nvPr>
-        </p:nvSpPr>
-        <p:spPr>
-          <a:xfrm>
-            <a:off x="594360" y="278129"/>
-            <a:ext cx="9778365" cy="1494596"/>
-          </a:xfrm>
-        </p:spPr>
-        <p:txBody>
-          <a:bodyPr rtlCol="0"/>
-          <a:lstStyle>
-            <a:defPPr>
-              <a:defRPr lang="it-IT"/>
-            </a:defPPr>
-          </a:lstStyle>
-          <a:p>
-            <a:pPr rtl="0"/>
-            <a:r>
-              <a:rPr lang="it-IT" sz="4000" b="0" dirty="0"/>
-              <a:t>Metodologia – Calcolo della volatilità</a:t>
-            </a:r>
-          </a:p>
-        </p:txBody>
-      </p:sp>
-      <mc:AlternateContent xmlns:mc="http://schemas.openxmlformats.org/markup-compatibility/2006">
-        <mc:Choice xmlns:a14="http://schemas.microsoft.com/office/drawing/2010/main" Requires="a14">
-          <p:sp>
-            <p:nvSpPr>
-              <p:cNvPr id="3" name="Segnaposto contenuto 2">
-                <a:extLst>
-                  <a:ext uri="{FF2B5EF4-FFF2-40B4-BE49-F238E27FC236}">
-                    <a16:creationId xmlns:a16="http://schemas.microsoft.com/office/drawing/2014/main" id="{09B4691E-F1DD-1DF1-6D69-FBE92E166E39}"/>
-                  </a:ext>
-                </a:extLst>
-              </p:cNvPr>
-              <p:cNvSpPr>
-                <a:spLocks noGrp="1"/>
-              </p:cNvSpPr>
-              <p:nvPr>
-                <p:ph sz="quarter" idx="15"/>
-              </p:nvPr>
-            </p:nvSpPr>
-            <p:spPr>
-              <a:xfrm>
-                <a:off x="594360" y="2676525"/>
-                <a:ext cx="10733372" cy="3597470"/>
-              </a:xfrm>
-            </p:spPr>
-            <p:txBody>
-              <a:bodyPr rtlCol="0">
-                <a:normAutofit fontScale="92500"/>
-              </a:bodyPr>
-              <a:lstStyle>
-                <a:defPPr>
-                  <a:defRPr lang="it-IT"/>
-                </a:defPPr>
-              </a:lstStyle>
-              <a:p>
-                <a:pPr rtl="0"/>
-                <a:r>
-                  <a:rPr lang="it-IT" dirty="0"/>
-                  <a:t>Per il calcolo della volatilità dei rendimenti del titolo è stato utilizzato il modello </a:t>
-                </a:r>
-                <a:r>
-                  <a:rPr lang="it-IT" b="1" dirty="0"/>
-                  <a:t>GARCH</a:t>
-                </a:r>
-                <a:r>
-                  <a:rPr lang="it-IT" dirty="0"/>
-                  <a:t>              (</a:t>
-                </a:r>
-                <a:r>
-                  <a:rPr lang="it-IT" dirty="0" err="1"/>
-                  <a:t>Generalized</a:t>
-                </a:r>
-                <a:r>
-                  <a:rPr lang="it-IT" dirty="0"/>
-                  <a:t> </a:t>
-                </a:r>
-                <a:r>
-                  <a:rPr lang="it-IT" dirty="0" err="1"/>
-                  <a:t>Autoregressive</a:t>
-                </a:r>
-                <a:r>
-                  <a:rPr lang="it-IT" dirty="0"/>
-                  <a:t> </a:t>
-                </a:r>
-                <a:r>
-                  <a:rPr lang="it-IT" dirty="0" err="1"/>
-                  <a:t>Conditional</a:t>
-                </a:r>
-                <a:r>
-                  <a:rPr lang="it-IT" dirty="0"/>
-                  <a:t> </a:t>
-                </a:r>
-                <a:r>
-                  <a:rPr lang="it-IT" dirty="0" err="1"/>
-                  <a:t>Heteroskedasticity</a:t>
-                </a:r>
-                <a:r>
-                  <a:rPr lang="it-IT" dirty="0"/>
-                  <a:t>) considerando i rendimenti logaritmici. A differenza dell’approccio campionario questo modello ci permette di catturare dipendenze temporali e clustering nei rendimenti. Dato che la nostra analisi è su un orizzonte temporale di un mese è stata considerata la </a:t>
-                </a:r>
-                <a:r>
-                  <a:rPr lang="it-IT" b="1" dirty="0"/>
-                  <a:t>volatilità di lungo periodo</a:t>
-                </a:r>
-                <a:r>
-                  <a:rPr lang="it-IT" dirty="0"/>
-                  <a:t>.</a:t>
-                </a:r>
-              </a:p>
-              <a:p>
-                <a:pPr>
-                  <a:lnSpc>
-                    <a:spcPct val="300000"/>
-                  </a:lnSpc>
-                </a:pPr>
-                <a14:m>
-                  <m:oMathPara xmlns:m="http://schemas.openxmlformats.org/officeDocument/2006/math">
-                    <m:oMathParaPr>
-                      <m:jc m:val="centerGroup"/>
-                    </m:oMathParaPr>
-                    <m:oMath xmlns:m="http://schemas.openxmlformats.org/officeDocument/2006/math">
-                      <m:sSub>
-                        <m:sSubPr>
-                          <m:ctrlPr>
-                            <a:rPr lang="it-IT" i="1" smtClean="0">
-                              <a:latin typeface="Cambria Math" panose="02040503050406030204" pitchFamily="18" charset="0"/>
-                            </a:rPr>
-                          </m:ctrlPr>
-                        </m:sSubPr>
-                        <m:e>
-                          <m:r>
-                            <a:rPr lang="it-IT" i="1" smtClean="0">
-                              <a:latin typeface="Cambria Math" panose="02040503050406030204" pitchFamily="18" charset="0"/>
-                              <a:ea typeface="Cambria Math" panose="02040503050406030204" pitchFamily="18" charset="0"/>
-                            </a:rPr>
-                            <m:t>𝜎</m:t>
-                          </m:r>
-                        </m:e>
-                        <m:sub>
-                          <m:r>
-                            <a:rPr lang="it-IT" b="0" i="1" smtClean="0">
-                              <a:latin typeface="Cambria Math" panose="02040503050406030204" pitchFamily="18" charset="0"/>
-                            </a:rPr>
-                            <m:t>𝑡</m:t>
-                          </m:r>
-                          <m:r>
-                            <a:rPr lang="it-IT" b="0" i="1" smtClean="0">
-                              <a:latin typeface="Cambria Math" panose="02040503050406030204" pitchFamily="18" charset="0"/>
-                            </a:rPr>
-                            <m:t>+1</m:t>
-                          </m:r>
-                        </m:sub>
-                      </m:sSub>
-                      <m:r>
-                        <a:rPr lang="it-IT" b="0" i="1" smtClean="0">
-                          <a:latin typeface="Cambria Math" panose="02040503050406030204" pitchFamily="18" charset="0"/>
-                        </a:rPr>
-                        <m:t>=</m:t>
-                      </m:r>
-                      <m:sSub>
-                        <m:sSubPr>
-                          <m:ctrlPr>
-                            <a:rPr lang="it-IT" b="0" i="1" smtClean="0">
-                              <a:latin typeface="Cambria Math" panose="02040503050406030204" pitchFamily="18" charset="0"/>
-                            </a:rPr>
-                          </m:ctrlPr>
-                        </m:sSubPr>
-                        <m:e>
-                          <m:r>
-                            <a:rPr lang="it-IT" b="0" i="1" smtClean="0">
-                              <a:latin typeface="Cambria Math" panose="02040503050406030204" pitchFamily="18" charset="0"/>
-                              <a:ea typeface="Cambria Math" panose="02040503050406030204" pitchFamily="18" charset="0"/>
-                            </a:rPr>
-                            <m:t>𝛼</m:t>
-                          </m:r>
-                        </m:e>
-                        <m:sub>
-                          <m:r>
-                            <a:rPr lang="it-IT" b="0" i="1" smtClean="0">
-                              <a:latin typeface="Cambria Math" panose="02040503050406030204" pitchFamily="18" charset="0"/>
-                            </a:rPr>
-                            <m:t>0</m:t>
-                          </m:r>
-                        </m:sub>
-                      </m:sSub>
-                      <m:r>
-                        <a:rPr lang="it-IT" b="0" i="1" smtClean="0">
-                          <a:latin typeface="Cambria Math" panose="02040503050406030204" pitchFamily="18" charset="0"/>
-                        </a:rPr>
-                        <m:t>+</m:t>
-                      </m:r>
-                      <m:sSub>
-                        <m:sSubPr>
-                          <m:ctrlPr>
-                            <a:rPr lang="it-IT" b="0" i="1" smtClean="0">
-                              <a:latin typeface="Cambria Math" panose="02040503050406030204" pitchFamily="18" charset="0"/>
-                            </a:rPr>
-                          </m:ctrlPr>
-                        </m:sSubPr>
-                        <m:e>
-                          <m:r>
-                            <a:rPr lang="it-IT" b="0" i="1" smtClean="0">
-                              <a:latin typeface="Cambria Math" panose="02040503050406030204" pitchFamily="18" charset="0"/>
-                              <a:ea typeface="Cambria Math" panose="02040503050406030204" pitchFamily="18" charset="0"/>
-                            </a:rPr>
-                            <m:t>𝛼</m:t>
-                          </m:r>
-                        </m:e>
-                        <m:sub>
-                          <m:r>
-                            <a:rPr lang="it-IT" b="0" i="1" smtClean="0">
-                              <a:latin typeface="Cambria Math" panose="02040503050406030204" pitchFamily="18" charset="0"/>
-                            </a:rPr>
-                            <m:t>1</m:t>
-                          </m:r>
-                        </m:sub>
-                      </m:sSub>
-                      <m:sSub>
-                        <m:sSubPr>
-                          <m:ctrlPr>
-                            <a:rPr lang="it-IT" b="0" i="1" smtClean="0">
-                              <a:latin typeface="Cambria Math" panose="02040503050406030204" pitchFamily="18" charset="0"/>
-                            </a:rPr>
-                          </m:ctrlPr>
-                        </m:sSubPr>
-                        <m:e>
-                          <m:r>
-                            <a:rPr lang="it-IT" b="0" i="1" smtClean="0">
-                              <a:latin typeface="Cambria Math" panose="02040503050406030204" pitchFamily="18" charset="0"/>
-                              <a:ea typeface="Cambria Math" panose="02040503050406030204" pitchFamily="18" charset="0"/>
-                            </a:rPr>
-                            <m:t>𝜎</m:t>
-                          </m:r>
-                        </m:e>
-                        <m:sub>
-                          <m:r>
-                            <a:rPr lang="it-IT" b="0" i="1" smtClean="0">
-                              <a:latin typeface="Cambria Math" panose="02040503050406030204" pitchFamily="18" charset="0"/>
-                            </a:rPr>
-                            <m:t>𝑡</m:t>
-                          </m:r>
-                        </m:sub>
-                      </m:sSub>
-                      <m:r>
-                        <a:rPr lang="it-IT" b="0" i="1" smtClean="0">
-                          <a:latin typeface="Cambria Math" panose="02040503050406030204" pitchFamily="18" charset="0"/>
-                        </a:rPr>
-                        <m:t>+</m:t>
-                      </m:r>
-                      <m:sSub>
-                        <m:sSubPr>
-                          <m:ctrlPr>
-                            <a:rPr lang="it-IT" b="0" i="1" smtClean="0">
-                              <a:latin typeface="Cambria Math" panose="02040503050406030204" pitchFamily="18" charset="0"/>
-                            </a:rPr>
-                          </m:ctrlPr>
-                        </m:sSubPr>
-                        <m:e>
-                          <m:r>
-                            <a:rPr lang="it-IT" b="0" i="1" smtClean="0">
-                              <a:latin typeface="Cambria Math" panose="02040503050406030204" pitchFamily="18" charset="0"/>
-                              <a:ea typeface="Cambria Math" panose="02040503050406030204" pitchFamily="18" charset="0"/>
-                            </a:rPr>
-                            <m:t>𝛽</m:t>
-                          </m:r>
-                        </m:e>
-                        <m:sub>
-                          <m:r>
-                            <a:rPr lang="it-IT" b="0" i="1" smtClean="0">
-                              <a:latin typeface="Cambria Math" panose="02040503050406030204" pitchFamily="18" charset="0"/>
-                            </a:rPr>
-                            <m:t>1</m:t>
-                          </m:r>
-                        </m:sub>
-                      </m:sSub>
-                      <m:sSub>
-                        <m:sSubPr>
-                          <m:ctrlPr>
-                            <a:rPr lang="it-IT" b="0" i="1" smtClean="0">
-                              <a:latin typeface="Cambria Math" panose="02040503050406030204" pitchFamily="18" charset="0"/>
-                            </a:rPr>
-                          </m:ctrlPr>
-                        </m:sSubPr>
-                        <m:e>
-                          <m:r>
-                            <a:rPr lang="it-IT" b="0" i="1" smtClean="0">
-                              <a:latin typeface="Cambria Math" panose="02040503050406030204" pitchFamily="18" charset="0"/>
-                            </a:rPr>
-                            <m:t>𝑋</m:t>
-                          </m:r>
-                        </m:e>
-                        <m:sub>
-                          <m:r>
-                            <a:rPr lang="it-IT" b="0" i="1" smtClean="0">
-                              <a:latin typeface="Cambria Math" panose="02040503050406030204" pitchFamily="18" charset="0"/>
-                            </a:rPr>
-                            <m:t>𝑡</m:t>
-                          </m:r>
-                        </m:sub>
-                      </m:sSub>
-                      <m:r>
-                        <a:rPr lang="it-IT" b="0" i="1" smtClean="0">
-                          <a:latin typeface="Cambria Math" panose="02040503050406030204" pitchFamily="18" charset="0"/>
-                        </a:rPr>
-                        <m:t>=</m:t>
-                      </m:r>
-                      <m:sSub>
-                        <m:sSubPr>
-                          <m:ctrlPr>
-                            <a:rPr lang="it-IT" i="1">
-                              <a:latin typeface="Cambria Math" panose="02040503050406030204" pitchFamily="18" charset="0"/>
-                            </a:rPr>
-                          </m:ctrlPr>
-                        </m:sSubPr>
-                        <m:e>
-                          <m:r>
-                            <a:rPr lang="it-IT" i="1">
-                              <a:latin typeface="Cambria Math" panose="02040503050406030204" pitchFamily="18" charset="0"/>
-                              <a:ea typeface="Cambria Math" panose="02040503050406030204" pitchFamily="18" charset="0"/>
-                            </a:rPr>
-                            <m:t>𝛼</m:t>
-                          </m:r>
-                        </m:e>
-                        <m:sub>
-                          <m:r>
-                            <a:rPr lang="it-IT" i="1">
-                              <a:latin typeface="Cambria Math" panose="02040503050406030204" pitchFamily="18" charset="0"/>
-                            </a:rPr>
-                            <m:t>0</m:t>
-                          </m:r>
-                        </m:sub>
-                      </m:sSub>
-                      <m:r>
-                        <a:rPr lang="it-IT" i="1">
-                          <a:latin typeface="Cambria Math" panose="02040503050406030204" pitchFamily="18" charset="0"/>
-                        </a:rPr>
-                        <m:t>+</m:t>
-                      </m:r>
-                      <m:sSub>
-                        <m:sSubPr>
-                          <m:ctrlPr>
-                            <a:rPr lang="it-IT" i="1">
-                              <a:latin typeface="Cambria Math" panose="02040503050406030204" pitchFamily="18" charset="0"/>
-                            </a:rPr>
-                          </m:ctrlPr>
-                        </m:sSubPr>
-                        <m:e>
-                          <m:r>
-                            <a:rPr lang="it-IT" i="1">
-                              <a:latin typeface="Cambria Math" panose="02040503050406030204" pitchFamily="18" charset="0"/>
-                              <a:ea typeface="Cambria Math" panose="02040503050406030204" pitchFamily="18" charset="0"/>
-                            </a:rPr>
-                            <m:t>𝛼</m:t>
-                          </m:r>
-                        </m:e>
-                        <m:sub>
-                          <m:r>
-                            <a:rPr lang="it-IT" i="1">
-                              <a:latin typeface="Cambria Math" panose="02040503050406030204" pitchFamily="18" charset="0"/>
-                            </a:rPr>
-                            <m:t>1</m:t>
-                          </m:r>
-                        </m:sub>
-                      </m:sSub>
-                      <m:sSub>
-                        <m:sSubPr>
-                          <m:ctrlPr>
-                            <a:rPr lang="it-IT" i="1">
-                              <a:latin typeface="Cambria Math" panose="02040503050406030204" pitchFamily="18" charset="0"/>
-                            </a:rPr>
-                          </m:ctrlPr>
-                        </m:sSubPr>
-                        <m:e>
-                          <m:r>
-                            <a:rPr lang="it-IT" i="1">
-                              <a:latin typeface="Cambria Math" panose="02040503050406030204" pitchFamily="18" charset="0"/>
-                              <a:ea typeface="Cambria Math" panose="02040503050406030204" pitchFamily="18" charset="0"/>
-                            </a:rPr>
-                            <m:t>𝜎</m:t>
-                          </m:r>
-                        </m:e>
-                        <m:sub>
-                          <m:r>
-                            <a:rPr lang="it-IT" i="1">
-                              <a:latin typeface="Cambria Math" panose="02040503050406030204" pitchFamily="18" charset="0"/>
-                            </a:rPr>
-                            <m:t>𝑡</m:t>
-                          </m:r>
-                        </m:sub>
-                      </m:sSub>
-                      <m:r>
-                        <a:rPr lang="it-IT" i="1">
-                          <a:latin typeface="Cambria Math" panose="02040503050406030204" pitchFamily="18" charset="0"/>
-                        </a:rPr>
-                        <m:t>+</m:t>
-                      </m:r>
-                      <m:sSub>
-                        <m:sSubPr>
-                          <m:ctrlPr>
-                            <a:rPr lang="it-IT" i="1">
-                              <a:latin typeface="Cambria Math" panose="02040503050406030204" pitchFamily="18" charset="0"/>
-                            </a:rPr>
-                          </m:ctrlPr>
-                        </m:sSubPr>
-                        <m:e>
-                          <m:r>
-                            <a:rPr lang="it-IT" i="1">
-                              <a:latin typeface="Cambria Math" panose="02040503050406030204" pitchFamily="18" charset="0"/>
-                              <a:ea typeface="Cambria Math" panose="02040503050406030204" pitchFamily="18" charset="0"/>
-                            </a:rPr>
-                            <m:t>𝛽</m:t>
-                          </m:r>
-                        </m:e>
-                        <m:sub>
-                          <m:r>
-                            <a:rPr lang="it-IT" i="1">
-                              <a:latin typeface="Cambria Math" panose="02040503050406030204" pitchFamily="18" charset="0"/>
-                            </a:rPr>
-                            <m:t>1</m:t>
-                          </m:r>
-                        </m:sub>
-                      </m:sSub>
-                      <m:sSub>
-                        <m:sSubPr>
-                          <m:ctrlPr>
-                            <a:rPr lang="it-IT" i="1">
-                              <a:latin typeface="Cambria Math" panose="02040503050406030204" pitchFamily="18" charset="0"/>
-                            </a:rPr>
-                          </m:ctrlPr>
-                        </m:sSubPr>
-                        <m:e>
-                          <m:sSub>
-                            <m:sSubPr>
-                              <m:ctrlPr>
-                                <a:rPr lang="it-IT" i="1">
-                                  <a:latin typeface="Cambria Math" panose="02040503050406030204" pitchFamily="18" charset="0"/>
-                                </a:rPr>
-                              </m:ctrlPr>
-                            </m:sSubPr>
-                            <m:e>
-                              <m:r>
-                                <a:rPr lang="it-IT" i="1">
-                                  <a:latin typeface="Cambria Math" panose="02040503050406030204" pitchFamily="18" charset="0"/>
-                                  <a:ea typeface="Cambria Math" panose="02040503050406030204" pitchFamily="18" charset="0"/>
-                                </a:rPr>
-                                <m:t>𝜎</m:t>
-                              </m:r>
-                            </m:e>
-                            <m:sub>
-                              <m:r>
-                                <a:rPr lang="it-IT" i="1">
-                                  <a:latin typeface="Cambria Math" panose="02040503050406030204" pitchFamily="18" charset="0"/>
-                                </a:rPr>
-                                <m:t>𝑡</m:t>
-                              </m:r>
-                            </m:sub>
-                          </m:sSub>
-                          <m:r>
-                            <a:rPr lang="it-IT" b="0" i="1" smtClean="0">
-                              <a:latin typeface="Cambria Math" panose="02040503050406030204" pitchFamily="18" charset="0"/>
-                            </a:rPr>
-                            <m:t>𝑊</m:t>
-                          </m:r>
-                        </m:e>
-                        <m:sub>
-                          <m:r>
-                            <a:rPr lang="it-IT" i="1">
-                              <a:latin typeface="Cambria Math" panose="02040503050406030204" pitchFamily="18" charset="0"/>
-                            </a:rPr>
-                            <m:t>𝑡</m:t>
-                          </m:r>
-                        </m:sub>
-                      </m:sSub>
-                      <m:r>
-                        <a:rPr lang="it-IT" b="0" i="1" smtClean="0">
-                          <a:latin typeface="Cambria Math" panose="02040503050406030204" pitchFamily="18" charset="0"/>
-                        </a:rPr>
-                        <m:t>   </m:t>
-                      </m:r>
-                      <m:r>
-                        <a:rPr lang="it-IT" b="0" i="1" smtClean="0">
-                          <a:latin typeface="Cambria Math" panose="02040503050406030204" pitchFamily="18" charset="0"/>
-                        </a:rPr>
-                        <m:t>𝑐𝑜𝑛</m:t>
-                      </m:r>
-                      <m:sSub>
-                        <m:sSubPr>
-                          <m:ctrlPr>
-                            <a:rPr lang="it-IT" i="1">
-                              <a:latin typeface="Cambria Math" panose="02040503050406030204" pitchFamily="18" charset="0"/>
-                            </a:rPr>
-                          </m:ctrlPr>
-                        </m:sSubPr>
-                        <m:e>
-                          <m:r>
-                            <a:rPr lang="it-IT" b="0" i="1" smtClean="0">
-                              <a:latin typeface="Cambria Math" panose="02040503050406030204" pitchFamily="18" charset="0"/>
-                            </a:rPr>
-                            <m:t>   </m:t>
-                          </m:r>
-                          <m:r>
-                            <a:rPr lang="it-IT" i="1">
-                              <a:latin typeface="Cambria Math" panose="02040503050406030204" pitchFamily="18" charset="0"/>
-                            </a:rPr>
-                            <m:t>𝑊</m:t>
-                          </m:r>
-                        </m:e>
-                        <m:sub>
-                          <m:r>
-                            <a:rPr lang="it-IT" i="1">
-                              <a:latin typeface="Cambria Math" panose="02040503050406030204" pitchFamily="18" charset="0"/>
-                            </a:rPr>
-                            <m:t>𝑡</m:t>
-                          </m:r>
-                        </m:sub>
-                      </m:sSub>
-                      <m:r>
-                        <a:rPr lang="it-IT" b="0" i="1" smtClean="0">
-                          <a:latin typeface="Cambria Math" panose="02040503050406030204" pitchFamily="18" charset="0"/>
-                        </a:rPr>
-                        <m:t> </m:t>
-                      </m:r>
-                      <m:r>
-                        <a:rPr lang="it-IT" b="0" i="1" smtClean="0">
-                          <a:latin typeface="Cambria Math" panose="02040503050406030204" pitchFamily="18" charset="0"/>
-                        </a:rPr>
-                        <m:t>𝑤h𝑖𝑡𝑒</m:t>
-                      </m:r>
-                      <m:r>
-                        <a:rPr lang="it-IT" b="0" i="1" smtClean="0">
-                          <a:latin typeface="Cambria Math" panose="02040503050406030204" pitchFamily="18" charset="0"/>
-                        </a:rPr>
-                        <m:t> </m:t>
-                      </m:r>
-                      <m:r>
-                        <a:rPr lang="it-IT" b="0" i="1" smtClean="0">
-                          <a:latin typeface="Cambria Math" panose="02040503050406030204" pitchFamily="18" charset="0"/>
-                        </a:rPr>
-                        <m:t>𝑛𝑜𝑖𝑠𝑒</m:t>
-                      </m:r>
-                    </m:oMath>
-                  </m:oMathPara>
-                </a14:m>
-                <a:endParaRPr lang="it-IT" b="0" dirty="0"/>
-              </a:p>
-              <a:p>
-                <a:pPr>
-                  <a:lnSpc>
-                    <a:spcPct val="200000"/>
-                  </a:lnSpc>
-                </a:pPr>
-                <a14:m>
-                  <m:oMathPara xmlns:m="http://schemas.openxmlformats.org/officeDocument/2006/math">
-                    <m:oMathParaPr>
-                      <m:jc m:val="centerGroup"/>
-                    </m:oMathParaPr>
-                    <m:oMath xmlns:m="http://schemas.openxmlformats.org/officeDocument/2006/math">
-                      <m:sSub>
-                        <m:sSubPr>
-                          <m:ctrlPr>
-                            <a:rPr lang="it-IT" b="0" i="1" smtClean="0">
-                              <a:latin typeface="Cambria Math" panose="02040503050406030204" pitchFamily="18" charset="0"/>
-                            </a:rPr>
-                          </m:ctrlPr>
-                        </m:sSubPr>
-                        <m:e>
-                          <m:r>
-                            <a:rPr lang="it-IT" b="0" i="1" smtClean="0">
-                              <a:latin typeface="Cambria Math" panose="02040503050406030204" pitchFamily="18" charset="0"/>
-                              <a:ea typeface="Cambria Math" panose="02040503050406030204" pitchFamily="18" charset="0"/>
-                            </a:rPr>
-                            <m:t>𝜎</m:t>
-                          </m:r>
-                        </m:e>
-                        <m:sub>
-                          <m:r>
-                            <a:rPr lang="it-IT" b="0" i="1" smtClean="0">
-                              <a:latin typeface="Cambria Math" panose="02040503050406030204" pitchFamily="18" charset="0"/>
-                            </a:rPr>
-                            <m:t>𝑙𝑝</m:t>
-                          </m:r>
-                        </m:sub>
-                      </m:sSub>
-                      <m:r>
-                        <a:rPr lang="it-IT" b="0" i="1" smtClean="0">
-                          <a:latin typeface="Cambria Math" panose="02040503050406030204" pitchFamily="18" charset="0"/>
-                        </a:rPr>
-                        <m:t>=</m:t>
-                      </m:r>
-                      <m:f>
-                        <m:fPr>
-                          <m:ctrlPr>
-                            <a:rPr lang="it-IT" b="0" i="1" smtClean="0">
-                              <a:latin typeface="Cambria Math" panose="02040503050406030204" pitchFamily="18" charset="0"/>
-                            </a:rPr>
-                          </m:ctrlPr>
-                        </m:fPr>
-                        <m:num>
-                          <m:sSub>
-                            <m:sSubPr>
-                              <m:ctrlPr>
-                                <a:rPr lang="it-IT" i="1">
-                                  <a:latin typeface="Cambria Math" panose="02040503050406030204" pitchFamily="18" charset="0"/>
-                                </a:rPr>
-                              </m:ctrlPr>
-                            </m:sSubPr>
-                            <m:e>
-                              <m:r>
-                                <a:rPr lang="it-IT" i="1">
-                                  <a:latin typeface="Cambria Math" panose="02040503050406030204" pitchFamily="18" charset="0"/>
-                                  <a:ea typeface="Cambria Math" panose="02040503050406030204" pitchFamily="18" charset="0"/>
-                                </a:rPr>
-                                <m:t>𝛼</m:t>
-                              </m:r>
-                            </m:e>
-                            <m:sub>
-                              <m:r>
-                                <a:rPr lang="it-IT" i="1">
-                                  <a:latin typeface="Cambria Math" panose="02040503050406030204" pitchFamily="18" charset="0"/>
-                                </a:rPr>
-                                <m:t>0</m:t>
-                              </m:r>
-                            </m:sub>
-                          </m:sSub>
-                        </m:num>
-                        <m:den>
-                          <m:r>
-                            <a:rPr lang="it-IT" b="0" i="1" smtClean="0">
-                              <a:latin typeface="Cambria Math" panose="02040503050406030204" pitchFamily="18" charset="0"/>
-                            </a:rPr>
-                            <m:t>1−</m:t>
-                          </m:r>
-                          <m:sSub>
-                            <m:sSubPr>
-                              <m:ctrlPr>
-                                <a:rPr lang="it-IT" i="1">
-                                  <a:latin typeface="Cambria Math" panose="02040503050406030204" pitchFamily="18" charset="0"/>
-                                </a:rPr>
-                              </m:ctrlPr>
-                            </m:sSubPr>
-                            <m:e>
-                              <m:r>
-                                <a:rPr lang="it-IT" i="1">
-                                  <a:latin typeface="Cambria Math" panose="02040503050406030204" pitchFamily="18" charset="0"/>
-                                  <a:ea typeface="Cambria Math" panose="02040503050406030204" pitchFamily="18" charset="0"/>
-                                </a:rPr>
-                                <m:t>𝛼</m:t>
-                              </m:r>
-                            </m:e>
-                            <m:sub>
-                              <m:r>
-                                <a:rPr lang="it-IT" i="1">
-                                  <a:latin typeface="Cambria Math" panose="02040503050406030204" pitchFamily="18" charset="0"/>
-                                </a:rPr>
-                                <m:t>1</m:t>
-                              </m:r>
-                            </m:sub>
-                          </m:sSub>
-                          <m:r>
-                            <a:rPr lang="it-IT" b="0" i="1" smtClean="0">
-                              <a:latin typeface="Cambria Math" panose="02040503050406030204" pitchFamily="18" charset="0"/>
-                            </a:rPr>
-                            <m:t>−</m:t>
-                          </m:r>
-                          <m:sSub>
-                            <m:sSubPr>
-                              <m:ctrlPr>
-                                <a:rPr lang="it-IT" i="1">
-                                  <a:latin typeface="Cambria Math" panose="02040503050406030204" pitchFamily="18" charset="0"/>
-                                </a:rPr>
-                              </m:ctrlPr>
-                            </m:sSubPr>
-                            <m:e>
-                              <m:r>
-                                <a:rPr lang="it-IT" i="1">
-                                  <a:latin typeface="Cambria Math" panose="02040503050406030204" pitchFamily="18" charset="0"/>
-                                  <a:ea typeface="Cambria Math" panose="02040503050406030204" pitchFamily="18" charset="0"/>
-                                </a:rPr>
-                                <m:t>𝛽</m:t>
-                              </m:r>
-                            </m:e>
-                            <m:sub>
-                              <m:r>
-                                <a:rPr lang="it-IT" i="1">
-                                  <a:latin typeface="Cambria Math" panose="02040503050406030204" pitchFamily="18" charset="0"/>
-                                </a:rPr>
-                                <m:t>1</m:t>
-                              </m:r>
-                            </m:sub>
-                          </m:sSub>
-                        </m:den>
-                      </m:f>
-                    </m:oMath>
-                  </m:oMathPara>
-                </a14:m>
-                <a:endParaRPr lang="it-IT" b="0" dirty="0"/>
-              </a:p>
-              <a:p>
-                <a:endParaRPr lang="it-IT" b="0" dirty="0"/>
-              </a:p>
-              <a:p>
-                <a:endParaRPr lang="it-IT" dirty="0"/>
-              </a:p>
-            </p:txBody>
-          </p:sp>
-        </mc:Choice>
-        <mc:Fallback>
-          <p:sp>
-            <p:nvSpPr>
-              <p:cNvPr id="3" name="Segnaposto contenuto 2">
-                <a:extLst>
-                  <a:ext uri="{FF2B5EF4-FFF2-40B4-BE49-F238E27FC236}">
-                    <a16:creationId xmlns:a16="http://schemas.microsoft.com/office/drawing/2014/main" id="{09B4691E-F1DD-1DF1-6D69-FBE92E166E39}"/>
-                  </a:ext>
-                </a:extLst>
-              </p:cNvPr>
-              <p:cNvSpPr>
-                <a:spLocks noGrp="1" noRot="1" noChangeAspect="1" noMove="1" noResize="1" noEditPoints="1" noAdjustHandles="1" noChangeArrowheads="1" noChangeShapeType="1" noTextEdit="1"/>
-              </p:cNvSpPr>
-              <p:nvPr>
-                <p:ph sz="quarter" idx="15"/>
-              </p:nvPr>
-            </p:nvSpPr>
-            <p:spPr>
-              <a:xfrm>
-                <a:off x="594360" y="2676525"/>
-                <a:ext cx="10733372" cy="3597470"/>
-              </a:xfrm>
-              <a:blipFill>
-                <a:blip r:embed="rId3"/>
-                <a:stretch>
-                  <a:fillRect l="-1420" t="-1695"/>
-                </a:stretch>
-              </a:blipFill>
-            </p:spPr>
-            <p:txBody>
-              <a:bodyPr/>
-              <a:lstStyle/>
-              <a:p>
-                <a:r>
-                  <a:rPr lang="it-IT">
-                    <a:noFill/>
-                  </a:rPr>
-                  <a:t> </a:t>
-                </a:r>
-              </a:p>
-            </p:txBody>
-          </p:sp>
-        </mc:Fallback>
-      </mc:AlternateContent>
-      <p:sp>
-        <p:nvSpPr>
-          <p:cNvPr id="6" name="Segnaposto contenuto 5">
-            <a:extLst>
-              <a:ext uri="{FF2B5EF4-FFF2-40B4-BE49-F238E27FC236}">
-                <a16:creationId xmlns:a16="http://schemas.microsoft.com/office/drawing/2014/main" id="{E42DE28B-D69C-6FC0-3230-3F5469327EA8}"/>
-              </a:ext>
-            </a:extLst>
-          </p:cNvPr>
-          <p:cNvSpPr>
-            <a:spLocks noGrp="1"/>
-          </p:cNvSpPr>
-          <p:nvPr>
-            <p:ph sz="quarter" idx="16"/>
-          </p:nvPr>
-        </p:nvSpPr>
-        <p:spPr>
-          <a:xfrm rot="10800000" flipV="1">
-            <a:off x="11327732" y="667277"/>
-            <a:ext cx="625643" cy="848701"/>
-          </a:xfrm>
-        </p:spPr>
-        <p:txBody>
-          <a:bodyPr>
-            <a:normAutofit/>
-          </a:bodyPr>
-          <a:lstStyle/>
-          <a:p>
-            <a:endParaRPr lang="it-IT" dirty="0"/>
-          </a:p>
-        </p:txBody>
-      </p:sp>
-    </p:spTree>
-    <p:extLst>
-      <p:ext uri="{BB962C8B-B14F-4D97-AF65-F5344CB8AC3E}">
-        <p14:creationId xmlns:p14="http://schemas.microsoft.com/office/powerpoint/2010/main" val="1391301046"/>
       </p:ext>
     </p:extLst>
   </p:cSld>
@@ -17155,35 +19675,6 @@
 </file>
 
 <file path=customXml/item1.xml><?xml version="1.0" encoding="utf-8"?>
-<p:properties xmlns:p="http://schemas.microsoft.com/office/2006/metadata/properties" xmlns:xsi="http://www.w3.org/2001/XMLSchema-instance" xmlns:pc="http://schemas.microsoft.com/office/infopath/2007/PartnerControls">
-  <documentManagement>
-    <Background xmlns="71af3243-3dd4-4a8d-8c0d-dd76da1f02a5">false</Background>
-    <Status xmlns="71af3243-3dd4-4a8d-8c0d-dd76da1f02a5">Not started</Status>
-    <_ip_UnifiedCompliancePolicyUIAction xmlns="http://schemas.microsoft.com/sharepoint/v3" xsi:nil="true"/>
-    <Image xmlns="71af3243-3dd4-4a8d-8c0d-dd76da1f02a5">
-      <Url xsi:nil="true"/>
-      <Description xsi:nil="true"/>
-    </Image>
-    <_ip_UnifiedCompliancePolicyProperties xmlns="http://schemas.microsoft.com/sharepoint/v3" xsi:nil="true"/>
-    <ImageTagsTaxHTField xmlns="71af3243-3dd4-4a8d-8c0d-dd76da1f02a5">
-      <Terms xmlns="http://schemas.microsoft.com/office/infopath/2007/PartnerControls"/>
-    </ImageTagsTaxHTField>
-    <TaxCatchAll xmlns="230e9df3-be65-4c73-a93b-d1236ebd677e" xsi:nil="true"/>
-    <MediaServiceKeyPoints xmlns="71af3243-3dd4-4a8d-8c0d-dd76da1f02a5" xsi:nil="true"/>
-  </documentManagement>
-</p:properties>
-</file>
-
-<file path=customXml/item2.xml><?xml version="1.0" encoding="utf-8"?>
-<?mso-contentType ?>
-<FormTemplates xmlns="http://schemas.microsoft.com/sharepoint/v3/contenttype/forms">
-  <Display>DocumentLibraryForm</Display>
-  <Edit>DocumentLibraryForm</Edit>
-  <New>DocumentLibraryForm</New>
-</FormTemplates>
-</file>
-
-<file path=customXml/item3.xml><?xml version="1.0" encoding="utf-8"?>
 <ct:contentTypeSchema xmlns:ct="http://schemas.microsoft.com/office/2006/metadata/contentType" xmlns:ma="http://schemas.microsoft.com/office/2006/metadata/properties/metaAttributes" ct:_="" ma:_="" ma:contentTypeName="Document" ma:contentTypeID="0x01010079F111ED35F8CC479449609E8A0923A6" ma:contentTypeVersion="28" ma:contentTypeDescription="Create a new document." ma:contentTypeScope="" ma:versionID="60f5a4f2d2b0abadcf532d48ebf9cb71">
   <xsd:schema xmlns:xsd="http://www.w3.org/2001/XMLSchema" xmlns:xs="http://www.w3.org/2001/XMLSchema" xmlns:p="http://schemas.microsoft.com/office/2006/metadata/properties" xmlns:ns1="http://schemas.microsoft.com/sharepoint/v3" xmlns:ns2="71af3243-3dd4-4a8d-8c0d-dd76da1f02a5" xmlns:ns3="16c05727-aa75-4e4a-9b5f-8a80a1165891" xmlns:ns4="230e9df3-be65-4c73-a93b-d1236ebd677e" targetNamespace="http://schemas.microsoft.com/office/2006/metadata/properties" ma:root="true" ma:fieldsID="7dd78129e6a1811f84807ad11c651531" ns1:_="" ns2:_="" ns3:_="" ns4:_="">
     <xsd:import namespace="http://schemas.microsoft.com/sharepoint/v3"/>
@@ -17495,27 +19986,36 @@
 </ct:contentTypeSchema>
 </file>
 
-<file path=customXml/itemProps1.xml><?xml version="1.0" encoding="utf-8"?>
-<ds:datastoreItem xmlns:ds="http://schemas.openxmlformats.org/officeDocument/2006/customXml" ds:itemID="{4F4B194E-8B30-4377-8C59-ECFB902D2A26}">
-  <ds:schemaRefs>
-    <ds:schemaRef ds:uri="http://schemas.microsoft.com/office/2006/metadata/properties"/>
-    <ds:schemaRef ds:uri="http://schemas.microsoft.com/office/infopath/2007/PartnerControls"/>
-    <ds:schemaRef ds:uri="71af3243-3dd4-4a8d-8c0d-dd76da1f02a5"/>
-    <ds:schemaRef ds:uri="http://schemas.microsoft.com/sharepoint/v3"/>
-    <ds:schemaRef ds:uri="230e9df3-be65-4c73-a93b-d1236ebd677e"/>
-  </ds:schemaRefs>
-</ds:datastoreItem>
+<file path=customXml/item2.xml><?xml version="1.0" encoding="utf-8"?>
+<?mso-contentType ?>
+<FormTemplates xmlns="http://schemas.microsoft.com/sharepoint/v3/contenttype/forms">
+  <Display>DocumentLibraryForm</Display>
+  <Edit>DocumentLibraryForm</Edit>
+  <New>DocumentLibraryForm</New>
+</FormTemplates>
 </file>
 
-<file path=customXml/itemProps2.xml><?xml version="1.0" encoding="utf-8"?>
-<ds:datastoreItem xmlns:ds="http://schemas.openxmlformats.org/officeDocument/2006/customXml" ds:itemID="{C21FFAC0-05A2-416A-B06C-C248395482CF}">
-  <ds:schemaRefs>
-    <ds:schemaRef ds:uri="http://schemas.microsoft.com/sharepoint/v3/contenttype/forms"/>
-  </ds:schemaRefs>
-</ds:datastoreItem>
+<file path=customXml/item3.xml><?xml version="1.0" encoding="utf-8"?>
+<p:properties xmlns:p="http://schemas.microsoft.com/office/2006/metadata/properties" xmlns:xsi="http://www.w3.org/2001/XMLSchema-instance" xmlns:pc="http://schemas.microsoft.com/office/infopath/2007/PartnerControls">
+  <documentManagement>
+    <Background xmlns="71af3243-3dd4-4a8d-8c0d-dd76da1f02a5">false</Background>
+    <Status xmlns="71af3243-3dd4-4a8d-8c0d-dd76da1f02a5">Not started</Status>
+    <_ip_UnifiedCompliancePolicyUIAction xmlns="http://schemas.microsoft.com/sharepoint/v3" xsi:nil="true"/>
+    <Image xmlns="71af3243-3dd4-4a8d-8c0d-dd76da1f02a5">
+      <Url xsi:nil="true"/>
+      <Description xsi:nil="true"/>
+    </Image>
+    <_ip_UnifiedCompliancePolicyProperties xmlns="http://schemas.microsoft.com/sharepoint/v3" xsi:nil="true"/>
+    <ImageTagsTaxHTField xmlns="71af3243-3dd4-4a8d-8c0d-dd76da1f02a5">
+      <Terms xmlns="http://schemas.microsoft.com/office/infopath/2007/PartnerControls"/>
+    </ImageTagsTaxHTField>
+    <TaxCatchAll xmlns="230e9df3-be65-4c73-a93b-d1236ebd677e" xsi:nil="true"/>
+    <MediaServiceKeyPoints xmlns="71af3243-3dd4-4a8d-8c0d-dd76da1f02a5" xsi:nil="true"/>
+  </documentManagement>
+</p:properties>
 </file>
 
-<file path=customXml/itemProps3.xml><?xml version="1.0" encoding="utf-8"?>
+<file path=customXml/itemProps1.xml><?xml version="1.0" encoding="utf-8"?>
 <ds:datastoreItem xmlns:ds="http://schemas.openxmlformats.org/officeDocument/2006/customXml" ds:itemID="{92DB9E12-8AC3-4138-BF4D-720A5525AB10}">
   <ds:schemaRefs>
     <ds:schemaRef ds:uri="http://schemas.microsoft.com/office/2006/metadata/contentType"/>
@@ -17536,6 +20036,26 @@
 </ds:datastoreItem>
 </file>
 
+<file path=customXml/itemProps2.xml><?xml version="1.0" encoding="utf-8"?>
+<ds:datastoreItem xmlns:ds="http://schemas.openxmlformats.org/officeDocument/2006/customXml" ds:itemID="{C21FFAC0-05A2-416A-B06C-C248395482CF}">
+  <ds:schemaRefs>
+    <ds:schemaRef ds:uri="http://schemas.microsoft.com/sharepoint/v3/contenttype/forms"/>
+  </ds:schemaRefs>
+</ds:datastoreItem>
+</file>
+
+<file path=customXml/itemProps3.xml><?xml version="1.0" encoding="utf-8"?>
+<ds:datastoreItem xmlns:ds="http://schemas.openxmlformats.org/officeDocument/2006/customXml" ds:itemID="{4F4B194E-8B30-4377-8C59-ECFB902D2A26}">
+  <ds:schemaRefs>
+    <ds:schemaRef ds:uri="http://schemas.microsoft.com/office/2006/metadata/properties"/>
+    <ds:schemaRef ds:uri="http://schemas.microsoft.com/office/infopath/2007/PartnerControls"/>
+    <ds:schemaRef ds:uri="71af3243-3dd4-4a8d-8c0d-dd76da1f02a5"/>
+    <ds:schemaRef ds:uri="http://schemas.microsoft.com/sharepoint/v3"/>
+    <ds:schemaRef ds:uri="230e9df3-be65-4c73-a93b-d1236ebd677e"/>
+  </ds:schemaRefs>
+</ds:datastoreItem>
+</file>
+
 <file path=docMetadata/LabelInfo.xml><?xml version="1.0" encoding="utf-8"?>
 <clbl:labelList xmlns:clbl="http://schemas.microsoft.com/office/2020/mipLabelMetadata"/>
 </file>